--- a/SQF-Escali.pptx
+++ b/SQF-Escali.pptx
@@ -273,7 +273,7 @@
           <a:p>
             <a:fld id="{D47D8A5B-AC4C-43B8-8900-F35950A2270E}" type="datetimeFigureOut">
               <a:rPr lang="de-DE" smtClean="0"/>
-              <a:t>15.11.2017</a:t>
+              <a:t>17.11.2017</a:t>
             </a:fld>
             <a:endParaRPr lang="de-DE"/>
           </a:p>
@@ -5430,7 +5430,7 @@
                 </a:solidFill>
                 <a:latin typeface="TheSansOffice" pitchFamily="34" charset="0"/>
               </a:rPr>
-              <a:t>Mittwoch, 15. November 2017</a:t>
+              <a:t>Freitag, 17. November 2017</a:t>
             </a:fld>
             <a:endParaRPr lang="de-DE" sz="2000" b="1" i="1" noProof="0" dirty="0">
               <a:solidFill>
@@ -6688,25 +6688,7 @@
                 </a:solidFill>
                 <a:latin typeface="Arial" charset="0"/>
               </a:rPr>
-              <a:t> beim </a:t>
-            </a:r>
-            <a:r>
-              <a:rPr lang="de-DE" sz="1400" noProof="0" dirty="0" smtClean="0">
-                <a:solidFill>
-                  <a:srgbClr val="000000"/>
-                </a:solidFill>
-                <a:latin typeface="Arial" charset="0"/>
-              </a:rPr>
-              <a:t>Ausführen der </a:t>
-            </a:r>
-            <a:r>
-              <a:rPr lang="de-DE" sz="1400" noProof="0" dirty="0" smtClean="0">
-                <a:solidFill>
-                  <a:srgbClr val="000000"/>
-                </a:solidFill>
-                <a:latin typeface="Arial" charset="0"/>
-              </a:rPr>
-              <a:t>QFs</a:t>
+              <a:t> beim Ausführen der QFs</a:t>
             </a:r>
             <a:endParaRPr lang="de-DE" sz="1400" noProof="0" dirty="0">
               <a:solidFill>
@@ -6793,25 +6775,7 @@
                 </a:solidFill>
                 <a:latin typeface="Arial" charset="0"/>
               </a:rPr>
-              <a:t>Kopieren oder Verschieben von </a:t>
-            </a:r>
-            <a:r>
-              <a:rPr lang="de-DE" sz="1400" noProof="0" dirty="0" smtClean="0">
-                <a:solidFill>
-                  <a:srgbClr val="000000"/>
-                </a:solidFill>
-                <a:latin typeface="Arial" charset="0"/>
-              </a:rPr>
-              <a:t>Knoten löst </a:t>
-            </a:r>
-            <a:r>
-              <a:rPr lang="de-DE" sz="1400" noProof="0" dirty="0" smtClean="0">
-                <a:solidFill>
-                  <a:srgbClr val="000000"/>
-                </a:solidFill>
-                <a:latin typeface="Arial" charset="0"/>
-              </a:rPr>
-              <a:t>die </a:t>
+              <a:t>Kopieren oder Verschieben von Knoten löst die </a:t>
             </a:r>
             <a:r>
               <a:rPr lang="de-DE" sz="1400" noProof="0" dirty="0" err="1" smtClean="0">
@@ -6889,16 +6853,7 @@
                 </a:solidFill>
                 <a:latin typeface="Arial" charset="0"/>
               </a:rPr>
-              <a:t>-Element eingeführt </a:t>
-            </a:r>
-            <a:r>
-              <a:rPr lang="de-DE" sz="1400" noProof="0" dirty="0" smtClean="0">
-                <a:solidFill>
-                  <a:srgbClr val="000000"/>
-                </a:solidFill>
-                <a:latin typeface="Arial" charset="0"/>
-              </a:rPr>
-              <a:t>mit einem </a:t>
+              <a:t>-Element eingeführt mit einem </a:t>
             </a:r>
             <a:r>
               <a:rPr lang="de-DE" sz="1400" noProof="0" dirty="0" err="1" smtClean="0">
@@ -6929,12 +6884,6 @@
               </a:rPr>
               <a:t>-Attribut.</a:t>
             </a:r>
-            <a:endParaRPr lang="de-DE" sz="1400" noProof="0" dirty="0" smtClean="0">
-              <a:solidFill>
-                <a:srgbClr val="000000"/>
-              </a:solidFill>
-              <a:latin typeface="Arial" charset="0"/>
-            </a:endParaRPr>
           </a:p>
           <a:p>
             <a:pPr marL="800087" lvl="1" indent="-342887" algn="l">
@@ -7939,16 +7888,7 @@
                 </a:solidFill>
                 <a:latin typeface="Arial" charset="0"/>
               </a:rPr>
-              <a:t>Mengenangaben) </a:t>
-            </a:r>
-            <a:r>
-              <a:rPr lang="de-DE" sz="1400" noProof="0" dirty="0" smtClean="0">
-                <a:solidFill>
-                  <a:srgbClr val="000000"/>
-                </a:solidFill>
-                <a:latin typeface="Arial" charset="0"/>
-              </a:rPr>
-              <a:t>die Fehlerursache sind, gibt </a:t>
+              <a:t>Mengenangaben) die Fehlerursache sind, gibt </a:t>
             </a:r>
             <a:r>
               <a:rPr lang="de-DE" sz="1400" noProof="0" dirty="0" err="1" smtClean="0">
@@ -8026,7 +7966,16 @@
                 </a:solidFill>
                 <a:latin typeface="Arial" charset="0"/>
               </a:rPr>
-              <a:t>Mehrere Vorkommen des gleichen </a:t>
+              <a:t>Mehrere Vorkommen des gleichen Text-</a:t>
+            </a:r>
+            <a:r>
+              <a:rPr lang="de-DE" sz="1400" noProof="0" dirty="0" err="1" smtClean="0">
+                <a:solidFill>
+                  <a:srgbClr val="000000"/>
+                </a:solidFill>
+                <a:latin typeface="Arial" charset="0"/>
+              </a:rPr>
+              <a:t>Snippets</a:t>
             </a:r>
             <a:r>
               <a:rPr lang="de-DE" sz="1400" noProof="0" dirty="0" smtClean="0">
@@ -8035,34 +7984,7 @@
                 </a:solidFill>
                 <a:latin typeface="Arial" charset="0"/>
               </a:rPr>
-              <a:t>Text-</a:t>
-            </a:r>
-            <a:r>
-              <a:rPr lang="de-DE" sz="1400" noProof="0" dirty="0" err="1" smtClean="0">
-                <a:solidFill>
-                  <a:srgbClr val="000000"/>
-                </a:solidFill>
-                <a:latin typeface="Arial" charset="0"/>
-              </a:rPr>
-              <a:t>Snippets</a:t>
-            </a:r>
-            <a:r>
-              <a:rPr lang="de-DE" sz="1400" noProof="0" dirty="0" smtClean="0">
-                <a:solidFill>
-                  <a:srgbClr val="000000"/>
-                </a:solidFill>
-                <a:latin typeface="Arial" charset="0"/>
-              </a:rPr>
-              <a:t> </a:t>
-            </a:r>
-            <a:r>
-              <a:rPr lang="de-DE" sz="1400" noProof="0" dirty="0" smtClean="0">
-                <a:solidFill>
-                  <a:srgbClr val="000000"/>
-                </a:solidFill>
-                <a:latin typeface="Arial" charset="0"/>
-              </a:rPr>
-              <a:t>in einem Textknoten / Absatz werden als ein Fehler zusammengefasst. </a:t>
+              <a:t> in einem Textknoten / Absatz werden als ein Fehler zusammengefasst. </a:t>
             </a:r>
           </a:p>
           <a:p>
@@ -9142,25 +9064,7 @@
                 </a:solidFill>
                 <a:latin typeface="Arial" charset="0"/>
               </a:rPr>
-              <a:t>Die Oxygen-API liefert dazu zu </a:t>
-            </a:r>
-            <a:r>
-              <a:rPr lang="de-DE" sz="1600" noProof="0" dirty="0" smtClean="0">
-                <a:solidFill>
-                  <a:srgbClr val="000000"/>
-                </a:solidFill>
-                <a:latin typeface="Arial" charset="0"/>
-              </a:rPr>
-              <a:t>wenige </a:t>
-            </a:r>
-            <a:r>
-              <a:rPr lang="de-DE" sz="1600" noProof="0" dirty="0" smtClean="0">
-                <a:solidFill>
-                  <a:srgbClr val="000000"/>
-                </a:solidFill>
-                <a:latin typeface="Arial" charset="0"/>
-              </a:rPr>
-              <a:t>Informationen</a:t>
+              <a:t>Die Oxygen-API liefert dazu zu wenige Informationen</a:t>
             </a:r>
           </a:p>
           <a:p>
@@ -9202,25 +9106,7 @@
                 </a:solidFill>
                 <a:latin typeface="Arial" charset="0"/>
               </a:rPr>
-              <a:t>Im Oxygen gibt es viele </a:t>
-            </a:r>
-            <a:r>
-              <a:rPr lang="de-DE" sz="1600" noProof="0" dirty="0" smtClean="0">
-                <a:solidFill>
-                  <a:srgbClr val="000000"/>
-                </a:solidFill>
-                <a:latin typeface="Arial" charset="0"/>
-              </a:rPr>
-              <a:t>Möglichkeiten, </a:t>
-            </a:r>
-            <a:r>
-              <a:rPr lang="de-DE" sz="1600" noProof="0" dirty="0" smtClean="0">
-                <a:solidFill>
-                  <a:srgbClr val="000000"/>
-                </a:solidFill>
-                <a:latin typeface="Arial" charset="0"/>
-              </a:rPr>
-              <a:t>ein XML-Dokument mit einem </a:t>
+              <a:t>Im Oxygen gibt es viele Möglichkeiten, ein XML-Dokument mit einem </a:t>
             </a:r>
             <a:r>
               <a:rPr lang="de-DE" sz="1600" noProof="0" dirty="0" err="1" smtClean="0">
@@ -9394,23 +9280,8 @@
                 </a:solidFill>
                 <a:latin typeface="Arial" charset="0"/>
               </a:rPr>
-              <a:t>-PI </a:t>
-            </a:r>
-            <a:r>
-              <a:rPr lang="de-DE" sz="1600" noProof="0" dirty="0" smtClean="0">
-                <a:solidFill>
-                  <a:srgbClr val="000000"/>
-                </a:solidFill>
-                <a:latin typeface="Arial" charset="0"/>
-              </a:rPr>
-              <a:t>zurückgreifen</a:t>
-            </a:r>
-            <a:endParaRPr lang="de-DE" sz="1600" noProof="0" dirty="0" smtClean="0">
-              <a:solidFill>
-                <a:srgbClr val="000000"/>
-              </a:solidFill>
-              <a:latin typeface="Arial" charset="0"/>
-            </a:endParaRPr>
+              <a:t>-PI zurückgreifen</a:t>
+            </a:r>
           </a:p>
           <a:p>
             <a:pPr marL="800087" lvl="1" indent="-342887" algn="l">
@@ -9457,7 +9328,25 @@
                 </a:solidFill>
                 <a:latin typeface="Arial" charset="0"/>
               </a:rPr>
-              <a:t>Table</a:t>
+              <a:t>Table, ähnlich der </a:t>
+            </a:r>
+            <a:r>
+              <a:rPr lang="de-DE" sz="1600" noProof="0" dirty="0" err="1" smtClean="0">
+                <a:solidFill>
+                  <a:srgbClr val="000000"/>
+                </a:solidFill>
+                <a:latin typeface="Arial" charset="0"/>
+              </a:rPr>
+              <a:t>Association</a:t>
+            </a:r>
+            <a:r>
+              <a:rPr lang="de-DE" sz="1600" noProof="0" dirty="0">
+                <a:solidFill>
+                  <a:srgbClr val="000000"/>
+                </a:solidFill>
+                <a:latin typeface="Arial" charset="0"/>
+              </a:rPr>
+              <a:t> </a:t>
             </a:r>
             <a:r>
               <a:rPr lang="de-DE" sz="1600" noProof="0" dirty="0" smtClean="0">
@@ -9466,43 +9355,7 @@
                 </a:solidFill>
                 <a:latin typeface="Arial" charset="0"/>
               </a:rPr>
-              <a:t>, ähnlich der </a:t>
-            </a:r>
-            <a:r>
-              <a:rPr lang="de-DE" sz="1600" noProof="0" dirty="0" err="1" smtClean="0">
-                <a:solidFill>
-                  <a:srgbClr val="000000"/>
-                </a:solidFill>
-                <a:latin typeface="Arial" charset="0"/>
-              </a:rPr>
-              <a:t>Association</a:t>
-            </a:r>
-            <a:r>
-              <a:rPr lang="de-DE" sz="1600" noProof="0" dirty="0">
-                <a:solidFill>
-                  <a:srgbClr val="000000"/>
-                </a:solidFill>
-                <a:latin typeface="Arial" charset="0"/>
-              </a:rPr>
-              <a:t> </a:t>
-            </a:r>
-            <a:r>
-              <a:rPr lang="de-DE" sz="1600" noProof="0" dirty="0" smtClean="0">
-                <a:solidFill>
-                  <a:srgbClr val="000000"/>
-                </a:solidFill>
-                <a:latin typeface="Arial" charset="0"/>
-              </a:rPr>
-              <a:t>Rules </a:t>
-            </a:r>
-            <a:r>
-              <a:rPr lang="de-DE" sz="1600" noProof="0" dirty="0" smtClean="0">
-                <a:solidFill>
-                  <a:srgbClr val="000000"/>
-                </a:solidFill>
-                <a:latin typeface="Arial" charset="0"/>
-              </a:rPr>
-              <a:t>eines Frameworks.</a:t>
+              <a:t>Rules eines Frameworks.</a:t>
             </a:r>
           </a:p>
           <a:p>
@@ -9619,16 +9472,7 @@
                 </a:solidFill>
                 <a:latin typeface="Arial" charset="0"/>
               </a:rPr>
-              <a:t> </a:t>
-            </a:r>
-            <a:r>
-              <a:rPr lang="de-DE" sz="1600" noProof="0" dirty="0" smtClean="0">
-                <a:solidFill>
-                  <a:srgbClr val="000000"/>
-                </a:solidFill>
-                <a:latin typeface="Arial" charset="0"/>
-              </a:rPr>
-              <a:t>auch, findet eine doppelte Validierung statt.</a:t>
+              <a:t> auch, findet eine doppelte Validierung statt.</a:t>
             </a:r>
           </a:p>
         </p:txBody>
@@ -10459,25 +10303,7 @@
                 </a:solidFill>
                 <a:latin typeface="Arial" charset="0"/>
               </a:rPr>
-              <a:t>Umsetzung </a:t>
-            </a:r>
-            <a:r>
-              <a:rPr lang="de-DE" sz="1600" noProof="0" dirty="0" smtClean="0">
-                <a:solidFill>
-                  <a:srgbClr val="000000"/>
-                </a:solidFill>
-                <a:latin typeface="Arial" charset="0"/>
-              </a:rPr>
-              <a:t>im</a:t>
-            </a:r>
-            <a:r>
-              <a:rPr lang="de-DE" sz="1600" noProof="0" dirty="0" smtClean="0">
-                <a:solidFill>
-                  <a:srgbClr val="000000"/>
-                </a:solidFill>
-                <a:latin typeface="Arial" charset="0"/>
-              </a:rPr>
-              <a:t> </a:t>
+              <a:t>Umsetzung im </a:t>
             </a:r>
             <a:r>
               <a:rPr lang="de-DE" sz="1600" noProof="0" dirty="0" err="1" smtClean="0">
@@ -10702,32 +10528,8 @@
                 </a:solidFill>
                 <a:latin typeface="Arial" charset="0"/>
               </a:rPr>
-              <a:t> </a:t>
-            </a:r>
-            <a:r>
-              <a:rPr lang="de-DE" sz="1600" noProof="0" dirty="0" smtClean="0">
-                <a:solidFill>
-                  <a:srgbClr val="000000"/>
-                </a:solidFill>
-                <a:latin typeface="Arial" charset="0"/>
-              </a:rPr>
-              <a:t>ist so aufgesetzt, dass es relativ leicht in andere Editoren portiert werden kann (keine komplette Neuentwicklung</a:t>
-            </a:r>
-            <a:r>
-              <a:rPr lang="de-DE" sz="1600" noProof="0" dirty="0" smtClean="0">
-                <a:solidFill>
-                  <a:srgbClr val="000000"/>
-                </a:solidFill>
-                <a:latin typeface="Arial" charset="0"/>
-              </a:rPr>
-              <a:t>)</a:t>
-            </a:r>
-            <a:endParaRPr lang="de-DE" sz="1600" noProof="0" dirty="0" smtClean="0">
-              <a:solidFill>
-                <a:srgbClr val="000000"/>
-              </a:solidFill>
-              <a:latin typeface="Arial" charset="0"/>
-            </a:endParaRPr>
+              <a:t> ist so aufgesetzt, dass es relativ leicht in andere Editoren portiert werden kann (keine komplette Neuentwicklung)</a:t>
+            </a:r>
           </a:p>
         </p:txBody>
       </p:sp>
@@ -11298,16 +11100,7 @@
                 </a:solidFill>
                 <a:latin typeface="Arial" charset="0"/>
               </a:rPr>
-              <a:t>SQF </a:t>
-            </a:r>
-            <a:r>
-              <a:rPr lang="de-DE" sz="2000" noProof="0" dirty="0" smtClean="0">
-                <a:solidFill>
-                  <a:srgbClr val="000000"/>
-                </a:solidFill>
-                <a:latin typeface="Arial" charset="0"/>
-              </a:rPr>
-              <a:t>Website</a:t>
+              <a:t>SQF Website</a:t>
             </a:r>
             <a:endParaRPr lang="de-DE" sz="1600" noProof="0" dirty="0" smtClean="0">
               <a:solidFill>
@@ -11417,6 +11210,61 @@
                 <a:hlinkClick r:id="rId4"/>
               </a:rPr>
               <a:t>http://www.schematron-quickfix.com/escali/escali-ext_en.html</a:t>
+            </a:r>
+            <a:endParaRPr lang="de-DE" sz="1600" noProof="0" dirty="0" smtClean="0">
+              <a:solidFill>
+                <a:srgbClr val="000000"/>
+              </a:solidFill>
+              <a:latin typeface="Arial" charset="0"/>
+            </a:endParaRPr>
+          </a:p>
+          <a:p>
+            <a:pPr marL="800087" lvl="1" indent="-342887" algn="l">
+              <a:lnSpc>
+                <a:spcPct val="150000"/>
+              </a:lnSpc>
+              <a:spcBef>
+                <a:spcPct val="0"/>
+              </a:spcBef>
+              <a:buFont typeface="Arial" pitchFamily="34" charset="0"/>
+              <a:buChar char="•"/>
+            </a:pPr>
+            <a:r>
+              <a:rPr lang="de-DE" sz="1600" dirty="0" smtClean="0">
+                <a:solidFill>
+                  <a:srgbClr val="000000"/>
+                </a:solidFill>
+                <a:latin typeface="Arial" charset="0"/>
+              </a:rPr>
+              <a:t>Folien und Beispiele zu diesem Vortrag:</a:t>
+            </a:r>
+            <a:br>
+              <a:rPr lang="de-DE" sz="1600" dirty="0" smtClean="0">
+                <a:solidFill>
+                  <a:srgbClr val="000000"/>
+                </a:solidFill>
+                <a:latin typeface="Arial" charset="0"/>
+              </a:rPr>
+            </a:br>
+            <a:r>
+              <a:rPr lang="de-DE" sz="1600" dirty="0" smtClean="0">
+                <a:solidFill>
+                  <a:srgbClr val="000000"/>
+                </a:solidFill>
+                <a:latin typeface="Arial" charset="0"/>
+                <a:hlinkClick r:id="rId5"/>
+              </a:rPr>
+              <a:t>https</a:t>
+            </a:r>
+            <a:r>
+              <a:rPr lang="de-DE" sz="1600" dirty="0">
+                <a:solidFill>
+                  <a:srgbClr val="000000"/>
+                </a:solidFill>
+                <a:latin typeface="Arial" charset="0"/>
+                <a:hlinkClick r:id="rId5"/>
+              </a:rPr>
+              <a:t>://github.com/nkutsche/SchematronQuickFix-2017-11-17</a:t>
             </a:r>
             <a:endParaRPr lang="de-DE" sz="1600" noProof="0" dirty="0" smtClean="0">
               <a:solidFill>
@@ -11444,6 +11292,36 @@
             </a:endParaRPr>
           </a:p>
           <a:p>
+            <a:pPr marL="342887" indent="-342887" algn="l">
+              <a:lnSpc>
+                <a:spcPct val="150000"/>
+              </a:lnSpc>
+              <a:spcBef>
+                <a:spcPct val="0"/>
+              </a:spcBef>
+              <a:buFont typeface="Arial" pitchFamily="34" charset="0"/>
+              <a:buChar char="•"/>
+            </a:pPr>
+            <a:r>
+              <a:rPr lang="de-DE" sz="2000" noProof="0" dirty="0" err="1" smtClean="0">
+                <a:solidFill>
+                  <a:srgbClr val="000000"/>
+                </a:solidFill>
+                <a:latin typeface="Arial" charset="0"/>
+              </a:rPr>
+              <a:t>Github</a:t>
+            </a:r>
+            <a:r>
+              <a:rPr lang="de-DE" sz="2000" noProof="0" dirty="0" smtClean="0">
+                <a:solidFill>
+                  <a:srgbClr val="000000"/>
+                </a:solidFill>
+                <a:latin typeface="Arial" charset="0"/>
+              </a:rPr>
+              <a:t>-Organisation</a:t>
+            </a:r>
+          </a:p>
+          <a:p>
             <a:pPr marL="800087" lvl="1" indent="-342887" algn="l">
               <a:lnSpc>
                 <a:spcPct val="150000"/>
@@ -11454,6 +11332,16 @@
               <a:buFont typeface="Arial" pitchFamily="34" charset="0"/>
               <a:buChar char="•"/>
             </a:pPr>
+            <a:r>
+              <a:rPr lang="de-DE" sz="1600" noProof="0" dirty="0" smtClean="0">
+                <a:solidFill>
+                  <a:srgbClr val="000000"/>
+                </a:solidFill>
+                <a:latin typeface="Arial" charset="0"/>
+                <a:hlinkClick r:id="rId6"/>
+              </a:rPr>
+              <a:t>https://github.com/schematron-quickfix/</a:t>
+            </a:r>
             <a:endParaRPr lang="de-DE" sz="1600" noProof="0" dirty="0" smtClean="0">
               <a:solidFill>
                 <a:srgbClr val="000000"/>
@@ -11473,22 +11361,13 @@
               <a:buChar char="•"/>
             </a:pPr>
             <a:r>
-              <a:rPr lang="de-DE" sz="2000" noProof="0" dirty="0" err="1" smtClean="0">
-                <a:solidFill>
-                  <a:srgbClr val="000000"/>
-                </a:solidFill>
-                <a:latin typeface="Arial" charset="0"/>
-              </a:rPr>
-              <a:t>Github</a:t>
-            </a:r>
-            <a:r>
               <a:rPr lang="de-DE" sz="2000" noProof="0" dirty="0" smtClean="0">
                 <a:solidFill>
                   <a:srgbClr val="000000"/>
                 </a:solidFill>
                 <a:latin typeface="Arial" charset="0"/>
               </a:rPr>
-              <a:t>-Organisation</a:t>
+              <a:t>W3C-Gruppe</a:t>
             </a:r>
           </a:p>
           <a:p>
@@ -11508,9 +11387,9 @@
                   <a:srgbClr val="000000"/>
                 </a:solidFill>
                 <a:latin typeface="Arial" charset="0"/>
-                <a:hlinkClick r:id="rId5"/>
-              </a:rPr>
-              <a:t>https://github.com/schematron-quickfix/</a:t>
+                <a:hlinkClick r:id="rId7"/>
+              </a:rPr>
+              <a:t>https://www.w3.org/community/quickfix/</a:t>
             </a:r>
             <a:endParaRPr lang="de-DE" sz="1600" noProof="0" dirty="0" smtClean="0">
               <a:solidFill>
@@ -11531,22 +11410,22 @@
               <a:buChar char="•"/>
             </a:pPr>
             <a:r>
+              <a:rPr lang="de-DE" sz="2000" noProof="0" dirty="0" err="1" smtClean="0">
+                <a:solidFill>
+                  <a:srgbClr val="000000"/>
+                </a:solidFill>
+                <a:latin typeface="Arial" charset="0"/>
+              </a:rPr>
+              <a:t>oXygen</a:t>
+            </a:r>
+            <a:r>
               <a:rPr lang="de-DE" sz="2000" noProof="0" dirty="0" smtClean="0">
                 <a:solidFill>
                   <a:srgbClr val="000000"/>
                 </a:solidFill>
                 <a:latin typeface="Arial" charset="0"/>
               </a:rPr>
-              <a:t>W3C</a:t>
-            </a:r>
-            <a:r>
-              <a:rPr lang="de-DE" sz="2000" noProof="0" dirty="0" smtClean="0">
-                <a:solidFill>
-                  <a:srgbClr val="000000"/>
-                </a:solidFill>
-                <a:latin typeface="Arial" charset="0"/>
-              </a:rPr>
-              <a:t>-Gruppe</a:t>
+              <a:t>-Dokumentation</a:t>
             </a:r>
           </a:p>
           <a:p>
@@ -11566,65 +11445,7 @@
                   <a:srgbClr val="000000"/>
                 </a:solidFill>
                 <a:latin typeface="Arial" charset="0"/>
-                <a:hlinkClick r:id="rId6"/>
-              </a:rPr>
-              <a:t>https://www.w3.org/community/quickfix/</a:t>
-            </a:r>
-            <a:endParaRPr lang="de-DE" sz="1600" noProof="0" dirty="0" smtClean="0">
-              <a:solidFill>
-                <a:srgbClr val="000000"/>
-              </a:solidFill>
-              <a:latin typeface="Arial" charset="0"/>
-            </a:endParaRPr>
-          </a:p>
-          <a:p>
-            <a:pPr marL="342887" indent="-342887" algn="l">
-              <a:lnSpc>
-                <a:spcPct val="150000"/>
-              </a:lnSpc>
-              <a:spcBef>
-                <a:spcPct val="0"/>
-              </a:spcBef>
-              <a:buFont typeface="Arial" pitchFamily="34" charset="0"/>
-              <a:buChar char="•"/>
-            </a:pPr>
-            <a:r>
-              <a:rPr lang="de-DE" sz="2000" noProof="0" dirty="0" err="1" smtClean="0">
-                <a:solidFill>
-                  <a:srgbClr val="000000"/>
-                </a:solidFill>
-                <a:latin typeface="Arial" charset="0"/>
-              </a:rPr>
-              <a:t>oXygen</a:t>
-            </a:r>
-            <a:r>
-              <a:rPr lang="de-DE" sz="2000" noProof="0" dirty="0" smtClean="0">
-                <a:solidFill>
-                  <a:srgbClr val="000000"/>
-                </a:solidFill>
-                <a:latin typeface="Arial" charset="0"/>
-              </a:rPr>
-              <a:t>-Dokumentation</a:t>
-            </a:r>
-          </a:p>
-          <a:p>
-            <a:pPr marL="800087" lvl="1" indent="-342887" algn="l">
-              <a:lnSpc>
-                <a:spcPct val="150000"/>
-              </a:lnSpc>
-              <a:spcBef>
-                <a:spcPct val="0"/>
-              </a:spcBef>
-              <a:buFont typeface="Arial" pitchFamily="34" charset="0"/>
-              <a:buChar char="•"/>
-            </a:pPr>
-            <a:r>
-              <a:rPr lang="de-DE" sz="1600" noProof="0" dirty="0" smtClean="0">
-                <a:solidFill>
-                  <a:srgbClr val="000000"/>
-                </a:solidFill>
-                <a:latin typeface="Arial" charset="0"/>
-                <a:hlinkClick r:id="rId7"/>
+                <a:hlinkClick r:id="rId8"/>
               </a:rPr>
               <a:t>https://www.oxygenxml.com/doc/versions/19.1/ug-editor/topics/schematron-quick-fixes.html</a:t>
             </a:r>
@@ -11650,357 +11471,7 @@
   <p:timing>
     <p:tnLst>
       <p:par>
-        <p:cTn id="1" dur="indefinite" restart="never" nodeType="tmRoot">
-          <p:childTnLst>
-            <p:seq concurrent="1" nextAc="seek">
-              <p:cTn id="2" dur="indefinite" nodeType="mainSeq">
-                <p:childTnLst>
-                  <p:par>
-                    <p:cTn id="3" fill="hold">
-                      <p:stCondLst>
-                        <p:cond delay="indefinite"/>
-                        <p:cond evt="onBegin" delay="0">
-                          <p:tn val="2"/>
-                        </p:cond>
-                      </p:stCondLst>
-                      <p:childTnLst>
-                        <p:par>
-                          <p:cTn id="4" fill="hold">
-                            <p:stCondLst>
-                              <p:cond delay="0"/>
-                            </p:stCondLst>
-                            <p:childTnLst>
-                              <p:par>
-                                <p:cTn id="5" presetID="1" presetClass="entr" presetSubtype="0" fill="hold" nodeType="withEffect">
-                                  <p:stCondLst>
-                                    <p:cond delay="0"/>
-                                  </p:stCondLst>
-                                  <p:iterate type="lt">
-                                    <p:tmAbs val="0"/>
-                                  </p:iterate>
-                                  <p:childTnLst>
-                                    <p:set>
-                                      <p:cBhvr>
-                                        <p:cTn id="6" dur="1" fill="hold">
-                                          <p:stCondLst>
-                                            <p:cond delay="0"/>
-                                          </p:stCondLst>
-                                        </p:cTn>
-                                        <p:tgtEl>
-                                          <p:spTgt spid="4098">
-                                            <p:txEl>
-                                              <p:pRg st="0" end="0"/>
-                                            </p:txEl>
-                                          </p:spTgt>
-                                        </p:tgtEl>
-                                        <p:attrNameLst>
-                                          <p:attrName>style.visibility</p:attrName>
-                                        </p:attrNameLst>
-                                      </p:cBhvr>
-                                      <p:to>
-                                        <p:strVal val="visible"/>
-                                      </p:to>
-                                    </p:set>
-                                  </p:childTnLst>
-                                </p:cTn>
-                              </p:par>
-                              <p:par>
-                                <p:cTn id="7" presetID="1" presetClass="entr" presetSubtype="0" fill="hold" nodeType="withEffect">
-                                  <p:stCondLst>
-                                    <p:cond delay="0"/>
-                                  </p:stCondLst>
-                                  <p:iterate type="lt">
-                                    <p:tmAbs val="0"/>
-                                  </p:iterate>
-                                  <p:childTnLst>
-                                    <p:set>
-                                      <p:cBhvr>
-                                        <p:cTn id="8" dur="1" fill="hold">
-                                          <p:stCondLst>
-                                            <p:cond delay="0"/>
-                                          </p:stCondLst>
-                                        </p:cTn>
-                                        <p:tgtEl>
-                                          <p:spTgt spid="4098">
-                                            <p:txEl>
-                                              <p:pRg st="1" end="1"/>
-                                            </p:txEl>
-                                          </p:spTgt>
-                                        </p:tgtEl>
-                                        <p:attrNameLst>
-                                          <p:attrName>style.visibility</p:attrName>
-                                        </p:attrNameLst>
-                                      </p:cBhvr>
-                                      <p:to>
-                                        <p:strVal val="visible"/>
-                                      </p:to>
-                                    </p:set>
-                                  </p:childTnLst>
-                                </p:cTn>
-                              </p:par>
-                              <p:par>
-                                <p:cTn id="9" presetID="1" presetClass="entr" presetSubtype="0" fill="hold" nodeType="withEffect">
-                                  <p:stCondLst>
-                                    <p:cond delay="0"/>
-                                  </p:stCondLst>
-                                  <p:iterate type="lt">
-                                    <p:tmAbs val="0"/>
-                                  </p:iterate>
-                                  <p:childTnLst>
-                                    <p:set>
-                                      <p:cBhvr>
-                                        <p:cTn id="10" dur="1" fill="hold">
-                                          <p:stCondLst>
-                                            <p:cond delay="0"/>
-                                          </p:stCondLst>
-                                        </p:cTn>
-                                        <p:tgtEl>
-                                          <p:spTgt spid="4098">
-                                            <p:txEl>
-                                              <p:pRg st="2" end="2"/>
-                                            </p:txEl>
-                                          </p:spTgt>
-                                        </p:tgtEl>
-                                        <p:attrNameLst>
-                                          <p:attrName>style.visibility</p:attrName>
-                                        </p:attrNameLst>
-                                      </p:cBhvr>
-                                      <p:to>
-                                        <p:strVal val="visible"/>
-                                      </p:to>
-                                    </p:set>
-                                  </p:childTnLst>
-                                </p:cTn>
-                              </p:par>
-                              <p:par>
-                                <p:cTn id="11" presetID="1" presetClass="entr" presetSubtype="0" fill="hold" nodeType="withEffect">
-                                  <p:stCondLst>
-                                    <p:cond delay="0"/>
-                                  </p:stCondLst>
-                                  <p:iterate type="lt">
-                                    <p:tmAbs val="0"/>
-                                  </p:iterate>
-                                  <p:childTnLst>
-                                    <p:set>
-                                      <p:cBhvr>
-                                        <p:cTn id="12" dur="1" fill="hold">
-                                          <p:stCondLst>
-                                            <p:cond delay="0"/>
-                                          </p:stCondLst>
-                                        </p:cTn>
-                                        <p:tgtEl>
-                                          <p:spTgt spid="4098">
-                                            <p:txEl>
-                                              <p:pRg st="5" end="5"/>
-                                            </p:txEl>
-                                          </p:spTgt>
-                                        </p:tgtEl>
-                                        <p:attrNameLst>
-                                          <p:attrName>style.visibility</p:attrName>
-                                        </p:attrNameLst>
-                                      </p:cBhvr>
-                                      <p:to>
-                                        <p:strVal val="visible"/>
-                                      </p:to>
-                                    </p:set>
-                                  </p:childTnLst>
-                                </p:cTn>
-                              </p:par>
-                              <p:par>
-                                <p:cTn id="13" presetID="1" presetClass="entr" presetSubtype="0" fill="hold" nodeType="withEffect">
-                                  <p:stCondLst>
-                                    <p:cond delay="0"/>
-                                  </p:stCondLst>
-                                  <p:iterate type="lt">
-                                    <p:tmAbs val="0"/>
-                                  </p:iterate>
-                                  <p:childTnLst>
-                                    <p:set>
-                                      <p:cBhvr>
-                                        <p:cTn id="14" dur="1" fill="hold">
-                                          <p:stCondLst>
-                                            <p:cond delay="0"/>
-                                          </p:stCondLst>
-                                        </p:cTn>
-                                        <p:tgtEl>
-                                          <p:spTgt spid="4098">
-                                            <p:txEl>
-                                              <p:pRg st="6" end="6"/>
-                                            </p:txEl>
-                                          </p:spTgt>
-                                        </p:tgtEl>
-                                        <p:attrNameLst>
-                                          <p:attrName>style.visibility</p:attrName>
-                                        </p:attrNameLst>
-                                      </p:cBhvr>
-                                      <p:to>
-                                        <p:strVal val="visible"/>
-                                      </p:to>
-                                    </p:set>
-                                  </p:childTnLst>
-                                </p:cTn>
-                              </p:par>
-                              <p:par>
-                                <p:cTn id="15" presetID="1" presetClass="entr" presetSubtype="0" fill="hold" nodeType="withEffect">
-                                  <p:stCondLst>
-                                    <p:cond delay="0"/>
-                                  </p:stCondLst>
-                                  <p:iterate type="lt">
-                                    <p:tmAbs val="0"/>
-                                  </p:iterate>
-                                  <p:childTnLst>
-                                    <p:set>
-                                      <p:cBhvr>
-                                        <p:cTn id="16" dur="1" fill="hold">
-                                          <p:stCondLst>
-                                            <p:cond delay="0"/>
-                                          </p:stCondLst>
-                                        </p:cTn>
-                                        <p:tgtEl>
-                                          <p:spTgt spid="4098">
-                                            <p:txEl>
-                                              <p:pRg st="7" end="7"/>
-                                            </p:txEl>
-                                          </p:spTgt>
-                                        </p:tgtEl>
-                                        <p:attrNameLst>
-                                          <p:attrName>style.visibility</p:attrName>
-                                        </p:attrNameLst>
-                                      </p:cBhvr>
-                                      <p:to>
-                                        <p:strVal val="visible"/>
-                                      </p:to>
-                                    </p:set>
-                                  </p:childTnLst>
-                                </p:cTn>
-                              </p:par>
-                              <p:par>
-                                <p:cTn id="17" presetID="1" presetClass="entr" presetSubtype="0" fill="hold" nodeType="withEffect">
-                                  <p:stCondLst>
-                                    <p:cond delay="0"/>
-                                  </p:stCondLst>
-                                  <p:iterate type="lt">
-                                    <p:tmAbs val="0"/>
-                                  </p:iterate>
-                                  <p:childTnLst>
-                                    <p:set>
-                                      <p:cBhvr>
-                                        <p:cTn id="18" dur="1" fill="hold">
-                                          <p:stCondLst>
-                                            <p:cond delay="0"/>
-                                          </p:stCondLst>
-                                        </p:cTn>
-                                        <p:tgtEl>
-                                          <p:spTgt spid="4098">
-                                            <p:txEl>
-                                              <p:pRg st="8" end="8"/>
-                                            </p:txEl>
-                                          </p:spTgt>
-                                        </p:tgtEl>
-                                        <p:attrNameLst>
-                                          <p:attrName>style.visibility</p:attrName>
-                                        </p:attrNameLst>
-                                      </p:cBhvr>
-                                      <p:to>
-                                        <p:strVal val="visible"/>
-                                      </p:to>
-                                    </p:set>
-                                  </p:childTnLst>
-                                </p:cTn>
-                              </p:par>
-                              <p:par>
-                                <p:cTn id="19" presetID="1" presetClass="entr" presetSubtype="0" fill="hold" nodeType="withEffect">
-                                  <p:stCondLst>
-                                    <p:cond delay="0"/>
-                                  </p:stCondLst>
-                                  <p:iterate type="lt">
-                                    <p:tmAbs val="0"/>
-                                  </p:iterate>
-                                  <p:childTnLst>
-                                    <p:set>
-                                      <p:cBhvr>
-                                        <p:cTn id="20" dur="1" fill="hold">
-                                          <p:stCondLst>
-                                            <p:cond delay="0"/>
-                                          </p:stCondLst>
-                                        </p:cTn>
-                                        <p:tgtEl>
-                                          <p:spTgt spid="4098">
-                                            <p:txEl>
-                                              <p:pRg st="9" end="9"/>
-                                            </p:txEl>
-                                          </p:spTgt>
-                                        </p:tgtEl>
-                                        <p:attrNameLst>
-                                          <p:attrName>style.visibility</p:attrName>
-                                        </p:attrNameLst>
-                                      </p:cBhvr>
-                                      <p:to>
-                                        <p:strVal val="visible"/>
-                                      </p:to>
-                                    </p:set>
-                                  </p:childTnLst>
-                                </p:cTn>
-                              </p:par>
-                              <p:par>
-                                <p:cTn id="21" presetID="1" presetClass="entr" presetSubtype="0" fill="hold" nodeType="withEffect">
-                                  <p:stCondLst>
-                                    <p:cond delay="0"/>
-                                  </p:stCondLst>
-                                  <p:iterate type="lt">
-                                    <p:tmAbs val="0"/>
-                                  </p:iterate>
-                                  <p:childTnLst>
-                                    <p:set>
-                                      <p:cBhvr>
-                                        <p:cTn id="22" dur="1" fill="hold">
-                                          <p:stCondLst>
-                                            <p:cond delay="0"/>
-                                          </p:stCondLst>
-                                        </p:cTn>
-                                        <p:tgtEl>
-                                          <p:spTgt spid="4098">
-                                            <p:txEl>
-                                              <p:pRg st="10" end="10"/>
-                                            </p:txEl>
-                                          </p:spTgt>
-                                        </p:tgtEl>
-                                        <p:attrNameLst>
-                                          <p:attrName>style.visibility</p:attrName>
-                                        </p:attrNameLst>
-                                      </p:cBhvr>
-                                      <p:to>
-                                        <p:strVal val="visible"/>
-                                      </p:to>
-                                    </p:set>
-                                  </p:childTnLst>
-                                </p:cTn>
-                              </p:par>
-                            </p:childTnLst>
-                          </p:cTn>
-                        </p:par>
-                      </p:childTnLst>
-                    </p:cTn>
-                  </p:par>
-                </p:childTnLst>
-              </p:cTn>
-              <p:prevCondLst>
-                <p:cond evt="onPrev" delay="0">
-                  <p:tgtEl>
-                    <p:sldTgt/>
-                  </p:tgtEl>
-                </p:cond>
-              </p:prevCondLst>
-              <p:nextCondLst>
-                <p:cond evt="onNext" delay="0">
-                  <p:tgtEl>
-                    <p:sldTgt/>
-                  </p:tgtEl>
-                </p:cond>
-              </p:nextCondLst>
-            </p:seq>
-          </p:childTnLst>
-        </p:cTn>
+        <p:cTn id="1" dur="indefinite" restart="never" nodeType="tmRoot"/>
       </p:par>
     </p:tnLst>
   </p:timing>
@@ -12416,16 +11887,7 @@
                 </a:solidFill>
                 <a:latin typeface="Arial" charset="0"/>
               </a:rPr>
-              <a:t>-</a:t>
-            </a:r>
-            <a:r>
-              <a:rPr lang="de-DE" sz="2000" noProof="0" dirty="0" smtClean="0">
-                <a:solidFill>
-                  <a:srgbClr val="000000"/>
-                </a:solidFill>
-                <a:latin typeface="Arial" charset="0"/>
-              </a:rPr>
-              <a:t>Projekt?</a:t>
+              <a:t>-Projekt?</a:t>
             </a:r>
           </a:p>
           <a:p>
@@ -13027,7 +12489,7 @@
         <p:spPr>
           <a:xfrm>
             <a:off x="936633" y="1705991"/>
-            <a:ext cx="7190581" cy="5602636"/>
+            <a:ext cx="8751879" cy="5602636"/>
           </a:xfrm>
         </p:spPr>
         <p:txBody>
@@ -13051,16 +12513,7 @@
                 </a:solidFill>
                 <a:latin typeface="Arial" charset="0"/>
               </a:rPr>
-              <a:t>Was </a:t>
-            </a:r>
-            <a:r>
-              <a:rPr lang="de-DE" sz="2000" noProof="0" dirty="0" smtClean="0">
-                <a:solidFill>
-                  <a:srgbClr val="000000"/>
-                </a:solidFill>
-                <a:latin typeface="Arial" charset="0"/>
-              </a:rPr>
-              <a:t>ist </a:t>
+              <a:t>Was ist </a:t>
             </a:r>
             <a:r>
               <a:rPr lang="de-DE" sz="2000" noProof="0" dirty="0" err="1" smtClean="0">
@@ -13135,16 +12588,7 @@
                 </a:solidFill>
                 <a:latin typeface="Arial" charset="0"/>
               </a:rPr>
-              <a:t>Ergänzende </a:t>
-            </a:r>
-            <a:r>
-              <a:rPr lang="de-DE" sz="1600" noProof="0" dirty="0" smtClean="0">
-                <a:solidFill>
-                  <a:srgbClr val="000000"/>
-                </a:solidFill>
-                <a:latin typeface="Arial" charset="0"/>
-              </a:rPr>
-              <a:t>Validierungssprache zur Bestimmung sehr spezifischer Validierungsregeln</a:t>
+              <a:t>Ergänzende Validierungssprache zur Bestimmung sehr spezifischer Validierungsregeln</a:t>
             </a:r>
           </a:p>
           <a:p>
@@ -13285,7 +12729,42 @@
                 </a:solidFill>
                 <a:latin typeface="Arial" charset="0"/>
               </a:rPr>
-              <a:t>Eine ID muss der Hierarchie, der Position und/oder dem Inhalt entsprechend gesetzt werden</a:t>
+              <a:t>Eine ID muss der Hierarchie, der Position und/oder dem Inhalt entsprechend </a:t>
+            </a:r>
+            <a:r>
+              <a:rPr lang="de-DE" sz="1600" noProof="0" dirty="0" smtClean="0">
+                <a:solidFill>
+                  <a:srgbClr val="000000"/>
+                </a:solidFill>
+                <a:latin typeface="Arial" charset="0"/>
+              </a:rPr>
+              <a:t/>
+            </a:r>
+            <a:br>
+              <a:rPr lang="de-DE" sz="1600" noProof="0" dirty="0" smtClean="0">
+                <a:solidFill>
+                  <a:srgbClr val="000000"/>
+                </a:solidFill>
+                <a:latin typeface="Arial" charset="0"/>
+              </a:rPr>
+            </a:br>
+            <a:r>
+              <a:rPr lang="de-DE" sz="1600" noProof="0" dirty="0" smtClean="0">
+                <a:solidFill>
+                  <a:srgbClr val="000000"/>
+                </a:solidFill>
+                <a:latin typeface="Arial" charset="0"/>
+              </a:rPr>
+              <a:t>gesetzt </a:t>
+            </a:r>
+            <a:r>
+              <a:rPr lang="de-DE" sz="1600" noProof="0" dirty="0" smtClean="0">
+                <a:solidFill>
+                  <a:srgbClr val="000000"/>
+                </a:solidFill>
+                <a:latin typeface="Arial" charset="0"/>
+              </a:rPr>
+              <a:t>werden</a:t>
             </a:r>
           </a:p>
           <a:p>
@@ -13309,24 +12788,23 @@
               <a:t>Meta-Daten (z.B. </a:t>
             </a:r>
             <a:r>
-              <a:rPr lang="de-DE" sz="1600" noProof="0" dirty="0" err="1" smtClean="0">
+              <a:rPr lang="de-DE" sz="1600" noProof="0" dirty="0" smtClean="0">
                 <a:solidFill>
                   <a:srgbClr val="000000"/>
                 </a:solidFill>
                 <a:latin typeface="Consolas" panose="020B0609020204030204" pitchFamily="49" charset="0"/>
                 <a:cs typeface="Consolas" panose="020B0609020204030204" pitchFamily="49" charset="0"/>
               </a:rPr>
-              <a:t>product</a:t>
+              <a:t>typ="lebensbedrohlich"</a:t>
             </a:r>
             <a:r>
               <a:rPr lang="de-DE" sz="1600" noProof="0" dirty="0" smtClean="0">
                 <a:solidFill>
                   <a:srgbClr val="000000"/>
                 </a:solidFill>
-                <a:latin typeface="Consolas" panose="020B0609020204030204" pitchFamily="49" charset="0"/>
-                <a:cs typeface="Consolas" panose="020B0609020204030204" pitchFamily="49" charset="0"/>
-              </a:rPr>
-              <a:t>="Produkt1"</a:t>
+                <a:latin typeface="Arial" charset="0"/>
+              </a:rPr>
+              <a:t>) </a:t>
             </a:r>
             <a:r>
               <a:rPr lang="de-DE" sz="1600" noProof="0" dirty="0" smtClean="0">
@@ -13335,7 +12813,7 @@
                 </a:solidFill>
                 <a:latin typeface="Arial" charset="0"/>
               </a:rPr>
-              <a:t>) haben Auswirkungen auf die Struktur des </a:t>
+              <a:t>haben Auswirkungen auf die </a:t>
             </a:r>
             <a:r>
               <a:rPr lang="de-DE" sz="1600" noProof="0" dirty="0" smtClean="0">
@@ -13344,14 +12822,34 @@
                 </a:solidFill>
                 <a:latin typeface="Arial" charset="0"/>
               </a:rPr>
-              <a:t>Dokuments</a:t>
-            </a:r>
-            <a:endParaRPr lang="de-DE" sz="1600" noProof="0" dirty="0" smtClean="0">
-              <a:solidFill>
-                <a:srgbClr val="000000"/>
-              </a:solidFill>
-              <a:latin typeface="Arial" charset="0"/>
-            </a:endParaRPr>
+              <a:t/>
+            </a:r>
+            <a:br>
+              <a:rPr lang="de-DE" sz="1600" noProof="0" dirty="0" smtClean="0">
+                <a:solidFill>
+                  <a:srgbClr val="000000"/>
+                </a:solidFill>
+                <a:latin typeface="Arial" charset="0"/>
+              </a:rPr>
+            </a:br>
+            <a:r>
+              <a:rPr lang="de-DE" sz="1600" noProof="0" dirty="0" smtClean="0">
+                <a:solidFill>
+                  <a:srgbClr val="000000"/>
+                </a:solidFill>
+                <a:latin typeface="Arial" charset="0"/>
+              </a:rPr>
+              <a:t>Struktur </a:t>
+            </a:r>
+            <a:r>
+              <a:rPr lang="de-DE" sz="1600" noProof="0" dirty="0" smtClean="0">
+                <a:solidFill>
+                  <a:srgbClr val="000000"/>
+                </a:solidFill>
+                <a:latin typeface="Arial" charset="0"/>
+              </a:rPr>
+              <a:t>des Dokuments</a:t>
+            </a:r>
           </a:p>
           <a:p>
             <a:pPr marL="800087" lvl="1" indent="-342887" algn="l">
@@ -13410,7 +12908,42 @@
                 </a:solidFill>
                 <a:latin typeface="Arial" charset="0"/>
               </a:rPr>
-              <a:t>“) oder Abkürzungen (</a:t>
+              <a:t>“) </a:t>
+            </a:r>
+            <a:r>
+              <a:rPr lang="de-DE" sz="1600" noProof="0" dirty="0" smtClean="0">
+                <a:solidFill>
+                  <a:srgbClr val="000000"/>
+                </a:solidFill>
+                <a:latin typeface="Arial" charset="0"/>
+              </a:rPr>
+              <a:t/>
+            </a:r>
+            <a:br>
+              <a:rPr lang="de-DE" sz="1600" noProof="0" dirty="0" smtClean="0">
+                <a:solidFill>
+                  <a:srgbClr val="000000"/>
+                </a:solidFill>
+                <a:latin typeface="Arial" charset="0"/>
+              </a:rPr>
+            </a:br>
+            <a:r>
+              <a:rPr lang="de-DE" sz="1600" noProof="0" dirty="0" smtClean="0">
+                <a:solidFill>
+                  <a:srgbClr val="000000"/>
+                </a:solidFill>
+                <a:latin typeface="Arial" charset="0"/>
+              </a:rPr>
+              <a:t>oder </a:t>
+            </a:r>
+            <a:r>
+              <a:rPr lang="de-DE" sz="1600" noProof="0" dirty="0">
+                <a:solidFill>
+                  <a:srgbClr val="000000"/>
+                </a:solidFill>
+                <a:latin typeface="Arial" charset="0"/>
+              </a:rPr>
+              <a:t>Abkürzungen (</a:t>
             </a:r>
             <a:r>
               <a:rPr lang="de-DE" sz="1600" noProof="0" dirty="0">
@@ -13440,10 +12973,20 @@
                 <a:latin typeface="Consolas" panose="020B0609020204030204" pitchFamily="49" charset="0"/>
                 <a:cs typeface="Consolas" panose="020B0609020204030204" pitchFamily="49" charset="0"/>
               </a:rPr>
-              <a:t>B.</a:t>
-            </a:r>
-            <a:r>
-              <a:rPr lang="de-DE" sz="1600" noProof="0" dirty="0">
+              <a:t>B</a:t>
+            </a:r>
+            <a:r>
+              <a:rPr lang="de-DE" sz="1600" noProof="0" dirty="0" smtClean="0">
+                <a:solidFill>
+                  <a:srgbClr val="000000"/>
+                </a:solidFill>
+                <a:latin typeface="Consolas" panose="020B0609020204030204" pitchFamily="49" charset="0"/>
+                <a:cs typeface="Consolas" panose="020B0609020204030204" pitchFamily="49" charset="0"/>
+              </a:rPr>
+              <a:t>.</a:t>
+            </a:r>
+            <a:r>
+              <a:rPr lang="de-DE" sz="1600" noProof="0" dirty="0" smtClean="0">
                 <a:solidFill>
                   <a:srgbClr val="000000"/>
                 </a:solidFill>
@@ -13451,6 +12994,33 @@
               </a:rPr>
               <a:t>)</a:t>
             </a:r>
+          </a:p>
+          <a:p>
+            <a:pPr marL="800087" lvl="1" indent="-342887" algn="l">
+              <a:lnSpc>
+                <a:spcPct val="150000"/>
+              </a:lnSpc>
+              <a:spcBef>
+                <a:spcPct val="0"/>
+              </a:spcBef>
+              <a:buFont typeface="Arial" pitchFamily="34" charset="0"/>
+              <a:buChar char="•"/>
+            </a:pPr>
+            <a:r>
+              <a:rPr lang="de-DE" sz="1600" dirty="0" smtClean="0">
+                <a:solidFill>
+                  <a:srgbClr val="000000"/>
+                </a:solidFill>
+                <a:latin typeface="Arial" charset="0"/>
+              </a:rPr>
+              <a:t>Struktur-Missbrauch für manuelles Design (leere Absätze)</a:t>
+            </a:r>
+            <a:endParaRPr lang="de-DE" sz="1600" noProof="0" dirty="0">
+              <a:solidFill>
+                <a:srgbClr val="000000"/>
+              </a:solidFill>
+              <a:latin typeface="Arial" charset="0"/>
+            </a:endParaRPr>
           </a:p>
           <a:p>
             <a:pPr marL="800087" lvl="1" indent="-342887" algn="l">
@@ -13789,33 +13359,15 @@
                                   </p:childTnLst>
                                 </p:cTn>
                               </p:par>
-                            </p:childTnLst>
-                          </p:cTn>
-                        </p:par>
-                      </p:childTnLst>
-                    </p:cTn>
-                  </p:par>
-                  <p:par>
-                    <p:cTn id="27" fill="hold">
-                      <p:stCondLst>
-                        <p:cond delay="indefinite"/>
-                      </p:stCondLst>
-                      <p:childTnLst>
-                        <p:par>
-                          <p:cTn id="28" fill="hold">
-                            <p:stCondLst>
-                              <p:cond delay="0"/>
-                            </p:stCondLst>
-                            <p:childTnLst>
                               <p:par>
-                                <p:cTn id="29" presetID="1" presetClass="entr" presetSubtype="0" fill="hold" nodeType="clickEffect">
+                                <p:cTn id="27" presetID="1" presetClass="entr" presetSubtype="0" fill="hold" nodeType="withEffect">
                                   <p:stCondLst>
                                     <p:cond delay="0"/>
                                   </p:stCondLst>
                                   <p:childTnLst>
                                     <p:set>
                                       <p:cBhvr>
-                                        <p:cTn id="30" dur="1" fill="hold">
+                                        <p:cTn id="28" dur="1" fill="hold">
                                           <p:stCondLst>
                                             <p:cond delay="0"/>
                                           </p:stCondLst>
@@ -13845,26 +13397,26 @@
                     </p:cTn>
                   </p:par>
                   <p:par>
-                    <p:cTn id="31" fill="hold">
+                    <p:cTn id="29" fill="hold">
                       <p:stCondLst>
                         <p:cond delay="indefinite"/>
                       </p:stCondLst>
                       <p:childTnLst>
                         <p:par>
-                          <p:cTn id="32" fill="hold">
+                          <p:cTn id="30" fill="hold">
                             <p:stCondLst>
                               <p:cond delay="0"/>
                             </p:stCondLst>
                             <p:childTnLst>
                               <p:par>
-                                <p:cTn id="33" presetID="1" presetClass="entr" presetSubtype="0" fill="hold" nodeType="clickEffect">
+                                <p:cTn id="31" presetID="1" presetClass="entr" presetSubtype="0" fill="hold" nodeType="clickEffect">
                                   <p:stCondLst>
                                     <p:cond delay="0"/>
                                   </p:stCondLst>
                                   <p:childTnLst>
                                     <p:set>
                                       <p:cBhvr>
-                                        <p:cTn id="34" dur="1" fill="hold">
+                                        <p:cTn id="32" dur="1" fill="hold">
                                           <p:stCondLst>
                                             <p:cond delay="0"/>
                                           </p:stCondLst>
@@ -13894,26 +13446,26 @@
                     </p:cTn>
                   </p:par>
                   <p:par>
-                    <p:cTn id="35" fill="hold">
+                    <p:cTn id="33" fill="hold">
                       <p:stCondLst>
                         <p:cond delay="indefinite"/>
                       </p:stCondLst>
                       <p:childTnLst>
                         <p:par>
-                          <p:cTn id="36" fill="hold">
+                          <p:cTn id="34" fill="hold">
                             <p:stCondLst>
                               <p:cond delay="0"/>
                             </p:stCondLst>
                             <p:childTnLst>
                               <p:par>
-                                <p:cTn id="37" presetID="1" presetClass="entr" presetSubtype="0" fill="hold" nodeType="clickEffect">
+                                <p:cTn id="35" presetID="1" presetClass="entr" presetSubtype="0" fill="hold" nodeType="clickEffect">
                                   <p:stCondLst>
                                     <p:cond delay="0"/>
                                   </p:stCondLst>
                                   <p:childTnLst>
                                     <p:set>
                                       <p:cBhvr>
-                                        <p:cTn id="38" dur="1" fill="hold">
+                                        <p:cTn id="36" dur="1" fill="hold">
                                           <p:stCondLst>
                                             <p:cond delay="0"/>
                                           </p:stCondLst>
@@ -13922,6 +13474,55 @@
                                           <p:spTgt spid="4098">
                                             <p:txEl>
                                               <p:pRg st="8" end="8"/>
+                                            </p:txEl>
+                                          </p:spTgt>
+                                        </p:tgtEl>
+                                        <p:attrNameLst>
+                                          <p:attrName>style.visibility</p:attrName>
+                                        </p:attrNameLst>
+                                      </p:cBhvr>
+                                      <p:to>
+                                        <p:strVal val="visible"/>
+                                      </p:to>
+                                    </p:set>
+                                  </p:childTnLst>
+                                </p:cTn>
+                              </p:par>
+                            </p:childTnLst>
+                          </p:cTn>
+                        </p:par>
+                      </p:childTnLst>
+                    </p:cTn>
+                  </p:par>
+                  <p:par>
+                    <p:cTn id="37" fill="hold">
+                      <p:stCondLst>
+                        <p:cond delay="indefinite"/>
+                      </p:stCondLst>
+                      <p:childTnLst>
+                        <p:par>
+                          <p:cTn id="38" fill="hold">
+                            <p:stCondLst>
+                              <p:cond delay="0"/>
+                            </p:stCondLst>
+                            <p:childTnLst>
+                              <p:par>
+                                <p:cTn id="39" presetID="1" presetClass="entr" presetSubtype="0" fill="hold" nodeType="clickEffect">
+                                  <p:stCondLst>
+                                    <p:cond delay="0"/>
+                                  </p:stCondLst>
+                                  <p:childTnLst>
+                                    <p:set>
+                                      <p:cBhvr>
+                                        <p:cTn id="40" dur="1" fill="hold">
+                                          <p:stCondLst>
+                                            <p:cond delay="0"/>
+                                          </p:stCondLst>
+                                        </p:cTn>
+                                        <p:tgtEl>
+                                          <p:spTgt spid="4098">
+                                            <p:txEl>
+                                              <p:pRg st="9" end="9"/>
                                             </p:txEl>
                                           </p:spTgt>
                                         </p:tgtEl>
@@ -14202,16 +13803,7 @@
                 </a:solidFill>
                 <a:latin typeface="Arial" charset="0"/>
               </a:rPr>
-              <a:t>Erweiterungssprache </a:t>
-            </a:r>
-            <a:r>
-              <a:rPr lang="de-DE" sz="1600" noProof="0" dirty="0" smtClean="0">
-                <a:solidFill>
-                  <a:srgbClr val="000000"/>
-                </a:solidFill>
-                <a:latin typeface="Arial" charset="0"/>
-              </a:rPr>
-              <a:t>für </a:t>
+              <a:t>Erweiterungssprache für </a:t>
             </a:r>
             <a:r>
               <a:rPr lang="de-DE" sz="1600" noProof="0" dirty="0" err="1" smtClean="0">
@@ -14265,16 +13857,7 @@
                 </a:solidFill>
                 <a:latin typeface="Arial" charset="0"/>
               </a:rPr>
-              <a:t> </a:t>
-            </a:r>
-            <a:r>
-              <a:rPr lang="de-DE" sz="1600" noProof="0" dirty="0" smtClean="0">
-                <a:solidFill>
-                  <a:srgbClr val="000000"/>
-                </a:solidFill>
-                <a:latin typeface="Arial" charset="0"/>
-              </a:rPr>
-              <a:t>für </a:t>
+              <a:t> für </a:t>
             </a:r>
             <a:r>
               <a:rPr lang="de-DE" sz="1600" noProof="0" dirty="0" err="1" smtClean="0">
@@ -14313,8 +13896,23 @@
                 </a:solidFill>
                 <a:latin typeface="Arial" charset="0"/>
               </a:rPr>
-              <a:t>Standardisiert mit einer W3C-Note:</a:t>
-            </a:r>
+              <a:t>Standardisiert mit einer W3C-Note</a:t>
+            </a:r>
+            <a:r>
+              <a:rPr lang="de-DE" sz="1600" noProof="0" dirty="0" smtClean="0">
+                <a:solidFill>
+                  <a:srgbClr val="000000"/>
+                </a:solidFill>
+                <a:latin typeface="Arial" charset="0"/>
+              </a:rPr>
+              <a:t>:</a:t>
+            </a:r>
+            <a:endParaRPr lang="de-DE" sz="1200" noProof="0" dirty="0" smtClean="0">
+              <a:solidFill>
+                <a:srgbClr val="000000"/>
+              </a:solidFill>
+              <a:latin typeface="Arial" charset="0"/>
+            </a:endParaRPr>
           </a:p>
           <a:p>
             <a:pPr marL="1257287" lvl="2" indent="-342887" algn="l">
@@ -14389,7 +13987,16 @@
                 </a:solidFill>
                 <a:latin typeface="Arial" charset="0"/>
               </a:rPr>
-              <a:t>Ersetze die fehlerhafte ID durch eine aus dem Kontext heraus kalkulierte ID</a:t>
+              <a:t>Ersetze die fehlerhafte ID durch eine aus dem Kontext heraus kalkulierte </a:t>
+            </a:r>
+            <a:r>
+              <a:rPr lang="de-DE" sz="1600" noProof="0" dirty="0" smtClean="0">
+                <a:solidFill>
+                  <a:srgbClr val="000000"/>
+                </a:solidFill>
+                <a:latin typeface="Arial" charset="0"/>
+              </a:rPr>
+              <a:t>ID</a:t>
             </a:r>
           </a:p>
           <a:p>
@@ -14404,31 +14011,14 @@
               <a:buChar char="•"/>
             </a:pPr>
             <a:r>
-              <a:rPr lang="de-DE" sz="1600" noProof="0" dirty="0" smtClean="0">
-                <a:solidFill>
-                  <a:srgbClr val="000000"/>
-                </a:solidFill>
-                <a:latin typeface="Arial" charset="0"/>
-              </a:rPr>
-              <a:t>Konvertiere fehlerhaftes Datumsformat in </a:t>
-            </a:r>
-            <a:r>
-              <a:rPr lang="de-DE" sz="1600" noProof="0" dirty="0" err="1" smtClean="0">
-                <a:solidFill>
-                  <a:srgbClr val="000000"/>
-                </a:solidFill>
-                <a:latin typeface="Consolas" panose="020B0609020204030204" pitchFamily="49" charset="0"/>
-                <a:cs typeface="Consolas" panose="020B0609020204030204" pitchFamily="49" charset="0"/>
-              </a:rPr>
-              <a:t>xs:date</a:t>
-            </a:r>
-            <a:endParaRPr lang="de-DE" sz="1600" noProof="0" dirty="0" smtClean="0">
-              <a:solidFill>
-                <a:srgbClr val="000000"/>
-              </a:solidFill>
-              <a:latin typeface="Consolas" panose="020B0609020204030204" pitchFamily="49" charset="0"/>
-              <a:cs typeface="Consolas" panose="020B0609020204030204" pitchFamily="49" charset="0"/>
-            </a:endParaRPr>
+              <a:rPr lang="de-DE" sz="1600" dirty="0">
+                <a:solidFill>
+                  <a:srgbClr val="000000"/>
+                </a:solidFill>
+                <a:latin typeface="Arial" charset="0"/>
+              </a:rPr>
+              <a:t>Ersetze fehlerhafte Zeichen</a:t>
+            </a:r>
           </a:p>
           <a:p>
             <a:pPr marL="800087" lvl="1" indent="-342887" algn="l">
@@ -14448,13 +14038,33 @@
                 </a:solidFill>
                 <a:latin typeface="Arial" charset="0"/>
               </a:rPr>
-              <a:t>Ersetze fehlerhafte Zeichen</a:t>
-            </a:r>
-            <a:endParaRPr lang="de-DE" sz="1600" noProof="0" dirty="0">
+              <a:t>Konvertiere </a:t>
+            </a:r>
+            <a:r>
+              <a:rPr lang="de-DE" sz="1600" noProof="0" dirty="0" smtClean="0">
+                <a:solidFill>
+                  <a:srgbClr val="000000"/>
+                </a:solidFill>
+                <a:latin typeface="Arial" charset="0"/>
+              </a:rPr>
+              <a:t>fehlerhaftes Datumsformat in </a:t>
+            </a:r>
+            <a:r>
+              <a:rPr lang="de-DE" sz="1600" noProof="0" dirty="0" err="1" smtClean="0">
+                <a:solidFill>
+                  <a:srgbClr val="000000"/>
+                </a:solidFill>
+                <a:latin typeface="Consolas" panose="020B0609020204030204" pitchFamily="49" charset="0"/>
+                <a:cs typeface="Consolas" panose="020B0609020204030204" pitchFamily="49" charset="0"/>
+              </a:rPr>
+              <a:t>xs:date</a:t>
+            </a:r>
+            <a:endParaRPr lang="de-DE" sz="1600" noProof="0" dirty="0" smtClean="0">
               <a:solidFill>
                 <a:srgbClr val="000000"/>
               </a:solidFill>
-              <a:latin typeface="Arial" charset="0"/>
+              <a:latin typeface="Consolas" panose="020B0609020204030204" pitchFamily="49" charset="0"/>
+              <a:cs typeface="Consolas" panose="020B0609020204030204" pitchFamily="49" charset="0"/>
             </a:endParaRPr>
           </a:p>
         </p:txBody>
@@ -14526,26 +14136,8 @@
                                   </p:childTnLst>
                                 </p:cTn>
                               </p:par>
-                            </p:childTnLst>
-                          </p:cTn>
-                        </p:par>
-                      </p:childTnLst>
-                    </p:cTn>
-                  </p:par>
-                  <p:par>
-                    <p:cTn id="7" fill="hold">
-                      <p:stCondLst>
-                        <p:cond delay="indefinite"/>
-                      </p:stCondLst>
-                      <p:childTnLst>
-                        <p:par>
-                          <p:cTn id="8" fill="hold">
-                            <p:stCondLst>
-                              <p:cond delay="0"/>
-                            </p:stCondLst>
-                            <p:childTnLst>
                               <p:par>
-                                <p:cTn id="9" presetID="1" presetClass="entr" presetSubtype="0" fill="hold" nodeType="clickEffect">
+                                <p:cTn id="7" presetID="1" presetClass="entr" presetSubtype="0" fill="hold" nodeType="withEffect">
                                   <p:stCondLst>
                                     <p:cond delay="0"/>
                                   </p:stCondLst>
@@ -14555,7 +14147,7 @@
                                   <p:childTnLst>
                                     <p:set>
                                       <p:cBhvr>
-                                        <p:cTn id="10" dur="1" fill="hold">
+                                        <p:cTn id="8" dur="1" fill="hold">
                                           <p:stCondLst>
                                             <p:cond delay="0"/>
                                           </p:stCondLst>
@@ -14585,19 +14177,19 @@
                     </p:cTn>
                   </p:par>
                   <p:par>
-                    <p:cTn id="11" fill="hold">
+                    <p:cTn id="9" fill="hold">
                       <p:stCondLst>
                         <p:cond delay="indefinite"/>
                       </p:stCondLst>
                       <p:childTnLst>
                         <p:par>
-                          <p:cTn id="12" fill="hold">
+                          <p:cTn id="10" fill="hold">
                             <p:stCondLst>
                               <p:cond delay="0"/>
                             </p:stCondLst>
                             <p:childTnLst>
                               <p:par>
-                                <p:cTn id="13" presetID="1" presetClass="entr" presetSubtype="0" fill="hold" nodeType="clickEffect">
+                                <p:cTn id="11" presetID="1" presetClass="entr" presetSubtype="0" fill="hold" nodeType="clickEffect">
                                   <p:stCondLst>
                                     <p:cond delay="0"/>
                                   </p:stCondLst>
@@ -14607,7 +14199,7 @@
                                   <p:childTnLst>
                                     <p:set>
                                       <p:cBhvr>
-                                        <p:cTn id="14" dur="1" fill="hold">
+                                        <p:cTn id="12" dur="1" fill="hold">
                                           <p:stCondLst>
                                             <p:cond delay="0"/>
                                           </p:stCondLst>
@@ -14637,19 +14229,19 @@
                     </p:cTn>
                   </p:par>
                   <p:par>
-                    <p:cTn id="15" fill="hold">
+                    <p:cTn id="13" fill="hold">
                       <p:stCondLst>
                         <p:cond delay="indefinite"/>
                       </p:stCondLst>
                       <p:childTnLst>
                         <p:par>
-                          <p:cTn id="16" fill="hold">
+                          <p:cTn id="14" fill="hold">
                             <p:stCondLst>
                               <p:cond delay="0"/>
                             </p:stCondLst>
                             <p:childTnLst>
                               <p:par>
-                                <p:cTn id="17" presetID="1" presetClass="entr" presetSubtype="0" fill="hold" nodeType="clickEffect">
+                                <p:cTn id="15" presetID="1" presetClass="entr" presetSubtype="0" fill="hold" nodeType="clickEffect">
                                   <p:stCondLst>
                                     <p:cond delay="0"/>
                                   </p:stCondLst>
@@ -14659,7 +14251,7 @@
                                   <p:childTnLst>
                                     <p:set>
                                       <p:cBhvr>
-                                        <p:cTn id="18" dur="1" fill="hold">
+                                        <p:cTn id="16" dur="1" fill="hold">
                                           <p:stCondLst>
                                             <p:cond delay="0"/>
                                           </p:stCondLst>
@@ -14683,7 +14275,7 @@
                                 </p:cTn>
                               </p:par>
                               <p:par>
-                                <p:cTn id="19" presetID="1" presetClass="entr" presetSubtype="0" fill="hold" nodeType="withEffect">
+                                <p:cTn id="17" presetID="1" presetClass="entr" presetSubtype="0" fill="hold" nodeType="withEffect">
                                   <p:stCondLst>
                                     <p:cond delay="0"/>
                                   </p:stCondLst>
@@ -14693,7 +14285,7 @@
                                   <p:childTnLst>
                                     <p:set>
                                       <p:cBhvr>
-                                        <p:cTn id="20" dur="1" fill="hold">
+                                        <p:cTn id="18" dur="1" fill="hold">
                                           <p:stCondLst>
                                             <p:cond delay="0"/>
                                           </p:stCondLst>
@@ -14723,19 +14315,19 @@
                     </p:cTn>
                   </p:par>
                   <p:par>
-                    <p:cTn id="21" fill="hold">
+                    <p:cTn id="19" fill="hold">
                       <p:stCondLst>
                         <p:cond delay="indefinite"/>
                       </p:stCondLst>
                       <p:childTnLst>
                         <p:par>
-                          <p:cTn id="22" fill="hold">
+                          <p:cTn id="20" fill="hold">
                             <p:stCondLst>
                               <p:cond delay="0"/>
                             </p:stCondLst>
                             <p:childTnLst>
                               <p:par>
-                                <p:cTn id="23" presetID="1" presetClass="entr" presetSubtype="0" fill="hold" nodeType="clickEffect">
+                                <p:cTn id="21" presetID="1" presetClass="entr" presetSubtype="0" fill="hold" nodeType="clickEffect">
                                   <p:stCondLst>
                                     <p:cond delay="0"/>
                                   </p:stCondLst>
@@ -14745,7 +14337,7 @@
                                   <p:childTnLst>
                                     <p:set>
                                       <p:cBhvr>
-                                        <p:cTn id="24" dur="1" fill="hold">
+                                        <p:cTn id="22" dur="1" fill="hold">
                                           <p:stCondLst>
                                             <p:cond delay="0"/>
                                           </p:stCondLst>
@@ -14775,25 +14367,56 @@
                     </p:cTn>
                   </p:par>
                   <p:par>
-                    <p:cTn id="25" fill="hold">
+                    <p:cTn id="23" fill="hold">
                       <p:stCondLst>
                         <p:cond delay="indefinite"/>
                       </p:stCondLst>
                       <p:childTnLst>
                         <p:par>
-                          <p:cTn id="26" fill="hold">
+                          <p:cTn id="24" fill="hold">
                             <p:stCondLst>
                               <p:cond delay="0"/>
                             </p:stCondLst>
                             <p:childTnLst>
                               <p:par>
-                                <p:cTn id="27" presetID="1" presetClass="entr" presetSubtype="0" fill="hold" nodeType="clickEffect">
+                                <p:cTn id="25" presetID="1" presetClass="entr" presetSubtype="0" fill="hold" nodeType="clickEffect">
                                   <p:stCondLst>
                                     <p:cond delay="0"/>
                                   </p:stCondLst>
                                   <p:iterate type="lt">
                                     <p:tmAbs val="0"/>
                                   </p:iterate>
+                                  <p:childTnLst>
+                                    <p:set>
+                                      <p:cBhvr>
+                                        <p:cTn id="26" dur="1" fill="hold">
+                                          <p:stCondLst>
+                                            <p:cond delay="0"/>
+                                          </p:stCondLst>
+                                        </p:cTn>
+                                        <p:tgtEl>
+                                          <p:spTgt spid="4098">
+                                            <p:txEl>
+                                              <p:pRg st="6" end="6"/>
+                                            </p:txEl>
+                                          </p:spTgt>
+                                        </p:tgtEl>
+                                        <p:attrNameLst>
+                                          <p:attrName>style.visibility</p:attrName>
+                                        </p:attrNameLst>
+                                      </p:cBhvr>
+                                      <p:to>
+                                        <p:strVal val="visible"/>
+                                      </p:to>
+                                    </p:set>
+                                  </p:childTnLst>
+                                </p:cTn>
+                              </p:par>
+                              <p:par>
+                                <p:cTn id="27" presetID="1" presetClass="entr" presetSubtype="0" fill="hold" nodeType="withEffect">
+                                  <p:stCondLst>
+                                    <p:cond delay="0"/>
+                                  </p:stCondLst>
                                   <p:childTnLst>
                                     <p:set>
                                       <p:cBhvr>
@@ -14805,7 +14428,7 @@
                                         <p:tgtEl>
                                           <p:spTgt spid="4098">
                                             <p:txEl>
-                                              <p:pRg st="6" end="6"/>
+                                              <p:pRg st="7" end="7"/>
                                             </p:txEl>
                                           </p:spTgt>
                                         </p:tgtEl>
@@ -15278,12 +14901,6 @@
               </a:rPr>
               <a:t> unterstützt</a:t>
             </a:r>
-            <a:endParaRPr lang="de-DE" sz="1600" noProof="0" dirty="0" smtClean="0">
-              <a:solidFill>
-                <a:srgbClr val="000000"/>
-              </a:solidFill>
-              <a:latin typeface="Arial" charset="0"/>
-            </a:endParaRPr>
           </a:p>
         </p:txBody>
       </p:sp>
@@ -15309,6 +14926,9 @@
                     <p:cTn id="3" fill="hold">
                       <p:stCondLst>
                         <p:cond delay="indefinite"/>
+                        <p:cond evt="onBegin" delay="0">
+                          <p:tn val="2"/>
+                        </p:cond>
                       </p:stCondLst>
                       <p:childTnLst>
                         <p:par>
@@ -15318,7 +14938,7 @@
                             </p:stCondLst>
                             <p:childTnLst>
                               <p:par>
-                                <p:cTn id="5" presetID="1" presetClass="entr" presetSubtype="0" fill="hold" nodeType="clickEffect">
+                                <p:cTn id="5" presetID="1" presetClass="entr" presetSubtype="0" fill="hold" nodeType="withEffect">
                                   <p:stCondLst>
                                     <p:cond delay="0"/>
                                   </p:stCondLst>
@@ -15560,13 +15180,7 @@
               <a:rPr lang="de-DE" sz="3600" noProof="0" dirty="0" smtClean="0">
                 <a:latin typeface="TheSansOffice" pitchFamily="34" charset="0"/>
               </a:rPr>
-              <a:t>-</a:t>
-            </a:r>
-            <a:r>
-              <a:rPr lang="de-DE" sz="3600" noProof="0" dirty="0" smtClean="0">
-                <a:latin typeface="TheSansOffice" pitchFamily="34" charset="0"/>
-              </a:rPr>
-              <a:t>Projekt</a:t>
+              <a:t>-Projekt</a:t>
             </a:r>
             <a:endParaRPr lang="de-DE" sz="3600" noProof="0" dirty="0">
               <a:latin typeface="TheSansOffice" pitchFamily="34" charset="0"/>
@@ -15686,16 +15300,7 @@
                 </a:solidFill>
                 <a:latin typeface="Arial" charset="0"/>
               </a:rPr>
-              <a:t>-</a:t>
-            </a:r>
-            <a:r>
-              <a:rPr lang="de-DE" sz="1600" noProof="0" dirty="0" smtClean="0">
-                <a:solidFill>
-                  <a:srgbClr val="000000"/>
-                </a:solidFill>
-                <a:latin typeface="Arial" charset="0"/>
-              </a:rPr>
-              <a:t>Implementierung basierend auf </a:t>
+              <a:t>-Implementierung basierend auf </a:t>
             </a:r>
             <a:r>
               <a:rPr lang="de-DE" sz="1600" noProof="0" dirty="0" err="1" smtClean="0">
@@ -15865,6 +15470,9 @@
                     <p:cTn id="3" fill="hold">
                       <p:stCondLst>
                         <p:cond delay="indefinite"/>
+                        <p:cond evt="onBegin" delay="0">
+                          <p:tn val="2"/>
+                        </p:cond>
                       </p:stCondLst>
                       <p:childTnLst>
                         <p:par>
@@ -15874,7 +15482,7 @@
                             </p:stCondLst>
                             <p:childTnLst>
                               <p:par>
-                                <p:cTn id="5" presetID="1" presetClass="entr" presetSubtype="0" fill="hold" nodeType="clickEffect">
+                                <p:cTn id="5" presetID="1" presetClass="entr" presetSubtype="0" fill="hold" nodeType="withEffect">
                                   <p:stCondLst>
                                     <p:cond delay="0"/>
                                   </p:stCondLst>
@@ -16810,25 +16418,7 @@
                 </a:solidFill>
                 <a:latin typeface="Arial" charset="0"/>
               </a:rPr>
-              <a:t> könnten ein Dokument invalide </a:t>
-            </a:r>
-            <a:r>
-              <a:rPr lang="de-DE" sz="1600" noProof="0" dirty="0" smtClean="0">
-                <a:solidFill>
-                  <a:srgbClr val="000000"/>
-                </a:solidFill>
-                <a:latin typeface="Arial" charset="0"/>
-              </a:rPr>
-              <a:t>m</a:t>
-            </a:r>
-            <a:r>
-              <a:rPr lang="de-DE" sz="1600" noProof="0" dirty="0" smtClean="0">
-                <a:solidFill>
-                  <a:srgbClr val="000000"/>
-                </a:solidFill>
-                <a:latin typeface="Arial" charset="0"/>
-              </a:rPr>
-              <a:t>achen.</a:t>
+              <a:t> könnten ein Dokument invalide machen.</a:t>
             </a:r>
           </a:p>
           <a:p>
@@ -17493,16 +17083,7 @@
                 </a:solidFill>
                 <a:latin typeface="Arial" charset="0"/>
               </a:rPr>
-              <a:t> </a:t>
-            </a:r>
-            <a:r>
-              <a:rPr lang="de-DE" sz="1800" noProof="0" dirty="0" smtClean="0">
-                <a:solidFill>
-                  <a:srgbClr val="000000"/>
-                </a:solidFill>
-                <a:latin typeface="Arial" charset="0"/>
-              </a:rPr>
-              <a:t>ist ein </a:t>
+              <a:t> ist ein </a:t>
             </a:r>
             <a:r>
               <a:rPr lang="de-DE" sz="1800" noProof="0" dirty="0" err="1" smtClean="0">
@@ -17541,16 +17122,7 @@
                 </a:solidFill>
                 <a:latin typeface="Arial" charset="0"/>
               </a:rPr>
-              <a:t>Spezieller Parameter </a:t>
-            </a:r>
-            <a:r>
-              <a:rPr lang="de-DE" sz="1600" noProof="0" dirty="0" smtClean="0">
-                <a:solidFill>
-                  <a:srgbClr val="000000"/>
-                </a:solidFill>
-                <a:latin typeface="Arial" charset="0"/>
-              </a:rPr>
-              <a:t>für den </a:t>
+              <a:t>Spezieller Parameter für den </a:t>
             </a:r>
             <a:r>
               <a:rPr lang="de-DE" sz="1600" noProof="0" dirty="0" err="1" smtClean="0">
@@ -17586,25 +17158,7 @@
                 </a:solidFill>
                 <a:latin typeface="Arial" charset="0"/>
               </a:rPr>
-              <a:t>Wird vom User gesetzt, beim </a:t>
-            </a:r>
-            <a:r>
-              <a:rPr lang="de-DE" sz="1600" noProof="0" dirty="0" smtClean="0">
-                <a:solidFill>
-                  <a:srgbClr val="000000"/>
-                </a:solidFill>
-                <a:latin typeface="Arial" charset="0"/>
-              </a:rPr>
-              <a:t>Ausführen </a:t>
-            </a:r>
-            <a:r>
-              <a:rPr lang="de-DE" sz="1600" noProof="0" dirty="0" smtClean="0">
-                <a:solidFill>
-                  <a:srgbClr val="000000"/>
-                </a:solidFill>
-                <a:latin typeface="Arial" charset="0"/>
-              </a:rPr>
-              <a:t>des QFs</a:t>
+              <a:t>Wird vom User gesetzt, beim Ausführen des QFs</a:t>
             </a:r>
           </a:p>
           <a:p>
@@ -17634,61 +17188,7 @@
                 </a:solidFill>
                 <a:latin typeface="Arial" charset="0"/>
               </a:rPr>
-              <a:t> Case</a:t>
-            </a:r>
-            <a:r>
-              <a:rPr lang="de-DE" sz="1600" noProof="0" dirty="0" smtClean="0">
-                <a:solidFill>
-                  <a:srgbClr val="000000"/>
-                </a:solidFill>
-                <a:latin typeface="Arial" charset="0"/>
-              </a:rPr>
-              <a:t>: </a:t>
-            </a:r>
-            <a:r>
-              <a:rPr lang="de-DE" sz="1600" noProof="0" dirty="0" smtClean="0">
-                <a:solidFill>
-                  <a:srgbClr val="000000"/>
-                </a:solidFill>
-                <a:latin typeface="Arial" charset="0"/>
-              </a:rPr>
-              <a:t>Ein Wert ist invalide. Ein QF will den </a:t>
-            </a:r>
-            <a:r>
-              <a:rPr lang="de-DE" sz="1600" noProof="0" dirty="0" smtClean="0">
-                <a:solidFill>
-                  <a:srgbClr val="000000"/>
-                </a:solidFill>
-                <a:latin typeface="Arial" charset="0"/>
-              </a:rPr>
-              <a:t>Wert </a:t>
-            </a:r>
-            <a:r>
-              <a:rPr lang="de-DE" sz="1600" noProof="0" dirty="0" smtClean="0">
-                <a:solidFill>
-                  <a:srgbClr val="000000"/>
-                </a:solidFill>
-                <a:latin typeface="Arial" charset="0"/>
-              </a:rPr>
-              <a:t>neu setzen. Dazu erhält er </a:t>
-            </a:r>
-            <a:r>
-              <a:rPr lang="de-DE" sz="1600" noProof="0" dirty="0" smtClean="0">
-                <a:solidFill>
-                  <a:srgbClr val="000000"/>
-                </a:solidFill>
-                <a:latin typeface="Arial" charset="0"/>
-              </a:rPr>
-              <a:t>einen </a:t>
-            </a:r>
-            <a:r>
-              <a:rPr lang="de-DE" sz="1600" noProof="0" dirty="0" smtClean="0">
-                <a:solidFill>
-                  <a:srgbClr val="000000"/>
-                </a:solidFill>
-                <a:latin typeface="Arial" charset="0"/>
-              </a:rPr>
-              <a:t>UE, mit dem der Nutzer den neuen Wert setzen kann.  </a:t>
+              <a:t> Case: Ein Wert ist invalide. Ein QF will den Wert neu setzen. Dazu erhält er einen UE, mit dem der Nutzer den neuen Wert setzen kann.  </a:t>
             </a:r>
           </a:p>
           <a:p>
@@ -17709,16 +17209,7 @@
                 </a:solidFill>
                 <a:latin typeface="Arial" charset="0"/>
               </a:rPr>
-              <a:t>Einem </a:t>
-            </a:r>
-            <a:r>
-              <a:rPr lang="de-DE" sz="1600" noProof="0" dirty="0" smtClean="0">
-                <a:solidFill>
-                  <a:srgbClr val="000000"/>
-                </a:solidFill>
-                <a:latin typeface="Arial" charset="0"/>
-              </a:rPr>
-              <a:t>UE kann ein Typ zugewiesen werden.</a:t>
+              <a:t>Einem UE kann ein Typ zugewiesen werden.</a:t>
             </a:r>
             <a:endParaRPr lang="de-DE" sz="1400" noProof="0" dirty="0" smtClean="0">
               <a:solidFill>
@@ -17793,16 +17284,7 @@
                 </a:solidFill>
                 <a:latin typeface="Arial" charset="0"/>
               </a:rPr>
-              <a:t>Keine </a:t>
-            </a:r>
-            <a:r>
-              <a:rPr lang="de-DE" sz="1600" noProof="0" dirty="0" smtClean="0">
-                <a:solidFill>
-                  <a:srgbClr val="000000"/>
-                </a:solidFill>
-                <a:latin typeface="Arial" charset="0"/>
-              </a:rPr>
-              <a:t>Unterstützung von Datentypen</a:t>
+              <a:t>Keine Unterstützung von Datentypen</a:t>
             </a:r>
             <a:endParaRPr lang="de-DE" sz="1400" noProof="0" dirty="0">
               <a:solidFill>
@@ -18339,26 +17821,42 @@
                                   </p:childTnLst>
                                 </p:cTn>
                               </p:par>
-                            </p:childTnLst>
-                          </p:cTn>
-                        </p:par>
-                      </p:childTnLst>
-                    </p:cTn>
-                  </p:par>
-                  <p:par>
-                    <p:cTn id="27" fill="hold">
-                      <p:stCondLst>
-                        <p:cond delay="indefinite"/>
-                      </p:stCondLst>
-                      <p:childTnLst>
-                        <p:par>
-                          <p:cTn id="28" fill="hold">
-                            <p:stCondLst>
-                              <p:cond delay="0"/>
-                            </p:stCondLst>
-                            <p:childTnLst>
                               <p:par>
-                                <p:cTn id="29" presetID="1" presetClass="entr" presetSubtype="0" fill="hold" nodeType="clickEffect">
+                                <p:cTn id="27" presetID="1" presetClass="entr" presetSubtype="0" fill="hold" nodeType="withEffect">
+                                  <p:stCondLst>
+                                    <p:cond delay="0"/>
+                                  </p:stCondLst>
+                                  <p:iterate type="lt">
+                                    <p:tmAbs val="0"/>
+                                  </p:iterate>
+                                  <p:childTnLst>
+                                    <p:set>
+                                      <p:cBhvr>
+                                        <p:cTn id="28" dur="1" fill="hold">
+                                          <p:stCondLst>
+                                            <p:cond delay="0"/>
+                                          </p:stCondLst>
+                                        </p:cTn>
+                                        <p:tgtEl>
+                                          <p:spTgt spid="4098">
+                                            <p:txEl>
+                                              <p:pRg st="6" end="6"/>
+                                            </p:txEl>
+                                          </p:spTgt>
+                                        </p:tgtEl>
+                                        <p:attrNameLst>
+                                          <p:attrName>style.visibility</p:attrName>
+                                        </p:attrNameLst>
+                                      </p:cBhvr>
+                                      <p:to>
+                                        <p:strVal val="visible"/>
+                                      </p:to>
+                                    </p:set>
+                                  </p:childTnLst>
+                                </p:cTn>
+                              </p:par>
+                              <p:par>
+                                <p:cTn id="29" presetID="1" presetClass="entr" presetSubtype="0" fill="hold" nodeType="withEffect">
                                   <p:stCondLst>
                                     <p:cond delay="0"/>
                                   </p:stCondLst>
@@ -18376,7 +17874,7 @@
                                         <p:tgtEl>
                                           <p:spTgt spid="4098">
                                             <p:txEl>
-                                              <p:pRg st="6" end="6"/>
+                                              <p:pRg st="7" end="7"/>
                                             </p:txEl>
                                           </p:spTgt>
                                         </p:tgtEl>
@@ -18428,58 +17926,6 @@
                                         <p:tgtEl>
                                           <p:spTgt spid="4098">
                                             <p:txEl>
-                                              <p:pRg st="7" end="7"/>
-                                            </p:txEl>
-                                          </p:spTgt>
-                                        </p:tgtEl>
-                                        <p:attrNameLst>
-                                          <p:attrName>style.visibility</p:attrName>
-                                        </p:attrNameLst>
-                                      </p:cBhvr>
-                                      <p:to>
-                                        <p:strVal val="visible"/>
-                                      </p:to>
-                                    </p:set>
-                                  </p:childTnLst>
-                                </p:cTn>
-                              </p:par>
-                            </p:childTnLst>
-                          </p:cTn>
-                        </p:par>
-                      </p:childTnLst>
-                    </p:cTn>
-                  </p:par>
-                  <p:par>
-                    <p:cTn id="35" fill="hold">
-                      <p:stCondLst>
-                        <p:cond delay="indefinite"/>
-                      </p:stCondLst>
-                      <p:childTnLst>
-                        <p:par>
-                          <p:cTn id="36" fill="hold">
-                            <p:stCondLst>
-                              <p:cond delay="0"/>
-                            </p:stCondLst>
-                            <p:childTnLst>
-                              <p:par>
-                                <p:cTn id="37" presetID="1" presetClass="entr" presetSubtype="0" fill="hold" nodeType="clickEffect">
-                                  <p:stCondLst>
-                                    <p:cond delay="0"/>
-                                  </p:stCondLst>
-                                  <p:iterate type="lt">
-                                    <p:tmAbs val="0"/>
-                                  </p:iterate>
-                                  <p:childTnLst>
-                                    <p:set>
-                                      <p:cBhvr>
-                                        <p:cTn id="38" dur="1" fill="hold">
-                                          <p:stCondLst>
-                                            <p:cond delay="0"/>
-                                          </p:stCondLst>
-                                        </p:cTn>
-                                        <p:tgtEl>
-                                          <p:spTgt spid="4098">
-                                            <p:txEl>
                                               <p:pRg st="8" end="8"/>
                                             </p:txEl>
                                           </p:spTgt>
@@ -18495,26 +17941,8 @@
                                   </p:childTnLst>
                                 </p:cTn>
                               </p:par>
-                            </p:childTnLst>
-                          </p:cTn>
-                        </p:par>
-                      </p:childTnLst>
-                    </p:cTn>
-                  </p:par>
-                  <p:par>
-                    <p:cTn id="39" fill="hold">
-                      <p:stCondLst>
-                        <p:cond delay="indefinite"/>
-                      </p:stCondLst>
-                      <p:childTnLst>
-                        <p:par>
-                          <p:cTn id="40" fill="hold">
-                            <p:stCondLst>
-                              <p:cond delay="0"/>
-                            </p:stCondLst>
-                            <p:childTnLst>
                               <p:par>
-                                <p:cTn id="41" presetID="1" presetClass="entr" presetSubtype="0" fill="hold" nodeType="clickEffect">
+                                <p:cTn id="35" presetID="1" presetClass="entr" presetSubtype="0" fill="hold" nodeType="withEffect">
                                   <p:stCondLst>
                                     <p:cond delay="0"/>
                                   </p:stCondLst>
@@ -18524,7 +17952,7 @@
                                   <p:childTnLst>
                                     <p:set>
                                       <p:cBhvr>
-                                        <p:cTn id="42" dur="1" fill="hold">
+                                        <p:cTn id="36" dur="1" fill="hold">
                                           <p:stCondLst>
                                             <p:cond delay="0"/>
                                           </p:stCondLst>
@@ -18547,26 +17975,8 @@
                                   </p:childTnLst>
                                 </p:cTn>
                               </p:par>
-                            </p:childTnLst>
-                          </p:cTn>
-                        </p:par>
-                      </p:childTnLst>
-                    </p:cTn>
-                  </p:par>
-                  <p:par>
-                    <p:cTn id="43" fill="hold">
-                      <p:stCondLst>
-                        <p:cond delay="indefinite"/>
-                      </p:stCondLst>
-                      <p:childTnLst>
-                        <p:par>
-                          <p:cTn id="44" fill="hold">
-                            <p:stCondLst>
-                              <p:cond delay="0"/>
-                            </p:stCondLst>
-                            <p:childTnLst>
                               <p:par>
-                                <p:cTn id="45" presetID="1" presetClass="entr" presetSubtype="0" fill="hold" nodeType="clickEffect">
+                                <p:cTn id="37" presetID="1" presetClass="entr" presetSubtype="0" fill="hold" nodeType="withEffect">
                                   <p:stCondLst>
                                     <p:cond delay="0"/>
                                   </p:stCondLst>
@@ -18576,7 +17986,7 @@
                                   <p:childTnLst>
                                     <p:set>
                                       <p:cBhvr>
-                                        <p:cTn id="46" dur="1" fill="hold">
+                                        <p:cTn id="38" dur="1" fill="hold">
                                           <p:stCondLst>
                                             <p:cond delay="0"/>
                                           </p:stCondLst>

--- a/SQF-Escali.pptx
+++ b/SQF-Escali.pptx
@@ -12731,15 +12731,6 @@
               </a:rPr>
               <a:t>Eine ID muss der Hierarchie, der Position und/oder dem Inhalt entsprechend </a:t>
             </a:r>
-            <a:r>
-              <a:rPr lang="de-DE" sz="1600" noProof="0" dirty="0" smtClean="0">
-                <a:solidFill>
-                  <a:srgbClr val="000000"/>
-                </a:solidFill>
-                <a:latin typeface="Arial" charset="0"/>
-              </a:rPr>
-              <a:t/>
-            </a:r>
             <a:br>
               <a:rPr lang="de-DE" sz="1600" noProof="0" dirty="0" smtClean="0">
                 <a:solidFill>
@@ -12755,16 +12746,7 @@
                 </a:solidFill>
                 <a:latin typeface="Arial" charset="0"/>
               </a:rPr>
-              <a:t>gesetzt </a:t>
-            </a:r>
-            <a:r>
-              <a:rPr lang="de-DE" sz="1600" noProof="0" dirty="0" smtClean="0">
-                <a:solidFill>
-                  <a:srgbClr val="000000"/>
-                </a:solidFill>
-                <a:latin typeface="Arial" charset="0"/>
-              </a:rPr>
-              <a:t>werden</a:t>
+              <a:t>gesetzt werden</a:t>
             </a:r>
           </a:p>
           <a:p>
@@ -12804,25 +12786,7 @@
                 </a:solidFill>
                 <a:latin typeface="Arial" charset="0"/>
               </a:rPr>
-              <a:t>) </a:t>
-            </a:r>
-            <a:r>
-              <a:rPr lang="de-DE" sz="1600" noProof="0" dirty="0" smtClean="0">
-                <a:solidFill>
-                  <a:srgbClr val="000000"/>
-                </a:solidFill>
-                <a:latin typeface="Arial" charset="0"/>
-              </a:rPr>
-              <a:t>haben Auswirkungen auf die </a:t>
-            </a:r>
-            <a:r>
-              <a:rPr lang="de-DE" sz="1600" noProof="0" dirty="0" smtClean="0">
-                <a:solidFill>
-                  <a:srgbClr val="000000"/>
-                </a:solidFill>
-                <a:latin typeface="Arial" charset="0"/>
-              </a:rPr>
-              <a:t/>
+              <a:t>) haben Auswirkungen auf die </a:t>
             </a:r>
             <a:br>
               <a:rPr lang="de-DE" sz="1600" noProof="0" dirty="0" smtClean="0">
@@ -12839,16 +12803,7 @@
                 </a:solidFill>
                 <a:latin typeface="Arial" charset="0"/>
               </a:rPr>
-              <a:t>Struktur </a:t>
-            </a:r>
-            <a:r>
-              <a:rPr lang="de-DE" sz="1600" noProof="0" dirty="0" smtClean="0">
-                <a:solidFill>
-                  <a:srgbClr val="000000"/>
-                </a:solidFill>
-                <a:latin typeface="Arial" charset="0"/>
-              </a:rPr>
-              <a:t>des Dokuments</a:t>
+              <a:t>Struktur des Dokuments</a:t>
             </a:r>
           </a:p>
           <a:p>
@@ -13896,16 +13851,7 @@
                 </a:solidFill>
                 <a:latin typeface="Arial" charset="0"/>
               </a:rPr>
-              <a:t>Standardisiert mit einer W3C-Note</a:t>
-            </a:r>
-            <a:r>
-              <a:rPr lang="de-DE" sz="1600" noProof="0" dirty="0" smtClean="0">
-                <a:solidFill>
-                  <a:srgbClr val="000000"/>
-                </a:solidFill>
-                <a:latin typeface="Arial" charset="0"/>
-              </a:rPr>
-              <a:t>:</a:t>
+              <a:t>Standardisiert mit einer W3C-Note:</a:t>
             </a:r>
             <a:endParaRPr lang="de-DE" sz="1200" noProof="0" dirty="0" smtClean="0">
               <a:solidFill>
@@ -13987,16 +13933,7 @@
                 </a:solidFill>
                 <a:latin typeface="Arial" charset="0"/>
               </a:rPr>
-              <a:t>Ersetze die fehlerhafte ID durch eine aus dem Kontext heraus kalkulierte </a:t>
-            </a:r>
-            <a:r>
-              <a:rPr lang="de-DE" sz="1600" noProof="0" dirty="0" smtClean="0">
-                <a:solidFill>
-                  <a:srgbClr val="000000"/>
-                </a:solidFill>
-                <a:latin typeface="Arial" charset="0"/>
-              </a:rPr>
-              <a:t>ID</a:t>
+              <a:t>Ersetze die fehlerhafte ID durch eine aus dem Kontext heraus kalkulierte ID</a:t>
             </a:r>
           </a:p>
           <a:p>
@@ -14038,16 +13975,7 @@
                 </a:solidFill>
                 <a:latin typeface="Arial" charset="0"/>
               </a:rPr>
-              <a:t>Konvertiere </a:t>
-            </a:r>
-            <a:r>
-              <a:rPr lang="de-DE" sz="1600" noProof="0" dirty="0" smtClean="0">
-                <a:solidFill>
-                  <a:srgbClr val="000000"/>
-                </a:solidFill>
-                <a:latin typeface="Arial" charset="0"/>
-              </a:rPr>
-              <a:t>fehlerhaftes Datumsformat in </a:t>
+              <a:t>Konvertiere fehlerhaftes Datumsformat in </a:t>
             </a:r>
             <a:r>
               <a:rPr lang="de-DE" sz="1600" noProof="0" dirty="0" err="1" smtClean="0">
@@ -15201,7 +15129,7 @@
         <p:spPr>
           <a:xfrm>
             <a:off x="936633" y="1145704"/>
-            <a:ext cx="7190581" cy="5472608"/>
+            <a:ext cx="7815775" cy="5472608"/>
           </a:xfrm>
         </p:spPr>
         <p:txBody>
@@ -15419,7 +15347,7 @@
                 <a:latin typeface="Arial" charset="0"/>
                 <a:hlinkClick r:id="rId3"/>
               </a:rPr>
-              <a:t>https://github.com/schematron-quickfix/escali-package/</a:t>
+              <a:t>https://github.com/schematron-quickfix/escali-package/tree/master/escaliOxygen</a:t>
             </a:r>
             <a:endParaRPr lang="de-DE" sz="1200" noProof="0" dirty="0" smtClean="0">
               <a:solidFill>

--- a/SQF-Escali.pptx
+++ b/SQF-Escali.pptx
@@ -294,7 +294,7 @@
           <a:p>
             <a:fld id="{D47D8A5B-AC4C-43B8-8900-F35950A2270E}" type="datetimeFigureOut">
               <a:rPr lang="de-DE" smtClean="0"/>
-              <a:t>25.11.2017</a:t>
+              <a:t>29.11.2017</a:t>
             </a:fld>
             <a:endParaRPr lang="de-DE"/>
           </a:p>
@@ -6319,7 +6319,7 @@
                 </a:solidFill>
                 <a:latin typeface="TheSansOffice" pitchFamily="34" charset="0"/>
               </a:rPr>
-              <a:t>Samstag, 25. November 2017</a:t>
+              <a:t>Mittwoch, 29. November 2017</a:t>
             </a:fld>
             <a:endParaRPr lang="de-DE" sz="2000" b="1" i="1" dirty="0">
               <a:solidFill>
@@ -6362,29 +6362,7 @@
                 <a:ea typeface="+mj-ea"/>
                 <a:cs typeface="+mj-cs"/>
               </a:rPr>
-              <a:t>Vergleich </a:t>
-            </a:r>
-            <a:r>
-              <a:rPr lang="de-DE" sz="1800" b="1" kern="0" dirty="0">
-                <a:solidFill>
-                  <a:srgbClr val="000077"/>
-                </a:solidFill>
-                <a:latin typeface="TheSansOffice" pitchFamily="34" charset="0"/>
-                <a:ea typeface="+mj-ea"/>
-                <a:cs typeface="+mj-cs"/>
-              </a:rPr>
-              <a:t>zwei </a:t>
-            </a:r>
-            <a:r>
-              <a:rPr lang="de-DE" sz="1800" b="1" kern="0" dirty="0">
-                <a:solidFill>
-                  <a:srgbClr val="000077"/>
-                </a:solidFill>
-                <a:latin typeface="TheSansOffice" pitchFamily="34" charset="0"/>
-                <a:ea typeface="+mj-ea"/>
-                <a:cs typeface="+mj-cs"/>
-              </a:rPr>
-              <a:t>verschiedener Implementierungen</a:t>
+              <a:t>Vergleich zwei verschiedener Implementierungen</a:t>
             </a:r>
             <a:endParaRPr lang="de-DE" dirty="0"/>
           </a:p>
@@ -7157,9 +7135,6 @@
               </a:rPr>
               <a:t> – Fallunterscheidungen</a:t>
             </a:r>
-            <a:endParaRPr lang="de-DE" sz="3600" dirty="0">
-              <a:latin typeface="TheSansOffice" pitchFamily="34" charset="0"/>
-            </a:endParaRPr>
           </a:p>
         </p:txBody>
       </p:sp>
@@ -8223,14 +8198,6 @@
               </a:rPr>
               <a:t>Die Oxygen-Implementierung</a:t>
             </a:r>
-            <a:endParaRPr lang="de-DE" sz="3600" b="1" dirty="0">
-              <a:solidFill>
-                <a:srgbClr val="000077"/>
-              </a:solidFill>
-              <a:latin typeface="TheSansOffice" pitchFamily="34" charset="0"/>
-              <a:ea typeface="+mj-ea"/>
-              <a:cs typeface="+mj-cs"/>
-            </a:endParaRPr>
           </a:p>
         </p:txBody>
       </p:sp>
@@ -8318,9 +8285,6 @@
               </a:rPr>
               <a:t>-in</a:t>
             </a:r>
-            <a:endParaRPr lang="de-DE" sz="3600" dirty="0">
-              <a:latin typeface="TheSansOffice" pitchFamily="34" charset="0"/>
-            </a:endParaRPr>
           </a:p>
         </p:txBody>
       </p:sp>
@@ -8530,8 +8494,23 @@
                 </a:solidFill>
                 <a:latin typeface="Arial" charset="0"/>
               </a:rPr>
-              <a:t>Features seit 18.1:</a:t>
-            </a:r>
+              <a:t>Features </a:t>
+            </a:r>
+            <a:r>
+              <a:rPr lang="de-DE" sz="2400" dirty="0" smtClean="0">
+                <a:solidFill>
+                  <a:srgbClr val="000000"/>
+                </a:solidFill>
+                <a:latin typeface="Arial" charset="0"/>
+              </a:rPr>
+              <a:t>in 18.1+</a:t>
+            </a:r>
+            <a:endParaRPr lang="de-DE" sz="2400" dirty="0">
+              <a:solidFill>
+                <a:srgbClr val="000000"/>
+              </a:solidFill>
+              <a:latin typeface="Arial" charset="0"/>
+            </a:endParaRPr>
           </a:p>
           <a:p>
             <a:pPr marL="800067" lvl="1" indent="-342878" algn="l">
@@ -9043,7 +9022,7 @@
           <a:graphicData uri="http://schemas.openxmlformats.org/presentationml/2006/ole">
             <mc:AlternateContent xmlns:mc="http://schemas.openxmlformats.org/markup-compatibility/2006">
               <mc:Choice xmlns:v="urn:schemas-microsoft-com:vml" Requires="v">
-                <p:oleObj spid="_x0000_s2074" name="Image" r:id="rId3" imgW="6628320" imgH="1180800" progId="Photoshop.Image.13">
+                <p:oleObj spid="_x0000_s2083" name="Image" r:id="rId3" imgW="6628320" imgH="1180800" progId="Photoshop.Image.13">
                   <p:embed/>
                 </p:oleObj>
               </mc:Choice>
@@ -9100,7 +9079,7 @@
           <a:graphicData uri="http://schemas.openxmlformats.org/presentationml/2006/ole">
             <mc:AlternateContent xmlns:mc="http://schemas.openxmlformats.org/markup-compatibility/2006">
               <mc:Choice xmlns:v="urn:schemas-microsoft-com:vml" Requires="v">
-                <p:oleObj spid="_x0000_s2075" name="Image" r:id="rId5" imgW="6628320" imgH="1180800" progId="Photoshop.Image.13">
+                <p:oleObj spid="_x0000_s2084" name="Image" r:id="rId5" imgW="6628320" imgH="1180800" progId="Photoshop.Image.13">
                   <p:embed/>
                 </p:oleObj>
               </mc:Choice>
@@ -9182,9 +9161,6 @@
               </a:rPr>
               <a:t>-in</a:t>
             </a:r>
-            <a:endParaRPr lang="de-DE" sz="3600" dirty="0">
-              <a:latin typeface="TheSansOffice" pitchFamily="34" charset="0"/>
-            </a:endParaRPr>
           </a:p>
         </p:txBody>
       </p:sp>
@@ -9502,7 +9478,7 @@
           <a:graphicData uri="http://schemas.openxmlformats.org/presentationml/2006/ole">
             <mc:AlternateContent xmlns:mc="http://schemas.openxmlformats.org/markup-compatibility/2006">
               <mc:Choice xmlns:v="urn:schemas-microsoft-com:vml" Requires="v">
-                <p:oleObj spid="_x0000_s2076" name="Image" r:id="rId7" imgW="3809520" imgH="1764720" progId="Photoshop.Image.13">
+                <p:oleObj spid="_x0000_s2085" name="Image" r:id="rId7" imgW="3809520" imgH="1764720" progId="Photoshop.Image.13">
                   <p:embed/>
                 </p:oleObj>
               </mc:Choice>
@@ -10114,9 +10090,6 @@
               </a:rPr>
               <a:t>-Projekt</a:t>
             </a:r>
-            <a:endParaRPr lang="de-DE" sz="3600" dirty="0">
-              <a:latin typeface="TheSansOffice" pitchFamily="34" charset="0"/>
-            </a:endParaRPr>
           </a:p>
         </p:txBody>
       </p:sp>
@@ -11069,9 +11042,6 @@
               </a:rPr>
               <a:t> Module</a:t>
             </a:r>
-            <a:endParaRPr lang="de-DE" sz="3600" dirty="0">
-              <a:latin typeface="TheSansOffice" pitchFamily="34" charset="0"/>
-            </a:endParaRPr>
           </a:p>
         </p:txBody>
       </p:sp>
@@ -11313,9 +11283,6 @@
               </a:rPr>
               <a:t> / Oxygen</a:t>
             </a:r>
-            <a:endParaRPr lang="de-DE" sz="3600" dirty="0">
-              <a:latin typeface="TheSansOffice" pitchFamily="34" charset="0"/>
-            </a:endParaRPr>
           </a:p>
         </p:txBody>
       </p:sp>
@@ -12240,9 +12207,6 @@
               </a:rPr>
               <a:t>Agenda</a:t>
             </a:r>
-            <a:endParaRPr lang="de-DE" sz="3600" dirty="0">
-              <a:latin typeface="TheSansOffice" pitchFamily="34" charset="0"/>
-            </a:endParaRPr>
           </a:p>
         </p:txBody>
       </p:sp>
@@ -13099,9 +13063,6 @@
               </a:rPr>
               <a:t>Setup</a:t>
             </a:r>
-            <a:endParaRPr lang="de-DE" sz="3600" dirty="0">
-              <a:latin typeface="TheSansOffice" pitchFamily="34" charset="0"/>
-            </a:endParaRPr>
           </a:p>
         </p:txBody>
       </p:sp>
@@ -13711,9 +13672,6 @@
               </a:rPr>
               <a:t>Überblick</a:t>
             </a:r>
-            <a:endParaRPr lang="de-DE" sz="3600" dirty="0">
-              <a:latin typeface="TheSansOffice" pitchFamily="34" charset="0"/>
-            </a:endParaRPr>
           </a:p>
         </p:txBody>
       </p:sp>
@@ -14546,9 +14504,6 @@
               </a:rPr>
               <a:t>Konfiguration</a:t>
             </a:r>
-            <a:endParaRPr lang="de-DE" sz="3600" dirty="0">
-              <a:latin typeface="TheSansOffice" pitchFamily="34" charset="0"/>
-            </a:endParaRPr>
           </a:p>
         </p:txBody>
       </p:sp>
@@ -15097,7 +15052,7 @@
           <a:graphicData uri="http://schemas.openxmlformats.org/presentationml/2006/ole">
             <mc:AlternateContent xmlns:mc="http://schemas.openxmlformats.org/markup-compatibility/2006">
               <mc:Choice xmlns:v="urn:schemas-microsoft-com:vml" Requires="v">
-                <p:oleObj spid="_x0000_s1040" name="Image" r:id="rId3" imgW="5765040" imgH="1180800" progId="Photoshop.Image.13">
+                <p:oleObj spid="_x0000_s1046" name="Image" r:id="rId3" imgW="5765040" imgH="1180800" progId="Photoshop.Image.13">
                   <p:embed/>
                 </p:oleObj>
               </mc:Choice>
@@ -15154,7 +15109,7 @@
           <a:graphicData uri="http://schemas.openxmlformats.org/presentationml/2006/ole">
             <mc:AlternateContent xmlns:mc="http://schemas.openxmlformats.org/markup-compatibility/2006">
               <mc:Choice xmlns:v="urn:schemas-microsoft-com:vml" Requires="v">
-                <p:oleObj spid="_x0000_s1041" name="Image" r:id="rId5" imgW="5765040" imgH="1180800" progId="Photoshop.Image.13">
+                <p:oleObj spid="_x0000_s1047" name="Image" r:id="rId5" imgW="5765040" imgH="1180800" progId="Photoshop.Image.13">
                   <p:embed/>
                 </p:oleObj>
               </mc:Choice>
@@ -15296,9 +15251,6 @@
               </a:rPr>
               <a:t>Ausführen von QFs</a:t>
             </a:r>
-            <a:endParaRPr lang="de-DE" sz="3600" dirty="0">
-              <a:latin typeface="TheSansOffice" pitchFamily="34" charset="0"/>
-            </a:endParaRPr>
           </a:p>
         </p:txBody>
       </p:sp>
@@ -16361,14 +16313,6 @@
               </a:rPr>
               <a:t>Der Vergleich</a:t>
             </a:r>
-            <a:endParaRPr lang="de-DE" sz="3600" b="1" dirty="0">
-              <a:solidFill>
-                <a:srgbClr val="000077"/>
-              </a:solidFill>
-              <a:latin typeface="TheSansOffice" pitchFamily="34" charset="0"/>
-              <a:ea typeface="+mj-ea"/>
-              <a:cs typeface="+mj-cs"/>
-            </a:endParaRPr>
           </a:p>
         </p:txBody>
       </p:sp>
@@ -16456,9 +16400,6 @@
               </a:rPr>
               <a:t> auf einmal</a:t>
             </a:r>
-            <a:endParaRPr lang="de-DE" sz="3600" dirty="0">
-              <a:latin typeface="TheSansOffice" pitchFamily="34" charset="0"/>
-            </a:endParaRPr>
           </a:p>
         </p:txBody>
       </p:sp>
@@ -17216,9 +17157,6 @@
               </a:rPr>
               <a:t> – Datentypen</a:t>
             </a:r>
-            <a:endParaRPr lang="de-DE" sz="3600" dirty="0">
-              <a:latin typeface="TheSansOffice" pitchFamily="34" charset="0"/>
-            </a:endParaRPr>
           </a:p>
         </p:txBody>
       </p:sp>
@@ -18723,12 +18661,6 @@
               </a:rPr>
               <a:t> hat.</a:t>
             </a:r>
-            <a:endParaRPr lang="de-DE" sz="1600" dirty="0">
-              <a:solidFill>
-                <a:srgbClr val="000000"/>
-              </a:solidFill>
-              <a:latin typeface="Arial" charset="0"/>
-            </a:endParaRPr>
           </a:p>
         </p:txBody>
       </p:sp>
@@ -19419,12 +19351,6 @@
               </a:rPr>
               <a:t> beim Ausführen der QFs</a:t>
             </a:r>
-            <a:endParaRPr lang="de-DE" sz="1400" dirty="0">
-              <a:solidFill>
-                <a:srgbClr val="000000"/>
-              </a:solidFill>
-              <a:latin typeface="Arial" charset="0"/>
-            </a:endParaRPr>
           </a:p>
           <a:p>
             <a:pPr marL="800067" lvl="1" indent="-342878" algn="l">
@@ -19723,12 +19649,6 @@
               </a:rPr>
               <a:t>Hat bereits angekündigt, diesen Mode wohl vorläufig nicht zu unterstützen.</a:t>
             </a:r>
-            <a:endParaRPr lang="de-DE" sz="1400" dirty="0">
-              <a:solidFill>
-                <a:srgbClr val="000000"/>
-              </a:solidFill>
-              <a:latin typeface="Arial" charset="0"/>
-            </a:endParaRPr>
           </a:p>
           <a:p>
             <a:pPr marL="342878" indent="-342878" algn="l">
@@ -20482,9 +20402,6 @@
               </a:rPr>
               <a:t>Mikrotypographie</a:t>
             </a:r>
-            <a:endParaRPr lang="de-DE" sz="3600" dirty="0">
-              <a:latin typeface="TheSansOffice" pitchFamily="34" charset="0"/>
-            </a:endParaRPr>
           </a:p>
         </p:txBody>
       </p:sp>
@@ -20607,25 +20524,7 @@
                 </a:solidFill>
                 <a:latin typeface="Arial" charset="0"/>
               </a:rPr>
-              <a:t> (einzelne Zeichen, Abkürzungen</a:t>
-            </a:r>
-            <a:r>
-              <a:rPr lang="de-DE" sz="1400" dirty="0">
-                <a:solidFill>
-                  <a:srgbClr val="000000"/>
-                </a:solidFill>
-                <a:latin typeface="Arial" charset="0"/>
-              </a:rPr>
-              <a:t>, </a:t>
-            </a:r>
-            <a:r>
-              <a:rPr lang="de-DE" sz="1400" dirty="0">
-                <a:solidFill>
-                  <a:srgbClr val="000000"/>
-                </a:solidFill>
-                <a:latin typeface="Arial" charset="0"/>
-              </a:rPr>
-              <a:t>Mengenangaben) die Fehlerursache sind, gibt </a:t>
+              <a:t> (einzelne Zeichen, Abkürzungen, Mengenangaben) die Fehlerursache sind, gibt </a:t>
             </a:r>
             <a:r>
               <a:rPr lang="de-DE" sz="1400" dirty="0" err="1">
@@ -21853,12 +21752,6 @@
               </a:rPr>
               <a:t> </a:t>
             </a:r>
-            <a:endParaRPr lang="de-DE" sz="2000" dirty="0">
-              <a:solidFill>
-                <a:srgbClr val="000000"/>
-              </a:solidFill>
-              <a:latin typeface="Arial" charset="0"/>
-            </a:endParaRPr>
           </a:p>
           <a:p>
             <a:pPr marL="800067" lvl="1" indent="-342878" algn="l">
@@ -22028,12 +21921,6 @@
               </a:rPr>
               <a:t>Beispiele:</a:t>
             </a:r>
-            <a:endParaRPr lang="de-DE" sz="2000" dirty="0">
-              <a:solidFill>
-                <a:srgbClr val="000000"/>
-              </a:solidFill>
-              <a:latin typeface="Arial" charset="0"/>
-            </a:endParaRPr>
           </a:p>
           <a:p>
             <a:pPr marL="800067" lvl="1" indent="-342878" algn="l">
@@ -23159,7 +23046,16 @@
                 </a:solidFill>
                 <a:latin typeface="Arial" charset="0"/>
               </a:rPr>
-              <a:t> </a:t>
+              <a:t> Table, ähnlich der </a:t>
+            </a:r>
+            <a:r>
+              <a:rPr lang="de-DE" sz="1600" dirty="0" err="1">
+                <a:solidFill>
+                  <a:srgbClr val="000000"/>
+                </a:solidFill>
+                <a:latin typeface="Arial" charset="0"/>
+              </a:rPr>
+              <a:t>Association</a:t>
             </a:r>
             <a:r>
               <a:rPr lang="de-DE" sz="1600" dirty="0">
@@ -23168,34 +23064,7 @@
                 </a:solidFill>
                 <a:latin typeface="Arial" charset="0"/>
               </a:rPr>
-              <a:t>Table, ähnlich der </a:t>
-            </a:r>
-            <a:r>
-              <a:rPr lang="de-DE" sz="1600" dirty="0" err="1">
-                <a:solidFill>
-                  <a:srgbClr val="000000"/>
-                </a:solidFill>
-                <a:latin typeface="Arial" charset="0"/>
-              </a:rPr>
-              <a:t>Association</a:t>
-            </a:r>
-            <a:r>
-              <a:rPr lang="de-DE" sz="1600" dirty="0">
-                <a:solidFill>
-                  <a:srgbClr val="000000"/>
-                </a:solidFill>
-                <a:latin typeface="Arial" charset="0"/>
-              </a:rPr>
-              <a:t> </a:t>
-            </a:r>
-            <a:r>
-              <a:rPr lang="de-DE" sz="1600" dirty="0">
-                <a:solidFill>
-                  <a:srgbClr val="000000"/>
-                </a:solidFill>
-                <a:latin typeface="Arial" charset="0"/>
-              </a:rPr>
-              <a:t>Rules eines Frameworks.</a:t>
+              <a:t> Rules eines Frameworks.</a:t>
             </a:r>
           </a:p>
           <a:p>
@@ -24846,9 +24715,6 @@
               </a:rPr>
               <a:t>Blick über den Tellerrand</a:t>
             </a:r>
-            <a:endParaRPr lang="de-DE" sz="3600" dirty="0">
-              <a:latin typeface="TheSansOffice" pitchFamily="34" charset="0"/>
-            </a:endParaRPr>
           </a:p>
         </p:txBody>
       </p:sp>
@@ -25971,9 +25837,6 @@
               </a:rPr>
               <a:t>Nächste Ziele</a:t>
             </a:r>
-            <a:endParaRPr lang="de-DE" sz="3600" dirty="0">
-              <a:latin typeface="TheSansOffice" pitchFamily="34" charset="0"/>
-            </a:endParaRPr>
           </a:p>
         </p:txBody>
       </p:sp>
@@ -26129,16 +25992,7 @@
                 </a:solidFill>
                 <a:latin typeface="Arial" charset="0"/>
               </a:rPr>
-              <a:t> </a:t>
-            </a:r>
-            <a:r>
-              <a:rPr lang="de-DE" sz="2000" dirty="0">
-                <a:solidFill>
-                  <a:srgbClr val="000000"/>
-                </a:solidFill>
-                <a:latin typeface="Arial" charset="0"/>
-              </a:rPr>
-              <a:t>2016</a:t>
+              <a:t> 2016</a:t>
             </a:r>
           </a:p>
           <a:p>
@@ -26282,25 +26136,7 @@
                 </a:solidFill>
                 <a:latin typeface="Arial" charset="0"/>
               </a:rPr>
-              <a:t>Eclipse</a:t>
-            </a:r>
-            <a:r>
-              <a:rPr lang="de-DE" sz="1600" dirty="0" err="1">
-                <a:solidFill>
-                  <a:srgbClr val="000000"/>
-                </a:solidFill>
-                <a:latin typeface="Arial" charset="0"/>
-              </a:rPr>
-              <a:t>-</a:t>
-            </a:r>
-            <a:r>
-              <a:rPr lang="de-DE" sz="1600" dirty="0" err="1">
-                <a:solidFill>
-                  <a:srgbClr val="000000"/>
-                </a:solidFill>
-                <a:latin typeface="Arial" charset="0"/>
-              </a:rPr>
-              <a:t>Plugin</a:t>
+              <a:t>Eclipse-Plugin</a:t>
             </a:r>
             <a:r>
               <a:rPr lang="de-DE" sz="1600" dirty="0">
@@ -26786,9 +26622,6 @@
               </a:rPr>
               <a:t>Weitere Links</a:t>
             </a:r>
-            <a:endParaRPr lang="de-DE" sz="3600" dirty="0">
-              <a:latin typeface="TheSansOffice" pitchFamily="34" charset="0"/>
-            </a:endParaRPr>
           </a:p>
         </p:txBody>
       </p:sp>
@@ -26987,17 +26820,7 @@
                 <a:latin typeface="Arial" charset="0"/>
                 <a:hlinkClick r:id="rId5"/>
               </a:rPr>
-              <a:t>https</a:t>
-            </a:r>
-            <a:r>
-              <a:rPr lang="de-DE" sz="1600" dirty="0">
-                <a:solidFill>
-                  <a:srgbClr val="000000"/>
-                </a:solidFill>
-                <a:latin typeface="Arial" charset="0"/>
-                <a:hlinkClick r:id="rId5"/>
-              </a:rPr>
-              <a:t>://github.com/nkutsche/SchematronQuickFix-2017-11-17</a:t>
+              <a:t>https://github.com/nkutsche/SchematronQuickFix-2017-11-17</a:t>
             </a:r>
             <a:endParaRPr lang="de-DE" sz="1600" dirty="0">
               <a:solidFill>
@@ -27269,18 +27092,7 @@
                 <a:ea typeface="+mj-ea"/>
                 <a:cs typeface="+mj-cs"/>
               </a:rPr>
-              <a:t>Fragen</a:t>
-            </a:r>
-            <a:r>
-              <a:rPr lang="de-DE" sz="3600" b="1" dirty="0">
-                <a:solidFill>
-                  <a:srgbClr val="000077"/>
-                </a:solidFill>
-                <a:latin typeface="TheSansOffice" pitchFamily="34" charset="0"/>
-                <a:ea typeface="+mj-ea"/>
-                <a:cs typeface="+mj-cs"/>
-              </a:rPr>
-              <a:t>?</a:t>
+              <a:t>Fragen?</a:t>
             </a:r>
           </a:p>
         </p:txBody>
@@ -27357,9 +27169,6 @@
               </a:rPr>
               <a:t>Entstehungsgeschichte</a:t>
             </a:r>
-            <a:endParaRPr lang="de-DE" sz="3600" dirty="0">
-              <a:latin typeface="TheSansOffice" pitchFamily="34" charset="0"/>
-            </a:endParaRPr>
           </a:p>
         </p:txBody>
       </p:sp>
@@ -28228,9 +28037,6 @@
               </a:rPr>
               <a:t>Entstehungsgeschichte</a:t>
             </a:r>
-            <a:endParaRPr lang="de-DE" sz="3600" dirty="0">
-              <a:latin typeface="TheSansOffice" pitchFamily="34" charset="0"/>
-            </a:endParaRPr>
           </a:p>
         </p:txBody>
       </p:sp>
@@ -28247,7 +28053,7 @@
         <p:spPr>
           <a:xfrm>
             <a:off x="936640" y="1705991"/>
-            <a:ext cx="7190581" cy="5602636"/>
+            <a:ext cx="8031792" cy="5602636"/>
           </a:xfrm>
         </p:spPr>
         <p:txBody>
@@ -28314,16 +28120,79 @@
                 </a:solidFill>
                 <a:latin typeface="Arial" charset="0"/>
               </a:rPr>
-              <a:t> auf der XML </a:t>
-            </a:r>
-            <a:r>
-              <a:rPr lang="de-DE" sz="1600" dirty="0" err="1">
+              <a:t> </a:t>
+            </a:r>
+            <a:r>
+              <a:rPr lang="de-DE" sz="1600" dirty="0" smtClean="0">
+                <a:solidFill>
+                  <a:srgbClr val="000000"/>
+                </a:solidFill>
+                <a:latin typeface="Arial" charset="0"/>
+              </a:rPr>
+              <a:t>am </a:t>
+            </a:r>
+            <a:r>
+              <a:rPr lang="de-DE" sz="1600" dirty="0" err="1" smtClean="0">
+                <a:solidFill>
+                  <a:srgbClr val="000000"/>
+                </a:solidFill>
+                <a:latin typeface="Arial" charset="0"/>
+              </a:rPr>
+              <a:t>PreConfDay</a:t>
+            </a:r>
+            <a:r>
+              <a:rPr lang="de-DE" sz="1600" dirty="0" smtClean="0">
+                <a:solidFill>
+                  <a:srgbClr val="000000"/>
+                </a:solidFill>
+                <a:latin typeface="Arial" charset="0"/>
+              </a:rPr>
+              <a:t> der </a:t>
+            </a:r>
+            <a:r>
+              <a:rPr lang="de-DE" sz="1600" dirty="0">
+                <a:solidFill>
+                  <a:srgbClr val="000000"/>
+                </a:solidFill>
+                <a:latin typeface="Arial" charset="0"/>
+              </a:rPr>
+              <a:t>XML </a:t>
+            </a:r>
+            <a:r>
+              <a:rPr lang="de-DE" sz="1600" dirty="0" err="1" smtClean="0">
                 <a:solidFill>
                   <a:srgbClr val="000000"/>
                 </a:solidFill>
                 <a:latin typeface="Arial" charset="0"/>
               </a:rPr>
               <a:t>Prauge</a:t>
+            </a:r>
+            <a:r>
+              <a:rPr lang="de-DE" sz="1600" dirty="0">
+                <a:solidFill>
+                  <a:srgbClr val="000000"/>
+                </a:solidFill>
+                <a:latin typeface="Arial" charset="0"/>
+              </a:rPr>
+              <a:t> </a:t>
+            </a:r>
+            <a:r>
+              <a:rPr lang="de-DE" sz="1600" dirty="0" smtClean="0">
+                <a:solidFill>
+                  <a:srgbClr val="000000"/>
+                </a:solidFill>
+                <a:latin typeface="Arial" charset="0"/>
+              </a:rPr>
+              <a:t>zusammen mit Octavian </a:t>
+            </a:r>
+            <a:r>
+              <a:rPr lang="de-DE" sz="1600" dirty="0" err="1" smtClean="0">
+                <a:solidFill>
+                  <a:srgbClr val="000000"/>
+                </a:solidFill>
+                <a:latin typeface="Arial" charset="0"/>
+              </a:rPr>
+              <a:t>Nadolu</a:t>
             </a:r>
             <a:endParaRPr lang="de-DE" sz="1600" dirty="0">
               <a:solidFill>
@@ -28455,8 +28324,23 @@
                 </a:solidFill>
                 <a:latin typeface="Arial" charset="0"/>
               </a:rPr>
-              <a:t> (Hauptkonferenz)</a:t>
-            </a:r>
+              <a:t> (Hauptkonferenz</a:t>
+            </a:r>
+            <a:r>
+              <a:rPr lang="de-DE" sz="1600" dirty="0" smtClean="0">
+                <a:solidFill>
+                  <a:srgbClr val="000000"/>
+                </a:solidFill>
+                <a:latin typeface="Arial" charset="0"/>
+              </a:rPr>
+              <a:t>) mit Octavian</a:t>
+            </a:r>
+            <a:endParaRPr lang="de-DE" sz="1600" dirty="0">
+              <a:solidFill>
+                <a:srgbClr val="000000"/>
+              </a:solidFill>
+              <a:latin typeface="Arial" charset="0"/>
+            </a:endParaRPr>
           </a:p>
           <a:p>
             <a:pPr marL="342878" indent="-342878" algn="l">
@@ -28692,26 +28576,23 @@
               <a:buChar char="•"/>
             </a:pPr>
             <a:r>
-              <a:rPr lang="de-DE" sz="2000" dirty="0">
-                <a:solidFill>
-                  <a:srgbClr val="000000"/>
-                </a:solidFill>
-                <a:latin typeface="Arial" charset="0"/>
-              </a:rPr>
-              <a:t>2018</a:t>
-            </a:r>
-          </a:p>
-          <a:p>
-            <a:pPr marL="800067" lvl="1" indent="-342878" algn="l">
-              <a:lnSpc>
-                <a:spcPct val="150000"/>
-              </a:lnSpc>
-              <a:spcBef>
-                <a:spcPct val="0"/>
-              </a:spcBef>
-              <a:buFont typeface="Arial" pitchFamily="34" charset="0"/>
-              <a:buChar char="•"/>
-            </a:pPr>
+              <a:rPr lang="de-DE" sz="2000" dirty="0" smtClean="0">
+                <a:solidFill>
+                  <a:srgbClr val="000000"/>
+                </a:solidFill>
+                <a:latin typeface="Arial" charset="0"/>
+              </a:rPr>
+              <a:t>2018 – </a:t>
+            </a:r>
+            <a:r>
+              <a:rPr lang="de-DE" sz="1600" dirty="0" smtClean="0">
+                <a:solidFill>
+                  <a:srgbClr val="000000"/>
+                </a:solidFill>
+                <a:latin typeface="Arial" charset="0"/>
+              </a:rPr>
+              <a:t>Standard </a:t>
+            </a:r>
             <a:r>
               <a:rPr lang="de-DE" sz="1600" dirty="0">
                 <a:solidFill>
@@ -28719,7 +28600,7 @@
                 </a:solidFill>
                 <a:latin typeface="Arial" charset="0"/>
               </a:rPr>
-              <a:t>Standard abschließen?</a:t>
+              <a:t>abschließen?</a:t>
             </a:r>
           </a:p>
         </p:txBody>
@@ -28754,6 +28635,9 @@
                     <p:cTn id="3" fill="hold">
                       <p:stCondLst>
                         <p:cond delay="indefinite"/>
+                        <p:cond evt="onBegin" delay="0">
+                          <p:tn val="2"/>
+                        </p:cond>
                       </p:stCondLst>
                       <p:childTnLst>
                         <p:par>
@@ -28763,7 +28647,7 @@
                             </p:stCondLst>
                             <p:childTnLst>
                               <p:par>
-                                <p:cTn id="5" presetID="1" presetClass="entr" presetSubtype="0" fill="hold" nodeType="clickEffect">
+                                <p:cTn id="5" presetID="1" presetClass="entr" presetSubtype="0" fill="hold" nodeType="withEffect">
                                   <p:stCondLst>
                                     <p:cond delay="0"/>
                                   </p:stCondLst>
@@ -29229,37 +29113,6 @@
                                   </p:childTnLst>
                                 </p:cTn>
                               </p:par>
-                              <p:par>
-                                <p:cTn id="41" presetID="1" presetClass="entr" presetSubtype="0" fill="hold" nodeType="withEffect">
-                                  <p:stCondLst>
-                                    <p:cond delay="0"/>
-                                  </p:stCondLst>
-                                  <p:childTnLst>
-                                    <p:set>
-                                      <p:cBhvr>
-                                        <p:cTn id="42" dur="1" fill="hold">
-                                          <p:stCondLst>
-                                            <p:cond delay="0"/>
-                                          </p:stCondLst>
-                                        </p:cTn>
-                                        <p:tgtEl>
-                                          <p:spTgt spid="4098">
-                                            <p:txEl>
-                                              <p:pRg st="11" end="11"/>
-                                            </p:txEl>
-                                          </p:spTgt>
-                                        </p:tgtEl>
-                                        <p:attrNameLst>
-                                          <p:attrName>style.visibility</p:attrName>
-                                        </p:attrNameLst>
-                                      </p:cBhvr>
-                                      <p:to>
-                                        <p:strVal val="visible"/>
-                                      </p:to>
-                                    </p:set>
-                                  </p:childTnLst>
-                                </p:cTn>
-                              </p:par>
                             </p:childTnLst>
                           </p:cTn>
                         </p:par>
@@ -29351,14 +29204,6 @@
               </a:rPr>
               <a:t>Die Sprache</a:t>
             </a:r>
-            <a:endParaRPr lang="de-DE" sz="3600" b="1" dirty="0">
-              <a:solidFill>
-                <a:srgbClr val="000077"/>
-              </a:solidFill>
-              <a:latin typeface="TheSansOffice" pitchFamily="34" charset="0"/>
-              <a:ea typeface="+mj-ea"/>
-              <a:cs typeface="+mj-cs"/>
-            </a:endParaRPr>
           </a:p>
         </p:txBody>
       </p:sp>
@@ -29434,9 +29279,6 @@
               </a:rPr>
               <a:t>Grundkonzepte</a:t>
             </a:r>
-            <a:endParaRPr lang="de-DE" sz="3600" dirty="0">
-              <a:latin typeface="TheSansOffice" pitchFamily="34" charset="0"/>
-            </a:endParaRPr>
           </a:p>
         </p:txBody>
       </p:sp>
@@ -31927,9 +31769,6 @@
               </a:rPr>
               <a:t>Act – Aktionen ausführen</a:t>
             </a:r>
-            <a:endParaRPr lang="de-DE" sz="3600" dirty="0">
-              <a:latin typeface="TheSansOffice" pitchFamily="34" charset="0"/>
-            </a:endParaRPr>
           </a:p>
         </p:txBody>
       </p:sp>

--- a/SQF-Escali.pptx
+++ b/SQF-Escali.pptx
@@ -5,13 +5,14 @@
     <p:sldMasterId id="2147483648" r:id="rId1"/>
   </p:sldMasterIdLst>
   <p:notesMasterIdLst>
-    <p:notesMasterId r:id="rId6"/>
+    <p:notesMasterId r:id="rId7"/>
   </p:notesMasterIdLst>
   <p:sldIdLst>
     <p:sldId id="256" r:id="rId2"/>
     <p:sldId id="420" r:id="rId3"/>
     <p:sldId id="432" r:id="rId4"/>
-    <p:sldId id="419" r:id="rId5"/>
+    <p:sldId id="433" r:id="rId5"/>
+    <p:sldId id="419" r:id="rId6"/>
   </p:sldIdLst>
   <p:sldSz cx="10160000" cy="7620000"/>
   <p:notesSz cx="7099300" cy="10234613"/>
@@ -261,7 +262,7 @@
           <a:p>
             <a:fld id="{D47D8A5B-AC4C-43B8-8900-F35950A2270E}" type="datetimeFigureOut">
               <a:rPr lang="de-DE" smtClean="0"/>
-              <a:t>03.02.2018</a:t>
+              <a:t>06.02.2018</a:t>
             </a:fld>
             <a:endParaRPr lang="de-DE"/>
           </a:p>
@@ -844,6 +845,102 @@
     <p:extLst>
       <p:ext uri="{BB962C8B-B14F-4D97-AF65-F5344CB8AC3E}">
         <p14:creationId xmlns:p14="http://schemas.microsoft.com/office/powerpoint/2010/main" val="1815642414"/>
+      </p:ext>
+    </p:extLst>
+  </p:cSld>
+  <p:clrMapOvr>
+    <a:masterClrMapping/>
+  </p:clrMapOvr>
+</p:notes>
+</file>
+
+<file path=ppt/notesSlides/notesSlide4.xml><?xml version="1.0" encoding="utf-8"?>
+<p:notes xmlns:a="http://schemas.openxmlformats.org/drawingml/2006/main" xmlns:r="http://schemas.openxmlformats.org/officeDocument/2006/relationships" xmlns:p="http://schemas.openxmlformats.org/presentationml/2006/main">
+  <p:cSld>
+    <p:spTree>
+      <p:nvGrpSpPr>
+        <p:cNvPr id="1" name=""/>
+        <p:cNvGrpSpPr/>
+        <p:nvPr/>
+      </p:nvGrpSpPr>
+      <p:grpSpPr>
+        <a:xfrm>
+          <a:off x="0" y="0"/>
+          <a:ext cx="0" cy="0"/>
+          <a:chOff x="0" y="0"/>
+          <a:chExt cx="0" cy="0"/>
+        </a:xfrm>
+      </p:grpSpPr>
+      <p:sp>
+        <p:nvSpPr>
+          <p:cNvPr id="2" name="Folienbildplatzhalter 1"/>
+          <p:cNvSpPr>
+            <a:spLocks noGrp="1" noRot="1" noChangeAspect="1"/>
+          </p:cNvSpPr>
+          <p:nvPr>
+            <p:ph type="sldImg"/>
+          </p:nvPr>
+        </p:nvSpPr>
+        <p:spPr/>
+      </p:sp>
+      <p:sp>
+        <p:nvSpPr>
+          <p:cNvPr id="3" name="Notizenplatzhalter 2"/>
+          <p:cNvSpPr>
+            <a:spLocks noGrp="1"/>
+          </p:cNvSpPr>
+          <p:nvPr>
+            <p:ph type="body" idx="1"/>
+          </p:nvPr>
+        </p:nvSpPr>
+        <p:spPr/>
+        <p:txBody>
+          <a:bodyPr/>
+          <a:lstStyle/>
+          <a:p>
+            <a:r>
+              <a:rPr lang="de-DE" dirty="0" smtClean="0"/>
+              <a:t>Zur Einordnung der</a:t>
+            </a:r>
+            <a:r>
+              <a:rPr lang="de-DE" baseline="0" dirty="0" smtClean="0"/>
+              <a:t> Sprache </a:t>
+            </a:r>
+            <a:r>
+              <a:rPr lang="de-DE" baseline="0" dirty="0" err="1" smtClean="0"/>
+              <a:t>Schematron</a:t>
+            </a:r>
+            <a:endParaRPr lang="de-DE" dirty="0"/>
+          </a:p>
+        </p:txBody>
+      </p:sp>
+      <p:sp>
+        <p:nvSpPr>
+          <p:cNvPr id="4" name="Foliennummernplatzhalter 3"/>
+          <p:cNvSpPr>
+            <a:spLocks noGrp="1"/>
+          </p:cNvSpPr>
+          <p:nvPr>
+            <p:ph type="sldNum" sz="quarter" idx="10"/>
+          </p:nvPr>
+        </p:nvSpPr>
+        <p:spPr/>
+        <p:txBody>
+          <a:bodyPr/>
+          <a:lstStyle/>
+          <a:p>
+            <a:fld id="{8495AEFD-9DC3-4E24-92C5-6E1333E0A67E}" type="slidenum">
+              <a:rPr lang="de-DE" smtClean="0"/>
+              <a:t>4</a:t>
+            </a:fld>
+            <a:endParaRPr lang="de-DE"/>
+          </a:p>
+        </p:txBody>
+      </p:sp>
+    </p:spTree>
+    <p:extLst>
+      <p:ext uri="{BB962C8B-B14F-4D97-AF65-F5344CB8AC3E}">
+        <p14:creationId xmlns:p14="http://schemas.microsoft.com/office/powerpoint/2010/main" val="4246513901"/>
       </p:ext>
     </p:extLst>
   </p:cSld>
@@ -4769,7 +4866,7 @@
                 </a:solidFill>
                 <a:latin typeface="TheSansOffice" pitchFamily="34" charset="0"/>
               </a:rPr>
-              <a:t>Samstag, 3. Februar 2018</a:t>
+              <a:t>Dienstag, 6. Februar 2018</a:t>
             </a:fld>
             <a:endParaRPr lang="de-DE" sz="2000" b="1" i="1" noProof="0" dirty="0">
               <a:solidFill>
@@ -5331,6 +5428,33 @@
               <a:t>: </a:t>
             </a:r>
             <a:r>
+              <a:rPr lang="de-DE" sz="1600" dirty="0" smtClean="0">
+                <a:solidFill>
+                  <a:srgbClr val="000000"/>
+                </a:solidFill>
+                <a:latin typeface="Arial" charset="0"/>
+              </a:rPr>
+              <a:t/>
+            </a:r>
+            <a:br>
+              <a:rPr lang="de-DE" sz="1600" dirty="0" smtClean="0">
+                <a:solidFill>
+                  <a:srgbClr val="000000"/>
+                </a:solidFill>
+                <a:latin typeface="Arial" charset="0"/>
+              </a:rPr>
+            </a:br>
+            <a:r>
+              <a:rPr lang="de-DE" sz="1600" dirty="0" smtClean="0">
+                <a:solidFill>
+                  <a:srgbClr val="000000"/>
+                </a:solidFill>
+                <a:latin typeface="Arial" charset="0"/>
+                <a:hlinkClick r:id="rId4"/>
+              </a:rPr>
+              <a:t>http</a:t>
+            </a:r>
+            <a:r>
               <a:rPr lang="de-DE" sz="1600" dirty="0">
                 <a:solidFill>
                   <a:srgbClr val="000000"/>
@@ -5338,7 +5462,7 @@
                 <a:latin typeface="Arial" charset="0"/>
                 <a:hlinkClick r:id="rId4"/>
               </a:rPr>
-              <a:t>http://escali.schematron-quickfix.com</a:t>
+              <a:t>://escali.schematron-quickfix.com</a:t>
             </a:r>
             <a:r>
               <a:rPr lang="de-DE" sz="1600" dirty="0" smtClean="0">
@@ -6071,7 +6195,8 @@
                 <a:solidFill>
                   <a:srgbClr val="000000"/>
                 </a:solidFill>
-                <a:latin typeface="Arial" charset="0"/>
+                <a:latin typeface="Consolas" panose="020B0609020204030204" pitchFamily="49" charset="0"/>
+                <a:cs typeface="Consolas" panose="020B0609020204030204" pitchFamily="49" charset="0"/>
               </a:rPr>
               <a:t>xs:date</a:t>
             </a:r>
@@ -6079,7 +6204,8 @@
               <a:solidFill>
                 <a:srgbClr val="000000"/>
               </a:solidFill>
-              <a:latin typeface="Arial" charset="0"/>
+              <a:latin typeface="Consolas" panose="020B0609020204030204" pitchFamily="49" charset="0"/>
+              <a:cs typeface="Consolas" panose="020B0609020204030204" pitchFamily="49" charset="0"/>
             </a:endParaRPr>
           </a:p>
           <a:p>
@@ -6458,7 +6584,8 @@
                 <a:solidFill>
                   <a:srgbClr val="000000"/>
                 </a:solidFill>
-                <a:latin typeface="Arial" charset="0"/>
+                <a:latin typeface="Consolas" panose="020B0609020204030204" pitchFamily="49" charset="0"/>
+                <a:cs typeface="Consolas" panose="020B0609020204030204" pitchFamily="49" charset="0"/>
               </a:rPr>
               <a:t>es:ignorableId</a:t>
             </a:r>
@@ -6530,7 +6657,8 @@
                 <a:solidFill>
                   <a:srgbClr val="000000"/>
                 </a:solidFill>
-                <a:latin typeface="Arial" charset="0"/>
+                <a:latin typeface="Consolas" panose="020B0609020204030204" pitchFamily="49" charset="0"/>
+                <a:cs typeface="Consolas" panose="020B0609020204030204" pitchFamily="49" charset="0"/>
               </a:rPr>
               <a:t>es:regex</a:t>
             </a:r>
@@ -6616,17 +6744,7 @@
                 <a:latin typeface="Arial" charset="0"/>
                 <a:hlinkClick r:id="rId3"/>
               </a:rPr>
-              <a:t>http://</a:t>
-            </a:r>
-            <a:r>
-              <a:rPr lang="de-DE" sz="1600" dirty="0" smtClean="0">
-                <a:solidFill>
-                  <a:srgbClr val="000000"/>
-                </a:solidFill>
-                <a:latin typeface="Arial" charset="0"/>
-                <a:hlinkClick r:id="rId3"/>
-              </a:rPr>
-              <a:t>ww.schematron-quickfix.com/escali/escali-ext_en.html</a:t>
+              <a:t>http://ww.schematron-quickfix.com/escali/escali-ext_en.html</a:t>
             </a:r>
             <a:endParaRPr lang="de-DE" sz="1600" dirty="0" smtClean="0">
               <a:solidFill>
@@ -7061,6 +7179,452 @@
       </p:grpSpPr>
       <p:sp>
         <p:nvSpPr>
+          <p:cNvPr id="4097" name="Rectangle 1"/>
+          <p:cNvSpPr>
+            <a:spLocks noGrp="1" noChangeArrowheads="1"/>
+          </p:cNvSpPr>
+          <p:nvPr>
+            <p:ph type="ctrTitle"/>
+          </p:nvPr>
+        </p:nvSpPr>
+        <p:spPr>
+          <a:xfrm>
+            <a:off x="831528" y="495300"/>
+            <a:ext cx="4824536" cy="761653"/>
+          </a:xfrm>
+        </p:spPr>
+        <p:txBody>
+          <a:bodyPr lIns="0" tIns="0" rIns="0" bIns="0" anchor="t"/>
+          <a:lstStyle/>
+          <a:p>
+            <a:pPr algn="l">
+              <a:lnSpc>
+                <a:spcPct val="95000"/>
+              </a:lnSpc>
+            </a:pPr>
+            <a:r>
+              <a:rPr lang="de-DE" sz="3600" noProof="0" dirty="0" err="1" smtClean="0">
+                <a:latin typeface="TheSansOffice" pitchFamily="34" charset="0"/>
+              </a:rPr>
+              <a:t>Examples</a:t>
+            </a:r>
+            <a:endParaRPr lang="de-DE" sz="3600" noProof="0" dirty="0">
+              <a:latin typeface="TheSansOffice" pitchFamily="34" charset="0"/>
+            </a:endParaRPr>
+          </a:p>
+        </p:txBody>
+      </p:sp>
+      <p:sp>
+        <p:nvSpPr>
+          <p:cNvPr id="4098" name="Rectangle 2"/>
+          <p:cNvSpPr>
+            <a:spLocks noGrp="1" noChangeArrowheads="1"/>
+          </p:cNvSpPr>
+          <p:nvPr>
+            <p:ph type="subTitle" idx="1"/>
+          </p:nvPr>
+        </p:nvSpPr>
+        <p:spPr>
+          <a:xfrm>
+            <a:off x="936633" y="1705991"/>
+            <a:ext cx="7190581" cy="5602636"/>
+          </a:xfrm>
+        </p:spPr>
+        <p:txBody>
+          <a:bodyPr lIns="0" tIns="0" rIns="0" bIns="0"/>
+          <a:lstStyle/>
+          <a:p>
+            <a:pPr marL="342887" indent="-342887" algn="l">
+              <a:lnSpc>
+                <a:spcPct val="150000"/>
+              </a:lnSpc>
+              <a:spcBef>
+                <a:spcPct val="0"/>
+              </a:spcBef>
+              <a:buFont typeface="Arial" pitchFamily="34" charset="0"/>
+              <a:buChar char="•"/>
+            </a:pPr>
+            <a:endParaRPr lang="de-DE" sz="1400" noProof="0" dirty="0" smtClean="0">
+              <a:solidFill>
+                <a:srgbClr val="000000"/>
+              </a:solidFill>
+              <a:latin typeface="Arial" charset="0"/>
+            </a:endParaRPr>
+          </a:p>
+          <a:p>
+            <a:pPr marL="342887" indent="-342887" algn="l">
+              <a:lnSpc>
+                <a:spcPct val="150000"/>
+              </a:lnSpc>
+              <a:spcBef>
+                <a:spcPct val="0"/>
+              </a:spcBef>
+              <a:buFont typeface="Arial" pitchFamily="34" charset="0"/>
+              <a:buChar char="•"/>
+            </a:pPr>
+            <a:r>
+              <a:rPr lang="de-DE" sz="2000" noProof="0" dirty="0" smtClean="0">
+                <a:solidFill>
+                  <a:srgbClr val="000000"/>
+                </a:solidFill>
+                <a:latin typeface="Arial" charset="0"/>
+              </a:rPr>
+              <a:t>Find </a:t>
+            </a:r>
+            <a:r>
+              <a:rPr lang="de-DE" sz="2000" noProof="0" dirty="0" err="1" smtClean="0">
+                <a:solidFill>
+                  <a:srgbClr val="000000"/>
+                </a:solidFill>
+                <a:latin typeface="Arial" charset="0"/>
+              </a:rPr>
+              <a:t>the</a:t>
+            </a:r>
+            <a:r>
+              <a:rPr lang="de-DE" sz="2000" noProof="0" dirty="0" smtClean="0">
+                <a:solidFill>
+                  <a:srgbClr val="000000"/>
+                </a:solidFill>
+                <a:latin typeface="Arial" charset="0"/>
+              </a:rPr>
+              <a:t> </a:t>
+            </a:r>
+            <a:r>
+              <a:rPr lang="de-DE" sz="2000" noProof="0" dirty="0" err="1" smtClean="0">
+                <a:solidFill>
+                  <a:srgbClr val="000000"/>
+                </a:solidFill>
+                <a:latin typeface="Arial" charset="0"/>
+              </a:rPr>
+              <a:t>features</a:t>
+            </a:r>
+            <a:r>
+              <a:rPr lang="de-DE" sz="2000" noProof="0" dirty="0" smtClean="0">
+                <a:solidFill>
+                  <a:srgbClr val="000000"/>
+                </a:solidFill>
+                <a:latin typeface="Arial" charset="0"/>
+              </a:rPr>
+              <a:t> </a:t>
+            </a:r>
+            <a:r>
+              <a:rPr lang="de-DE" sz="2000" noProof="0" dirty="0" err="1" smtClean="0">
+                <a:solidFill>
+                  <a:srgbClr val="000000"/>
+                </a:solidFill>
+                <a:latin typeface="Arial" charset="0"/>
+              </a:rPr>
+              <a:t>used</a:t>
+            </a:r>
+            <a:r>
+              <a:rPr lang="de-DE" sz="2000" noProof="0" dirty="0" smtClean="0">
+                <a:solidFill>
+                  <a:srgbClr val="000000"/>
+                </a:solidFill>
+                <a:latin typeface="Arial" charset="0"/>
+              </a:rPr>
+              <a:t> in </a:t>
+            </a:r>
+            <a:r>
+              <a:rPr lang="de-DE" sz="2000" noProof="0" dirty="0" err="1" smtClean="0">
+                <a:solidFill>
+                  <a:srgbClr val="000000"/>
+                </a:solidFill>
+                <a:latin typeface="Arial" charset="0"/>
+              </a:rPr>
+              <a:t>my</a:t>
+            </a:r>
+            <a:r>
+              <a:rPr lang="de-DE" sz="2000" noProof="0" dirty="0" smtClean="0">
+                <a:solidFill>
+                  <a:srgbClr val="000000"/>
+                </a:solidFill>
+                <a:latin typeface="Arial" charset="0"/>
+              </a:rPr>
+              <a:t> sample </a:t>
+            </a:r>
+            <a:r>
+              <a:rPr lang="de-DE" sz="2000" noProof="0" dirty="0" err="1" smtClean="0">
+                <a:solidFill>
+                  <a:srgbClr val="000000"/>
+                </a:solidFill>
+                <a:latin typeface="Arial" charset="0"/>
+              </a:rPr>
+              <a:t>file</a:t>
+            </a:r>
+            <a:r>
+              <a:rPr lang="de-DE" sz="2000" noProof="0" dirty="0" smtClean="0">
+                <a:solidFill>
+                  <a:srgbClr val="000000"/>
+                </a:solidFill>
+                <a:latin typeface="Arial" charset="0"/>
+              </a:rPr>
+              <a:t> </a:t>
+            </a:r>
+            <a:r>
+              <a:rPr lang="de-DE" sz="2000" noProof="0" dirty="0" err="1" smtClean="0">
+                <a:solidFill>
+                  <a:srgbClr val="000000"/>
+                </a:solidFill>
+                <a:latin typeface="Arial" charset="0"/>
+              </a:rPr>
+              <a:t>suite</a:t>
+            </a:r>
+            <a:r>
+              <a:rPr lang="de-DE" sz="2000" noProof="0" dirty="0" smtClean="0">
+                <a:solidFill>
+                  <a:srgbClr val="000000"/>
+                </a:solidFill>
+                <a:latin typeface="Arial" charset="0"/>
+              </a:rPr>
+              <a:t>:</a:t>
+            </a:r>
+          </a:p>
+          <a:p>
+            <a:pPr marL="800087" lvl="1" indent="-342887" algn="l">
+              <a:lnSpc>
+                <a:spcPct val="150000"/>
+              </a:lnSpc>
+              <a:spcBef>
+                <a:spcPct val="0"/>
+              </a:spcBef>
+              <a:buFont typeface="Arial" pitchFamily="34" charset="0"/>
+              <a:buChar char="•"/>
+            </a:pPr>
+            <a:r>
+              <a:rPr lang="de-DE" sz="1600" dirty="0">
+                <a:solidFill>
+                  <a:srgbClr val="000000"/>
+                </a:solidFill>
+                <a:latin typeface="Arial" charset="0"/>
+                <a:hlinkClick r:id="rId3"/>
+              </a:rPr>
+              <a:t>https://</a:t>
+            </a:r>
+            <a:r>
+              <a:rPr lang="de-DE" sz="1600" dirty="0" smtClean="0">
+                <a:solidFill>
+                  <a:srgbClr val="000000"/>
+                </a:solidFill>
+                <a:latin typeface="Arial" charset="0"/>
+                <a:hlinkClick r:id="rId3"/>
+              </a:rPr>
+              <a:t>github.com/nkutsche/presentations-EscaliOxygenPlugin</a:t>
+            </a:r>
+            <a:endParaRPr lang="de-DE" sz="1600" dirty="0" smtClean="0">
+              <a:solidFill>
+                <a:srgbClr val="000000"/>
+              </a:solidFill>
+              <a:latin typeface="Arial" charset="0"/>
+            </a:endParaRPr>
+          </a:p>
+          <a:p>
+            <a:pPr lvl="1" algn="l">
+              <a:lnSpc>
+                <a:spcPct val="150000"/>
+              </a:lnSpc>
+              <a:spcBef>
+                <a:spcPct val="0"/>
+              </a:spcBef>
+            </a:pPr>
+            <a:endParaRPr lang="de-DE" sz="1600" noProof="0" dirty="0" smtClean="0">
+              <a:solidFill>
+                <a:srgbClr val="000000"/>
+              </a:solidFill>
+              <a:latin typeface="Arial" charset="0"/>
+            </a:endParaRPr>
+          </a:p>
+          <a:p>
+            <a:pPr marL="800087" lvl="1" indent="-342887" algn="l">
+              <a:lnSpc>
+                <a:spcPct val="150000"/>
+              </a:lnSpc>
+              <a:spcBef>
+                <a:spcPct val="0"/>
+              </a:spcBef>
+              <a:buFont typeface="Arial" pitchFamily="34" charset="0"/>
+              <a:buChar char="•"/>
+            </a:pPr>
+            <a:endParaRPr lang="de-DE" sz="1600" noProof="0" dirty="0" smtClean="0">
+              <a:solidFill>
+                <a:srgbClr val="000000"/>
+              </a:solidFill>
+              <a:latin typeface="Arial" charset="0"/>
+            </a:endParaRPr>
+          </a:p>
+          <a:p>
+            <a:pPr marL="342887" indent="-342887" algn="l">
+              <a:lnSpc>
+                <a:spcPct val="150000"/>
+              </a:lnSpc>
+              <a:spcBef>
+                <a:spcPct val="0"/>
+              </a:spcBef>
+              <a:buFont typeface="Arial" pitchFamily="34" charset="0"/>
+              <a:buChar char="•"/>
+            </a:pPr>
+            <a:endParaRPr lang="de-DE" sz="1800" noProof="0" dirty="0" smtClean="0">
+              <a:solidFill>
+                <a:srgbClr val="000000"/>
+              </a:solidFill>
+              <a:latin typeface="Arial" charset="0"/>
+            </a:endParaRPr>
+          </a:p>
+        </p:txBody>
+      </p:sp>
+    </p:spTree>
+    <p:extLst>
+      <p:ext uri="{BB962C8B-B14F-4D97-AF65-F5344CB8AC3E}">
+        <p14:creationId xmlns:p14="http://schemas.microsoft.com/office/powerpoint/2010/main" val="233544977"/>
+      </p:ext>
+    </p:extLst>
+  </p:cSld>
+  <p:clrMapOvr>
+    <a:masterClrMapping/>
+  </p:clrMapOvr>
+  <mc:AlternateContent xmlns:mc="http://schemas.openxmlformats.org/markup-compatibility/2006" xmlns:p14="http://schemas.microsoft.com/office/powerpoint/2010/main">
+    <mc:Choice Requires="p14">
+      <p:transition spd="slow" p14:dur="2000"/>
+    </mc:Choice>
+    <mc:Fallback xmlns="">
+      <p:transition spd="slow"/>
+    </mc:Fallback>
+  </mc:AlternateContent>
+  <p:timing>
+    <p:tnLst>
+      <p:par>
+        <p:cTn id="1" dur="indefinite" restart="never" nodeType="tmRoot">
+          <p:childTnLst>
+            <p:seq concurrent="1" nextAc="seek">
+              <p:cTn id="2" dur="indefinite" nodeType="mainSeq">
+                <p:childTnLst>
+                  <p:par>
+                    <p:cTn id="3" fill="hold">
+                      <p:stCondLst>
+                        <p:cond delay="indefinite"/>
+                        <p:cond evt="onBegin" delay="0">
+                          <p:tn val="2"/>
+                        </p:cond>
+                      </p:stCondLst>
+                      <p:childTnLst>
+                        <p:par>
+                          <p:cTn id="4" fill="hold">
+                            <p:stCondLst>
+                              <p:cond delay="0"/>
+                            </p:stCondLst>
+                            <p:childTnLst>
+                              <p:par>
+                                <p:cTn id="5" presetID="1" presetClass="entr" presetSubtype="0" fill="hold" nodeType="withEffect">
+                                  <p:stCondLst>
+                                    <p:cond delay="0"/>
+                                  </p:stCondLst>
+                                  <p:childTnLst>
+                                    <p:set>
+                                      <p:cBhvr>
+                                        <p:cTn id="6" dur="1" fill="hold">
+                                          <p:stCondLst>
+                                            <p:cond delay="0"/>
+                                          </p:stCondLst>
+                                        </p:cTn>
+                                        <p:tgtEl>
+                                          <p:spTgt spid="4098">
+                                            <p:txEl>
+                                              <p:pRg st="1" end="1"/>
+                                            </p:txEl>
+                                          </p:spTgt>
+                                        </p:tgtEl>
+                                        <p:attrNameLst>
+                                          <p:attrName>style.visibility</p:attrName>
+                                        </p:attrNameLst>
+                                      </p:cBhvr>
+                                      <p:to>
+                                        <p:strVal val="visible"/>
+                                      </p:to>
+                                    </p:set>
+                                  </p:childTnLst>
+                                </p:cTn>
+                              </p:par>
+                              <p:par>
+                                <p:cTn id="7" presetID="1" presetClass="entr" presetSubtype="0" fill="hold" nodeType="withEffect">
+                                  <p:stCondLst>
+                                    <p:cond delay="0"/>
+                                  </p:stCondLst>
+                                  <p:childTnLst>
+                                    <p:set>
+                                      <p:cBhvr>
+                                        <p:cTn id="8" dur="1" fill="hold">
+                                          <p:stCondLst>
+                                            <p:cond delay="0"/>
+                                          </p:stCondLst>
+                                        </p:cTn>
+                                        <p:tgtEl>
+                                          <p:spTgt spid="4098">
+                                            <p:txEl>
+                                              <p:pRg st="2" end="2"/>
+                                            </p:txEl>
+                                          </p:spTgt>
+                                        </p:tgtEl>
+                                        <p:attrNameLst>
+                                          <p:attrName>style.visibility</p:attrName>
+                                        </p:attrNameLst>
+                                      </p:cBhvr>
+                                      <p:to>
+                                        <p:strVal val="visible"/>
+                                      </p:to>
+                                    </p:set>
+                                  </p:childTnLst>
+                                </p:cTn>
+                              </p:par>
+                            </p:childTnLst>
+                          </p:cTn>
+                        </p:par>
+                      </p:childTnLst>
+                    </p:cTn>
+                  </p:par>
+                </p:childTnLst>
+              </p:cTn>
+              <p:prevCondLst>
+                <p:cond evt="onPrev" delay="0">
+                  <p:tgtEl>
+                    <p:sldTgt/>
+                  </p:tgtEl>
+                </p:cond>
+              </p:prevCondLst>
+              <p:nextCondLst>
+                <p:cond evt="onNext" delay="0">
+                  <p:tgtEl>
+                    <p:sldTgt/>
+                  </p:tgtEl>
+                </p:cond>
+              </p:nextCondLst>
+            </p:seq>
+          </p:childTnLst>
+        </p:cTn>
+      </p:par>
+    </p:tnLst>
+  </p:timing>
+</p:sld>
+</file>
+
+<file path=ppt/slides/slide5.xml><?xml version="1.0" encoding="utf-8"?>
+<p:sld xmlns:a="http://schemas.openxmlformats.org/drawingml/2006/main" xmlns:r="http://schemas.openxmlformats.org/officeDocument/2006/relationships" xmlns:p="http://schemas.openxmlformats.org/presentationml/2006/main">
+  <p:cSld>
+    <p:spTree>
+      <p:nvGrpSpPr>
+        <p:cNvPr id="1" name=""/>
+        <p:cNvGrpSpPr/>
+        <p:nvPr/>
+      </p:nvGrpSpPr>
+      <p:grpSpPr>
+        <a:xfrm>
+          <a:off x="0" y="0"/>
+          <a:ext cx="0" cy="0"/>
+          <a:chOff x="0" y="0"/>
+          <a:chExt cx="0" cy="0"/>
+        </a:xfrm>
+      </p:grpSpPr>
+      <p:sp>
+        <p:nvSpPr>
           <p:cNvPr id="4098" name="Rectangle 2"/>
           <p:cNvSpPr>
             <a:spLocks noGrp="1" noChangeArrowheads="1"/>
@@ -7128,7 +7692,29 @@
                 <a:ea typeface="+mj-ea"/>
                 <a:cs typeface="+mj-cs"/>
               </a:rPr>
-              <a:t>Questions</a:t>
+              <a:t>Any</a:t>
+            </a:r>
+            <a:r>
+              <a:rPr lang="de-DE" sz="3600" b="1" noProof="0" dirty="0" smtClean="0">
+                <a:solidFill>
+                  <a:srgbClr val="000077"/>
+                </a:solidFill>
+                <a:latin typeface="TheSansOffice" pitchFamily="34" charset="0"/>
+                <a:ea typeface="+mj-ea"/>
+                <a:cs typeface="+mj-cs"/>
+              </a:rPr>
+              <a:t> </a:t>
+            </a:r>
+            <a:r>
+              <a:rPr lang="de-DE" sz="3600" b="1" noProof="0" dirty="0" err="1" smtClean="0">
+                <a:solidFill>
+                  <a:srgbClr val="000077"/>
+                </a:solidFill>
+                <a:latin typeface="TheSansOffice" pitchFamily="34" charset="0"/>
+                <a:ea typeface="+mj-ea"/>
+                <a:cs typeface="+mj-cs"/>
+              </a:rPr>
+              <a:t>questions</a:t>
             </a:r>
             <a:r>
               <a:rPr lang="de-DE" sz="3600" b="1" noProof="0" dirty="0" smtClean="0">

--- a/SQF-Escali.pptx
+++ b/SQF-Escali.pptx
@@ -262,7 +262,7 @@
           <a:p>
             <a:fld id="{D47D8A5B-AC4C-43B8-8900-F35950A2270E}" type="datetimeFigureOut">
               <a:rPr lang="de-DE" smtClean="0"/>
-              <a:t>06.02.2018</a:t>
+              <a:t>08.02.2018</a:t>
             </a:fld>
             <a:endParaRPr lang="de-DE"/>
           </a:p>
@@ -4866,7 +4866,7 @@
                 </a:solidFill>
                 <a:latin typeface="TheSansOffice" pitchFamily="34" charset="0"/>
               </a:rPr>
-              <a:t>Dienstag, 6. Februar 2018</a:t>
+              <a:t>Donnerstag, 8. Februar 2018</a:t>
             </a:fld>
             <a:endParaRPr lang="de-DE" sz="2000" b="1" i="1" noProof="0" dirty="0">
               <a:solidFill>
@@ -5272,7 +5272,25 @@
                 </a:solidFill>
                 <a:latin typeface="Arial" charset="0"/>
               </a:rPr>
-              <a:t> multiple </a:t>
+              <a:t> </a:t>
+            </a:r>
+            <a:r>
+              <a:rPr lang="de-DE" sz="2000" noProof="0" dirty="0" err="1" smtClean="0">
+                <a:solidFill>
+                  <a:srgbClr val="000000"/>
+                </a:solidFill>
+                <a:latin typeface="Arial" charset="0"/>
+              </a:rPr>
+              <a:t>three</a:t>
+            </a:r>
+            <a:r>
+              <a:rPr lang="de-DE" sz="2000" noProof="0" dirty="0" smtClean="0">
+                <a:solidFill>
+                  <a:srgbClr val="000000"/>
+                </a:solidFill>
+                <a:latin typeface="Arial" charset="0"/>
+              </a:rPr>
+              <a:t> </a:t>
             </a:r>
             <a:r>
               <a:rPr lang="de-DE" sz="2000" noProof="0" dirty="0" err="1" smtClean="0">
@@ -5416,7 +5434,7 @@
                 </a:solidFill>
                 <a:latin typeface="Arial" charset="0"/>
               </a:rPr>
-              <a:t>Schematron</a:t>
+              <a:t>Saxon</a:t>
             </a:r>
             <a:r>
               <a:rPr lang="de-DE" sz="1600" dirty="0" smtClean="0">
@@ -5425,16 +5443,7 @@
                 </a:solidFill>
                 <a:latin typeface="Arial" charset="0"/>
               </a:rPr>
-              <a:t>: </a:t>
-            </a:r>
-            <a:r>
-              <a:rPr lang="de-DE" sz="1600" dirty="0" smtClean="0">
-                <a:solidFill>
-                  <a:srgbClr val="000000"/>
-                </a:solidFill>
-                <a:latin typeface="Arial" charset="0"/>
-              </a:rPr>
-              <a:t/>
+              <a:t>-CE: </a:t>
             </a:r>
             <a:br>
               <a:rPr lang="de-DE" sz="1600" dirty="0" smtClean="0">
@@ -5543,7 +5552,7 @@
                 </a:solidFill>
                 <a:latin typeface="Arial" charset="0"/>
               </a:rPr>
-              <a:t>Update </a:t>
+              <a:t>Oxygen update </a:t>
             </a:r>
             <a:r>
               <a:rPr lang="de-DE" sz="1600" dirty="0" err="1" smtClean="0">
@@ -5614,6 +5623,2174 @@
     <p:extLst>
       <p:ext uri="{BB962C8B-B14F-4D97-AF65-F5344CB8AC3E}">
         <p14:creationId xmlns:p14="http://schemas.microsoft.com/office/powerpoint/2010/main" val="711707938"/>
+      </p:ext>
+    </p:extLst>
+  </p:cSld>
+  <p:clrMapOvr>
+    <a:masterClrMapping/>
+  </p:clrMapOvr>
+  <mc:AlternateContent xmlns:mc="http://schemas.openxmlformats.org/markup-compatibility/2006" xmlns:p14="http://schemas.microsoft.com/office/powerpoint/2010/main">
+    <mc:Choice Requires="p14">
+      <p:transition spd="slow" p14:dur="2000"/>
+    </mc:Choice>
+    <mc:Fallback xmlns="">
+      <p:transition spd="slow"/>
+    </mc:Fallback>
+  </mc:AlternateContent>
+  <p:timing>
+    <p:tnLst>
+      <p:par>
+        <p:cTn id="1" dur="indefinite" restart="never" nodeType="tmRoot">
+          <p:childTnLst>
+            <p:seq concurrent="1" nextAc="seek">
+              <p:cTn id="2" dur="indefinite" nodeType="mainSeq">
+                <p:childTnLst>
+                  <p:par>
+                    <p:cTn id="3" fill="hold">
+                      <p:stCondLst>
+                        <p:cond delay="indefinite"/>
+                        <p:cond evt="onBegin" delay="0">
+                          <p:tn val="2"/>
+                        </p:cond>
+                      </p:stCondLst>
+                      <p:childTnLst>
+                        <p:par>
+                          <p:cTn id="4" fill="hold">
+                            <p:stCondLst>
+                              <p:cond delay="0"/>
+                            </p:stCondLst>
+                            <p:childTnLst>
+                              <p:par>
+                                <p:cTn id="5" presetID="1" presetClass="entr" presetSubtype="0" fill="hold" nodeType="withEffect">
+                                  <p:stCondLst>
+                                    <p:cond delay="0"/>
+                                  </p:stCondLst>
+                                  <p:childTnLst>
+                                    <p:set>
+                                      <p:cBhvr>
+                                        <p:cTn id="6" dur="1" fill="hold">
+                                          <p:stCondLst>
+                                            <p:cond delay="0"/>
+                                          </p:stCondLst>
+                                        </p:cTn>
+                                        <p:tgtEl>
+                                          <p:spTgt spid="4098">
+                                            <p:txEl>
+                                              <p:pRg st="1" end="1"/>
+                                            </p:txEl>
+                                          </p:spTgt>
+                                        </p:tgtEl>
+                                        <p:attrNameLst>
+                                          <p:attrName>style.visibility</p:attrName>
+                                        </p:attrNameLst>
+                                      </p:cBhvr>
+                                      <p:to>
+                                        <p:strVal val="visible"/>
+                                      </p:to>
+                                    </p:set>
+                                  </p:childTnLst>
+                                </p:cTn>
+                              </p:par>
+                            </p:childTnLst>
+                          </p:cTn>
+                        </p:par>
+                      </p:childTnLst>
+                    </p:cTn>
+                  </p:par>
+                  <p:par>
+                    <p:cTn id="7" fill="hold">
+                      <p:stCondLst>
+                        <p:cond delay="indefinite"/>
+                      </p:stCondLst>
+                      <p:childTnLst>
+                        <p:par>
+                          <p:cTn id="8" fill="hold">
+                            <p:stCondLst>
+                              <p:cond delay="0"/>
+                            </p:stCondLst>
+                            <p:childTnLst>
+                              <p:par>
+                                <p:cTn id="9" presetID="1" presetClass="entr" presetSubtype="0" fill="hold" nodeType="clickEffect">
+                                  <p:stCondLst>
+                                    <p:cond delay="0"/>
+                                  </p:stCondLst>
+                                  <p:childTnLst>
+                                    <p:set>
+                                      <p:cBhvr>
+                                        <p:cTn id="10" dur="1" fill="hold">
+                                          <p:stCondLst>
+                                            <p:cond delay="0"/>
+                                          </p:stCondLst>
+                                        </p:cTn>
+                                        <p:tgtEl>
+                                          <p:spTgt spid="4098">
+                                            <p:txEl>
+                                              <p:pRg st="2" end="2"/>
+                                            </p:txEl>
+                                          </p:spTgt>
+                                        </p:tgtEl>
+                                        <p:attrNameLst>
+                                          <p:attrName>style.visibility</p:attrName>
+                                        </p:attrNameLst>
+                                      </p:cBhvr>
+                                      <p:to>
+                                        <p:strVal val="visible"/>
+                                      </p:to>
+                                    </p:set>
+                                  </p:childTnLst>
+                                </p:cTn>
+                              </p:par>
+                              <p:par>
+                                <p:cTn id="11" presetID="1" presetClass="entr" presetSubtype="0" fill="hold" nodeType="withEffect">
+                                  <p:stCondLst>
+                                    <p:cond delay="0"/>
+                                  </p:stCondLst>
+                                  <p:childTnLst>
+                                    <p:set>
+                                      <p:cBhvr>
+                                        <p:cTn id="12" dur="1" fill="hold">
+                                          <p:stCondLst>
+                                            <p:cond delay="0"/>
+                                          </p:stCondLst>
+                                        </p:cTn>
+                                        <p:tgtEl>
+                                          <p:spTgt spid="4098">
+                                            <p:txEl>
+                                              <p:pRg st="3" end="3"/>
+                                            </p:txEl>
+                                          </p:spTgt>
+                                        </p:tgtEl>
+                                        <p:attrNameLst>
+                                          <p:attrName>style.visibility</p:attrName>
+                                        </p:attrNameLst>
+                                      </p:cBhvr>
+                                      <p:to>
+                                        <p:strVal val="visible"/>
+                                      </p:to>
+                                    </p:set>
+                                  </p:childTnLst>
+                                </p:cTn>
+                              </p:par>
+                            </p:childTnLst>
+                          </p:cTn>
+                        </p:par>
+                      </p:childTnLst>
+                    </p:cTn>
+                  </p:par>
+                  <p:par>
+                    <p:cTn id="13" fill="hold">
+                      <p:stCondLst>
+                        <p:cond delay="indefinite"/>
+                      </p:stCondLst>
+                      <p:childTnLst>
+                        <p:par>
+                          <p:cTn id="14" fill="hold">
+                            <p:stCondLst>
+                              <p:cond delay="0"/>
+                            </p:stCondLst>
+                            <p:childTnLst>
+                              <p:par>
+                                <p:cTn id="15" presetID="1" presetClass="entr" presetSubtype="0" fill="hold" nodeType="clickEffect">
+                                  <p:stCondLst>
+                                    <p:cond delay="0"/>
+                                  </p:stCondLst>
+                                  <p:childTnLst>
+                                    <p:set>
+                                      <p:cBhvr>
+                                        <p:cTn id="16" dur="1" fill="hold">
+                                          <p:stCondLst>
+                                            <p:cond delay="0"/>
+                                          </p:stCondLst>
+                                        </p:cTn>
+                                        <p:tgtEl>
+                                          <p:spTgt spid="4098">
+                                            <p:txEl>
+                                              <p:pRg st="4" end="4"/>
+                                            </p:txEl>
+                                          </p:spTgt>
+                                        </p:tgtEl>
+                                        <p:attrNameLst>
+                                          <p:attrName>style.visibility</p:attrName>
+                                        </p:attrNameLst>
+                                      </p:cBhvr>
+                                      <p:to>
+                                        <p:strVal val="visible"/>
+                                      </p:to>
+                                    </p:set>
+                                  </p:childTnLst>
+                                </p:cTn>
+                              </p:par>
+                            </p:childTnLst>
+                          </p:cTn>
+                        </p:par>
+                      </p:childTnLst>
+                    </p:cTn>
+                  </p:par>
+                  <p:par>
+                    <p:cTn id="17" fill="hold">
+                      <p:stCondLst>
+                        <p:cond delay="indefinite"/>
+                      </p:stCondLst>
+                      <p:childTnLst>
+                        <p:par>
+                          <p:cTn id="18" fill="hold">
+                            <p:stCondLst>
+                              <p:cond delay="0"/>
+                            </p:stCondLst>
+                            <p:childTnLst>
+                              <p:par>
+                                <p:cTn id="19" presetID="1" presetClass="entr" presetSubtype="0" fill="hold" nodeType="clickEffect">
+                                  <p:stCondLst>
+                                    <p:cond delay="0"/>
+                                  </p:stCondLst>
+                                  <p:childTnLst>
+                                    <p:set>
+                                      <p:cBhvr>
+                                        <p:cTn id="20" dur="1" fill="hold">
+                                          <p:stCondLst>
+                                            <p:cond delay="0"/>
+                                          </p:stCondLst>
+                                        </p:cTn>
+                                        <p:tgtEl>
+                                          <p:spTgt spid="4098">
+                                            <p:txEl>
+                                              <p:pRg st="5" end="5"/>
+                                            </p:txEl>
+                                          </p:spTgt>
+                                        </p:tgtEl>
+                                        <p:attrNameLst>
+                                          <p:attrName>style.visibility</p:attrName>
+                                        </p:attrNameLst>
+                                      </p:cBhvr>
+                                      <p:to>
+                                        <p:strVal val="visible"/>
+                                      </p:to>
+                                    </p:set>
+                                  </p:childTnLst>
+                                </p:cTn>
+                              </p:par>
+                            </p:childTnLst>
+                          </p:cTn>
+                        </p:par>
+                      </p:childTnLst>
+                    </p:cTn>
+                  </p:par>
+                  <p:par>
+                    <p:cTn id="21" fill="hold">
+                      <p:stCondLst>
+                        <p:cond delay="indefinite"/>
+                      </p:stCondLst>
+                      <p:childTnLst>
+                        <p:par>
+                          <p:cTn id="22" fill="hold">
+                            <p:stCondLst>
+                              <p:cond delay="0"/>
+                            </p:stCondLst>
+                            <p:childTnLst>
+                              <p:par>
+                                <p:cTn id="23" presetID="1" presetClass="entr" presetSubtype="0" fill="hold" nodeType="clickEffect">
+                                  <p:stCondLst>
+                                    <p:cond delay="0"/>
+                                  </p:stCondLst>
+                                  <p:childTnLst>
+                                    <p:set>
+                                      <p:cBhvr>
+                                        <p:cTn id="24" dur="1" fill="hold">
+                                          <p:stCondLst>
+                                            <p:cond delay="0"/>
+                                          </p:stCondLst>
+                                        </p:cTn>
+                                        <p:tgtEl>
+                                          <p:spTgt spid="4098">
+                                            <p:txEl>
+                                              <p:pRg st="6" end="6"/>
+                                            </p:txEl>
+                                          </p:spTgt>
+                                        </p:tgtEl>
+                                        <p:attrNameLst>
+                                          <p:attrName>style.visibility</p:attrName>
+                                        </p:attrNameLst>
+                                      </p:cBhvr>
+                                      <p:to>
+                                        <p:strVal val="visible"/>
+                                      </p:to>
+                                    </p:set>
+                                  </p:childTnLst>
+                                </p:cTn>
+                              </p:par>
+                            </p:childTnLst>
+                          </p:cTn>
+                        </p:par>
+                      </p:childTnLst>
+                    </p:cTn>
+                  </p:par>
+                  <p:par>
+                    <p:cTn id="25" fill="hold">
+                      <p:stCondLst>
+                        <p:cond delay="indefinite"/>
+                      </p:stCondLst>
+                      <p:childTnLst>
+                        <p:par>
+                          <p:cTn id="26" fill="hold">
+                            <p:stCondLst>
+                              <p:cond delay="0"/>
+                            </p:stCondLst>
+                            <p:childTnLst>
+                              <p:par>
+                                <p:cTn id="27" presetID="1" presetClass="entr" presetSubtype="0" fill="hold" nodeType="clickEffect">
+                                  <p:stCondLst>
+                                    <p:cond delay="0"/>
+                                  </p:stCondLst>
+                                  <p:childTnLst>
+                                    <p:set>
+                                      <p:cBhvr>
+                                        <p:cTn id="28" dur="1" fill="hold">
+                                          <p:stCondLst>
+                                            <p:cond delay="0"/>
+                                          </p:stCondLst>
+                                        </p:cTn>
+                                        <p:tgtEl>
+                                          <p:spTgt spid="4098">
+                                            <p:txEl>
+                                              <p:pRg st="7" end="7"/>
+                                            </p:txEl>
+                                          </p:spTgt>
+                                        </p:tgtEl>
+                                        <p:attrNameLst>
+                                          <p:attrName>style.visibility</p:attrName>
+                                        </p:attrNameLst>
+                                      </p:cBhvr>
+                                      <p:to>
+                                        <p:strVal val="visible"/>
+                                      </p:to>
+                                    </p:set>
+                                  </p:childTnLst>
+                                </p:cTn>
+                              </p:par>
+                            </p:childTnLst>
+                          </p:cTn>
+                        </p:par>
+                      </p:childTnLst>
+                    </p:cTn>
+                  </p:par>
+                </p:childTnLst>
+              </p:cTn>
+              <p:prevCondLst>
+                <p:cond evt="onPrev" delay="0">
+                  <p:tgtEl>
+                    <p:sldTgt/>
+                  </p:tgtEl>
+                </p:cond>
+              </p:prevCondLst>
+              <p:nextCondLst>
+                <p:cond evt="onNext" delay="0">
+                  <p:tgtEl>
+                    <p:sldTgt/>
+                  </p:tgtEl>
+                </p:cond>
+              </p:nextCondLst>
+            </p:seq>
+          </p:childTnLst>
+        </p:cTn>
+      </p:par>
+    </p:tnLst>
+  </p:timing>
+</p:sld>
+</file>
+
+<file path=ppt/slides/slide3.xml><?xml version="1.0" encoding="utf-8"?>
+<p:sld xmlns:a="http://schemas.openxmlformats.org/drawingml/2006/main" xmlns:r="http://schemas.openxmlformats.org/officeDocument/2006/relationships" xmlns:p="http://schemas.openxmlformats.org/presentationml/2006/main">
+  <p:cSld>
+    <p:spTree>
+      <p:nvGrpSpPr>
+        <p:cNvPr id="1" name=""/>
+        <p:cNvGrpSpPr/>
+        <p:nvPr/>
+      </p:nvGrpSpPr>
+      <p:grpSpPr>
+        <a:xfrm>
+          <a:off x="0" y="0"/>
+          <a:ext cx="0" cy="0"/>
+          <a:chOff x="0" y="0"/>
+          <a:chExt cx="0" cy="0"/>
+        </a:xfrm>
+      </p:grpSpPr>
+      <p:sp>
+        <p:nvSpPr>
+          <p:cNvPr id="4097" name="Rectangle 1"/>
+          <p:cNvSpPr>
+            <a:spLocks noGrp="1" noChangeArrowheads="1"/>
+          </p:cNvSpPr>
+          <p:nvPr>
+            <p:ph type="ctrTitle"/>
+          </p:nvPr>
+        </p:nvSpPr>
+        <p:spPr>
+          <a:xfrm>
+            <a:off x="831528" y="495300"/>
+            <a:ext cx="4824536" cy="761653"/>
+          </a:xfrm>
+        </p:spPr>
+        <p:txBody>
+          <a:bodyPr lIns="0" tIns="0" rIns="0" bIns="0" anchor="t"/>
+          <a:lstStyle/>
+          <a:p>
+            <a:pPr algn="l">
+              <a:lnSpc>
+                <a:spcPct val="95000"/>
+              </a:lnSpc>
+            </a:pPr>
+            <a:r>
+              <a:rPr lang="de-DE" sz="3600" noProof="0" dirty="0" smtClean="0">
+                <a:latin typeface="TheSansOffice" pitchFamily="34" charset="0"/>
+              </a:rPr>
+              <a:t>Features</a:t>
+            </a:r>
+            <a:endParaRPr lang="de-DE" sz="3600" noProof="0" dirty="0">
+              <a:latin typeface="TheSansOffice" pitchFamily="34" charset="0"/>
+            </a:endParaRPr>
+          </a:p>
+        </p:txBody>
+      </p:sp>
+      <p:sp>
+        <p:nvSpPr>
+          <p:cNvPr id="4098" name="Rectangle 2"/>
+          <p:cNvSpPr>
+            <a:spLocks noGrp="1" noChangeArrowheads="1"/>
+          </p:cNvSpPr>
+          <p:nvPr>
+            <p:ph type="subTitle" idx="1"/>
+          </p:nvPr>
+        </p:nvSpPr>
+        <p:spPr>
+          <a:xfrm>
+            <a:off x="936633" y="1705991"/>
+            <a:ext cx="7190581" cy="5602636"/>
+          </a:xfrm>
+        </p:spPr>
+        <p:txBody>
+          <a:bodyPr lIns="0" tIns="0" rIns="0" bIns="0"/>
+          <a:lstStyle/>
+          <a:p>
+            <a:pPr marL="342887" indent="-342887" algn="l">
+              <a:lnSpc>
+                <a:spcPct val="150000"/>
+              </a:lnSpc>
+              <a:spcBef>
+                <a:spcPct val="0"/>
+              </a:spcBef>
+              <a:buFont typeface="Arial" pitchFamily="34" charset="0"/>
+              <a:buChar char="•"/>
+            </a:pPr>
+            <a:endParaRPr lang="de-DE" sz="1400" noProof="0" dirty="0" smtClean="0">
+              <a:solidFill>
+                <a:srgbClr val="000000"/>
+              </a:solidFill>
+              <a:latin typeface="Arial" charset="0"/>
+            </a:endParaRPr>
+          </a:p>
+          <a:p>
+            <a:pPr marL="342887" indent="-342887" algn="l">
+              <a:lnSpc>
+                <a:spcPct val="150000"/>
+              </a:lnSpc>
+              <a:spcBef>
+                <a:spcPct val="0"/>
+              </a:spcBef>
+              <a:buFont typeface="Arial" pitchFamily="34" charset="0"/>
+              <a:buChar char="•"/>
+            </a:pPr>
+            <a:r>
+              <a:rPr lang="de-DE" sz="2000" noProof="0" dirty="0" smtClean="0">
+                <a:solidFill>
+                  <a:srgbClr val="000000"/>
+                </a:solidFill>
+                <a:latin typeface="Arial" charset="0"/>
+              </a:rPr>
+              <a:t>Call multiple </a:t>
+            </a:r>
+            <a:r>
+              <a:rPr lang="de-DE" sz="2000" noProof="0" dirty="0" err="1" smtClean="0">
+                <a:solidFill>
+                  <a:srgbClr val="000000"/>
+                </a:solidFill>
+                <a:latin typeface="Arial" charset="0"/>
+              </a:rPr>
+              <a:t>QuickFix</a:t>
+            </a:r>
+            <a:r>
+              <a:rPr lang="de-DE" sz="2000" dirty="0" smtClean="0">
+                <a:solidFill>
+                  <a:srgbClr val="000000"/>
+                </a:solidFill>
+                <a:latin typeface="Arial" charset="0"/>
+              </a:rPr>
+              <a:t>es at </a:t>
+            </a:r>
+            <a:r>
+              <a:rPr lang="de-DE" sz="2000" dirty="0" err="1" smtClean="0">
+                <a:solidFill>
+                  <a:srgbClr val="000000"/>
+                </a:solidFill>
+                <a:latin typeface="Arial" charset="0"/>
+              </a:rPr>
+              <a:t>once</a:t>
+            </a:r>
+            <a:endParaRPr lang="de-DE" sz="2000" dirty="0" smtClean="0">
+              <a:solidFill>
+                <a:srgbClr val="000000"/>
+              </a:solidFill>
+              <a:latin typeface="Arial" charset="0"/>
+            </a:endParaRPr>
+          </a:p>
+          <a:p>
+            <a:pPr marL="342887" indent="-342887" algn="l">
+              <a:lnSpc>
+                <a:spcPct val="150000"/>
+              </a:lnSpc>
+              <a:spcBef>
+                <a:spcPct val="0"/>
+              </a:spcBef>
+              <a:buFont typeface="Arial" pitchFamily="34" charset="0"/>
+              <a:buChar char="•"/>
+            </a:pPr>
+            <a:r>
+              <a:rPr lang="de-DE" sz="2000" noProof="0" dirty="0" smtClean="0">
+                <a:solidFill>
+                  <a:srgbClr val="000000"/>
+                </a:solidFill>
+                <a:latin typeface="Arial" charset="0"/>
+              </a:rPr>
+              <a:t>Data </a:t>
+            </a:r>
+            <a:r>
+              <a:rPr lang="de-DE" sz="2000" noProof="0" dirty="0" err="1" smtClean="0">
+                <a:solidFill>
+                  <a:srgbClr val="000000"/>
+                </a:solidFill>
+                <a:latin typeface="Arial" charset="0"/>
+              </a:rPr>
+              <a:t>types</a:t>
+            </a:r>
+            <a:r>
+              <a:rPr lang="de-DE" sz="2000" noProof="0" dirty="0" smtClean="0">
+                <a:solidFill>
+                  <a:srgbClr val="000000"/>
+                </a:solidFill>
+                <a:latin typeface="Arial" charset="0"/>
+              </a:rPr>
+              <a:t> </a:t>
+            </a:r>
+            <a:r>
+              <a:rPr lang="de-DE" sz="2000" noProof="0" dirty="0" err="1" smtClean="0">
+                <a:solidFill>
+                  <a:srgbClr val="000000"/>
+                </a:solidFill>
+                <a:latin typeface="Arial" charset="0"/>
+              </a:rPr>
+              <a:t>for</a:t>
+            </a:r>
+            <a:r>
+              <a:rPr lang="de-DE" sz="2000" noProof="0" dirty="0" smtClean="0">
+                <a:solidFill>
+                  <a:srgbClr val="000000"/>
+                </a:solidFill>
+                <a:latin typeface="Arial" charset="0"/>
+              </a:rPr>
+              <a:t> </a:t>
+            </a:r>
+            <a:r>
+              <a:rPr lang="de-DE" sz="2000" noProof="0" dirty="0" err="1" smtClean="0">
+                <a:solidFill>
+                  <a:srgbClr val="000000"/>
+                </a:solidFill>
+                <a:latin typeface="Arial" charset="0"/>
+              </a:rPr>
+              <a:t>UserEntries</a:t>
+            </a:r>
+            <a:endParaRPr lang="de-DE" sz="2000" noProof="0" dirty="0" smtClean="0">
+              <a:solidFill>
+                <a:srgbClr val="000000"/>
+              </a:solidFill>
+              <a:latin typeface="Arial" charset="0"/>
+            </a:endParaRPr>
+          </a:p>
+          <a:p>
+            <a:pPr marL="800087" lvl="1" indent="-342887" algn="l">
+              <a:lnSpc>
+                <a:spcPct val="150000"/>
+              </a:lnSpc>
+              <a:spcBef>
+                <a:spcPct val="0"/>
+              </a:spcBef>
+              <a:buFont typeface="Arial" pitchFamily="34" charset="0"/>
+              <a:buChar char="•"/>
+            </a:pPr>
+            <a:r>
+              <a:rPr lang="de-DE" sz="1600" dirty="0" smtClean="0">
+                <a:solidFill>
+                  <a:srgbClr val="000000"/>
+                </a:solidFill>
+                <a:latin typeface="Arial" charset="0"/>
+              </a:rPr>
+              <a:t>E.g. </a:t>
+            </a:r>
+            <a:r>
+              <a:rPr lang="de-DE" sz="1600" dirty="0" err="1" smtClean="0">
+                <a:solidFill>
+                  <a:srgbClr val="000000"/>
+                </a:solidFill>
+                <a:latin typeface="Arial" charset="0"/>
+              </a:rPr>
+              <a:t>have</a:t>
+            </a:r>
+            <a:r>
+              <a:rPr lang="de-DE" sz="1600" dirty="0" smtClean="0">
+                <a:solidFill>
+                  <a:srgbClr val="000000"/>
+                </a:solidFill>
+                <a:latin typeface="Arial" charset="0"/>
+              </a:rPr>
+              <a:t> a </a:t>
+            </a:r>
+            <a:r>
+              <a:rPr lang="de-DE" sz="1600" dirty="0" err="1" smtClean="0">
+                <a:solidFill>
+                  <a:srgbClr val="000000"/>
+                </a:solidFill>
+                <a:latin typeface="Arial" charset="0"/>
+              </a:rPr>
+              <a:t>calender</a:t>
+            </a:r>
+            <a:r>
+              <a:rPr lang="de-DE" sz="1600" dirty="0" smtClean="0">
+                <a:solidFill>
+                  <a:srgbClr val="000000"/>
+                </a:solidFill>
+                <a:latin typeface="Arial" charset="0"/>
+              </a:rPr>
+              <a:t> </a:t>
+            </a:r>
+            <a:r>
+              <a:rPr lang="de-DE" sz="1600" dirty="0" err="1" smtClean="0">
+                <a:solidFill>
+                  <a:srgbClr val="000000"/>
+                </a:solidFill>
+                <a:latin typeface="Arial" charset="0"/>
+              </a:rPr>
+              <a:t>for</a:t>
+            </a:r>
+            <a:r>
+              <a:rPr lang="de-DE" sz="1600" dirty="0" smtClean="0">
+                <a:solidFill>
+                  <a:srgbClr val="000000"/>
+                </a:solidFill>
+                <a:latin typeface="Arial" charset="0"/>
+              </a:rPr>
+              <a:t> </a:t>
+            </a:r>
+            <a:r>
+              <a:rPr lang="de-DE" sz="1600" dirty="0" err="1" smtClean="0">
+                <a:solidFill>
+                  <a:srgbClr val="000000"/>
+                </a:solidFill>
+                <a:latin typeface="Consolas" panose="020B0609020204030204" pitchFamily="49" charset="0"/>
+                <a:cs typeface="Consolas" panose="020B0609020204030204" pitchFamily="49" charset="0"/>
+              </a:rPr>
+              <a:t>xs:date</a:t>
+            </a:r>
+            <a:endParaRPr lang="de-DE" sz="1600" dirty="0" smtClean="0">
+              <a:solidFill>
+                <a:srgbClr val="000000"/>
+              </a:solidFill>
+              <a:latin typeface="Consolas" panose="020B0609020204030204" pitchFamily="49" charset="0"/>
+              <a:cs typeface="Consolas" panose="020B0609020204030204" pitchFamily="49" charset="0"/>
+            </a:endParaRPr>
+          </a:p>
+          <a:p>
+            <a:pPr marL="800087" lvl="1" indent="-342887" algn="l">
+              <a:lnSpc>
+                <a:spcPct val="150000"/>
+              </a:lnSpc>
+              <a:spcBef>
+                <a:spcPct val="0"/>
+              </a:spcBef>
+              <a:buFont typeface="Arial" pitchFamily="34" charset="0"/>
+              <a:buChar char="•"/>
+            </a:pPr>
+            <a:r>
+              <a:rPr lang="de-DE" sz="1600" noProof="0" dirty="0" err="1" smtClean="0">
+                <a:solidFill>
+                  <a:srgbClr val="000000"/>
+                </a:solidFill>
+                <a:latin typeface="Arial" charset="0"/>
+              </a:rPr>
+              <a:t>Choose</a:t>
+            </a:r>
+            <a:r>
+              <a:rPr lang="de-DE" sz="1600" noProof="0" dirty="0" smtClean="0">
+                <a:solidFill>
+                  <a:srgbClr val="000000"/>
+                </a:solidFill>
+                <a:latin typeface="Arial" charset="0"/>
+              </a:rPr>
+              <a:t> a </a:t>
+            </a:r>
+            <a:r>
+              <a:rPr lang="de-DE" sz="1600" noProof="0" dirty="0" err="1" smtClean="0">
+                <a:solidFill>
+                  <a:srgbClr val="000000"/>
+                </a:solidFill>
+                <a:latin typeface="Arial" charset="0"/>
+              </a:rPr>
+              <a:t>value</a:t>
+            </a:r>
+            <a:r>
+              <a:rPr lang="de-DE" sz="1600" noProof="0" dirty="0" smtClean="0">
+                <a:solidFill>
+                  <a:srgbClr val="000000"/>
+                </a:solidFill>
+                <a:latin typeface="Arial" charset="0"/>
+              </a:rPr>
+              <a:t> </a:t>
+            </a:r>
+            <a:r>
+              <a:rPr lang="de-DE" sz="1600" noProof="0" dirty="0" err="1" smtClean="0">
+                <a:solidFill>
+                  <a:srgbClr val="000000"/>
+                </a:solidFill>
+                <a:latin typeface="Arial" charset="0"/>
+              </a:rPr>
+              <a:t>from</a:t>
+            </a:r>
+            <a:r>
+              <a:rPr lang="de-DE" sz="1600" noProof="0" dirty="0" smtClean="0">
+                <a:solidFill>
+                  <a:srgbClr val="000000"/>
+                </a:solidFill>
+                <a:latin typeface="Arial" charset="0"/>
+              </a:rPr>
+              <a:t> a </a:t>
+            </a:r>
+            <a:r>
+              <a:rPr lang="de-DE" sz="1600" noProof="0" dirty="0" err="1" smtClean="0">
+                <a:solidFill>
+                  <a:srgbClr val="000000"/>
+                </a:solidFill>
+                <a:latin typeface="Arial" charset="0"/>
+              </a:rPr>
+              <a:t>dropdown</a:t>
+            </a:r>
+            <a:r>
+              <a:rPr lang="de-DE" sz="1600" noProof="0" dirty="0" smtClean="0">
+                <a:solidFill>
+                  <a:srgbClr val="000000"/>
+                </a:solidFill>
+                <a:latin typeface="Arial" charset="0"/>
+              </a:rPr>
+              <a:t> </a:t>
+            </a:r>
+            <a:r>
+              <a:rPr lang="de-DE" sz="1600" noProof="0" dirty="0" err="1" smtClean="0">
+                <a:solidFill>
+                  <a:srgbClr val="000000"/>
+                </a:solidFill>
+                <a:latin typeface="Arial" charset="0"/>
+              </a:rPr>
+              <a:t>list</a:t>
+            </a:r>
+            <a:endParaRPr lang="de-DE" sz="1600" noProof="0" dirty="0" smtClean="0">
+              <a:solidFill>
+                <a:srgbClr val="000000"/>
+              </a:solidFill>
+              <a:latin typeface="Arial" charset="0"/>
+            </a:endParaRPr>
+          </a:p>
+          <a:p>
+            <a:pPr marL="342887" indent="-342887" algn="l">
+              <a:lnSpc>
+                <a:spcPct val="150000"/>
+              </a:lnSpc>
+              <a:spcBef>
+                <a:spcPct val="0"/>
+              </a:spcBef>
+              <a:buFont typeface="Arial" pitchFamily="34" charset="0"/>
+              <a:buChar char="•"/>
+            </a:pPr>
+            <a:r>
+              <a:rPr lang="de-DE" sz="2000" noProof="0" dirty="0" err="1" smtClean="0">
+                <a:solidFill>
+                  <a:srgbClr val="000000"/>
+                </a:solidFill>
+                <a:latin typeface="Arial" charset="0"/>
+              </a:rPr>
+              <a:t>Copy</a:t>
+            </a:r>
+            <a:r>
+              <a:rPr lang="de-DE" sz="2000" dirty="0" smtClean="0">
+                <a:solidFill>
+                  <a:srgbClr val="000000"/>
+                </a:solidFill>
+                <a:latin typeface="Arial" charset="0"/>
+              </a:rPr>
+              <a:t> </a:t>
+            </a:r>
+            <a:r>
+              <a:rPr lang="de-DE" sz="2000" dirty="0" err="1" smtClean="0">
+                <a:solidFill>
+                  <a:srgbClr val="000000"/>
+                </a:solidFill>
+                <a:latin typeface="Arial" charset="0"/>
+              </a:rPr>
+              <a:t>nodes</a:t>
+            </a:r>
+            <a:r>
+              <a:rPr lang="de-DE" sz="2000" dirty="0" smtClean="0">
+                <a:solidFill>
+                  <a:srgbClr val="000000"/>
+                </a:solidFill>
+                <a:latin typeface="Arial" charset="0"/>
+              </a:rPr>
+              <a:t> </a:t>
+            </a:r>
+            <a:r>
+              <a:rPr lang="de-DE" sz="2000" dirty="0" err="1" smtClean="0">
+                <a:solidFill>
+                  <a:srgbClr val="000000"/>
+                </a:solidFill>
+                <a:latin typeface="Arial" charset="0"/>
+              </a:rPr>
+              <a:t>without</a:t>
+            </a:r>
+            <a:r>
+              <a:rPr lang="de-DE" sz="2000" dirty="0" smtClean="0">
+                <a:solidFill>
+                  <a:srgbClr val="000000"/>
+                </a:solidFill>
+                <a:latin typeface="Arial" charset="0"/>
+              </a:rPr>
+              <a:t> </a:t>
+            </a:r>
+            <a:r>
+              <a:rPr lang="de-DE" sz="2000" dirty="0" err="1" smtClean="0">
+                <a:solidFill>
+                  <a:srgbClr val="000000"/>
+                </a:solidFill>
+                <a:latin typeface="Arial" charset="0"/>
+              </a:rPr>
+              <a:t>resolving</a:t>
+            </a:r>
+            <a:r>
+              <a:rPr lang="de-DE" sz="2000" dirty="0" smtClean="0">
+                <a:solidFill>
+                  <a:srgbClr val="000000"/>
+                </a:solidFill>
+                <a:latin typeface="Arial" charset="0"/>
+              </a:rPr>
+              <a:t> </a:t>
+            </a:r>
+            <a:r>
+              <a:rPr lang="de-DE" sz="2000" dirty="0" err="1" smtClean="0">
+                <a:solidFill>
+                  <a:srgbClr val="000000"/>
+                </a:solidFill>
+                <a:latin typeface="Arial" charset="0"/>
+              </a:rPr>
+              <a:t>entities</a:t>
+            </a:r>
+            <a:r>
+              <a:rPr lang="de-DE" sz="2000" dirty="0" smtClean="0">
+                <a:solidFill>
+                  <a:srgbClr val="000000"/>
+                </a:solidFill>
+                <a:latin typeface="Arial" charset="0"/>
+              </a:rPr>
+              <a:t> </a:t>
+            </a:r>
+            <a:r>
+              <a:rPr lang="de-DE" sz="2000" dirty="0" err="1" smtClean="0">
+                <a:solidFill>
+                  <a:srgbClr val="000000"/>
+                </a:solidFill>
+                <a:latin typeface="Arial" charset="0"/>
+              </a:rPr>
+              <a:t>or</a:t>
+            </a:r>
+            <a:r>
+              <a:rPr lang="de-DE" sz="2000" dirty="0" smtClean="0">
+                <a:solidFill>
+                  <a:srgbClr val="000000"/>
+                </a:solidFill>
+                <a:latin typeface="Arial" charset="0"/>
+              </a:rPr>
+              <a:t> </a:t>
+            </a:r>
+            <a:r>
+              <a:rPr lang="de-DE" sz="2000" dirty="0" err="1" smtClean="0">
+                <a:solidFill>
+                  <a:srgbClr val="000000"/>
+                </a:solidFill>
+                <a:latin typeface="Arial" charset="0"/>
+              </a:rPr>
+              <a:t>default</a:t>
+            </a:r>
+            <a:r>
+              <a:rPr lang="de-DE" sz="2000" dirty="0" smtClean="0">
+                <a:solidFill>
+                  <a:srgbClr val="000000"/>
+                </a:solidFill>
+                <a:latin typeface="Arial" charset="0"/>
+              </a:rPr>
+              <a:t> </a:t>
+            </a:r>
+            <a:r>
+              <a:rPr lang="de-DE" sz="2000" dirty="0" err="1" smtClean="0">
+                <a:solidFill>
+                  <a:srgbClr val="000000"/>
+                </a:solidFill>
+                <a:latin typeface="Arial" charset="0"/>
+              </a:rPr>
+              <a:t>attributes</a:t>
+            </a:r>
+            <a:endParaRPr lang="de-DE" sz="2000" dirty="0" smtClean="0">
+              <a:solidFill>
+                <a:srgbClr val="000000"/>
+              </a:solidFill>
+              <a:latin typeface="Arial" charset="0"/>
+            </a:endParaRPr>
+          </a:p>
+          <a:p>
+            <a:pPr marL="342887" indent="-342887" algn="l">
+              <a:lnSpc>
+                <a:spcPct val="150000"/>
+              </a:lnSpc>
+              <a:spcBef>
+                <a:spcPct val="0"/>
+              </a:spcBef>
+              <a:buFont typeface="Arial" pitchFamily="34" charset="0"/>
+              <a:buChar char="•"/>
+            </a:pPr>
+            <a:endParaRPr lang="de-DE" sz="1200" noProof="0" dirty="0">
+              <a:solidFill>
+                <a:srgbClr val="000000"/>
+              </a:solidFill>
+              <a:latin typeface="Arial" charset="0"/>
+            </a:endParaRPr>
+          </a:p>
+          <a:p>
+            <a:pPr marL="342887" indent="-342887" algn="l">
+              <a:lnSpc>
+                <a:spcPct val="150000"/>
+              </a:lnSpc>
+              <a:spcBef>
+                <a:spcPct val="0"/>
+              </a:spcBef>
+              <a:buFont typeface="Arial" pitchFamily="34" charset="0"/>
+              <a:buChar char="•"/>
+            </a:pPr>
+            <a:r>
+              <a:rPr lang="de-DE" sz="2000" dirty="0" err="1" smtClean="0">
+                <a:solidFill>
+                  <a:srgbClr val="000000"/>
+                </a:solidFill>
+                <a:latin typeface="Arial" charset="0"/>
+              </a:rPr>
+              <a:t>Escali</a:t>
+            </a:r>
+            <a:r>
+              <a:rPr lang="de-DE" sz="2000" dirty="0" smtClean="0">
+                <a:solidFill>
+                  <a:srgbClr val="000000"/>
+                </a:solidFill>
+                <a:latin typeface="Arial" charset="0"/>
+              </a:rPr>
+              <a:t> </a:t>
+            </a:r>
+            <a:r>
+              <a:rPr lang="de-DE" sz="2000" dirty="0" err="1" smtClean="0">
+                <a:solidFill>
+                  <a:srgbClr val="000000"/>
+                </a:solidFill>
+                <a:latin typeface="Arial" charset="0"/>
+              </a:rPr>
+              <a:t>extensions</a:t>
+            </a:r>
+            <a:endParaRPr lang="de-DE" sz="2000" dirty="0" smtClean="0">
+              <a:solidFill>
+                <a:srgbClr val="000000"/>
+              </a:solidFill>
+              <a:latin typeface="Arial" charset="0"/>
+            </a:endParaRPr>
+          </a:p>
+          <a:p>
+            <a:pPr marL="800087" lvl="1" indent="-342887" algn="l">
+              <a:lnSpc>
+                <a:spcPct val="150000"/>
+              </a:lnSpc>
+              <a:spcBef>
+                <a:spcPct val="0"/>
+              </a:spcBef>
+              <a:buFont typeface="Arial" pitchFamily="34" charset="0"/>
+              <a:buChar char="•"/>
+            </a:pPr>
+            <a:r>
+              <a:rPr lang="de-DE" sz="1600" noProof="0" dirty="0" err="1" smtClean="0">
+                <a:solidFill>
+                  <a:srgbClr val="000000"/>
+                </a:solidFill>
+                <a:latin typeface="Arial" charset="0"/>
+              </a:rPr>
+              <a:t>Ignoreable</a:t>
+            </a:r>
+            <a:r>
+              <a:rPr lang="de-DE" sz="1600" noProof="0" dirty="0" smtClean="0">
+                <a:solidFill>
+                  <a:srgbClr val="000000"/>
+                </a:solidFill>
+                <a:latin typeface="Arial" charset="0"/>
+              </a:rPr>
+              <a:t> </a:t>
+            </a:r>
+            <a:r>
+              <a:rPr lang="de-DE" sz="1600" noProof="0" dirty="0" err="1" smtClean="0">
+                <a:solidFill>
+                  <a:srgbClr val="000000"/>
+                </a:solidFill>
+                <a:latin typeface="Arial" charset="0"/>
+              </a:rPr>
+              <a:t>errors</a:t>
+            </a:r>
+            <a:r>
+              <a:rPr lang="de-DE" sz="1600" noProof="0" dirty="0" smtClean="0">
+                <a:solidFill>
+                  <a:srgbClr val="000000"/>
+                </a:solidFill>
+                <a:latin typeface="Arial" charset="0"/>
+              </a:rPr>
+              <a:t> </a:t>
+            </a:r>
+            <a:r>
+              <a:rPr lang="de-DE" sz="1600" dirty="0">
+                <a:solidFill>
+                  <a:srgbClr val="000000"/>
+                </a:solidFill>
+                <a:latin typeface="Arial" charset="0"/>
+              </a:rPr>
+              <a:t>(</a:t>
+            </a:r>
+            <a:r>
+              <a:rPr lang="de-DE" sz="1600" dirty="0" err="1" smtClean="0">
+                <a:solidFill>
+                  <a:srgbClr val="000000"/>
+                </a:solidFill>
+                <a:latin typeface="Consolas" panose="020B0609020204030204" pitchFamily="49" charset="0"/>
+                <a:cs typeface="Consolas" panose="020B0609020204030204" pitchFamily="49" charset="0"/>
+              </a:rPr>
+              <a:t>es:ignorableId</a:t>
+            </a:r>
+            <a:r>
+              <a:rPr lang="de-DE" sz="1600" dirty="0" smtClean="0">
+                <a:solidFill>
+                  <a:srgbClr val="000000"/>
+                </a:solidFill>
+                <a:latin typeface="Arial" charset="0"/>
+              </a:rPr>
+              <a:t>)</a:t>
+            </a:r>
+            <a:endParaRPr lang="de-DE" sz="1600" noProof="0" dirty="0" smtClean="0">
+              <a:solidFill>
+                <a:srgbClr val="000000"/>
+              </a:solidFill>
+              <a:latin typeface="Arial" charset="0"/>
+            </a:endParaRPr>
+          </a:p>
+          <a:p>
+            <a:pPr marL="800087" lvl="1" indent="-342887" algn="l">
+              <a:lnSpc>
+                <a:spcPct val="150000"/>
+              </a:lnSpc>
+              <a:spcBef>
+                <a:spcPct val="0"/>
+              </a:spcBef>
+              <a:buFont typeface="Arial" pitchFamily="34" charset="0"/>
+              <a:buChar char="•"/>
+            </a:pPr>
+            <a:r>
+              <a:rPr lang="de-DE" sz="1600" noProof="0" dirty="0" err="1" smtClean="0">
+                <a:solidFill>
+                  <a:srgbClr val="000000"/>
+                </a:solidFill>
+                <a:latin typeface="Arial" charset="0"/>
+              </a:rPr>
+              <a:t>Regex</a:t>
+            </a:r>
+            <a:r>
+              <a:rPr lang="de-DE" sz="1600" noProof="0" dirty="0" smtClean="0">
+                <a:solidFill>
+                  <a:srgbClr val="000000"/>
+                </a:solidFill>
+                <a:latin typeface="Arial" charset="0"/>
+              </a:rPr>
+              <a:t> </a:t>
+            </a:r>
+            <a:r>
+              <a:rPr lang="de-DE" sz="1600" noProof="0" dirty="0" err="1" smtClean="0">
+                <a:solidFill>
+                  <a:srgbClr val="000000"/>
+                </a:solidFill>
+                <a:latin typeface="Arial" charset="0"/>
+              </a:rPr>
+              <a:t>matching</a:t>
+            </a:r>
+            <a:r>
+              <a:rPr lang="de-DE" sz="1600" noProof="0" dirty="0" smtClean="0">
+                <a:solidFill>
+                  <a:srgbClr val="000000"/>
+                </a:solidFill>
+                <a:latin typeface="Arial" charset="0"/>
+              </a:rPr>
+              <a:t> (</a:t>
+            </a:r>
+            <a:r>
+              <a:rPr lang="de-DE" sz="1600" noProof="0" dirty="0" err="1" smtClean="0">
+                <a:solidFill>
+                  <a:srgbClr val="000000"/>
+                </a:solidFill>
+                <a:latin typeface="Consolas" panose="020B0609020204030204" pitchFamily="49" charset="0"/>
+                <a:cs typeface="Consolas" panose="020B0609020204030204" pitchFamily="49" charset="0"/>
+              </a:rPr>
+              <a:t>es:regex</a:t>
+            </a:r>
+            <a:r>
+              <a:rPr lang="de-DE" sz="1600" noProof="0" dirty="0" smtClean="0">
+                <a:solidFill>
+                  <a:srgbClr val="000000"/>
+                </a:solidFill>
+                <a:latin typeface="Arial" charset="0"/>
+              </a:rPr>
+              <a:t>)</a:t>
+            </a:r>
+          </a:p>
+          <a:p>
+            <a:pPr marL="800087" lvl="1" indent="-342887" algn="l">
+              <a:lnSpc>
+                <a:spcPct val="150000"/>
+              </a:lnSpc>
+              <a:spcBef>
+                <a:spcPct val="0"/>
+              </a:spcBef>
+              <a:buFont typeface="Arial" pitchFamily="34" charset="0"/>
+              <a:buChar char="•"/>
+            </a:pPr>
+            <a:r>
+              <a:rPr lang="de-DE" sz="1600" dirty="0" err="1" smtClean="0">
+                <a:solidFill>
+                  <a:srgbClr val="000000"/>
+                </a:solidFill>
+                <a:latin typeface="Arial" charset="0"/>
+              </a:rPr>
+              <a:t>Others</a:t>
+            </a:r>
+            <a:r>
+              <a:rPr lang="de-DE" sz="1600" dirty="0" smtClean="0">
+                <a:solidFill>
+                  <a:srgbClr val="000000"/>
+                </a:solidFill>
+                <a:latin typeface="Arial" charset="0"/>
+              </a:rPr>
+              <a:t> </a:t>
+            </a:r>
+            <a:r>
+              <a:rPr lang="de-DE" sz="1600" dirty="0" err="1" smtClean="0">
+                <a:solidFill>
+                  <a:srgbClr val="000000"/>
+                </a:solidFill>
+                <a:latin typeface="Arial" charset="0"/>
+              </a:rPr>
+              <a:t>are</a:t>
+            </a:r>
+            <a:r>
+              <a:rPr lang="de-DE" sz="1600" dirty="0" smtClean="0">
+                <a:solidFill>
+                  <a:srgbClr val="000000"/>
+                </a:solidFill>
+                <a:latin typeface="Arial" charset="0"/>
+              </a:rPr>
+              <a:t> </a:t>
+            </a:r>
+            <a:r>
+              <a:rPr lang="de-DE" sz="1600" dirty="0" err="1" smtClean="0">
+                <a:solidFill>
+                  <a:srgbClr val="000000"/>
+                </a:solidFill>
+                <a:latin typeface="Arial" charset="0"/>
+              </a:rPr>
+              <a:t>described</a:t>
+            </a:r>
+            <a:r>
+              <a:rPr lang="de-DE" sz="1600" dirty="0" smtClean="0">
+                <a:solidFill>
+                  <a:srgbClr val="000000"/>
+                </a:solidFill>
+                <a:latin typeface="Arial" charset="0"/>
+              </a:rPr>
+              <a:t> on</a:t>
+            </a:r>
+            <a:br>
+              <a:rPr lang="de-DE" sz="1600" dirty="0" smtClean="0">
+                <a:solidFill>
+                  <a:srgbClr val="000000"/>
+                </a:solidFill>
+                <a:latin typeface="Arial" charset="0"/>
+              </a:rPr>
+            </a:br>
+            <a:r>
+              <a:rPr lang="de-DE" sz="1600" dirty="0" smtClean="0">
+                <a:solidFill>
+                  <a:srgbClr val="000000"/>
+                </a:solidFill>
+                <a:latin typeface="Arial" charset="0"/>
+                <a:hlinkClick r:id="rId3"/>
+              </a:rPr>
+              <a:t>http://ww.schematron-quickfix.com/escali/escali-ext_en.html</a:t>
+            </a:r>
+            <a:endParaRPr lang="de-DE" sz="1600" dirty="0" smtClean="0">
+              <a:solidFill>
+                <a:srgbClr val="000000"/>
+              </a:solidFill>
+              <a:latin typeface="Arial" charset="0"/>
+            </a:endParaRPr>
+          </a:p>
+          <a:p>
+            <a:pPr marL="800087" lvl="1" indent="-342887" algn="l">
+              <a:lnSpc>
+                <a:spcPct val="150000"/>
+              </a:lnSpc>
+              <a:spcBef>
+                <a:spcPct val="0"/>
+              </a:spcBef>
+              <a:buFont typeface="Arial" pitchFamily="34" charset="0"/>
+              <a:buChar char="•"/>
+            </a:pPr>
+            <a:endParaRPr lang="de-DE" sz="1600" noProof="0" dirty="0" smtClean="0">
+              <a:solidFill>
+                <a:srgbClr val="000000"/>
+              </a:solidFill>
+              <a:latin typeface="Arial" charset="0"/>
+            </a:endParaRPr>
+          </a:p>
+          <a:p>
+            <a:pPr marL="800087" lvl="1" indent="-342887" algn="l">
+              <a:lnSpc>
+                <a:spcPct val="150000"/>
+              </a:lnSpc>
+              <a:spcBef>
+                <a:spcPct val="0"/>
+              </a:spcBef>
+              <a:buFont typeface="Arial" pitchFamily="34" charset="0"/>
+              <a:buChar char="•"/>
+            </a:pPr>
+            <a:endParaRPr lang="de-DE" sz="1600" noProof="0" dirty="0" smtClean="0">
+              <a:solidFill>
+                <a:srgbClr val="000000"/>
+              </a:solidFill>
+              <a:latin typeface="Arial" charset="0"/>
+            </a:endParaRPr>
+          </a:p>
+          <a:p>
+            <a:pPr marL="342887" indent="-342887" algn="l">
+              <a:lnSpc>
+                <a:spcPct val="150000"/>
+              </a:lnSpc>
+              <a:spcBef>
+                <a:spcPct val="0"/>
+              </a:spcBef>
+              <a:buFont typeface="Arial" pitchFamily="34" charset="0"/>
+              <a:buChar char="•"/>
+            </a:pPr>
+            <a:endParaRPr lang="de-DE" sz="1800" noProof="0" dirty="0" smtClean="0">
+              <a:solidFill>
+                <a:srgbClr val="000000"/>
+              </a:solidFill>
+              <a:latin typeface="Arial" charset="0"/>
+            </a:endParaRPr>
+          </a:p>
+        </p:txBody>
+      </p:sp>
+    </p:spTree>
+    <p:extLst>
+      <p:ext uri="{BB962C8B-B14F-4D97-AF65-F5344CB8AC3E}">
+        <p14:creationId xmlns:p14="http://schemas.microsoft.com/office/powerpoint/2010/main" val="3444542121"/>
+      </p:ext>
+    </p:extLst>
+  </p:cSld>
+  <p:clrMapOvr>
+    <a:masterClrMapping/>
+  </p:clrMapOvr>
+  <mc:AlternateContent xmlns:mc="http://schemas.openxmlformats.org/markup-compatibility/2006" xmlns:p14="http://schemas.microsoft.com/office/powerpoint/2010/main">
+    <mc:Choice Requires="p14">
+      <p:transition spd="slow" p14:dur="2000"/>
+    </mc:Choice>
+    <mc:Fallback xmlns="">
+      <p:transition spd="slow"/>
+    </mc:Fallback>
+  </mc:AlternateContent>
+  <p:timing>
+    <p:tnLst>
+      <p:par>
+        <p:cTn id="1" dur="indefinite" restart="never" nodeType="tmRoot">
+          <p:childTnLst>
+            <p:seq concurrent="1" nextAc="seek">
+              <p:cTn id="2" dur="indefinite" nodeType="mainSeq">
+                <p:childTnLst>
+                  <p:par>
+                    <p:cTn id="3" fill="hold">
+                      <p:stCondLst>
+                        <p:cond delay="indefinite"/>
+                        <p:cond evt="onBegin" delay="0">
+                          <p:tn val="2"/>
+                        </p:cond>
+                      </p:stCondLst>
+                      <p:childTnLst>
+                        <p:par>
+                          <p:cTn id="4" fill="hold">
+                            <p:stCondLst>
+                              <p:cond delay="0"/>
+                            </p:stCondLst>
+                            <p:childTnLst>
+                              <p:par>
+                                <p:cTn id="5" presetID="1" presetClass="entr" presetSubtype="0" fill="hold" nodeType="withEffect">
+                                  <p:stCondLst>
+                                    <p:cond delay="0"/>
+                                  </p:stCondLst>
+                                  <p:childTnLst>
+                                    <p:set>
+                                      <p:cBhvr>
+                                        <p:cTn id="6" dur="1" fill="hold">
+                                          <p:stCondLst>
+                                            <p:cond delay="0"/>
+                                          </p:stCondLst>
+                                        </p:cTn>
+                                        <p:tgtEl>
+                                          <p:spTgt spid="4098">
+                                            <p:txEl>
+                                              <p:pRg st="1" end="1"/>
+                                            </p:txEl>
+                                          </p:spTgt>
+                                        </p:tgtEl>
+                                        <p:attrNameLst>
+                                          <p:attrName>style.visibility</p:attrName>
+                                        </p:attrNameLst>
+                                      </p:cBhvr>
+                                      <p:to>
+                                        <p:strVal val="visible"/>
+                                      </p:to>
+                                    </p:set>
+                                  </p:childTnLst>
+                                </p:cTn>
+                              </p:par>
+                            </p:childTnLst>
+                          </p:cTn>
+                        </p:par>
+                      </p:childTnLst>
+                    </p:cTn>
+                  </p:par>
+                  <p:par>
+                    <p:cTn id="7" fill="hold">
+                      <p:stCondLst>
+                        <p:cond delay="indefinite"/>
+                      </p:stCondLst>
+                      <p:childTnLst>
+                        <p:par>
+                          <p:cTn id="8" fill="hold">
+                            <p:stCondLst>
+                              <p:cond delay="0"/>
+                            </p:stCondLst>
+                            <p:childTnLst>
+                              <p:par>
+                                <p:cTn id="9" presetID="1" presetClass="entr" presetSubtype="0" fill="hold" nodeType="clickEffect">
+                                  <p:stCondLst>
+                                    <p:cond delay="0"/>
+                                  </p:stCondLst>
+                                  <p:childTnLst>
+                                    <p:set>
+                                      <p:cBhvr>
+                                        <p:cTn id="10" dur="1" fill="hold">
+                                          <p:stCondLst>
+                                            <p:cond delay="0"/>
+                                          </p:stCondLst>
+                                        </p:cTn>
+                                        <p:tgtEl>
+                                          <p:spTgt spid="4098">
+                                            <p:txEl>
+                                              <p:pRg st="2" end="2"/>
+                                            </p:txEl>
+                                          </p:spTgt>
+                                        </p:tgtEl>
+                                        <p:attrNameLst>
+                                          <p:attrName>style.visibility</p:attrName>
+                                        </p:attrNameLst>
+                                      </p:cBhvr>
+                                      <p:to>
+                                        <p:strVal val="visible"/>
+                                      </p:to>
+                                    </p:set>
+                                  </p:childTnLst>
+                                </p:cTn>
+                              </p:par>
+                              <p:par>
+                                <p:cTn id="11" presetID="1" presetClass="entr" presetSubtype="0" fill="hold" nodeType="withEffect">
+                                  <p:stCondLst>
+                                    <p:cond delay="0"/>
+                                  </p:stCondLst>
+                                  <p:childTnLst>
+                                    <p:set>
+                                      <p:cBhvr>
+                                        <p:cTn id="12" dur="1" fill="hold">
+                                          <p:stCondLst>
+                                            <p:cond delay="0"/>
+                                          </p:stCondLst>
+                                        </p:cTn>
+                                        <p:tgtEl>
+                                          <p:spTgt spid="4098">
+                                            <p:txEl>
+                                              <p:pRg st="3" end="3"/>
+                                            </p:txEl>
+                                          </p:spTgt>
+                                        </p:tgtEl>
+                                        <p:attrNameLst>
+                                          <p:attrName>style.visibility</p:attrName>
+                                        </p:attrNameLst>
+                                      </p:cBhvr>
+                                      <p:to>
+                                        <p:strVal val="visible"/>
+                                      </p:to>
+                                    </p:set>
+                                  </p:childTnLst>
+                                </p:cTn>
+                              </p:par>
+                              <p:par>
+                                <p:cTn id="13" presetID="1" presetClass="entr" presetSubtype="0" fill="hold" nodeType="withEffect">
+                                  <p:stCondLst>
+                                    <p:cond delay="0"/>
+                                  </p:stCondLst>
+                                  <p:childTnLst>
+                                    <p:set>
+                                      <p:cBhvr>
+                                        <p:cTn id="14" dur="1" fill="hold">
+                                          <p:stCondLst>
+                                            <p:cond delay="0"/>
+                                          </p:stCondLst>
+                                        </p:cTn>
+                                        <p:tgtEl>
+                                          <p:spTgt spid="4098">
+                                            <p:txEl>
+                                              <p:pRg st="4" end="4"/>
+                                            </p:txEl>
+                                          </p:spTgt>
+                                        </p:tgtEl>
+                                        <p:attrNameLst>
+                                          <p:attrName>style.visibility</p:attrName>
+                                        </p:attrNameLst>
+                                      </p:cBhvr>
+                                      <p:to>
+                                        <p:strVal val="visible"/>
+                                      </p:to>
+                                    </p:set>
+                                  </p:childTnLst>
+                                </p:cTn>
+                              </p:par>
+                            </p:childTnLst>
+                          </p:cTn>
+                        </p:par>
+                      </p:childTnLst>
+                    </p:cTn>
+                  </p:par>
+                  <p:par>
+                    <p:cTn id="15" fill="hold">
+                      <p:stCondLst>
+                        <p:cond delay="indefinite"/>
+                      </p:stCondLst>
+                      <p:childTnLst>
+                        <p:par>
+                          <p:cTn id="16" fill="hold">
+                            <p:stCondLst>
+                              <p:cond delay="0"/>
+                            </p:stCondLst>
+                            <p:childTnLst>
+                              <p:par>
+                                <p:cTn id="17" presetID="1" presetClass="entr" presetSubtype="0" fill="hold" nodeType="clickEffect">
+                                  <p:stCondLst>
+                                    <p:cond delay="0"/>
+                                  </p:stCondLst>
+                                  <p:childTnLst>
+                                    <p:set>
+                                      <p:cBhvr>
+                                        <p:cTn id="18" dur="1" fill="hold">
+                                          <p:stCondLst>
+                                            <p:cond delay="0"/>
+                                          </p:stCondLst>
+                                        </p:cTn>
+                                        <p:tgtEl>
+                                          <p:spTgt spid="4098">
+                                            <p:txEl>
+                                              <p:pRg st="5" end="5"/>
+                                            </p:txEl>
+                                          </p:spTgt>
+                                        </p:tgtEl>
+                                        <p:attrNameLst>
+                                          <p:attrName>style.visibility</p:attrName>
+                                        </p:attrNameLst>
+                                      </p:cBhvr>
+                                      <p:to>
+                                        <p:strVal val="visible"/>
+                                      </p:to>
+                                    </p:set>
+                                  </p:childTnLst>
+                                </p:cTn>
+                              </p:par>
+                            </p:childTnLst>
+                          </p:cTn>
+                        </p:par>
+                      </p:childTnLst>
+                    </p:cTn>
+                  </p:par>
+                  <p:par>
+                    <p:cTn id="19" fill="hold">
+                      <p:stCondLst>
+                        <p:cond delay="indefinite"/>
+                      </p:stCondLst>
+                      <p:childTnLst>
+                        <p:par>
+                          <p:cTn id="20" fill="hold">
+                            <p:stCondLst>
+                              <p:cond delay="0"/>
+                            </p:stCondLst>
+                            <p:childTnLst>
+                              <p:par>
+                                <p:cTn id="21" presetID="1" presetClass="entr" presetSubtype="0" fill="hold" nodeType="clickEffect">
+                                  <p:stCondLst>
+                                    <p:cond delay="0"/>
+                                  </p:stCondLst>
+                                  <p:childTnLst>
+                                    <p:set>
+                                      <p:cBhvr>
+                                        <p:cTn id="22" dur="1" fill="hold">
+                                          <p:stCondLst>
+                                            <p:cond delay="0"/>
+                                          </p:stCondLst>
+                                        </p:cTn>
+                                        <p:tgtEl>
+                                          <p:spTgt spid="4098">
+                                            <p:txEl>
+                                              <p:pRg st="7" end="7"/>
+                                            </p:txEl>
+                                          </p:spTgt>
+                                        </p:tgtEl>
+                                        <p:attrNameLst>
+                                          <p:attrName>style.visibility</p:attrName>
+                                        </p:attrNameLst>
+                                      </p:cBhvr>
+                                      <p:to>
+                                        <p:strVal val="visible"/>
+                                      </p:to>
+                                    </p:set>
+                                  </p:childTnLst>
+                                </p:cTn>
+                              </p:par>
+                              <p:par>
+                                <p:cTn id="23" presetID="1" presetClass="entr" presetSubtype="0" fill="hold" nodeType="withEffect">
+                                  <p:stCondLst>
+                                    <p:cond delay="0"/>
+                                  </p:stCondLst>
+                                  <p:childTnLst>
+                                    <p:set>
+                                      <p:cBhvr>
+                                        <p:cTn id="24" dur="1" fill="hold">
+                                          <p:stCondLst>
+                                            <p:cond delay="0"/>
+                                          </p:stCondLst>
+                                        </p:cTn>
+                                        <p:tgtEl>
+                                          <p:spTgt spid="4098">
+                                            <p:txEl>
+                                              <p:pRg st="8" end="8"/>
+                                            </p:txEl>
+                                          </p:spTgt>
+                                        </p:tgtEl>
+                                        <p:attrNameLst>
+                                          <p:attrName>style.visibility</p:attrName>
+                                        </p:attrNameLst>
+                                      </p:cBhvr>
+                                      <p:to>
+                                        <p:strVal val="visible"/>
+                                      </p:to>
+                                    </p:set>
+                                  </p:childTnLst>
+                                </p:cTn>
+                              </p:par>
+                            </p:childTnLst>
+                          </p:cTn>
+                        </p:par>
+                      </p:childTnLst>
+                    </p:cTn>
+                  </p:par>
+                  <p:par>
+                    <p:cTn id="25" fill="hold">
+                      <p:stCondLst>
+                        <p:cond delay="indefinite"/>
+                      </p:stCondLst>
+                      <p:childTnLst>
+                        <p:par>
+                          <p:cTn id="26" fill="hold">
+                            <p:stCondLst>
+                              <p:cond delay="0"/>
+                            </p:stCondLst>
+                            <p:childTnLst>
+                              <p:par>
+                                <p:cTn id="27" presetID="1" presetClass="entr" presetSubtype="0" fill="hold" nodeType="clickEffect">
+                                  <p:stCondLst>
+                                    <p:cond delay="0"/>
+                                  </p:stCondLst>
+                                  <p:childTnLst>
+                                    <p:set>
+                                      <p:cBhvr>
+                                        <p:cTn id="28" dur="1" fill="hold">
+                                          <p:stCondLst>
+                                            <p:cond delay="0"/>
+                                          </p:stCondLst>
+                                        </p:cTn>
+                                        <p:tgtEl>
+                                          <p:spTgt spid="4098">
+                                            <p:txEl>
+                                              <p:pRg st="9" end="9"/>
+                                            </p:txEl>
+                                          </p:spTgt>
+                                        </p:tgtEl>
+                                        <p:attrNameLst>
+                                          <p:attrName>style.visibility</p:attrName>
+                                        </p:attrNameLst>
+                                      </p:cBhvr>
+                                      <p:to>
+                                        <p:strVal val="visible"/>
+                                      </p:to>
+                                    </p:set>
+                                  </p:childTnLst>
+                                </p:cTn>
+                              </p:par>
+                            </p:childTnLst>
+                          </p:cTn>
+                        </p:par>
+                      </p:childTnLst>
+                    </p:cTn>
+                  </p:par>
+                  <p:par>
+                    <p:cTn id="29" fill="hold">
+                      <p:stCondLst>
+                        <p:cond delay="indefinite"/>
+                      </p:stCondLst>
+                      <p:childTnLst>
+                        <p:par>
+                          <p:cTn id="30" fill="hold">
+                            <p:stCondLst>
+                              <p:cond delay="0"/>
+                            </p:stCondLst>
+                            <p:childTnLst>
+                              <p:par>
+                                <p:cTn id="31" presetID="1" presetClass="entr" presetSubtype="0" fill="hold" nodeType="clickEffect">
+                                  <p:stCondLst>
+                                    <p:cond delay="0"/>
+                                  </p:stCondLst>
+                                  <p:childTnLst>
+                                    <p:set>
+                                      <p:cBhvr>
+                                        <p:cTn id="32" dur="1" fill="hold">
+                                          <p:stCondLst>
+                                            <p:cond delay="0"/>
+                                          </p:stCondLst>
+                                        </p:cTn>
+                                        <p:tgtEl>
+                                          <p:spTgt spid="4098">
+                                            <p:txEl>
+                                              <p:pRg st="10" end="10"/>
+                                            </p:txEl>
+                                          </p:spTgt>
+                                        </p:tgtEl>
+                                        <p:attrNameLst>
+                                          <p:attrName>style.visibility</p:attrName>
+                                        </p:attrNameLst>
+                                      </p:cBhvr>
+                                      <p:to>
+                                        <p:strVal val="visible"/>
+                                      </p:to>
+                                    </p:set>
+                                  </p:childTnLst>
+                                </p:cTn>
+                              </p:par>
+                            </p:childTnLst>
+                          </p:cTn>
+                        </p:par>
+                      </p:childTnLst>
+                    </p:cTn>
+                  </p:par>
+                </p:childTnLst>
+              </p:cTn>
+              <p:prevCondLst>
+                <p:cond evt="onPrev" delay="0">
+                  <p:tgtEl>
+                    <p:sldTgt/>
+                  </p:tgtEl>
+                </p:cond>
+              </p:prevCondLst>
+              <p:nextCondLst>
+                <p:cond evt="onNext" delay="0">
+                  <p:tgtEl>
+                    <p:sldTgt/>
+                  </p:tgtEl>
+                </p:cond>
+              </p:nextCondLst>
+            </p:seq>
+          </p:childTnLst>
+        </p:cTn>
+      </p:par>
+    </p:tnLst>
+  </p:timing>
+</p:sld>
+</file>
+
+<file path=ppt/slides/slide4.xml><?xml version="1.0" encoding="utf-8"?>
+<p:sld xmlns:a="http://schemas.openxmlformats.org/drawingml/2006/main" xmlns:r="http://schemas.openxmlformats.org/officeDocument/2006/relationships" xmlns:p="http://schemas.openxmlformats.org/presentationml/2006/main">
+  <p:cSld>
+    <p:spTree>
+      <p:nvGrpSpPr>
+        <p:cNvPr id="1" name=""/>
+        <p:cNvGrpSpPr/>
+        <p:nvPr/>
+      </p:nvGrpSpPr>
+      <p:grpSpPr>
+        <a:xfrm>
+          <a:off x="0" y="0"/>
+          <a:ext cx="0" cy="0"/>
+          <a:chOff x="0" y="0"/>
+          <a:chExt cx="0" cy="0"/>
+        </a:xfrm>
+      </p:grpSpPr>
+      <p:sp>
+        <p:nvSpPr>
+          <p:cNvPr id="4097" name="Rectangle 1"/>
+          <p:cNvSpPr>
+            <a:spLocks noGrp="1" noChangeArrowheads="1"/>
+          </p:cNvSpPr>
+          <p:nvPr>
+            <p:ph type="ctrTitle"/>
+          </p:nvPr>
+        </p:nvSpPr>
+        <p:spPr>
+          <a:xfrm>
+            <a:off x="831528" y="495300"/>
+            <a:ext cx="4824536" cy="761653"/>
+          </a:xfrm>
+        </p:spPr>
+        <p:txBody>
+          <a:bodyPr lIns="0" tIns="0" rIns="0" bIns="0" anchor="t"/>
+          <a:lstStyle/>
+          <a:p>
+            <a:pPr algn="l">
+              <a:lnSpc>
+                <a:spcPct val="95000"/>
+              </a:lnSpc>
+            </a:pPr>
+            <a:r>
+              <a:rPr lang="de-DE" sz="3600" noProof="0" dirty="0" err="1" smtClean="0">
+                <a:latin typeface="TheSansOffice" pitchFamily="34" charset="0"/>
+              </a:rPr>
+              <a:t>Examples</a:t>
+            </a:r>
+            <a:endParaRPr lang="de-DE" sz="3600" noProof="0" dirty="0">
+              <a:latin typeface="TheSansOffice" pitchFamily="34" charset="0"/>
+            </a:endParaRPr>
+          </a:p>
+        </p:txBody>
+      </p:sp>
+      <p:sp>
+        <p:nvSpPr>
+          <p:cNvPr id="4098" name="Rectangle 2"/>
+          <p:cNvSpPr>
+            <a:spLocks noGrp="1" noChangeArrowheads="1"/>
+          </p:cNvSpPr>
+          <p:nvPr>
+            <p:ph type="subTitle" idx="1"/>
+          </p:nvPr>
+        </p:nvSpPr>
+        <p:spPr>
+          <a:xfrm>
+            <a:off x="936633" y="1705991"/>
+            <a:ext cx="7190581" cy="5602636"/>
+          </a:xfrm>
+        </p:spPr>
+        <p:txBody>
+          <a:bodyPr lIns="0" tIns="0" rIns="0" bIns="0"/>
+          <a:lstStyle/>
+          <a:p>
+            <a:pPr marL="342887" indent="-342887" algn="l">
+              <a:lnSpc>
+                <a:spcPct val="150000"/>
+              </a:lnSpc>
+              <a:spcBef>
+                <a:spcPct val="0"/>
+              </a:spcBef>
+              <a:buFont typeface="Arial" pitchFamily="34" charset="0"/>
+              <a:buChar char="•"/>
+            </a:pPr>
+            <a:endParaRPr lang="de-DE" sz="1400" noProof="0" dirty="0" smtClean="0">
+              <a:solidFill>
+                <a:srgbClr val="000000"/>
+              </a:solidFill>
+              <a:latin typeface="Arial" charset="0"/>
+            </a:endParaRPr>
+          </a:p>
+          <a:p>
+            <a:pPr marL="342887" indent="-342887" algn="l">
+              <a:lnSpc>
+                <a:spcPct val="150000"/>
+              </a:lnSpc>
+              <a:spcBef>
+                <a:spcPct val="0"/>
+              </a:spcBef>
+              <a:buFont typeface="Arial" pitchFamily="34" charset="0"/>
+              <a:buChar char="•"/>
+            </a:pPr>
+            <a:r>
+              <a:rPr lang="de-DE" sz="2000" noProof="0" dirty="0" smtClean="0">
+                <a:solidFill>
+                  <a:srgbClr val="000000"/>
+                </a:solidFill>
+                <a:latin typeface="Arial" charset="0"/>
+              </a:rPr>
+              <a:t>Find </a:t>
+            </a:r>
+            <a:r>
+              <a:rPr lang="de-DE" sz="2000" noProof="0" dirty="0" err="1" smtClean="0">
+                <a:solidFill>
+                  <a:srgbClr val="000000"/>
+                </a:solidFill>
+                <a:latin typeface="Arial" charset="0"/>
+              </a:rPr>
+              <a:t>the</a:t>
+            </a:r>
+            <a:r>
+              <a:rPr lang="de-DE" sz="2000" noProof="0" dirty="0" smtClean="0">
+                <a:solidFill>
+                  <a:srgbClr val="000000"/>
+                </a:solidFill>
+                <a:latin typeface="Arial" charset="0"/>
+              </a:rPr>
+              <a:t> </a:t>
+            </a:r>
+            <a:r>
+              <a:rPr lang="de-DE" sz="2000" noProof="0" dirty="0" err="1" smtClean="0">
+                <a:solidFill>
+                  <a:srgbClr val="000000"/>
+                </a:solidFill>
+                <a:latin typeface="Arial" charset="0"/>
+              </a:rPr>
+              <a:t>features</a:t>
+            </a:r>
+            <a:r>
+              <a:rPr lang="de-DE" sz="2000" noProof="0" dirty="0" smtClean="0">
+                <a:solidFill>
+                  <a:srgbClr val="000000"/>
+                </a:solidFill>
+                <a:latin typeface="Arial" charset="0"/>
+              </a:rPr>
+              <a:t> </a:t>
+            </a:r>
+            <a:r>
+              <a:rPr lang="de-DE" sz="2000" dirty="0" err="1" smtClean="0">
+                <a:solidFill>
+                  <a:srgbClr val="000000"/>
+                </a:solidFill>
+                <a:latin typeface="Arial" charset="0"/>
+              </a:rPr>
+              <a:t>applied</a:t>
+            </a:r>
+            <a:r>
+              <a:rPr lang="de-DE" sz="2000" noProof="0" dirty="0" smtClean="0">
+                <a:solidFill>
+                  <a:srgbClr val="000000"/>
+                </a:solidFill>
+                <a:latin typeface="Arial" charset="0"/>
+              </a:rPr>
+              <a:t> in </a:t>
+            </a:r>
+            <a:r>
+              <a:rPr lang="de-DE" sz="2000" noProof="0" dirty="0" err="1" smtClean="0">
+                <a:solidFill>
+                  <a:srgbClr val="000000"/>
+                </a:solidFill>
+                <a:latin typeface="Arial" charset="0"/>
+              </a:rPr>
+              <a:t>my</a:t>
+            </a:r>
+            <a:r>
+              <a:rPr lang="de-DE" sz="2000" noProof="0" dirty="0" smtClean="0">
+                <a:solidFill>
+                  <a:srgbClr val="000000"/>
+                </a:solidFill>
+                <a:latin typeface="Arial" charset="0"/>
+              </a:rPr>
+              <a:t> sample </a:t>
+            </a:r>
+            <a:r>
+              <a:rPr lang="de-DE" sz="2000" noProof="0" dirty="0" err="1" smtClean="0">
+                <a:solidFill>
+                  <a:srgbClr val="000000"/>
+                </a:solidFill>
+                <a:latin typeface="Arial" charset="0"/>
+              </a:rPr>
+              <a:t>file</a:t>
+            </a:r>
+            <a:r>
+              <a:rPr lang="de-DE" sz="2000" noProof="0" dirty="0" smtClean="0">
+                <a:solidFill>
+                  <a:srgbClr val="000000"/>
+                </a:solidFill>
+                <a:latin typeface="Arial" charset="0"/>
+              </a:rPr>
+              <a:t> </a:t>
+            </a:r>
+            <a:r>
+              <a:rPr lang="de-DE" sz="2000" noProof="0" dirty="0" err="1" smtClean="0">
+                <a:solidFill>
+                  <a:srgbClr val="000000"/>
+                </a:solidFill>
+                <a:latin typeface="Arial" charset="0"/>
+              </a:rPr>
+              <a:t>suite</a:t>
+            </a:r>
+            <a:r>
+              <a:rPr lang="de-DE" sz="2000" noProof="0" dirty="0" smtClean="0">
+                <a:solidFill>
+                  <a:srgbClr val="000000"/>
+                </a:solidFill>
+                <a:latin typeface="Arial" charset="0"/>
+              </a:rPr>
+              <a:t>:</a:t>
+            </a:r>
+          </a:p>
+          <a:p>
+            <a:pPr marL="800087" lvl="1" indent="-342887" algn="l">
+              <a:lnSpc>
+                <a:spcPct val="150000"/>
+              </a:lnSpc>
+              <a:spcBef>
+                <a:spcPct val="0"/>
+              </a:spcBef>
+              <a:buFont typeface="Arial" pitchFamily="34" charset="0"/>
+              <a:buChar char="•"/>
+            </a:pPr>
+            <a:r>
+              <a:rPr lang="de-DE" sz="1600" dirty="0">
+                <a:solidFill>
+                  <a:srgbClr val="000000"/>
+                </a:solidFill>
+                <a:latin typeface="Arial" charset="0"/>
+                <a:hlinkClick r:id="rId3"/>
+              </a:rPr>
+              <a:t>https://</a:t>
+            </a:r>
+            <a:r>
+              <a:rPr lang="de-DE" sz="1600" dirty="0" smtClean="0">
+                <a:solidFill>
+                  <a:srgbClr val="000000"/>
+                </a:solidFill>
+                <a:latin typeface="Arial" charset="0"/>
+                <a:hlinkClick r:id="rId3"/>
+              </a:rPr>
+              <a:t>github.com/nkutsche/presentations-EscaliOxygenPlugin</a:t>
+            </a:r>
+            <a:endParaRPr lang="de-DE" sz="1600" dirty="0" smtClean="0">
+              <a:solidFill>
+                <a:srgbClr val="000000"/>
+              </a:solidFill>
+              <a:latin typeface="Arial" charset="0"/>
+            </a:endParaRPr>
+          </a:p>
+          <a:p>
+            <a:pPr marL="800087" lvl="1" indent="-342887" algn="l">
+              <a:lnSpc>
+                <a:spcPct val="150000"/>
+              </a:lnSpc>
+              <a:spcBef>
+                <a:spcPct val="0"/>
+              </a:spcBef>
+              <a:buFont typeface="Arial" pitchFamily="34" charset="0"/>
+              <a:buChar char="•"/>
+            </a:pPr>
+            <a:r>
+              <a:rPr lang="de-DE" sz="1600" dirty="0" err="1" smtClean="0">
+                <a:solidFill>
+                  <a:srgbClr val="000000"/>
+                </a:solidFill>
+                <a:latin typeface="Arial" charset="0"/>
+              </a:rPr>
+              <a:t>Contains</a:t>
+            </a:r>
+            <a:r>
+              <a:rPr lang="de-DE" sz="1600" dirty="0" smtClean="0">
+                <a:solidFill>
+                  <a:srgbClr val="000000"/>
+                </a:solidFill>
+                <a:latin typeface="Arial" charset="0"/>
+              </a:rPr>
+              <a:t> also a </a:t>
+            </a:r>
+            <a:r>
+              <a:rPr lang="de-DE" sz="1600" dirty="0" err="1" smtClean="0">
+                <a:solidFill>
+                  <a:srgbClr val="000000"/>
+                </a:solidFill>
+                <a:latin typeface="Arial" charset="0"/>
+              </a:rPr>
+              <a:t>small</a:t>
+            </a:r>
+            <a:r>
+              <a:rPr lang="de-DE" sz="1600" dirty="0" smtClean="0">
+                <a:solidFill>
+                  <a:srgbClr val="000000"/>
+                </a:solidFill>
+                <a:latin typeface="Arial" charset="0"/>
+              </a:rPr>
+              <a:t> </a:t>
+            </a:r>
+            <a:r>
+              <a:rPr lang="de-DE" sz="1600" dirty="0" err="1" smtClean="0">
+                <a:solidFill>
+                  <a:srgbClr val="000000"/>
+                </a:solidFill>
+                <a:latin typeface="Arial" charset="0"/>
+              </a:rPr>
+              <a:t>documentation</a:t>
+            </a:r>
+            <a:r>
+              <a:rPr lang="de-DE" sz="1600" dirty="0" smtClean="0">
+                <a:solidFill>
+                  <a:srgbClr val="000000"/>
+                </a:solidFill>
+                <a:latin typeface="Arial" charset="0"/>
+              </a:rPr>
+              <a:t> </a:t>
+            </a:r>
+            <a:r>
+              <a:rPr lang="de-DE" sz="1600" dirty="0" err="1" smtClean="0">
+                <a:solidFill>
+                  <a:srgbClr val="000000"/>
+                </a:solidFill>
+                <a:latin typeface="Arial" charset="0"/>
+              </a:rPr>
+              <a:t>of</a:t>
+            </a:r>
+            <a:r>
+              <a:rPr lang="de-DE" sz="1600" dirty="0" smtClean="0">
+                <a:solidFill>
+                  <a:srgbClr val="000000"/>
+                </a:solidFill>
+                <a:latin typeface="Arial" charset="0"/>
+              </a:rPr>
+              <a:t> </a:t>
+            </a:r>
+            <a:r>
+              <a:rPr lang="de-DE" sz="1600" dirty="0" err="1" smtClean="0">
+                <a:solidFill>
+                  <a:srgbClr val="000000"/>
+                </a:solidFill>
+                <a:latin typeface="Arial" charset="0"/>
+              </a:rPr>
+              <a:t>the</a:t>
+            </a:r>
+            <a:r>
+              <a:rPr lang="de-DE" sz="1600" dirty="0" smtClean="0">
+                <a:solidFill>
+                  <a:srgbClr val="000000"/>
+                </a:solidFill>
+                <a:latin typeface="Arial" charset="0"/>
+              </a:rPr>
+              <a:t> </a:t>
+            </a:r>
+            <a:r>
+              <a:rPr lang="de-DE" sz="1600" dirty="0" err="1" smtClean="0">
+                <a:solidFill>
+                  <a:srgbClr val="000000"/>
+                </a:solidFill>
+                <a:latin typeface="Arial" charset="0"/>
+              </a:rPr>
+              <a:t>Plugin</a:t>
+            </a:r>
+            <a:endParaRPr lang="de-DE" sz="1600" dirty="0" smtClean="0">
+              <a:solidFill>
+                <a:srgbClr val="000000"/>
+              </a:solidFill>
+              <a:latin typeface="Arial" charset="0"/>
+            </a:endParaRPr>
+          </a:p>
+          <a:p>
+            <a:pPr lvl="1" algn="l">
+              <a:lnSpc>
+                <a:spcPct val="150000"/>
+              </a:lnSpc>
+              <a:spcBef>
+                <a:spcPct val="0"/>
+              </a:spcBef>
+            </a:pPr>
+            <a:endParaRPr lang="de-DE" sz="1600" noProof="0" dirty="0" smtClean="0">
+              <a:solidFill>
+                <a:srgbClr val="000000"/>
+              </a:solidFill>
+              <a:latin typeface="Arial" charset="0"/>
+            </a:endParaRPr>
+          </a:p>
+          <a:p>
+            <a:pPr marL="800087" lvl="1" indent="-342887" algn="l">
+              <a:lnSpc>
+                <a:spcPct val="150000"/>
+              </a:lnSpc>
+              <a:spcBef>
+                <a:spcPct val="0"/>
+              </a:spcBef>
+              <a:buFont typeface="Arial" pitchFamily="34" charset="0"/>
+              <a:buChar char="•"/>
+            </a:pPr>
+            <a:endParaRPr lang="de-DE" sz="1600" noProof="0" dirty="0" smtClean="0">
+              <a:solidFill>
+                <a:srgbClr val="000000"/>
+              </a:solidFill>
+              <a:latin typeface="Arial" charset="0"/>
+            </a:endParaRPr>
+          </a:p>
+          <a:p>
+            <a:pPr marL="342887" indent="-342887" algn="l">
+              <a:lnSpc>
+                <a:spcPct val="150000"/>
+              </a:lnSpc>
+              <a:spcBef>
+                <a:spcPct val="0"/>
+              </a:spcBef>
+              <a:buFont typeface="Arial" pitchFamily="34" charset="0"/>
+              <a:buChar char="•"/>
+            </a:pPr>
+            <a:endParaRPr lang="de-DE" sz="1800" noProof="0" dirty="0" smtClean="0">
+              <a:solidFill>
+                <a:srgbClr val="000000"/>
+              </a:solidFill>
+              <a:latin typeface="Arial" charset="0"/>
+            </a:endParaRPr>
+          </a:p>
+        </p:txBody>
+      </p:sp>
+    </p:spTree>
+    <p:extLst>
+      <p:ext uri="{BB962C8B-B14F-4D97-AF65-F5344CB8AC3E}">
+        <p14:creationId xmlns:p14="http://schemas.microsoft.com/office/powerpoint/2010/main" val="233544977"/>
       </p:ext>
     </p:extLst>
   </p:cSld>
@@ -5713,39 +7890,26 @@
                                   </p:childTnLst>
                                 </p:cTn>
                               </p:par>
+                            </p:childTnLst>
+                          </p:cTn>
+                        </p:par>
+                      </p:childTnLst>
+                    </p:cTn>
+                  </p:par>
+                  <p:par>
+                    <p:cTn id="9" fill="hold">
+                      <p:stCondLst>
+                        <p:cond delay="indefinite"/>
+                      </p:stCondLst>
+                      <p:childTnLst>
+                        <p:par>
+                          <p:cTn id="10" fill="hold">
+                            <p:stCondLst>
+                              <p:cond delay="0"/>
+                            </p:stCondLst>
+                            <p:childTnLst>
                               <p:par>
-                                <p:cTn id="9" presetID="1" presetClass="entr" presetSubtype="0" fill="hold" nodeType="withEffect">
-                                  <p:stCondLst>
-                                    <p:cond delay="0"/>
-                                  </p:stCondLst>
-                                  <p:childTnLst>
-                                    <p:set>
-                                      <p:cBhvr>
-                                        <p:cTn id="10" dur="1" fill="hold">
-                                          <p:stCondLst>
-                                            <p:cond delay="0"/>
-                                          </p:stCondLst>
-                                        </p:cTn>
-                                        <p:tgtEl>
-                                          <p:spTgt spid="4098">
-                                            <p:txEl>
-                                              <p:pRg st="3" end="3"/>
-                                            </p:txEl>
-                                          </p:spTgt>
-                                        </p:tgtEl>
-                                        <p:attrNameLst>
-                                          <p:attrName>style.visibility</p:attrName>
-                                        </p:attrNameLst>
-                                      </p:cBhvr>
-                                      <p:to>
-                                        <p:strVal val="visible"/>
-                                      </p:to>
-                                    </p:set>
-                                  </p:childTnLst>
-                                </p:cTn>
-                              </p:par>
-                              <p:par>
-                                <p:cTn id="11" presetID="1" presetClass="entr" presetSubtype="0" fill="hold" nodeType="withEffect">
+                                <p:cTn id="11" presetID="1" presetClass="entr" presetSubtype="0" fill="hold" nodeType="clickEffect">
                                   <p:stCondLst>
                                     <p:cond delay="0"/>
                                   </p:stCondLst>
@@ -5760,1807 +7924,7 @@
                                         <p:tgtEl>
                                           <p:spTgt spid="4098">
                                             <p:txEl>
-                                              <p:pRg st="4" end="4"/>
-                                            </p:txEl>
-                                          </p:spTgt>
-                                        </p:tgtEl>
-                                        <p:attrNameLst>
-                                          <p:attrName>style.visibility</p:attrName>
-                                        </p:attrNameLst>
-                                      </p:cBhvr>
-                                      <p:to>
-                                        <p:strVal val="visible"/>
-                                      </p:to>
-                                    </p:set>
-                                  </p:childTnLst>
-                                </p:cTn>
-                              </p:par>
-                              <p:par>
-                                <p:cTn id="13" presetID="1" presetClass="entr" presetSubtype="0" fill="hold" nodeType="withEffect">
-                                  <p:stCondLst>
-                                    <p:cond delay="0"/>
-                                  </p:stCondLst>
-                                  <p:childTnLst>
-                                    <p:set>
-                                      <p:cBhvr>
-                                        <p:cTn id="14" dur="1" fill="hold">
-                                          <p:stCondLst>
-                                            <p:cond delay="0"/>
-                                          </p:stCondLst>
-                                        </p:cTn>
-                                        <p:tgtEl>
-                                          <p:spTgt spid="4098">
-                                            <p:txEl>
-                                              <p:pRg st="5" end="5"/>
-                                            </p:txEl>
-                                          </p:spTgt>
-                                        </p:tgtEl>
-                                        <p:attrNameLst>
-                                          <p:attrName>style.visibility</p:attrName>
-                                        </p:attrNameLst>
-                                      </p:cBhvr>
-                                      <p:to>
-                                        <p:strVal val="visible"/>
-                                      </p:to>
-                                    </p:set>
-                                  </p:childTnLst>
-                                </p:cTn>
-                              </p:par>
-                              <p:par>
-                                <p:cTn id="15" presetID="1" presetClass="entr" presetSubtype="0" fill="hold" nodeType="withEffect">
-                                  <p:stCondLst>
-                                    <p:cond delay="0"/>
-                                  </p:stCondLst>
-                                  <p:childTnLst>
-                                    <p:set>
-                                      <p:cBhvr>
-                                        <p:cTn id="16" dur="1" fill="hold">
-                                          <p:stCondLst>
-                                            <p:cond delay="0"/>
-                                          </p:stCondLst>
-                                        </p:cTn>
-                                        <p:tgtEl>
-                                          <p:spTgt spid="4098">
-                                            <p:txEl>
-                                              <p:pRg st="6" end="6"/>
-                                            </p:txEl>
-                                          </p:spTgt>
-                                        </p:tgtEl>
-                                        <p:attrNameLst>
-                                          <p:attrName>style.visibility</p:attrName>
-                                        </p:attrNameLst>
-                                      </p:cBhvr>
-                                      <p:to>
-                                        <p:strVal val="visible"/>
-                                      </p:to>
-                                    </p:set>
-                                  </p:childTnLst>
-                                </p:cTn>
-                              </p:par>
-                              <p:par>
-                                <p:cTn id="17" presetID="1" presetClass="entr" presetSubtype="0" fill="hold" nodeType="withEffect">
-                                  <p:stCondLst>
-                                    <p:cond delay="0"/>
-                                  </p:stCondLst>
-                                  <p:childTnLst>
-                                    <p:set>
-                                      <p:cBhvr>
-                                        <p:cTn id="18" dur="1" fill="hold">
-                                          <p:stCondLst>
-                                            <p:cond delay="0"/>
-                                          </p:stCondLst>
-                                        </p:cTn>
-                                        <p:tgtEl>
-                                          <p:spTgt spid="4098">
-                                            <p:txEl>
-                                              <p:pRg st="7" end="7"/>
-                                            </p:txEl>
-                                          </p:spTgt>
-                                        </p:tgtEl>
-                                        <p:attrNameLst>
-                                          <p:attrName>style.visibility</p:attrName>
-                                        </p:attrNameLst>
-                                      </p:cBhvr>
-                                      <p:to>
-                                        <p:strVal val="visible"/>
-                                      </p:to>
-                                    </p:set>
-                                  </p:childTnLst>
-                                </p:cTn>
-                              </p:par>
-                            </p:childTnLst>
-                          </p:cTn>
-                        </p:par>
-                      </p:childTnLst>
-                    </p:cTn>
-                  </p:par>
-                </p:childTnLst>
-              </p:cTn>
-              <p:prevCondLst>
-                <p:cond evt="onPrev" delay="0">
-                  <p:tgtEl>
-                    <p:sldTgt/>
-                  </p:tgtEl>
-                </p:cond>
-              </p:prevCondLst>
-              <p:nextCondLst>
-                <p:cond evt="onNext" delay="0">
-                  <p:tgtEl>
-                    <p:sldTgt/>
-                  </p:tgtEl>
-                </p:cond>
-              </p:nextCondLst>
-            </p:seq>
-          </p:childTnLst>
-        </p:cTn>
-      </p:par>
-    </p:tnLst>
-  </p:timing>
-</p:sld>
-</file>
-
-<file path=ppt/slides/slide3.xml><?xml version="1.0" encoding="utf-8"?>
-<p:sld xmlns:a="http://schemas.openxmlformats.org/drawingml/2006/main" xmlns:r="http://schemas.openxmlformats.org/officeDocument/2006/relationships" xmlns:p="http://schemas.openxmlformats.org/presentationml/2006/main">
-  <p:cSld>
-    <p:spTree>
-      <p:nvGrpSpPr>
-        <p:cNvPr id="1" name=""/>
-        <p:cNvGrpSpPr/>
-        <p:nvPr/>
-      </p:nvGrpSpPr>
-      <p:grpSpPr>
-        <a:xfrm>
-          <a:off x="0" y="0"/>
-          <a:ext cx="0" cy="0"/>
-          <a:chOff x="0" y="0"/>
-          <a:chExt cx="0" cy="0"/>
-        </a:xfrm>
-      </p:grpSpPr>
-      <p:sp>
-        <p:nvSpPr>
-          <p:cNvPr id="4097" name="Rectangle 1"/>
-          <p:cNvSpPr>
-            <a:spLocks noGrp="1" noChangeArrowheads="1"/>
-          </p:cNvSpPr>
-          <p:nvPr>
-            <p:ph type="ctrTitle"/>
-          </p:nvPr>
-        </p:nvSpPr>
-        <p:spPr>
-          <a:xfrm>
-            <a:off x="831528" y="495300"/>
-            <a:ext cx="4824536" cy="761653"/>
-          </a:xfrm>
-        </p:spPr>
-        <p:txBody>
-          <a:bodyPr lIns="0" tIns="0" rIns="0" bIns="0" anchor="t"/>
-          <a:lstStyle/>
-          <a:p>
-            <a:pPr algn="l">
-              <a:lnSpc>
-                <a:spcPct val="95000"/>
-              </a:lnSpc>
-            </a:pPr>
-            <a:r>
-              <a:rPr lang="de-DE" sz="3600" noProof="0" dirty="0" smtClean="0">
-                <a:latin typeface="TheSansOffice" pitchFamily="34" charset="0"/>
-              </a:rPr>
-              <a:t>Features</a:t>
-            </a:r>
-            <a:endParaRPr lang="de-DE" sz="3600" noProof="0" dirty="0">
-              <a:latin typeface="TheSansOffice" pitchFamily="34" charset="0"/>
-            </a:endParaRPr>
-          </a:p>
-        </p:txBody>
-      </p:sp>
-      <p:sp>
-        <p:nvSpPr>
-          <p:cNvPr id="4098" name="Rectangle 2"/>
-          <p:cNvSpPr>
-            <a:spLocks noGrp="1" noChangeArrowheads="1"/>
-          </p:cNvSpPr>
-          <p:nvPr>
-            <p:ph type="subTitle" idx="1"/>
-          </p:nvPr>
-        </p:nvSpPr>
-        <p:spPr>
-          <a:xfrm>
-            <a:off x="936633" y="1705991"/>
-            <a:ext cx="7190581" cy="5602636"/>
-          </a:xfrm>
-        </p:spPr>
-        <p:txBody>
-          <a:bodyPr lIns="0" tIns="0" rIns="0" bIns="0"/>
-          <a:lstStyle/>
-          <a:p>
-            <a:pPr marL="342887" indent="-342887" algn="l">
-              <a:lnSpc>
-                <a:spcPct val="150000"/>
-              </a:lnSpc>
-              <a:spcBef>
-                <a:spcPct val="0"/>
-              </a:spcBef>
-              <a:buFont typeface="Arial" pitchFamily="34" charset="0"/>
-              <a:buChar char="•"/>
-            </a:pPr>
-            <a:endParaRPr lang="de-DE" sz="1400" noProof="0" dirty="0" smtClean="0">
-              <a:solidFill>
-                <a:srgbClr val="000000"/>
-              </a:solidFill>
-              <a:latin typeface="Arial" charset="0"/>
-            </a:endParaRPr>
-          </a:p>
-          <a:p>
-            <a:pPr marL="342887" indent="-342887" algn="l">
-              <a:lnSpc>
-                <a:spcPct val="150000"/>
-              </a:lnSpc>
-              <a:spcBef>
-                <a:spcPct val="0"/>
-              </a:spcBef>
-              <a:buFont typeface="Arial" pitchFamily="34" charset="0"/>
-              <a:buChar char="•"/>
-            </a:pPr>
-            <a:r>
-              <a:rPr lang="de-DE" sz="2000" noProof="0" dirty="0" smtClean="0">
-                <a:solidFill>
-                  <a:srgbClr val="000000"/>
-                </a:solidFill>
-                <a:latin typeface="Arial" charset="0"/>
-              </a:rPr>
-              <a:t>Call multiple </a:t>
-            </a:r>
-            <a:r>
-              <a:rPr lang="de-DE" sz="2000" noProof="0" dirty="0" err="1" smtClean="0">
-                <a:solidFill>
-                  <a:srgbClr val="000000"/>
-                </a:solidFill>
-                <a:latin typeface="Arial" charset="0"/>
-              </a:rPr>
-              <a:t>QuickFix</a:t>
-            </a:r>
-            <a:r>
-              <a:rPr lang="de-DE" sz="2000" dirty="0" smtClean="0">
-                <a:solidFill>
-                  <a:srgbClr val="000000"/>
-                </a:solidFill>
-                <a:latin typeface="Arial" charset="0"/>
-              </a:rPr>
-              <a:t>es at </a:t>
-            </a:r>
-            <a:r>
-              <a:rPr lang="de-DE" sz="2000" dirty="0" err="1" smtClean="0">
-                <a:solidFill>
-                  <a:srgbClr val="000000"/>
-                </a:solidFill>
-                <a:latin typeface="Arial" charset="0"/>
-              </a:rPr>
-              <a:t>once</a:t>
-            </a:r>
-            <a:endParaRPr lang="de-DE" sz="2000" dirty="0" smtClean="0">
-              <a:solidFill>
-                <a:srgbClr val="000000"/>
-              </a:solidFill>
-              <a:latin typeface="Arial" charset="0"/>
-            </a:endParaRPr>
-          </a:p>
-          <a:p>
-            <a:pPr marL="342887" indent="-342887" algn="l">
-              <a:lnSpc>
-                <a:spcPct val="150000"/>
-              </a:lnSpc>
-              <a:spcBef>
-                <a:spcPct val="0"/>
-              </a:spcBef>
-              <a:buFont typeface="Arial" pitchFamily="34" charset="0"/>
-              <a:buChar char="•"/>
-            </a:pPr>
-            <a:r>
-              <a:rPr lang="de-DE" sz="2000" noProof="0" dirty="0" smtClean="0">
-                <a:solidFill>
-                  <a:srgbClr val="000000"/>
-                </a:solidFill>
-                <a:latin typeface="Arial" charset="0"/>
-              </a:rPr>
-              <a:t>Data </a:t>
-            </a:r>
-            <a:r>
-              <a:rPr lang="de-DE" sz="2000" noProof="0" dirty="0" err="1" smtClean="0">
-                <a:solidFill>
-                  <a:srgbClr val="000000"/>
-                </a:solidFill>
-                <a:latin typeface="Arial" charset="0"/>
-              </a:rPr>
-              <a:t>types</a:t>
-            </a:r>
-            <a:r>
-              <a:rPr lang="de-DE" sz="2000" noProof="0" dirty="0" smtClean="0">
-                <a:solidFill>
-                  <a:srgbClr val="000000"/>
-                </a:solidFill>
-                <a:latin typeface="Arial" charset="0"/>
-              </a:rPr>
-              <a:t> </a:t>
-            </a:r>
-            <a:r>
-              <a:rPr lang="de-DE" sz="2000" noProof="0" dirty="0" err="1" smtClean="0">
-                <a:solidFill>
-                  <a:srgbClr val="000000"/>
-                </a:solidFill>
-                <a:latin typeface="Arial" charset="0"/>
-              </a:rPr>
-              <a:t>for</a:t>
-            </a:r>
-            <a:r>
-              <a:rPr lang="de-DE" sz="2000" noProof="0" dirty="0" smtClean="0">
-                <a:solidFill>
-                  <a:srgbClr val="000000"/>
-                </a:solidFill>
-                <a:latin typeface="Arial" charset="0"/>
-              </a:rPr>
-              <a:t> </a:t>
-            </a:r>
-            <a:r>
-              <a:rPr lang="de-DE" sz="2000" noProof="0" dirty="0" err="1" smtClean="0">
-                <a:solidFill>
-                  <a:srgbClr val="000000"/>
-                </a:solidFill>
-                <a:latin typeface="Arial" charset="0"/>
-              </a:rPr>
-              <a:t>UserEntries</a:t>
-            </a:r>
-            <a:endParaRPr lang="de-DE" sz="2000" noProof="0" dirty="0" smtClean="0">
-              <a:solidFill>
-                <a:srgbClr val="000000"/>
-              </a:solidFill>
-              <a:latin typeface="Arial" charset="0"/>
-            </a:endParaRPr>
-          </a:p>
-          <a:p>
-            <a:pPr marL="800087" lvl="1" indent="-342887" algn="l">
-              <a:lnSpc>
-                <a:spcPct val="150000"/>
-              </a:lnSpc>
-              <a:spcBef>
-                <a:spcPct val="0"/>
-              </a:spcBef>
-              <a:buFont typeface="Arial" pitchFamily="34" charset="0"/>
-              <a:buChar char="•"/>
-            </a:pPr>
-            <a:r>
-              <a:rPr lang="de-DE" sz="1600" dirty="0" smtClean="0">
-                <a:solidFill>
-                  <a:srgbClr val="000000"/>
-                </a:solidFill>
-                <a:latin typeface="Arial" charset="0"/>
-              </a:rPr>
-              <a:t>E.g. </a:t>
-            </a:r>
-            <a:r>
-              <a:rPr lang="de-DE" sz="1600" dirty="0" err="1" smtClean="0">
-                <a:solidFill>
-                  <a:srgbClr val="000000"/>
-                </a:solidFill>
-                <a:latin typeface="Arial" charset="0"/>
-              </a:rPr>
-              <a:t>have</a:t>
-            </a:r>
-            <a:r>
-              <a:rPr lang="de-DE" sz="1600" dirty="0" smtClean="0">
-                <a:solidFill>
-                  <a:srgbClr val="000000"/>
-                </a:solidFill>
-                <a:latin typeface="Arial" charset="0"/>
-              </a:rPr>
-              <a:t> a </a:t>
-            </a:r>
-            <a:r>
-              <a:rPr lang="de-DE" sz="1600" dirty="0" err="1" smtClean="0">
-                <a:solidFill>
-                  <a:srgbClr val="000000"/>
-                </a:solidFill>
-                <a:latin typeface="Arial" charset="0"/>
-              </a:rPr>
-              <a:t>calender</a:t>
-            </a:r>
-            <a:r>
-              <a:rPr lang="de-DE" sz="1600" dirty="0" smtClean="0">
-                <a:solidFill>
-                  <a:srgbClr val="000000"/>
-                </a:solidFill>
-                <a:latin typeface="Arial" charset="0"/>
-              </a:rPr>
-              <a:t> </a:t>
-            </a:r>
-            <a:r>
-              <a:rPr lang="de-DE" sz="1600" dirty="0" err="1" smtClean="0">
-                <a:solidFill>
-                  <a:srgbClr val="000000"/>
-                </a:solidFill>
-                <a:latin typeface="Arial" charset="0"/>
-              </a:rPr>
-              <a:t>for</a:t>
-            </a:r>
-            <a:r>
-              <a:rPr lang="de-DE" sz="1600" dirty="0" smtClean="0">
-                <a:solidFill>
-                  <a:srgbClr val="000000"/>
-                </a:solidFill>
-                <a:latin typeface="Arial" charset="0"/>
-              </a:rPr>
-              <a:t> </a:t>
-            </a:r>
-            <a:r>
-              <a:rPr lang="de-DE" sz="1600" dirty="0" err="1" smtClean="0">
-                <a:solidFill>
-                  <a:srgbClr val="000000"/>
-                </a:solidFill>
-                <a:latin typeface="Consolas" panose="020B0609020204030204" pitchFamily="49" charset="0"/>
-                <a:cs typeface="Consolas" panose="020B0609020204030204" pitchFamily="49" charset="0"/>
-              </a:rPr>
-              <a:t>xs:date</a:t>
-            </a:r>
-            <a:endParaRPr lang="de-DE" sz="1600" dirty="0" smtClean="0">
-              <a:solidFill>
-                <a:srgbClr val="000000"/>
-              </a:solidFill>
-              <a:latin typeface="Consolas" panose="020B0609020204030204" pitchFamily="49" charset="0"/>
-              <a:cs typeface="Consolas" panose="020B0609020204030204" pitchFamily="49" charset="0"/>
-            </a:endParaRPr>
-          </a:p>
-          <a:p>
-            <a:pPr marL="800087" lvl="1" indent="-342887" algn="l">
-              <a:lnSpc>
-                <a:spcPct val="150000"/>
-              </a:lnSpc>
-              <a:spcBef>
-                <a:spcPct val="0"/>
-              </a:spcBef>
-              <a:buFont typeface="Arial" pitchFamily="34" charset="0"/>
-              <a:buChar char="•"/>
-            </a:pPr>
-            <a:r>
-              <a:rPr lang="de-DE" sz="1600" noProof="0" dirty="0" err="1" smtClean="0">
-                <a:solidFill>
-                  <a:srgbClr val="000000"/>
-                </a:solidFill>
-                <a:latin typeface="Arial" charset="0"/>
-              </a:rPr>
-              <a:t>Choose</a:t>
-            </a:r>
-            <a:r>
-              <a:rPr lang="de-DE" sz="1600" noProof="0" dirty="0" smtClean="0">
-                <a:solidFill>
-                  <a:srgbClr val="000000"/>
-                </a:solidFill>
-                <a:latin typeface="Arial" charset="0"/>
-              </a:rPr>
-              <a:t> a </a:t>
-            </a:r>
-            <a:r>
-              <a:rPr lang="de-DE" sz="1600" noProof="0" dirty="0" err="1" smtClean="0">
-                <a:solidFill>
-                  <a:srgbClr val="000000"/>
-                </a:solidFill>
-                <a:latin typeface="Arial" charset="0"/>
-              </a:rPr>
-              <a:t>value</a:t>
-            </a:r>
-            <a:r>
-              <a:rPr lang="de-DE" sz="1600" noProof="0" dirty="0" smtClean="0">
-                <a:solidFill>
-                  <a:srgbClr val="000000"/>
-                </a:solidFill>
-                <a:latin typeface="Arial" charset="0"/>
-              </a:rPr>
-              <a:t> </a:t>
-            </a:r>
-            <a:r>
-              <a:rPr lang="de-DE" sz="1600" noProof="0" dirty="0" err="1" smtClean="0">
-                <a:solidFill>
-                  <a:srgbClr val="000000"/>
-                </a:solidFill>
-                <a:latin typeface="Arial" charset="0"/>
-              </a:rPr>
-              <a:t>from</a:t>
-            </a:r>
-            <a:r>
-              <a:rPr lang="de-DE" sz="1600" noProof="0" dirty="0" smtClean="0">
-                <a:solidFill>
-                  <a:srgbClr val="000000"/>
-                </a:solidFill>
-                <a:latin typeface="Arial" charset="0"/>
-              </a:rPr>
-              <a:t> an </a:t>
-            </a:r>
-            <a:r>
-              <a:rPr lang="de-DE" sz="1600" noProof="0" dirty="0" err="1" smtClean="0">
-                <a:solidFill>
-                  <a:srgbClr val="000000"/>
-                </a:solidFill>
-                <a:latin typeface="Arial" charset="0"/>
-              </a:rPr>
-              <a:t>enumeration</a:t>
-            </a:r>
-            <a:endParaRPr lang="de-DE" sz="1600" noProof="0" dirty="0" smtClean="0">
-              <a:solidFill>
-                <a:srgbClr val="000000"/>
-              </a:solidFill>
-              <a:latin typeface="Arial" charset="0"/>
-            </a:endParaRPr>
-          </a:p>
-          <a:p>
-            <a:pPr marL="342887" indent="-342887" algn="l">
-              <a:lnSpc>
-                <a:spcPct val="150000"/>
-              </a:lnSpc>
-              <a:spcBef>
-                <a:spcPct val="0"/>
-              </a:spcBef>
-              <a:buFont typeface="Arial" pitchFamily="34" charset="0"/>
-              <a:buChar char="•"/>
-            </a:pPr>
-            <a:r>
-              <a:rPr lang="de-DE" sz="2000" noProof="0" dirty="0" err="1" smtClean="0">
-                <a:solidFill>
-                  <a:srgbClr val="000000"/>
-                </a:solidFill>
-                <a:latin typeface="Arial" charset="0"/>
-              </a:rPr>
-              <a:t>Copy</a:t>
-            </a:r>
-            <a:r>
-              <a:rPr lang="de-DE" sz="2000" noProof="0" dirty="0" smtClean="0">
-                <a:solidFill>
-                  <a:srgbClr val="000000"/>
-                </a:solidFill>
-                <a:latin typeface="Arial" charset="0"/>
-              </a:rPr>
-              <a:t> </a:t>
-            </a:r>
-            <a:r>
-              <a:rPr lang="de-DE" sz="2000" noProof="0" dirty="0" err="1" smtClean="0">
-                <a:solidFill>
-                  <a:srgbClr val="000000"/>
-                </a:solidFill>
-                <a:latin typeface="Arial" charset="0"/>
-              </a:rPr>
-              <a:t>of</a:t>
-            </a:r>
-            <a:r>
-              <a:rPr lang="de-DE" sz="2000" dirty="0">
-                <a:solidFill>
-                  <a:srgbClr val="000000"/>
-                </a:solidFill>
-                <a:latin typeface="Arial" charset="0"/>
-              </a:rPr>
-              <a:t> </a:t>
-            </a:r>
-            <a:r>
-              <a:rPr lang="de-DE" sz="2000" dirty="0" err="1" smtClean="0">
-                <a:solidFill>
-                  <a:srgbClr val="000000"/>
-                </a:solidFill>
-                <a:latin typeface="Arial" charset="0"/>
-              </a:rPr>
-              <a:t>nodes</a:t>
-            </a:r>
-            <a:r>
-              <a:rPr lang="de-DE" sz="2000" dirty="0" smtClean="0">
-                <a:solidFill>
-                  <a:srgbClr val="000000"/>
-                </a:solidFill>
-                <a:latin typeface="Arial" charset="0"/>
-              </a:rPr>
-              <a:t> </a:t>
-            </a:r>
-            <a:r>
-              <a:rPr lang="de-DE" sz="2000" dirty="0" err="1" smtClean="0">
-                <a:solidFill>
-                  <a:srgbClr val="000000"/>
-                </a:solidFill>
-                <a:latin typeface="Arial" charset="0"/>
-              </a:rPr>
-              <a:t>without</a:t>
-            </a:r>
-            <a:r>
-              <a:rPr lang="de-DE" sz="2000" dirty="0" smtClean="0">
-                <a:solidFill>
-                  <a:srgbClr val="000000"/>
-                </a:solidFill>
-                <a:latin typeface="Arial" charset="0"/>
-              </a:rPr>
-              <a:t> </a:t>
-            </a:r>
-            <a:r>
-              <a:rPr lang="de-DE" sz="2000" dirty="0" err="1" smtClean="0">
-                <a:solidFill>
-                  <a:srgbClr val="000000"/>
-                </a:solidFill>
-                <a:latin typeface="Arial" charset="0"/>
-              </a:rPr>
-              <a:t>resolving</a:t>
-            </a:r>
-            <a:r>
-              <a:rPr lang="de-DE" sz="2000" dirty="0" smtClean="0">
-                <a:solidFill>
-                  <a:srgbClr val="000000"/>
-                </a:solidFill>
-                <a:latin typeface="Arial" charset="0"/>
-              </a:rPr>
-              <a:t> </a:t>
-            </a:r>
-            <a:r>
-              <a:rPr lang="de-DE" sz="2000" dirty="0" err="1" smtClean="0">
-                <a:solidFill>
-                  <a:srgbClr val="000000"/>
-                </a:solidFill>
-                <a:latin typeface="Arial" charset="0"/>
-              </a:rPr>
-              <a:t>entities</a:t>
-            </a:r>
-            <a:r>
-              <a:rPr lang="de-DE" sz="2000" dirty="0" smtClean="0">
-                <a:solidFill>
-                  <a:srgbClr val="000000"/>
-                </a:solidFill>
-                <a:latin typeface="Arial" charset="0"/>
-              </a:rPr>
-              <a:t> </a:t>
-            </a:r>
-            <a:r>
-              <a:rPr lang="de-DE" sz="2000" dirty="0" err="1" smtClean="0">
-                <a:solidFill>
-                  <a:srgbClr val="000000"/>
-                </a:solidFill>
-                <a:latin typeface="Arial" charset="0"/>
-              </a:rPr>
-              <a:t>or</a:t>
-            </a:r>
-            <a:r>
-              <a:rPr lang="de-DE" sz="2000" dirty="0" smtClean="0">
-                <a:solidFill>
-                  <a:srgbClr val="000000"/>
-                </a:solidFill>
-                <a:latin typeface="Arial" charset="0"/>
-              </a:rPr>
-              <a:t> </a:t>
-            </a:r>
-            <a:r>
-              <a:rPr lang="de-DE" sz="2000" dirty="0" err="1" smtClean="0">
-                <a:solidFill>
-                  <a:srgbClr val="000000"/>
-                </a:solidFill>
-                <a:latin typeface="Arial" charset="0"/>
-              </a:rPr>
-              <a:t>default</a:t>
-            </a:r>
-            <a:r>
-              <a:rPr lang="de-DE" sz="2000" dirty="0" smtClean="0">
-                <a:solidFill>
-                  <a:srgbClr val="000000"/>
-                </a:solidFill>
-                <a:latin typeface="Arial" charset="0"/>
-              </a:rPr>
-              <a:t> </a:t>
-            </a:r>
-            <a:r>
-              <a:rPr lang="de-DE" sz="2000" dirty="0" err="1" smtClean="0">
-                <a:solidFill>
-                  <a:srgbClr val="000000"/>
-                </a:solidFill>
-                <a:latin typeface="Arial" charset="0"/>
-              </a:rPr>
-              <a:t>attributes</a:t>
-            </a:r>
-            <a:endParaRPr lang="de-DE" sz="2000" dirty="0" smtClean="0">
-              <a:solidFill>
-                <a:srgbClr val="000000"/>
-              </a:solidFill>
-              <a:latin typeface="Arial" charset="0"/>
-            </a:endParaRPr>
-          </a:p>
-          <a:p>
-            <a:pPr marL="342887" indent="-342887" algn="l">
-              <a:lnSpc>
-                <a:spcPct val="150000"/>
-              </a:lnSpc>
-              <a:spcBef>
-                <a:spcPct val="0"/>
-              </a:spcBef>
-              <a:buFont typeface="Arial" pitchFamily="34" charset="0"/>
-              <a:buChar char="•"/>
-            </a:pPr>
-            <a:endParaRPr lang="de-DE" sz="1200" noProof="0" dirty="0">
-              <a:solidFill>
-                <a:srgbClr val="000000"/>
-              </a:solidFill>
-              <a:latin typeface="Arial" charset="0"/>
-            </a:endParaRPr>
-          </a:p>
-          <a:p>
-            <a:pPr marL="342887" indent="-342887" algn="l">
-              <a:lnSpc>
-                <a:spcPct val="150000"/>
-              </a:lnSpc>
-              <a:spcBef>
-                <a:spcPct val="0"/>
-              </a:spcBef>
-              <a:buFont typeface="Arial" pitchFamily="34" charset="0"/>
-              <a:buChar char="•"/>
-            </a:pPr>
-            <a:r>
-              <a:rPr lang="de-DE" sz="2000" dirty="0" err="1" smtClean="0">
-                <a:solidFill>
-                  <a:srgbClr val="000000"/>
-                </a:solidFill>
-                <a:latin typeface="Arial" charset="0"/>
-              </a:rPr>
-              <a:t>Escali</a:t>
-            </a:r>
-            <a:r>
-              <a:rPr lang="de-DE" sz="2000" dirty="0" smtClean="0">
-                <a:solidFill>
-                  <a:srgbClr val="000000"/>
-                </a:solidFill>
-                <a:latin typeface="Arial" charset="0"/>
-              </a:rPr>
-              <a:t> </a:t>
-            </a:r>
-            <a:r>
-              <a:rPr lang="de-DE" sz="2000" dirty="0" err="1" smtClean="0">
-                <a:solidFill>
-                  <a:srgbClr val="000000"/>
-                </a:solidFill>
-                <a:latin typeface="Arial" charset="0"/>
-              </a:rPr>
-              <a:t>extensions</a:t>
-            </a:r>
-            <a:endParaRPr lang="de-DE" sz="2000" dirty="0" smtClean="0">
-              <a:solidFill>
-                <a:srgbClr val="000000"/>
-              </a:solidFill>
-              <a:latin typeface="Arial" charset="0"/>
-            </a:endParaRPr>
-          </a:p>
-          <a:p>
-            <a:pPr marL="800087" lvl="1" indent="-342887" algn="l">
-              <a:lnSpc>
-                <a:spcPct val="150000"/>
-              </a:lnSpc>
-              <a:spcBef>
-                <a:spcPct val="0"/>
-              </a:spcBef>
-              <a:buFont typeface="Arial" pitchFamily="34" charset="0"/>
-              <a:buChar char="•"/>
-            </a:pPr>
-            <a:r>
-              <a:rPr lang="de-DE" sz="1600" noProof="0" dirty="0" err="1" smtClean="0">
-                <a:solidFill>
-                  <a:srgbClr val="000000"/>
-                </a:solidFill>
-                <a:latin typeface="Arial" charset="0"/>
-              </a:rPr>
-              <a:t>Ignoreable</a:t>
-            </a:r>
-            <a:r>
-              <a:rPr lang="de-DE" sz="1600" noProof="0" dirty="0" smtClean="0">
-                <a:solidFill>
-                  <a:srgbClr val="000000"/>
-                </a:solidFill>
-                <a:latin typeface="Arial" charset="0"/>
-              </a:rPr>
-              <a:t> </a:t>
-            </a:r>
-            <a:r>
-              <a:rPr lang="de-DE" sz="1600" noProof="0" dirty="0" err="1" smtClean="0">
-                <a:solidFill>
-                  <a:srgbClr val="000000"/>
-                </a:solidFill>
-                <a:latin typeface="Arial" charset="0"/>
-              </a:rPr>
-              <a:t>errors</a:t>
-            </a:r>
-            <a:r>
-              <a:rPr lang="de-DE" sz="1600" noProof="0" dirty="0" smtClean="0">
-                <a:solidFill>
-                  <a:srgbClr val="000000"/>
-                </a:solidFill>
-                <a:latin typeface="Arial" charset="0"/>
-              </a:rPr>
-              <a:t> </a:t>
-            </a:r>
-            <a:r>
-              <a:rPr lang="de-DE" sz="1600" dirty="0">
-                <a:solidFill>
-                  <a:srgbClr val="000000"/>
-                </a:solidFill>
-                <a:latin typeface="Arial" charset="0"/>
-              </a:rPr>
-              <a:t>(</a:t>
-            </a:r>
-            <a:r>
-              <a:rPr lang="de-DE" sz="1600" dirty="0" err="1" smtClean="0">
-                <a:solidFill>
-                  <a:srgbClr val="000000"/>
-                </a:solidFill>
-                <a:latin typeface="Consolas" panose="020B0609020204030204" pitchFamily="49" charset="0"/>
-                <a:cs typeface="Consolas" panose="020B0609020204030204" pitchFamily="49" charset="0"/>
-              </a:rPr>
-              <a:t>es:ignorableId</a:t>
-            </a:r>
-            <a:r>
-              <a:rPr lang="de-DE" sz="1600" dirty="0" smtClean="0">
-                <a:solidFill>
-                  <a:srgbClr val="000000"/>
-                </a:solidFill>
-                <a:latin typeface="Arial" charset="0"/>
-              </a:rPr>
-              <a:t>)</a:t>
-            </a:r>
-            <a:endParaRPr lang="de-DE" sz="1600" noProof="0" dirty="0" smtClean="0">
-              <a:solidFill>
-                <a:srgbClr val="000000"/>
-              </a:solidFill>
-              <a:latin typeface="Arial" charset="0"/>
-            </a:endParaRPr>
-          </a:p>
-          <a:p>
-            <a:pPr marL="800087" lvl="1" indent="-342887" algn="l">
-              <a:lnSpc>
-                <a:spcPct val="150000"/>
-              </a:lnSpc>
-              <a:spcBef>
-                <a:spcPct val="0"/>
-              </a:spcBef>
-              <a:buFont typeface="Arial" pitchFamily="34" charset="0"/>
-              <a:buChar char="•"/>
-            </a:pPr>
-            <a:r>
-              <a:rPr lang="de-DE" sz="1600" noProof="0" dirty="0" err="1" smtClean="0">
-                <a:solidFill>
-                  <a:srgbClr val="000000"/>
-                </a:solidFill>
-                <a:latin typeface="Arial" charset="0"/>
-              </a:rPr>
-              <a:t>Regex</a:t>
-            </a:r>
-            <a:r>
-              <a:rPr lang="de-DE" sz="1600" noProof="0" dirty="0" smtClean="0">
-                <a:solidFill>
-                  <a:srgbClr val="000000"/>
-                </a:solidFill>
-                <a:latin typeface="Arial" charset="0"/>
-              </a:rPr>
-              <a:t> </a:t>
-            </a:r>
-            <a:r>
-              <a:rPr lang="de-DE" sz="1600" noProof="0" dirty="0" err="1" smtClean="0">
-                <a:solidFill>
-                  <a:srgbClr val="000000"/>
-                </a:solidFill>
-                <a:latin typeface="Arial" charset="0"/>
-              </a:rPr>
-              <a:t>matching</a:t>
-            </a:r>
-            <a:r>
-              <a:rPr lang="de-DE" sz="1600" noProof="0" dirty="0" smtClean="0">
-                <a:solidFill>
-                  <a:srgbClr val="000000"/>
-                </a:solidFill>
-                <a:latin typeface="Arial" charset="0"/>
-              </a:rPr>
-              <a:t> (</a:t>
-            </a:r>
-            <a:r>
-              <a:rPr lang="de-DE" sz="1600" noProof="0" dirty="0" err="1" smtClean="0">
-                <a:solidFill>
-                  <a:srgbClr val="000000"/>
-                </a:solidFill>
-                <a:latin typeface="Consolas" panose="020B0609020204030204" pitchFamily="49" charset="0"/>
-                <a:cs typeface="Consolas" panose="020B0609020204030204" pitchFamily="49" charset="0"/>
-              </a:rPr>
-              <a:t>es:regex</a:t>
-            </a:r>
-            <a:r>
-              <a:rPr lang="de-DE" sz="1600" noProof="0" dirty="0" smtClean="0">
-                <a:solidFill>
-                  <a:srgbClr val="000000"/>
-                </a:solidFill>
-                <a:latin typeface="Arial" charset="0"/>
-              </a:rPr>
-              <a:t>)</a:t>
-            </a:r>
-          </a:p>
-          <a:p>
-            <a:pPr marL="800087" lvl="1" indent="-342887" algn="l">
-              <a:lnSpc>
-                <a:spcPct val="150000"/>
-              </a:lnSpc>
-              <a:spcBef>
-                <a:spcPct val="0"/>
-              </a:spcBef>
-              <a:buFont typeface="Arial" pitchFamily="34" charset="0"/>
-              <a:buChar char="•"/>
-            </a:pPr>
-            <a:r>
-              <a:rPr lang="de-DE" sz="1600" dirty="0" smtClean="0">
-                <a:solidFill>
-                  <a:srgbClr val="000000"/>
-                </a:solidFill>
-                <a:latin typeface="Arial" charset="0"/>
-              </a:rPr>
-              <a:t>Other </a:t>
-            </a:r>
-            <a:r>
-              <a:rPr lang="de-DE" sz="1600" dirty="0" err="1" smtClean="0">
-                <a:solidFill>
-                  <a:srgbClr val="000000"/>
-                </a:solidFill>
-                <a:latin typeface="Arial" charset="0"/>
-              </a:rPr>
-              <a:t>described</a:t>
-            </a:r>
-            <a:r>
-              <a:rPr lang="de-DE" sz="1600" dirty="0" smtClean="0">
-                <a:solidFill>
-                  <a:srgbClr val="000000"/>
-                </a:solidFill>
-                <a:latin typeface="Arial" charset="0"/>
-              </a:rPr>
-              <a:t> </a:t>
-            </a:r>
-            <a:r>
-              <a:rPr lang="de-DE" sz="1600" dirty="0" err="1" smtClean="0">
-                <a:solidFill>
-                  <a:srgbClr val="000000"/>
-                </a:solidFill>
-                <a:latin typeface="Arial" charset="0"/>
-              </a:rPr>
-              <a:t>are</a:t>
-            </a:r>
-            <a:r>
-              <a:rPr lang="de-DE" sz="1600" dirty="0" smtClean="0">
-                <a:solidFill>
-                  <a:srgbClr val="000000"/>
-                </a:solidFill>
-                <a:latin typeface="Arial" charset="0"/>
-              </a:rPr>
-              <a:t> on</a:t>
-            </a:r>
-            <a:br>
-              <a:rPr lang="de-DE" sz="1600" dirty="0" smtClean="0">
-                <a:solidFill>
-                  <a:srgbClr val="000000"/>
-                </a:solidFill>
-                <a:latin typeface="Arial" charset="0"/>
-              </a:rPr>
-            </a:br>
-            <a:r>
-              <a:rPr lang="de-DE" sz="1600" dirty="0" smtClean="0">
-                <a:solidFill>
-                  <a:srgbClr val="000000"/>
-                </a:solidFill>
-                <a:latin typeface="Arial" charset="0"/>
-                <a:hlinkClick r:id="rId3"/>
-              </a:rPr>
-              <a:t>http://ww.schematron-quickfix.com/escali/escali-ext_en.html</a:t>
-            </a:r>
-            <a:endParaRPr lang="de-DE" sz="1600" dirty="0" smtClean="0">
-              <a:solidFill>
-                <a:srgbClr val="000000"/>
-              </a:solidFill>
-              <a:latin typeface="Arial" charset="0"/>
-            </a:endParaRPr>
-          </a:p>
-          <a:p>
-            <a:pPr marL="800087" lvl="1" indent="-342887" algn="l">
-              <a:lnSpc>
-                <a:spcPct val="150000"/>
-              </a:lnSpc>
-              <a:spcBef>
-                <a:spcPct val="0"/>
-              </a:spcBef>
-              <a:buFont typeface="Arial" pitchFamily="34" charset="0"/>
-              <a:buChar char="•"/>
-            </a:pPr>
-            <a:endParaRPr lang="de-DE" sz="1600" noProof="0" dirty="0" smtClean="0">
-              <a:solidFill>
-                <a:srgbClr val="000000"/>
-              </a:solidFill>
-              <a:latin typeface="Arial" charset="0"/>
-            </a:endParaRPr>
-          </a:p>
-          <a:p>
-            <a:pPr marL="800087" lvl="1" indent="-342887" algn="l">
-              <a:lnSpc>
-                <a:spcPct val="150000"/>
-              </a:lnSpc>
-              <a:spcBef>
-                <a:spcPct val="0"/>
-              </a:spcBef>
-              <a:buFont typeface="Arial" pitchFamily="34" charset="0"/>
-              <a:buChar char="•"/>
-            </a:pPr>
-            <a:endParaRPr lang="de-DE" sz="1600" noProof="0" dirty="0" smtClean="0">
-              <a:solidFill>
-                <a:srgbClr val="000000"/>
-              </a:solidFill>
-              <a:latin typeface="Arial" charset="0"/>
-            </a:endParaRPr>
-          </a:p>
-          <a:p>
-            <a:pPr marL="342887" indent="-342887" algn="l">
-              <a:lnSpc>
-                <a:spcPct val="150000"/>
-              </a:lnSpc>
-              <a:spcBef>
-                <a:spcPct val="0"/>
-              </a:spcBef>
-              <a:buFont typeface="Arial" pitchFamily="34" charset="0"/>
-              <a:buChar char="•"/>
-            </a:pPr>
-            <a:endParaRPr lang="de-DE" sz="1800" noProof="0" dirty="0" smtClean="0">
-              <a:solidFill>
-                <a:srgbClr val="000000"/>
-              </a:solidFill>
-              <a:latin typeface="Arial" charset="0"/>
-            </a:endParaRPr>
-          </a:p>
-        </p:txBody>
-      </p:sp>
-    </p:spTree>
-    <p:extLst>
-      <p:ext uri="{BB962C8B-B14F-4D97-AF65-F5344CB8AC3E}">
-        <p14:creationId xmlns:p14="http://schemas.microsoft.com/office/powerpoint/2010/main" val="3444542121"/>
-      </p:ext>
-    </p:extLst>
-  </p:cSld>
-  <p:clrMapOvr>
-    <a:masterClrMapping/>
-  </p:clrMapOvr>
-  <mc:AlternateContent xmlns:mc="http://schemas.openxmlformats.org/markup-compatibility/2006" xmlns:p14="http://schemas.microsoft.com/office/powerpoint/2010/main">
-    <mc:Choice Requires="p14">
-      <p:transition spd="slow" p14:dur="2000"/>
-    </mc:Choice>
-    <mc:Fallback xmlns="">
-      <p:transition spd="slow"/>
-    </mc:Fallback>
-  </mc:AlternateContent>
-  <p:timing>
-    <p:tnLst>
-      <p:par>
-        <p:cTn id="1" dur="indefinite" restart="never" nodeType="tmRoot">
-          <p:childTnLst>
-            <p:seq concurrent="1" nextAc="seek">
-              <p:cTn id="2" dur="indefinite" nodeType="mainSeq">
-                <p:childTnLst>
-                  <p:par>
-                    <p:cTn id="3" fill="hold">
-                      <p:stCondLst>
-                        <p:cond delay="indefinite"/>
-                        <p:cond evt="onBegin" delay="0">
-                          <p:tn val="2"/>
-                        </p:cond>
-                      </p:stCondLst>
-                      <p:childTnLst>
-                        <p:par>
-                          <p:cTn id="4" fill="hold">
-                            <p:stCondLst>
-                              <p:cond delay="0"/>
-                            </p:stCondLst>
-                            <p:childTnLst>
-                              <p:par>
-                                <p:cTn id="5" presetID="1" presetClass="entr" presetSubtype="0" fill="hold" nodeType="withEffect">
-                                  <p:stCondLst>
-                                    <p:cond delay="0"/>
-                                  </p:stCondLst>
-                                  <p:childTnLst>
-                                    <p:set>
-                                      <p:cBhvr>
-                                        <p:cTn id="6" dur="1" fill="hold">
-                                          <p:stCondLst>
-                                            <p:cond delay="0"/>
-                                          </p:stCondLst>
-                                        </p:cTn>
-                                        <p:tgtEl>
-                                          <p:spTgt spid="4098">
-                                            <p:txEl>
-                                              <p:pRg st="1" end="1"/>
-                                            </p:txEl>
-                                          </p:spTgt>
-                                        </p:tgtEl>
-                                        <p:attrNameLst>
-                                          <p:attrName>style.visibility</p:attrName>
-                                        </p:attrNameLst>
-                                      </p:cBhvr>
-                                      <p:to>
-                                        <p:strVal val="visible"/>
-                                      </p:to>
-                                    </p:set>
-                                  </p:childTnLst>
-                                </p:cTn>
-                              </p:par>
-                              <p:par>
-                                <p:cTn id="7" presetID="1" presetClass="entr" presetSubtype="0" fill="hold" nodeType="withEffect">
-                                  <p:stCondLst>
-                                    <p:cond delay="0"/>
-                                  </p:stCondLst>
-                                  <p:childTnLst>
-                                    <p:set>
-                                      <p:cBhvr>
-                                        <p:cTn id="8" dur="1" fill="hold">
-                                          <p:stCondLst>
-                                            <p:cond delay="0"/>
-                                          </p:stCondLst>
-                                        </p:cTn>
-                                        <p:tgtEl>
-                                          <p:spTgt spid="4098">
-                                            <p:txEl>
-                                              <p:pRg st="2" end="2"/>
-                                            </p:txEl>
-                                          </p:spTgt>
-                                        </p:tgtEl>
-                                        <p:attrNameLst>
-                                          <p:attrName>style.visibility</p:attrName>
-                                        </p:attrNameLst>
-                                      </p:cBhvr>
-                                      <p:to>
-                                        <p:strVal val="visible"/>
-                                      </p:to>
-                                    </p:set>
-                                  </p:childTnLst>
-                                </p:cTn>
-                              </p:par>
-                              <p:par>
-                                <p:cTn id="9" presetID="1" presetClass="entr" presetSubtype="0" fill="hold" nodeType="withEffect">
-                                  <p:stCondLst>
-                                    <p:cond delay="0"/>
-                                  </p:stCondLst>
-                                  <p:childTnLst>
-                                    <p:set>
-                                      <p:cBhvr>
-                                        <p:cTn id="10" dur="1" fill="hold">
-                                          <p:stCondLst>
-                                            <p:cond delay="0"/>
-                                          </p:stCondLst>
-                                        </p:cTn>
-                                        <p:tgtEl>
-                                          <p:spTgt spid="4098">
-                                            <p:txEl>
                                               <p:pRg st="3" end="3"/>
-                                            </p:txEl>
-                                          </p:spTgt>
-                                        </p:tgtEl>
-                                        <p:attrNameLst>
-                                          <p:attrName>style.visibility</p:attrName>
-                                        </p:attrNameLst>
-                                      </p:cBhvr>
-                                      <p:to>
-                                        <p:strVal val="visible"/>
-                                      </p:to>
-                                    </p:set>
-                                  </p:childTnLst>
-                                </p:cTn>
-                              </p:par>
-                              <p:par>
-                                <p:cTn id="11" presetID="1" presetClass="entr" presetSubtype="0" fill="hold" nodeType="withEffect">
-                                  <p:stCondLst>
-                                    <p:cond delay="0"/>
-                                  </p:stCondLst>
-                                  <p:childTnLst>
-                                    <p:set>
-                                      <p:cBhvr>
-                                        <p:cTn id="12" dur="1" fill="hold">
-                                          <p:stCondLst>
-                                            <p:cond delay="0"/>
-                                          </p:stCondLst>
-                                        </p:cTn>
-                                        <p:tgtEl>
-                                          <p:spTgt spid="4098">
-                                            <p:txEl>
-                                              <p:pRg st="4" end="4"/>
-                                            </p:txEl>
-                                          </p:spTgt>
-                                        </p:tgtEl>
-                                        <p:attrNameLst>
-                                          <p:attrName>style.visibility</p:attrName>
-                                        </p:attrNameLst>
-                                      </p:cBhvr>
-                                      <p:to>
-                                        <p:strVal val="visible"/>
-                                      </p:to>
-                                    </p:set>
-                                  </p:childTnLst>
-                                </p:cTn>
-                              </p:par>
-                              <p:par>
-                                <p:cTn id="13" presetID="1" presetClass="entr" presetSubtype="0" fill="hold" nodeType="withEffect">
-                                  <p:stCondLst>
-                                    <p:cond delay="0"/>
-                                  </p:stCondLst>
-                                  <p:childTnLst>
-                                    <p:set>
-                                      <p:cBhvr>
-                                        <p:cTn id="14" dur="1" fill="hold">
-                                          <p:stCondLst>
-                                            <p:cond delay="0"/>
-                                          </p:stCondLst>
-                                        </p:cTn>
-                                        <p:tgtEl>
-                                          <p:spTgt spid="4098">
-                                            <p:txEl>
-                                              <p:pRg st="5" end="5"/>
-                                            </p:txEl>
-                                          </p:spTgt>
-                                        </p:tgtEl>
-                                        <p:attrNameLst>
-                                          <p:attrName>style.visibility</p:attrName>
-                                        </p:attrNameLst>
-                                      </p:cBhvr>
-                                      <p:to>
-                                        <p:strVal val="visible"/>
-                                      </p:to>
-                                    </p:set>
-                                  </p:childTnLst>
-                                </p:cTn>
-                              </p:par>
-                              <p:par>
-                                <p:cTn id="15" presetID="1" presetClass="entr" presetSubtype="0" fill="hold" nodeType="withEffect">
-                                  <p:stCondLst>
-                                    <p:cond delay="0"/>
-                                  </p:stCondLst>
-                                  <p:childTnLst>
-                                    <p:set>
-                                      <p:cBhvr>
-                                        <p:cTn id="16" dur="1" fill="hold">
-                                          <p:stCondLst>
-                                            <p:cond delay="0"/>
-                                          </p:stCondLst>
-                                        </p:cTn>
-                                        <p:tgtEl>
-                                          <p:spTgt spid="4098">
-                                            <p:txEl>
-                                              <p:pRg st="7" end="7"/>
-                                            </p:txEl>
-                                          </p:spTgt>
-                                        </p:tgtEl>
-                                        <p:attrNameLst>
-                                          <p:attrName>style.visibility</p:attrName>
-                                        </p:attrNameLst>
-                                      </p:cBhvr>
-                                      <p:to>
-                                        <p:strVal val="visible"/>
-                                      </p:to>
-                                    </p:set>
-                                  </p:childTnLst>
-                                </p:cTn>
-                              </p:par>
-                              <p:par>
-                                <p:cTn id="17" presetID="1" presetClass="entr" presetSubtype="0" fill="hold" nodeType="withEffect">
-                                  <p:stCondLst>
-                                    <p:cond delay="0"/>
-                                  </p:stCondLst>
-                                  <p:childTnLst>
-                                    <p:set>
-                                      <p:cBhvr>
-                                        <p:cTn id="18" dur="1" fill="hold">
-                                          <p:stCondLst>
-                                            <p:cond delay="0"/>
-                                          </p:stCondLst>
-                                        </p:cTn>
-                                        <p:tgtEl>
-                                          <p:spTgt spid="4098">
-                                            <p:txEl>
-                                              <p:pRg st="8" end="8"/>
-                                            </p:txEl>
-                                          </p:spTgt>
-                                        </p:tgtEl>
-                                        <p:attrNameLst>
-                                          <p:attrName>style.visibility</p:attrName>
-                                        </p:attrNameLst>
-                                      </p:cBhvr>
-                                      <p:to>
-                                        <p:strVal val="visible"/>
-                                      </p:to>
-                                    </p:set>
-                                  </p:childTnLst>
-                                </p:cTn>
-                              </p:par>
-                              <p:par>
-                                <p:cTn id="19" presetID="1" presetClass="entr" presetSubtype="0" fill="hold" nodeType="withEffect">
-                                  <p:stCondLst>
-                                    <p:cond delay="0"/>
-                                  </p:stCondLst>
-                                  <p:childTnLst>
-                                    <p:set>
-                                      <p:cBhvr>
-                                        <p:cTn id="20" dur="1" fill="hold">
-                                          <p:stCondLst>
-                                            <p:cond delay="0"/>
-                                          </p:stCondLst>
-                                        </p:cTn>
-                                        <p:tgtEl>
-                                          <p:spTgt spid="4098">
-                                            <p:txEl>
-                                              <p:pRg st="9" end="9"/>
-                                            </p:txEl>
-                                          </p:spTgt>
-                                        </p:tgtEl>
-                                        <p:attrNameLst>
-                                          <p:attrName>style.visibility</p:attrName>
-                                        </p:attrNameLst>
-                                      </p:cBhvr>
-                                      <p:to>
-                                        <p:strVal val="visible"/>
-                                      </p:to>
-                                    </p:set>
-                                  </p:childTnLst>
-                                </p:cTn>
-                              </p:par>
-                              <p:par>
-                                <p:cTn id="21" presetID="1" presetClass="entr" presetSubtype="0" fill="hold" nodeType="withEffect">
-                                  <p:stCondLst>
-                                    <p:cond delay="0"/>
-                                  </p:stCondLst>
-                                  <p:childTnLst>
-                                    <p:set>
-                                      <p:cBhvr>
-                                        <p:cTn id="22" dur="1" fill="hold">
-                                          <p:stCondLst>
-                                            <p:cond delay="0"/>
-                                          </p:stCondLst>
-                                        </p:cTn>
-                                        <p:tgtEl>
-                                          <p:spTgt spid="4098">
-                                            <p:txEl>
-                                              <p:pRg st="10" end="10"/>
-                                            </p:txEl>
-                                          </p:spTgt>
-                                        </p:tgtEl>
-                                        <p:attrNameLst>
-                                          <p:attrName>style.visibility</p:attrName>
-                                        </p:attrNameLst>
-                                      </p:cBhvr>
-                                      <p:to>
-                                        <p:strVal val="visible"/>
-                                      </p:to>
-                                    </p:set>
-                                  </p:childTnLst>
-                                </p:cTn>
-                              </p:par>
-                            </p:childTnLst>
-                          </p:cTn>
-                        </p:par>
-                      </p:childTnLst>
-                    </p:cTn>
-                  </p:par>
-                </p:childTnLst>
-              </p:cTn>
-              <p:prevCondLst>
-                <p:cond evt="onPrev" delay="0">
-                  <p:tgtEl>
-                    <p:sldTgt/>
-                  </p:tgtEl>
-                </p:cond>
-              </p:prevCondLst>
-              <p:nextCondLst>
-                <p:cond evt="onNext" delay="0">
-                  <p:tgtEl>
-                    <p:sldTgt/>
-                  </p:tgtEl>
-                </p:cond>
-              </p:nextCondLst>
-            </p:seq>
-          </p:childTnLst>
-        </p:cTn>
-      </p:par>
-    </p:tnLst>
-  </p:timing>
-</p:sld>
-</file>
-
-<file path=ppt/slides/slide4.xml><?xml version="1.0" encoding="utf-8"?>
-<p:sld xmlns:a="http://schemas.openxmlformats.org/drawingml/2006/main" xmlns:r="http://schemas.openxmlformats.org/officeDocument/2006/relationships" xmlns:p="http://schemas.openxmlformats.org/presentationml/2006/main">
-  <p:cSld>
-    <p:spTree>
-      <p:nvGrpSpPr>
-        <p:cNvPr id="1" name=""/>
-        <p:cNvGrpSpPr/>
-        <p:nvPr/>
-      </p:nvGrpSpPr>
-      <p:grpSpPr>
-        <a:xfrm>
-          <a:off x="0" y="0"/>
-          <a:ext cx="0" cy="0"/>
-          <a:chOff x="0" y="0"/>
-          <a:chExt cx="0" cy="0"/>
-        </a:xfrm>
-      </p:grpSpPr>
-      <p:sp>
-        <p:nvSpPr>
-          <p:cNvPr id="4097" name="Rectangle 1"/>
-          <p:cNvSpPr>
-            <a:spLocks noGrp="1" noChangeArrowheads="1"/>
-          </p:cNvSpPr>
-          <p:nvPr>
-            <p:ph type="ctrTitle"/>
-          </p:nvPr>
-        </p:nvSpPr>
-        <p:spPr>
-          <a:xfrm>
-            <a:off x="831528" y="495300"/>
-            <a:ext cx="4824536" cy="761653"/>
-          </a:xfrm>
-        </p:spPr>
-        <p:txBody>
-          <a:bodyPr lIns="0" tIns="0" rIns="0" bIns="0" anchor="t"/>
-          <a:lstStyle/>
-          <a:p>
-            <a:pPr algn="l">
-              <a:lnSpc>
-                <a:spcPct val="95000"/>
-              </a:lnSpc>
-            </a:pPr>
-            <a:r>
-              <a:rPr lang="de-DE" sz="3600" noProof="0" dirty="0" err="1" smtClean="0">
-                <a:latin typeface="TheSansOffice" pitchFamily="34" charset="0"/>
-              </a:rPr>
-              <a:t>Examples</a:t>
-            </a:r>
-            <a:endParaRPr lang="de-DE" sz="3600" noProof="0" dirty="0">
-              <a:latin typeface="TheSansOffice" pitchFamily="34" charset="0"/>
-            </a:endParaRPr>
-          </a:p>
-        </p:txBody>
-      </p:sp>
-      <p:sp>
-        <p:nvSpPr>
-          <p:cNvPr id="4098" name="Rectangle 2"/>
-          <p:cNvSpPr>
-            <a:spLocks noGrp="1" noChangeArrowheads="1"/>
-          </p:cNvSpPr>
-          <p:nvPr>
-            <p:ph type="subTitle" idx="1"/>
-          </p:nvPr>
-        </p:nvSpPr>
-        <p:spPr>
-          <a:xfrm>
-            <a:off x="936633" y="1705991"/>
-            <a:ext cx="7190581" cy="5602636"/>
-          </a:xfrm>
-        </p:spPr>
-        <p:txBody>
-          <a:bodyPr lIns="0" tIns="0" rIns="0" bIns="0"/>
-          <a:lstStyle/>
-          <a:p>
-            <a:pPr marL="342887" indent="-342887" algn="l">
-              <a:lnSpc>
-                <a:spcPct val="150000"/>
-              </a:lnSpc>
-              <a:spcBef>
-                <a:spcPct val="0"/>
-              </a:spcBef>
-              <a:buFont typeface="Arial" pitchFamily="34" charset="0"/>
-              <a:buChar char="•"/>
-            </a:pPr>
-            <a:endParaRPr lang="de-DE" sz="1400" noProof="0" dirty="0" smtClean="0">
-              <a:solidFill>
-                <a:srgbClr val="000000"/>
-              </a:solidFill>
-              <a:latin typeface="Arial" charset="0"/>
-            </a:endParaRPr>
-          </a:p>
-          <a:p>
-            <a:pPr marL="342887" indent="-342887" algn="l">
-              <a:lnSpc>
-                <a:spcPct val="150000"/>
-              </a:lnSpc>
-              <a:spcBef>
-                <a:spcPct val="0"/>
-              </a:spcBef>
-              <a:buFont typeface="Arial" pitchFamily="34" charset="0"/>
-              <a:buChar char="•"/>
-            </a:pPr>
-            <a:r>
-              <a:rPr lang="de-DE" sz="2000" noProof="0" dirty="0" smtClean="0">
-                <a:solidFill>
-                  <a:srgbClr val="000000"/>
-                </a:solidFill>
-                <a:latin typeface="Arial" charset="0"/>
-              </a:rPr>
-              <a:t>Find </a:t>
-            </a:r>
-            <a:r>
-              <a:rPr lang="de-DE" sz="2000" noProof="0" dirty="0" err="1" smtClean="0">
-                <a:solidFill>
-                  <a:srgbClr val="000000"/>
-                </a:solidFill>
-                <a:latin typeface="Arial" charset="0"/>
-              </a:rPr>
-              <a:t>the</a:t>
-            </a:r>
-            <a:r>
-              <a:rPr lang="de-DE" sz="2000" noProof="0" dirty="0" smtClean="0">
-                <a:solidFill>
-                  <a:srgbClr val="000000"/>
-                </a:solidFill>
-                <a:latin typeface="Arial" charset="0"/>
-              </a:rPr>
-              <a:t> </a:t>
-            </a:r>
-            <a:r>
-              <a:rPr lang="de-DE" sz="2000" noProof="0" dirty="0" err="1" smtClean="0">
-                <a:solidFill>
-                  <a:srgbClr val="000000"/>
-                </a:solidFill>
-                <a:latin typeface="Arial" charset="0"/>
-              </a:rPr>
-              <a:t>features</a:t>
-            </a:r>
-            <a:r>
-              <a:rPr lang="de-DE" sz="2000" noProof="0" dirty="0" smtClean="0">
-                <a:solidFill>
-                  <a:srgbClr val="000000"/>
-                </a:solidFill>
-                <a:latin typeface="Arial" charset="0"/>
-              </a:rPr>
-              <a:t> </a:t>
-            </a:r>
-            <a:r>
-              <a:rPr lang="de-DE" sz="2000" noProof="0" dirty="0" err="1" smtClean="0">
-                <a:solidFill>
-                  <a:srgbClr val="000000"/>
-                </a:solidFill>
-                <a:latin typeface="Arial" charset="0"/>
-              </a:rPr>
-              <a:t>used</a:t>
-            </a:r>
-            <a:r>
-              <a:rPr lang="de-DE" sz="2000" noProof="0" dirty="0" smtClean="0">
-                <a:solidFill>
-                  <a:srgbClr val="000000"/>
-                </a:solidFill>
-                <a:latin typeface="Arial" charset="0"/>
-              </a:rPr>
-              <a:t> in </a:t>
-            </a:r>
-            <a:r>
-              <a:rPr lang="de-DE" sz="2000" noProof="0" dirty="0" err="1" smtClean="0">
-                <a:solidFill>
-                  <a:srgbClr val="000000"/>
-                </a:solidFill>
-                <a:latin typeface="Arial" charset="0"/>
-              </a:rPr>
-              <a:t>my</a:t>
-            </a:r>
-            <a:r>
-              <a:rPr lang="de-DE" sz="2000" noProof="0" dirty="0" smtClean="0">
-                <a:solidFill>
-                  <a:srgbClr val="000000"/>
-                </a:solidFill>
-                <a:latin typeface="Arial" charset="0"/>
-              </a:rPr>
-              <a:t> sample </a:t>
-            </a:r>
-            <a:r>
-              <a:rPr lang="de-DE" sz="2000" noProof="0" dirty="0" err="1" smtClean="0">
-                <a:solidFill>
-                  <a:srgbClr val="000000"/>
-                </a:solidFill>
-                <a:latin typeface="Arial" charset="0"/>
-              </a:rPr>
-              <a:t>file</a:t>
-            </a:r>
-            <a:r>
-              <a:rPr lang="de-DE" sz="2000" noProof="0" dirty="0" smtClean="0">
-                <a:solidFill>
-                  <a:srgbClr val="000000"/>
-                </a:solidFill>
-                <a:latin typeface="Arial" charset="0"/>
-              </a:rPr>
-              <a:t> </a:t>
-            </a:r>
-            <a:r>
-              <a:rPr lang="de-DE" sz="2000" noProof="0" dirty="0" err="1" smtClean="0">
-                <a:solidFill>
-                  <a:srgbClr val="000000"/>
-                </a:solidFill>
-                <a:latin typeface="Arial" charset="0"/>
-              </a:rPr>
-              <a:t>suite</a:t>
-            </a:r>
-            <a:r>
-              <a:rPr lang="de-DE" sz="2000" noProof="0" dirty="0" smtClean="0">
-                <a:solidFill>
-                  <a:srgbClr val="000000"/>
-                </a:solidFill>
-                <a:latin typeface="Arial" charset="0"/>
-              </a:rPr>
-              <a:t>:</a:t>
-            </a:r>
-          </a:p>
-          <a:p>
-            <a:pPr marL="800087" lvl="1" indent="-342887" algn="l">
-              <a:lnSpc>
-                <a:spcPct val="150000"/>
-              </a:lnSpc>
-              <a:spcBef>
-                <a:spcPct val="0"/>
-              </a:spcBef>
-              <a:buFont typeface="Arial" pitchFamily="34" charset="0"/>
-              <a:buChar char="•"/>
-            </a:pPr>
-            <a:r>
-              <a:rPr lang="de-DE" sz="1600" dirty="0">
-                <a:solidFill>
-                  <a:srgbClr val="000000"/>
-                </a:solidFill>
-                <a:latin typeface="Arial" charset="0"/>
-                <a:hlinkClick r:id="rId3"/>
-              </a:rPr>
-              <a:t>https://</a:t>
-            </a:r>
-            <a:r>
-              <a:rPr lang="de-DE" sz="1600" dirty="0" smtClean="0">
-                <a:solidFill>
-                  <a:srgbClr val="000000"/>
-                </a:solidFill>
-                <a:latin typeface="Arial" charset="0"/>
-                <a:hlinkClick r:id="rId3"/>
-              </a:rPr>
-              <a:t>github.com/nkutsche/presentations-EscaliOxygenPlugin</a:t>
-            </a:r>
-            <a:endParaRPr lang="de-DE" sz="1600" dirty="0" smtClean="0">
-              <a:solidFill>
-                <a:srgbClr val="000000"/>
-              </a:solidFill>
-              <a:latin typeface="Arial" charset="0"/>
-            </a:endParaRPr>
-          </a:p>
-          <a:p>
-            <a:pPr lvl="1" algn="l">
-              <a:lnSpc>
-                <a:spcPct val="150000"/>
-              </a:lnSpc>
-              <a:spcBef>
-                <a:spcPct val="0"/>
-              </a:spcBef>
-            </a:pPr>
-            <a:endParaRPr lang="de-DE" sz="1600" noProof="0" dirty="0" smtClean="0">
-              <a:solidFill>
-                <a:srgbClr val="000000"/>
-              </a:solidFill>
-              <a:latin typeface="Arial" charset="0"/>
-            </a:endParaRPr>
-          </a:p>
-          <a:p>
-            <a:pPr marL="800087" lvl="1" indent="-342887" algn="l">
-              <a:lnSpc>
-                <a:spcPct val="150000"/>
-              </a:lnSpc>
-              <a:spcBef>
-                <a:spcPct val="0"/>
-              </a:spcBef>
-              <a:buFont typeface="Arial" pitchFamily="34" charset="0"/>
-              <a:buChar char="•"/>
-            </a:pPr>
-            <a:endParaRPr lang="de-DE" sz="1600" noProof="0" dirty="0" smtClean="0">
-              <a:solidFill>
-                <a:srgbClr val="000000"/>
-              </a:solidFill>
-              <a:latin typeface="Arial" charset="0"/>
-            </a:endParaRPr>
-          </a:p>
-          <a:p>
-            <a:pPr marL="342887" indent="-342887" algn="l">
-              <a:lnSpc>
-                <a:spcPct val="150000"/>
-              </a:lnSpc>
-              <a:spcBef>
-                <a:spcPct val="0"/>
-              </a:spcBef>
-              <a:buFont typeface="Arial" pitchFamily="34" charset="0"/>
-              <a:buChar char="•"/>
-            </a:pPr>
-            <a:endParaRPr lang="de-DE" sz="1800" noProof="0" dirty="0" smtClean="0">
-              <a:solidFill>
-                <a:srgbClr val="000000"/>
-              </a:solidFill>
-              <a:latin typeface="Arial" charset="0"/>
-            </a:endParaRPr>
-          </a:p>
-        </p:txBody>
-      </p:sp>
-    </p:spTree>
-    <p:extLst>
-      <p:ext uri="{BB962C8B-B14F-4D97-AF65-F5344CB8AC3E}">
-        <p14:creationId xmlns:p14="http://schemas.microsoft.com/office/powerpoint/2010/main" val="233544977"/>
-      </p:ext>
-    </p:extLst>
-  </p:cSld>
-  <p:clrMapOvr>
-    <a:masterClrMapping/>
-  </p:clrMapOvr>
-  <mc:AlternateContent xmlns:mc="http://schemas.openxmlformats.org/markup-compatibility/2006" xmlns:p14="http://schemas.microsoft.com/office/powerpoint/2010/main">
-    <mc:Choice Requires="p14">
-      <p:transition spd="slow" p14:dur="2000"/>
-    </mc:Choice>
-    <mc:Fallback xmlns="">
-      <p:transition spd="slow"/>
-    </mc:Fallback>
-  </mc:AlternateContent>
-  <p:timing>
-    <p:tnLst>
-      <p:par>
-        <p:cTn id="1" dur="indefinite" restart="never" nodeType="tmRoot">
-          <p:childTnLst>
-            <p:seq concurrent="1" nextAc="seek">
-              <p:cTn id="2" dur="indefinite" nodeType="mainSeq">
-                <p:childTnLst>
-                  <p:par>
-                    <p:cTn id="3" fill="hold">
-                      <p:stCondLst>
-                        <p:cond delay="indefinite"/>
-                        <p:cond evt="onBegin" delay="0">
-                          <p:tn val="2"/>
-                        </p:cond>
-                      </p:stCondLst>
-                      <p:childTnLst>
-                        <p:par>
-                          <p:cTn id="4" fill="hold">
-                            <p:stCondLst>
-                              <p:cond delay="0"/>
-                            </p:stCondLst>
-                            <p:childTnLst>
-                              <p:par>
-                                <p:cTn id="5" presetID="1" presetClass="entr" presetSubtype="0" fill="hold" nodeType="withEffect">
-                                  <p:stCondLst>
-                                    <p:cond delay="0"/>
-                                  </p:stCondLst>
-                                  <p:childTnLst>
-                                    <p:set>
-                                      <p:cBhvr>
-                                        <p:cTn id="6" dur="1" fill="hold">
-                                          <p:stCondLst>
-                                            <p:cond delay="0"/>
-                                          </p:stCondLst>
-                                        </p:cTn>
-                                        <p:tgtEl>
-                                          <p:spTgt spid="4098">
-                                            <p:txEl>
-                                              <p:pRg st="1" end="1"/>
-                                            </p:txEl>
-                                          </p:spTgt>
-                                        </p:tgtEl>
-                                        <p:attrNameLst>
-                                          <p:attrName>style.visibility</p:attrName>
-                                        </p:attrNameLst>
-                                      </p:cBhvr>
-                                      <p:to>
-                                        <p:strVal val="visible"/>
-                                      </p:to>
-                                    </p:set>
-                                  </p:childTnLst>
-                                </p:cTn>
-                              </p:par>
-                              <p:par>
-                                <p:cTn id="7" presetID="1" presetClass="entr" presetSubtype="0" fill="hold" nodeType="withEffect">
-                                  <p:stCondLst>
-                                    <p:cond delay="0"/>
-                                  </p:stCondLst>
-                                  <p:childTnLst>
-                                    <p:set>
-                                      <p:cBhvr>
-                                        <p:cTn id="8" dur="1" fill="hold">
-                                          <p:stCondLst>
-                                            <p:cond delay="0"/>
-                                          </p:stCondLst>
-                                        </p:cTn>
-                                        <p:tgtEl>
-                                          <p:spTgt spid="4098">
-                                            <p:txEl>
-                                              <p:pRg st="2" end="2"/>
                                             </p:txEl>
                                           </p:spTgt>
                                         </p:tgtEl>

--- a/SQF-Escali.pptx
+++ b/SQF-Escali.pptx
@@ -5,7 +5,7 @@
     <p:sldMasterId id="2147483648" r:id="rId1"/>
   </p:sldMasterIdLst>
   <p:notesMasterIdLst>
-    <p:notesMasterId r:id="rId43"/>
+    <p:notesMasterId r:id="rId45"/>
   </p:notesMasterIdLst>
   <p:sldIdLst>
     <p:sldId id="256" r:id="rId2"/>
@@ -22,33 +22,35 @@
     <p:sldId id="455" r:id="rId13"/>
     <p:sldId id="456" r:id="rId14"/>
     <p:sldId id="436" r:id="rId15"/>
-    <p:sldId id="446" r:id="rId16"/>
-    <p:sldId id="416" r:id="rId17"/>
-    <p:sldId id="447" r:id="rId18"/>
-    <p:sldId id="457" r:id="rId19"/>
-    <p:sldId id="440" r:id="rId20"/>
-    <p:sldId id="429" r:id="rId21"/>
-    <p:sldId id="430" r:id="rId22"/>
-    <p:sldId id="450" r:id="rId23"/>
-    <p:sldId id="449" r:id="rId24"/>
-    <p:sldId id="442" r:id="rId25"/>
-    <p:sldId id="443" r:id="rId26"/>
-    <p:sldId id="444" r:id="rId27"/>
-    <p:sldId id="421" r:id="rId28"/>
-    <p:sldId id="448" r:id="rId29"/>
-    <p:sldId id="445" r:id="rId30"/>
-    <p:sldId id="422" r:id="rId31"/>
-    <p:sldId id="423" r:id="rId32"/>
-    <p:sldId id="424" r:id="rId33"/>
-    <p:sldId id="425" r:id="rId34"/>
-    <p:sldId id="426" r:id="rId35"/>
-    <p:sldId id="452" r:id="rId36"/>
-    <p:sldId id="451" r:id="rId37"/>
-    <p:sldId id="439" r:id="rId38"/>
-    <p:sldId id="453" r:id="rId39"/>
-    <p:sldId id="427" r:id="rId40"/>
-    <p:sldId id="431" r:id="rId41"/>
-    <p:sldId id="419" r:id="rId42"/>
+    <p:sldId id="458" r:id="rId16"/>
+    <p:sldId id="459" r:id="rId17"/>
+    <p:sldId id="446" r:id="rId18"/>
+    <p:sldId id="416" r:id="rId19"/>
+    <p:sldId id="447" r:id="rId20"/>
+    <p:sldId id="457" r:id="rId21"/>
+    <p:sldId id="440" r:id="rId22"/>
+    <p:sldId id="429" r:id="rId23"/>
+    <p:sldId id="430" r:id="rId24"/>
+    <p:sldId id="450" r:id="rId25"/>
+    <p:sldId id="449" r:id="rId26"/>
+    <p:sldId id="442" r:id="rId27"/>
+    <p:sldId id="443" r:id="rId28"/>
+    <p:sldId id="444" r:id="rId29"/>
+    <p:sldId id="421" r:id="rId30"/>
+    <p:sldId id="448" r:id="rId31"/>
+    <p:sldId id="445" r:id="rId32"/>
+    <p:sldId id="422" r:id="rId33"/>
+    <p:sldId id="423" r:id="rId34"/>
+    <p:sldId id="424" r:id="rId35"/>
+    <p:sldId id="425" r:id="rId36"/>
+    <p:sldId id="426" r:id="rId37"/>
+    <p:sldId id="452" r:id="rId38"/>
+    <p:sldId id="451" r:id="rId39"/>
+    <p:sldId id="439" r:id="rId40"/>
+    <p:sldId id="453" r:id="rId41"/>
+    <p:sldId id="427" r:id="rId42"/>
+    <p:sldId id="431" r:id="rId43"/>
+    <p:sldId id="419" r:id="rId44"/>
   </p:sldIdLst>
   <p:sldSz cx="10160000" cy="7620000"/>
   <p:notesSz cx="7099300" cy="10234613"/>
@@ -298,7 +300,7 @@
           <a:p>
             <a:fld id="{D47D8A5B-AC4C-43B8-8900-F35950A2270E}" type="datetimeFigureOut">
               <a:rPr lang="de-DE" smtClean="0"/>
-              <a:t>29.01.2018</a:t>
+              <a:t>04.03.2018</a:t>
             </a:fld>
             <a:endParaRPr lang="de-DE"/>
           </a:p>
@@ -1156,6 +1158,18 @@
           <a:bodyPr/>
           <a:lstStyle/>
           <a:p>
+            <a:r>
+              <a:rPr lang="de-DE" dirty="0" smtClean="0"/>
+              <a:t>Zur Einordnung der</a:t>
+            </a:r>
+            <a:r>
+              <a:rPr lang="de-DE" baseline="0" dirty="0" smtClean="0"/>
+              <a:t> Sprache </a:t>
+            </a:r>
+            <a:r>
+              <a:rPr lang="de-DE" baseline="0" dirty="0" err="1" smtClean="0"/>
+              <a:t>Schematron</a:t>
+            </a:r>
             <a:endParaRPr lang="de-DE" dirty="0"/>
           </a:p>
         </p:txBody>
@@ -1177,7 +1191,7 @@
           <a:p>
             <a:fld id="{8495AEFD-9DC3-4E24-92C5-6E1333E0A67E}" type="slidenum">
               <a:rPr lang="de-DE" smtClean="0"/>
-              <a:t>30</a:t>
+              <a:t>15</a:t>
             </a:fld>
             <a:endParaRPr lang="de-DE"/>
           </a:p>
@@ -1186,7 +1200,7 @@
     </p:spTree>
     <p:extLst>
       <p:ext uri="{BB962C8B-B14F-4D97-AF65-F5344CB8AC3E}">
-        <p14:creationId xmlns:p14="http://schemas.microsoft.com/office/powerpoint/2010/main" val="363566231"/>
+        <p14:creationId xmlns:p14="http://schemas.microsoft.com/office/powerpoint/2010/main" val="2881349242"/>
       </p:ext>
     </p:extLst>
   </p:cSld>
@@ -1245,6 +1259,18 @@
           <a:bodyPr/>
           <a:lstStyle/>
           <a:p>
+            <a:r>
+              <a:rPr lang="de-DE" dirty="0" smtClean="0"/>
+              <a:t>Zur Einordnung der</a:t>
+            </a:r>
+            <a:r>
+              <a:rPr lang="de-DE" baseline="0" dirty="0" smtClean="0"/>
+              <a:t> Sprache </a:t>
+            </a:r>
+            <a:r>
+              <a:rPr lang="de-DE" baseline="0" dirty="0" err="1" smtClean="0"/>
+              <a:t>Schematron</a:t>
+            </a:r>
             <a:endParaRPr lang="de-DE" dirty="0"/>
           </a:p>
         </p:txBody>
@@ -1266,7 +1292,7 @@
           <a:p>
             <a:fld id="{8495AEFD-9DC3-4E24-92C5-6E1333E0A67E}" type="slidenum">
               <a:rPr lang="de-DE" smtClean="0"/>
-              <a:t>31</a:t>
+              <a:t>16</a:t>
             </a:fld>
             <a:endParaRPr lang="de-DE"/>
           </a:p>
@@ -1275,7 +1301,7 @@
     </p:spTree>
     <p:extLst>
       <p:ext uri="{BB962C8B-B14F-4D97-AF65-F5344CB8AC3E}">
-        <p14:creationId xmlns:p14="http://schemas.microsoft.com/office/powerpoint/2010/main" val="4201091680"/>
+        <p14:creationId xmlns:p14="http://schemas.microsoft.com/office/powerpoint/2010/main" val="896016402"/>
       </p:ext>
     </p:extLst>
   </p:cSld>
@@ -1364,7 +1390,7 @@
     </p:spTree>
     <p:extLst>
       <p:ext uri="{BB962C8B-B14F-4D97-AF65-F5344CB8AC3E}">
-        <p14:creationId xmlns:p14="http://schemas.microsoft.com/office/powerpoint/2010/main" val="1022196602"/>
+        <p14:creationId xmlns:p14="http://schemas.microsoft.com/office/powerpoint/2010/main" val="363566231"/>
       </p:ext>
     </p:extLst>
   </p:cSld>
@@ -1453,7 +1479,7 @@
     </p:spTree>
     <p:extLst>
       <p:ext uri="{BB962C8B-B14F-4D97-AF65-F5344CB8AC3E}">
-        <p14:creationId xmlns:p14="http://schemas.microsoft.com/office/powerpoint/2010/main" val="4293284068"/>
+        <p14:creationId xmlns:p14="http://schemas.microsoft.com/office/powerpoint/2010/main" val="4201091680"/>
       </p:ext>
     </p:extLst>
   </p:cSld>
@@ -1542,7 +1568,7 @@
     </p:spTree>
     <p:extLst>
       <p:ext uri="{BB962C8B-B14F-4D97-AF65-F5344CB8AC3E}">
-        <p14:creationId xmlns:p14="http://schemas.microsoft.com/office/powerpoint/2010/main" val="377137803"/>
+        <p14:creationId xmlns:p14="http://schemas.microsoft.com/office/powerpoint/2010/main" val="1022196602"/>
       </p:ext>
     </p:extLst>
   </p:cSld>
@@ -1622,7 +1648,7 @@
           <a:p>
             <a:fld id="{8495AEFD-9DC3-4E24-92C5-6E1333E0A67E}" type="slidenum">
               <a:rPr lang="de-DE" smtClean="0"/>
-              <a:t>36</a:t>
+              <a:t>35</a:t>
             </a:fld>
             <a:endParaRPr lang="de-DE"/>
           </a:p>
@@ -1631,7 +1657,7 @@
     </p:spTree>
     <p:extLst>
       <p:ext uri="{BB962C8B-B14F-4D97-AF65-F5344CB8AC3E}">
-        <p14:creationId xmlns:p14="http://schemas.microsoft.com/office/powerpoint/2010/main" val="3178338823"/>
+        <p14:creationId xmlns:p14="http://schemas.microsoft.com/office/powerpoint/2010/main" val="4293284068"/>
       </p:ext>
     </p:extLst>
   </p:cSld>
@@ -1812,7 +1838,7 @@
           <a:p>
             <a:fld id="{8495AEFD-9DC3-4E24-92C5-6E1333E0A67E}" type="slidenum">
               <a:rPr lang="de-DE" smtClean="0"/>
-              <a:t>37</a:t>
+              <a:t>36</a:t>
             </a:fld>
             <a:endParaRPr lang="de-DE"/>
           </a:p>
@@ -1821,7 +1847,7 @@
     </p:spTree>
     <p:extLst>
       <p:ext uri="{BB962C8B-B14F-4D97-AF65-F5344CB8AC3E}">
-        <p14:creationId xmlns:p14="http://schemas.microsoft.com/office/powerpoint/2010/main" val="1361229702"/>
+        <p14:creationId xmlns:p14="http://schemas.microsoft.com/office/powerpoint/2010/main" val="377137803"/>
       </p:ext>
     </p:extLst>
   </p:cSld>
@@ -1901,7 +1927,7 @@
           <a:p>
             <a:fld id="{8495AEFD-9DC3-4E24-92C5-6E1333E0A67E}" type="slidenum">
               <a:rPr lang="de-DE" smtClean="0"/>
-              <a:t>39</a:t>
+              <a:t>38</a:t>
             </a:fld>
             <a:endParaRPr lang="de-DE"/>
           </a:p>
@@ -1910,7 +1936,7 @@
     </p:spTree>
     <p:extLst>
       <p:ext uri="{BB962C8B-B14F-4D97-AF65-F5344CB8AC3E}">
-        <p14:creationId xmlns:p14="http://schemas.microsoft.com/office/powerpoint/2010/main" val="1405850218"/>
+        <p14:creationId xmlns:p14="http://schemas.microsoft.com/office/powerpoint/2010/main" val="3178338823"/>
       </p:ext>
     </p:extLst>
   </p:cSld>
@@ -1990,7 +2016,185 @@
           <a:p>
             <a:fld id="{8495AEFD-9DC3-4E24-92C5-6E1333E0A67E}" type="slidenum">
               <a:rPr lang="de-DE" smtClean="0"/>
-              <a:t>40</a:t>
+              <a:t>39</a:t>
+            </a:fld>
+            <a:endParaRPr lang="de-DE"/>
+          </a:p>
+        </p:txBody>
+      </p:sp>
+    </p:spTree>
+    <p:extLst>
+      <p:ext uri="{BB962C8B-B14F-4D97-AF65-F5344CB8AC3E}">
+        <p14:creationId xmlns:p14="http://schemas.microsoft.com/office/powerpoint/2010/main" val="1361229702"/>
+      </p:ext>
+    </p:extLst>
+  </p:cSld>
+  <p:clrMapOvr>
+    <a:masterClrMapping/>
+  </p:clrMapOvr>
+</p:notes>
+</file>
+
+<file path=ppt/notesSlides/notesSlide23.xml><?xml version="1.0" encoding="utf-8"?>
+<p:notes xmlns:a="http://schemas.openxmlformats.org/drawingml/2006/main" xmlns:r="http://schemas.openxmlformats.org/officeDocument/2006/relationships" xmlns:p="http://schemas.openxmlformats.org/presentationml/2006/main">
+  <p:cSld>
+    <p:spTree>
+      <p:nvGrpSpPr>
+        <p:cNvPr id="1" name=""/>
+        <p:cNvGrpSpPr/>
+        <p:nvPr/>
+      </p:nvGrpSpPr>
+      <p:grpSpPr>
+        <a:xfrm>
+          <a:off x="0" y="0"/>
+          <a:ext cx="0" cy="0"/>
+          <a:chOff x="0" y="0"/>
+          <a:chExt cx="0" cy="0"/>
+        </a:xfrm>
+      </p:grpSpPr>
+      <p:sp>
+        <p:nvSpPr>
+          <p:cNvPr id="2" name="Folienbildplatzhalter 1"/>
+          <p:cNvSpPr>
+            <a:spLocks noGrp="1" noRot="1" noChangeAspect="1"/>
+          </p:cNvSpPr>
+          <p:nvPr>
+            <p:ph type="sldImg"/>
+          </p:nvPr>
+        </p:nvSpPr>
+        <p:spPr>
+          <a:xfrm>
+            <a:off x="992188" y="768350"/>
+            <a:ext cx="5114925" cy="3836988"/>
+          </a:xfrm>
+        </p:spPr>
+      </p:sp>
+      <p:sp>
+        <p:nvSpPr>
+          <p:cNvPr id="3" name="Notizenplatzhalter 2"/>
+          <p:cNvSpPr>
+            <a:spLocks noGrp="1"/>
+          </p:cNvSpPr>
+          <p:nvPr>
+            <p:ph type="body" idx="1"/>
+          </p:nvPr>
+        </p:nvSpPr>
+        <p:spPr/>
+        <p:txBody>
+          <a:bodyPr/>
+          <a:lstStyle/>
+          <a:p>
+            <a:endParaRPr lang="de-DE" dirty="0"/>
+          </a:p>
+        </p:txBody>
+      </p:sp>
+      <p:sp>
+        <p:nvSpPr>
+          <p:cNvPr id="4" name="Foliennummernplatzhalter 3"/>
+          <p:cNvSpPr>
+            <a:spLocks noGrp="1"/>
+          </p:cNvSpPr>
+          <p:nvPr>
+            <p:ph type="sldNum" sz="quarter" idx="10"/>
+          </p:nvPr>
+        </p:nvSpPr>
+        <p:spPr/>
+        <p:txBody>
+          <a:bodyPr/>
+          <a:lstStyle/>
+          <a:p>
+            <a:fld id="{8495AEFD-9DC3-4E24-92C5-6E1333E0A67E}" type="slidenum">
+              <a:rPr lang="de-DE" smtClean="0"/>
+              <a:t>41</a:t>
+            </a:fld>
+            <a:endParaRPr lang="de-DE"/>
+          </a:p>
+        </p:txBody>
+      </p:sp>
+    </p:spTree>
+    <p:extLst>
+      <p:ext uri="{BB962C8B-B14F-4D97-AF65-F5344CB8AC3E}">
+        <p14:creationId xmlns:p14="http://schemas.microsoft.com/office/powerpoint/2010/main" val="1405850218"/>
+      </p:ext>
+    </p:extLst>
+  </p:cSld>
+  <p:clrMapOvr>
+    <a:masterClrMapping/>
+  </p:clrMapOvr>
+</p:notes>
+</file>
+
+<file path=ppt/notesSlides/notesSlide24.xml><?xml version="1.0" encoding="utf-8"?>
+<p:notes xmlns:a="http://schemas.openxmlformats.org/drawingml/2006/main" xmlns:r="http://schemas.openxmlformats.org/officeDocument/2006/relationships" xmlns:p="http://schemas.openxmlformats.org/presentationml/2006/main">
+  <p:cSld>
+    <p:spTree>
+      <p:nvGrpSpPr>
+        <p:cNvPr id="1" name=""/>
+        <p:cNvGrpSpPr/>
+        <p:nvPr/>
+      </p:nvGrpSpPr>
+      <p:grpSpPr>
+        <a:xfrm>
+          <a:off x="0" y="0"/>
+          <a:ext cx="0" cy="0"/>
+          <a:chOff x="0" y="0"/>
+          <a:chExt cx="0" cy="0"/>
+        </a:xfrm>
+      </p:grpSpPr>
+      <p:sp>
+        <p:nvSpPr>
+          <p:cNvPr id="2" name="Folienbildplatzhalter 1"/>
+          <p:cNvSpPr>
+            <a:spLocks noGrp="1" noRot="1" noChangeAspect="1"/>
+          </p:cNvSpPr>
+          <p:nvPr>
+            <p:ph type="sldImg"/>
+          </p:nvPr>
+        </p:nvSpPr>
+        <p:spPr>
+          <a:xfrm>
+            <a:off x="992188" y="768350"/>
+            <a:ext cx="5114925" cy="3836988"/>
+          </a:xfrm>
+        </p:spPr>
+      </p:sp>
+      <p:sp>
+        <p:nvSpPr>
+          <p:cNvPr id="3" name="Notizenplatzhalter 2"/>
+          <p:cNvSpPr>
+            <a:spLocks noGrp="1"/>
+          </p:cNvSpPr>
+          <p:nvPr>
+            <p:ph type="body" idx="1"/>
+          </p:nvPr>
+        </p:nvSpPr>
+        <p:spPr/>
+        <p:txBody>
+          <a:bodyPr/>
+          <a:lstStyle/>
+          <a:p>
+            <a:endParaRPr lang="de-DE" dirty="0"/>
+          </a:p>
+        </p:txBody>
+      </p:sp>
+      <p:sp>
+        <p:nvSpPr>
+          <p:cNvPr id="4" name="Foliennummernplatzhalter 3"/>
+          <p:cNvSpPr>
+            <a:spLocks noGrp="1"/>
+          </p:cNvSpPr>
+          <p:nvPr>
+            <p:ph type="sldNum" sz="quarter" idx="10"/>
+          </p:nvPr>
+        </p:nvSpPr>
+        <p:spPr/>
+        <p:txBody>
+          <a:bodyPr/>
+          <a:lstStyle/>
+          <a:p>
+            <a:fld id="{8495AEFD-9DC3-4E24-92C5-6E1333E0A67E}" type="slidenum">
+              <a:rPr lang="de-DE" smtClean="0"/>
+              <a:t>42</a:t>
             </a:fld>
             <a:endParaRPr lang="de-DE"/>
           </a:p>
@@ -6626,7 +6830,7 @@
                 </a:solidFill>
                 <a:latin typeface="TheSansOffice" pitchFamily="34" charset="0"/>
               </a:rPr>
-              <a:t>Montag, 29. Januar 2018</a:t>
+              <a:t>Sonntag, 4. März 2018</a:t>
             </a:fld>
             <a:endParaRPr lang="de-DE" sz="2000" b="1" i="1" dirty="0">
               <a:solidFill>
@@ -6807,19 +7011,49 @@
                 </a:solidFill>
                 <a:latin typeface="Arial" charset="0"/>
               </a:rPr>
-              <a:t>Löschen (</a:t>
-            </a:r>
-            <a:r>
-              <a:rPr lang="de-DE" sz="2000" dirty="0" err="1">
-                <a:solidFill>
-                  <a:srgbClr val="000000"/>
-                </a:solidFill>
-                <a:latin typeface="Arial" charset="0"/>
+              <a:t>Löschen </a:t>
+            </a:r>
+            <a:r>
+              <a:rPr lang="de-DE" sz="2000" dirty="0" smtClean="0">
+                <a:solidFill>
+                  <a:srgbClr val="000000"/>
+                </a:solidFill>
+                <a:latin typeface="Arial" charset="0"/>
+              </a:rPr>
+              <a:t>(</a:t>
+            </a:r>
+            <a:r>
+              <a:rPr lang="de-DE" sz="2000" dirty="0" smtClean="0">
+                <a:solidFill>
+                  <a:srgbClr val="000000"/>
+                </a:solidFill>
+                <a:latin typeface="Consolas" panose="020B0609020204030204" pitchFamily="49" charset="0"/>
+                <a:cs typeface="Consolas" panose="020B0609020204030204" pitchFamily="49" charset="0"/>
+              </a:rPr>
+              <a:t>&lt;</a:t>
+            </a:r>
+            <a:r>
+              <a:rPr lang="de-DE" sz="2000" dirty="0" err="1" smtClean="0">
+                <a:solidFill>
+                  <a:srgbClr val="000000"/>
+                </a:solidFill>
+                <a:latin typeface="Consolas" panose="020B0609020204030204" pitchFamily="49" charset="0"/>
+                <a:cs typeface="Consolas" panose="020B0609020204030204" pitchFamily="49" charset="0"/>
               </a:rPr>
               <a:t>sqf:delete</a:t>
             </a:r>
             <a:r>
-              <a:rPr lang="de-DE" sz="2000" dirty="0">
+              <a:rPr lang="de-DE" sz="2000" dirty="0" smtClean="0">
+                <a:solidFill>
+                  <a:srgbClr val="000000"/>
+                </a:solidFill>
+                <a:latin typeface="Consolas" panose="020B0609020204030204" pitchFamily="49" charset="0"/>
+                <a:cs typeface="Consolas" panose="020B0609020204030204" pitchFamily="49" charset="0"/>
+              </a:rPr>
+              <a:t>&gt;</a:t>
+            </a:r>
+            <a:r>
+              <a:rPr lang="de-DE" sz="2000" dirty="0" smtClean="0">
                 <a:solidFill>
                   <a:srgbClr val="000000"/>
                 </a:solidFill>
@@ -6827,6 +7061,12 @@
               </a:rPr>
               <a:t>)</a:t>
             </a:r>
+            <a:endParaRPr lang="de-DE" sz="2000" dirty="0">
+              <a:solidFill>
+                <a:srgbClr val="000000"/>
+              </a:solidFill>
+              <a:latin typeface="Arial" charset="0"/>
+            </a:endParaRPr>
           </a:p>
           <a:p>
             <a:pPr marL="800067" lvl="1" indent="-342878" algn="l">
@@ -6846,19 +7086,49 @@
                 </a:solidFill>
                 <a:latin typeface="Arial" charset="0"/>
               </a:rPr>
-              <a:t>Ersetzen (</a:t>
-            </a:r>
-            <a:r>
-              <a:rPr lang="de-DE" sz="2000" dirty="0" err="1">
-                <a:solidFill>
-                  <a:srgbClr val="000000"/>
-                </a:solidFill>
-                <a:latin typeface="Arial" charset="0"/>
+              <a:t>Ersetzen </a:t>
+            </a:r>
+            <a:r>
+              <a:rPr lang="de-DE" sz="2000" dirty="0" smtClean="0">
+                <a:solidFill>
+                  <a:srgbClr val="000000"/>
+                </a:solidFill>
+                <a:latin typeface="Arial" charset="0"/>
+              </a:rPr>
+              <a:t>(</a:t>
+            </a:r>
+            <a:r>
+              <a:rPr lang="de-DE" sz="2000" dirty="0">
+                <a:solidFill>
+                  <a:srgbClr val="000000"/>
+                </a:solidFill>
+                <a:latin typeface="Consolas" panose="020B0609020204030204" pitchFamily="49" charset="0"/>
+                <a:cs typeface="Consolas" panose="020B0609020204030204" pitchFamily="49" charset="0"/>
+              </a:rPr>
+              <a:t>&lt;</a:t>
+            </a:r>
+            <a:r>
+              <a:rPr lang="de-DE" sz="2000" dirty="0" err="1" smtClean="0">
+                <a:solidFill>
+                  <a:srgbClr val="000000"/>
+                </a:solidFill>
+                <a:latin typeface="Consolas" panose="020B0609020204030204" pitchFamily="49" charset="0"/>
+                <a:cs typeface="Consolas" panose="020B0609020204030204" pitchFamily="49" charset="0"/>
               </a:rPr>
               <a:t>sqf:replace</a:t>
             </a:r>
             <a:r>
-              <a:rPr lang="de-DE" sz="2000" dirty="0">
+              <a:rPr lang="de-DE" sz="2000" dirty="0" smtClean="0">
+                <a:solidFill>
+                  <a:srgbClr val="000000"/>
+                </a:solidFill>
+                <a:latin typeface="Consolas" panose="020B0609020204030204" pitchFamily="49" charset="0"/>
+                <a:cs typeface="Consolas" panose="020B0609020204030204" pitchFamily="49" charset="0"/>
+              </a:rPr>
+              <a:t>&gt;</a:t>
+            </a:r>
+            <a:r>
+              <a:rPr lang="de-DE" sz="2000" dirty="0" smtClean="0">
                 <a:solidFill>
                   <a:srgbClr val="000000"/>
                 </a:solidFill>
@@ -6866,6 +7136,12 @@
               </a:rPr>
               <a:t>)</a:t>
             </a:r>
+            <a:endParaRPr lang="de-DE" sz="2000" dirty="0">
+              <a:solidFill>
+                <a:srgbClr val="000000"/>
+              </a:solidFill>
+              <a:latin typeface="Arial" charset="0"/>
+            </a:endParaRPr>
           </a:p>
           <a:p>
             <a:pPr marL="800067" lvl="1" indent="-342878" algn="l">
@@ -6885,19 +7161,49 @@
                 </a:solidFill>
                 <a:latin typeface="Arial" charset="0"/>
               </a:rPr>
-              <a:t>Hinzufügen (</a:t>
-            </a:r>
-            <a:r>
-              <a:rPr lang="de-DE" sz="2000" dirty="0" err="1">
-                <a:solidFill>
-                  <a:srgbClr val="000000"/>
-                </a:solidFill>
-                <a:latin typeface="Arial" charset="0"/>
+              <a:t>Hinzufügen </a:t>
+            </a:r>
+            <a:r>
+              <a:rPr lang="de-DE" sz="2000" dirty="0" smtClean="0">
+                <a:solidFill>
+                  <a:srgbClr val="000000"/>
+                </a:solidFill>
+                <a:latin typeface="Arial" charset="0"/>
+              </a:rPr>
+              <a:t>(</a:t>
+            </a:r>
+            <a:r>
+              <a:rPr lang="de-DE" sz="2000" dirty="0">
+                <a:solidFill>
+                  <a:srgbClr val="000000"/>
+                </a:solidFill>
+                <a:latin typeface="Consolas" panose="020B0609020204030204" pitchFamily="49" charset="0"/>
+                <a:cs typeface="Consolas" panose="020B0609020204030204" pitchFamily="49" charset="0"/>
+              </a:rPr>
+              <a:t>&lt;</a:t>
+            </a:r>
+            <a:r>
+              <a:rPr lang="de-DE" sz="2000" dirty="0" err="1" smtClean="0">
+                <a:solidFill>
+                  <a:srgbClr val="000000"/>
+                </a:solidFill>
+                <a:latin typeface="Consolas" panose="020B0609020204030204" pitchFamily="49" charset="0"/>
+                <a:cs typeface="Consolas" panose="020B0609020204030204" pitchFamily="49" charset="0"/>
               </a:rPr>
               <a:t>sqf:add</a:t>
             </a:r>
             <a:r>
-              <a:rPr lang="de-DE" sz="2000" dirty="0">
+              <a:rPr lang="de-DE" sz="2000" dirty="0" smtClean="0">
+                <a:solidFill>
+                  <a:srgbClr val="000000"/>
+                </a:solidFill>
+                <a:latin typeface="Consolas" panose="020B0609020204030204" pitchFamily="49" charset="0"/>
+                <a:cs typeface="Consolas" panose="020B0609020204030204" pitchFamily="49" charset="0"/>
+              </a:rPr>
+              <a:t>&gt;</a:t>
+            </a:r>
+            <a:r>
+              <a:rPr lang="de-DE" sz="2000" dirty="0" smtClean="0">
                 <a:solidFill>
                   <a:srgbClr val="000000"/>
                 </a:solidFill>
@@ -6905,6 +7211,12 @@
               </a:rPr>
               <a:t>)</a:t>
             </a:r>
+            <a:endParaRPr lang="de-DE" sz="2000" dirty="0">
+              <a:solidFill>
+                <a:srgbClr val="000000"/>
+              </a:solidFill>
+              <a:latin typeface="Arial" charset="0"/>
+            </a:endParaRPr>
           </a:p>
           <a:p>
             <a:pPr marL="800067" lvl="1" indent="-342878" algn="l">
@@ -6924,19 +7236,49 @@
                 </a:solidFill>
                 <a:latin typeface="Arial" charset="0"/>
               </a:rPr>
-              <a:t>Text ersetzen (</a:t>
-            </a:r>
-            <a:r>
-              <a:rPr lang="de-DE" sz="2000" dirty="0" err="1">
-                <a:solidFill>
-                  <a:srgbClr val="000000"/>
-                </a:solidFill>
-                <a:latin typeface="Arial" charset="0"/>
+              <a:t>Text ersetzen </a:t>
+            </a:r>
+            <a:r>
+              <a:rPr lang="de-DE" sz="2000" dirty="0" smtClean="0">
+                <a:solidFill>
+                  <a:srgbClr val="000000"/>
+                </a:solidFill>
+                <a:latin typeface="Arial" charset="0"/>
+              </a:rPr>
+              <a:t>(</a:t>
+            </a:r>
+            <a:r>
+              <a:rPr lang="de-DE" sz="2000" dirty="0">
+                <a:solidFill>
+                  <a:srgbClr val="000000"/>
+                </a:solidFill>
+                <a:latin typeface="Consolas" panose="020B0609020204030204" pitchFamily="49" charset="0"/>
+                <a:cs typeface="Consolas" panose="020B0609020204030204" pitchFamily="49" charset="0"/>
+              </a:rPr>
+              <a:t>&lt;</a:t>
+            </a:r>
+            <a:r>
+              <a:rPr lang="de-DE" sz="2000" dirty="0" err="1" smtClean="0">
+                <a:solidFill>
+                  <a:srgbClr val="000000"/>
+                </a:solidFill>
+                <a:latin typeface="Consolas" panose="020B0609020204030204" pitchFamily="49" charset="0"/>
+                <a:cs typeface="Consolas" panose="020B0609020204030204" pitchFamily="49" charset="0"/>
               </a:rPr>
               <a:t>sqf:stringReplace</a:t>
             </a:r>
             <a:r>
-              <a:rPr lang="de-DE" sz="2000" dirty="0">
+              <a:rPr lang="de-DE" sz="2000" dirty="0" smtClean="0">
+                <a:solidFill>
+                  <a:srgbClr val="000000"/>
+                </a:solidFill>
+                <a:latin typeface="Consolas" panose="020B0609020204030204" pitchFamily="49" charset="0"/>
+                <a:cs typeface="Consolas" panose="020B0609020204030204" pitchFamily="49" charset="0"/>
+              </a:rPr>
+              <a:t>&gt;</a:t>
+            </a:r>
+            <a:r>
+              <a:rPr lang="de-DE" sz="2000" dirty="0" smtClean="0">
                 <a:solidFill>
                   <a:srgbClr val="000000"/>
                 </a:solidFill>
@@ -6944,6 +7286,12 @@
               </a:rPr>
               <a:t>)</a:t>
             </a:r>
+            <a:endParaRPr lang="de-DE" sz="2000" dirty="0">
+              <a:solidFill>
+                <a:srgbClr val="000000"/>
+              </a:solidFill>
+              <a:latin typeface="Arial" charset="0"/>
+            </a:endParaRPr>
           </a:p>
           <a:p>
             <a:pPr marL="342878" indent="-342878" algn="l">
@@ -6981,14 +7329,25 @@
                 </a:solidFill>
                 <a:latin typeface="Arial" charset="0"/>
               </a:rPr>
-              <a:t>“ mit @</a:t>
+              <a:t>“ mit </a:t>
+            </a:r>
+            <a:r>
+              <a:rPr lang="de-DE" sz="2400" dirty="0">
+                <a:solidFill>
+                  <a:srgbClr val="000000"/>
+                </a:solidFill>
+                <a:latin typeface="Consolas" panose="020B0609020204030204" pitchFamily="49" charset="0"/>
+                <a:cs typeface="Consolas" panose="020B0609020204030204" pitchFamily="49" charset="0"/>
+              </a:rPr>
+              <a:t>@</a:t>
             </a:r>
             <a:r>
               <a:rPr lang="de-DE" sz="2400" dirty="0" err="1">
                 <a:solidFill>
                   <a:srgbClr val="000000"/>
                 </a:solidFill>
-                <a:latin typeface="Arial" charset="0"/>
+                <a:latin typeface="Consolas" panose="020B0609020204030204" pitchFamily="49" charset="0"/>
+                <a:cs typeface="Consolas" panose="020B0609020204030204" pitchFamily="49" charset="0"/>
               </a:rPr>
               <a:t>match</a:t>
             </a:r>
@@ -6996,7 +7355,8 @@
               <a:solidFill>
                 <a:srgbClr val="000000"/>
               </a:solidFill>
-              <a:latin typeface="Arial" charset="0"/>
+              <a:latin typeface="Consolas" panose="020B0609020204030204" pitchFamily="49" charset="0"/>
+              <a:cs typeface="Consolas" panose="020B0609020204030204" pitchFamily="49" charset="0"/>
             </a:endParaRPr>
           </a:p>
           <a:p>
@@ -7036,7 +7396,8 @@
                 <a:solidFill>
                   <a:srgbClr val="000000"/>
                 </a:solidFill>
-                <a:latin typeface="Arial" charset="0"/>
+                <a:latin typeface="Consolas" panose="020B0609020204030204" pitchFamily="49" charset="0"/>
+                <a:cs typeface="Consolas" panose="020B0609020204030204" pitchFamily="49" charset="0"/>
               </a:rPr>
               <a:t>@</a:t>
             </a:r>
@@ -7045,7 +7406,8 @@
                 <a:solidFill>
                   <a:srgbClr val="000000"/>
                 </a:solidFill>
-                <a:latin typeface="Arial" charset="0"/>
+                <a:latin typeface="Consolas" panose="020B0609020204030204" pitchFamily="49" charset="0"/>
+                <a:cs typeface="Consolas" panose="020B0609020204030204" pitchFamily="49" charset="0"/>
               </a:rPr>
               <a:t>position</a:t>
             </a:r>
@@ -7059,19 +7421,41 @@
               <a:t> für </a:t>
             </a:r>
             <a:r>
-              <a:rPr lang="de-DE" sz="2000" dirty="0" err="1">
-                <a:solidFill>
-                  <a:srgbClr val="000000"/>
-                </a:solidFill>
-                <a:latin typeface="Arial" charset="0"/>
+              <a:rPr lang="de-DE" sz="2000" dirty="0">
+                <a:solidFill>
+                  <a:srgbClr val="000000"/>
+                </a:solidFill>
+                <a:latin typeface="Consolas" panose="020B0609020204030204" pitchFamily="49" charset="0"/>
+                <a:cs typeface="Consolas" panose="020B0609020204030204" pitchFamily="49" charset="0"/>
+              </a:rPr>
+              <a:t>&lt;</a:t>
+            </a:r>
+            <a:r>
+              <a:rPr lang="de-DE" sz="2000" dirty="0" err="1" smtClean="0">
+                <a:solidFill>
+                  <a:srgbClr val="000000"/>
+                </a:solidFill>
+                <a:latin typeface="Consolas" panose="020B0609020204030204" pitchFamily="49" charset="0"/>
+                <a:cs typeface="Consolas" panose="020B0609020204030204" pitchFamily="49" charset="0"/>
               </a:rPr>
               <a:t>sqf:add</a:t>
+            </a:r>
+            <a:r>
+              <a:rPr lang="de-DE" sz="2000" dirty="0" smtClean="0">
+                <a:solidFill>
+                  <a:srgbClr val="000000"/>
+                </a:solidFill>
+                <a:latin typeface="Consolas" panose="020B0609020204030204" pitchFamily="49" charset="0"/>
+                <a:cs typeface="Consolas" panose="020B0609020204030204" pitchFamily="49" charset="0"/>
+              </a:rPr>
+              <a:t>&gt;</a:t>
             </a:r>
             <a:endParaRPr lang="de-DE" sz="2000" dirty="0">
               <a:solidFill>
                 <a:srgbClr val="000000"/>
               </a:solidFill>
-              <a:latin typeface="Arial" charset="0"/>
+              <a:latin typeface="Consolas" panose="020B0609020204030204" pitchFamily="49" charset="0"/>
+              <a:cs typeface="Consolas" panose="020B0609020204030204" pitchFamily="49" charset="0"/>
             </a:endParaRPr>
           </a:p>
           <a:p>
@@ -7090,7 +7474,8 @@
                 <a:solidFill>
                   <a:srgbClr val="000000"/>
                 </a:solidFill>
-                <a:latin typeface="Arial" charset="0"/>
+                <a:latin typeface="Consolas" panose="020B0609020204030204" pitchFamily="49" charset="0"/>
+                <a:cs typeface="Consolas" panose="020B0609020204030204" pitchFamily="49" charset="0"/>
               </a:rPr>
               <a:t>@</a:t>
             </a:r>
@@ -7099,7 +7484,8 @@
                 <a:solidFill>
                   <a:srgbClr val="000000"/>
                 </a:solidFill>
-                <a:latin typeface="Arial" charset="0"/>
+                <a:latin typeface="Consolas" panose="020B0609020204030204" pitchFamily="49" charset="0"/>
+                <a:cs typeface="Consolas" panose="020B0609020204030204" pitchFamily="49" charset="0"/>
               </a:rPr>
               <a:t>regex</a:t>
             </a:r>
@@ -7113,19 +7499,41 @@
               <a:t> für </a:t>
             </a:r>
             <a:r>
-              <a:rPr lang="de-DE" sz="2000" dirty="0" err="1">
-                <a:solidFill>
-                  <a:srgbClr val="000000"/>
-                </a:solidFill>
-                <a:latin typeface="Arial" charset="0"/>
+              <a:rPr lang="de-DE" sz="2000" dirty="0">
+                <a:solidFill>
+                  <a:srgbClr val="000000"/>
+                </a:solidFill>
+                <a:latin typeface="Consolas" panose="020B0609020204030204" pitchFamily="49" charset="0"/>
+                <a:cs typeface="Consolas" panose="020B0609020204030204" pitchFamily="49" charset="0"/>
+              </a:rPr>
+              <a:t>&lt;</a:t>
+            </a:r>
+            <a:r>
+              <a:rPr lang="de-DE" sz="2000" dirty="0" err="1" smtClean="0">
+                <a:solidFill>
+                  <a:srgbClr val="000000"/>
+                </a:solidFill>
+                <a:latin typeface="Consolas" panose="020B0609020204030204" pitchFamily="49" charset="0"/>
+                <a:cs typeface="Consolas" panose="020B0609020204030204" pitchFamily="49" charset="0"/>
               </a:rPr>
               <a:t>sqf:stringReplace</a:t>
+            </a:r>
+            <a:r>
+              <a:rPr lang="de-DE" sz="2000" dirty="0" smtClean="0">
+                <a:solidFill>
+                  <a:srgbClr val="000000"/>
+                </a:solidFill>
+                <a:latin typeface="Consolas" panose="020B0609020204030204" pitchFamily="49" charset="0"/>
+                <a:cs typeface="Consolas" panose="020B0609020204030204" pitchFamily="49" charset="0"/>
+              </a:rPr>
+              <a:t>&gt;</a:t>
             </a:r>
             <a:endParaRPr lang="de-DE" sz="2000" dirty="0">
               <a:solidFill>
                 <a:srgbClr val="000000"/>
               </a:solidFill>
-              <a:latin typeface="Arial" charset="0"/>
+              <a:latin typeface="Consolas" panose="020B0609020204030204" pitchFamily="49" charset="0"/>
+              <a:cs typeface="Consolas" panose="020B0609020204030204" pitchFamily="49" charset="0"/>
             </a:endParaRPr>
           </a:p>
           <a:p>
@@ -7146,22 +7554,52 @@
               <a:t>Bis auf </a:t>
             </a:r>
             <a:r>
-              <a:rPr lang="de-DE" sz="2400" dirty="0" err="1">
-                <a:solidFill>
-                  <a:srgbClr val="000000"/>
-                </a:solidFill>
-                <a:latin typeface="Arial" charset="0"/>
+              <a:rPr lang="de-DE" sz="2400" dirty="0">
+                <a:solidFill>
+                  <a:srgbClr val="000000"/>
+                </a:solidFill>
+                <a:latin typeface="Consolas" panose="020B0609020204030204" pitchFamily="49" charset="0"/>
+                <a:cs typeface="Consolas" panose="020B0609020204030204" pitchFamily="49" charset="0"/>
+              </a:rPr>
+              <a:t>&lt;</a:t>
+            </a:r>
+            <a:r>
+              <a:rPr lang="de-DE" sz="2400" dirty="0" err="1" smtClean="0">
+                <a:solidFill>
+                  <a:srgbClr val="000000"/>
+                </a:solidFill>
+                <a:latin typeface="Consolas" panose="020B0609020204030204" pitchFamily="49" charset="0"/>
+                <a:cs typeface="Consolas" panose="020B0609020204030204" pitchFamily="49" charset="0"/>
               </a:rPr>
               <a:t>sqf:delete</a:t>
             </a:r>
             <a:r>
+              <a:rPr lang="de-DE" sz="2400" dirty="0" smtClean="0">
+                <a:solidFill>
+                  <a:srgbClr val="000000"/>
+                </a:solidFill>
+                <a:latin typeface="Consolas" panose="020B0609020204030204" pitchFamily="49" charset="0"/>
+                <a:cs typeface="Consolas" panose="020B0609020204030204" pitchFamily="49" charset="0"/>
+              </a:rPr>
+              <a:t>&gt;</a:t>
+            </a:r>
+            <a:r>
+              <a:rPr lang="de-DE" sz="2400" dirty="0" smtClean="0">
+                <a:solidFill>
+                  <a:srgbClr val="000000"/>
+                </a:solidFill>
+                <a:latin typeface="Arial" charset="0"/>
+              </a:rPr>
+              <a:t>, </a:t>
+            </a:r>
+            <a:r>
               <a:rPr lang="de-DE" sz="2400" dirty="0">
                 <a:solidFill>
                   <a:srgbClr val="000000"/>
                 </a:solidFill>
                 <a:latin typeface="Arial" charset="0"/>
               </a:rPr>
-              <a:t>, beinhaltet eine Aktion das erzeugen neuer Knoten</a:t>
+              <a:t>beinhaltet eine Aktion das erzeugen neuer Knoten</a:t>
             </a:r>
           </a:p>
         </p:txBody>
@@ -8664,11 +9102,11 @@
   <p:clrMapOvr>
     <a:masterClrMapping/>
   </p:clrMapOvr>
-  <mc:AlternateContent xmlns:mc="http://schemas.openxmlformats.org/markup-compatibility/2006">
-    <mc:Choice xmlns:p14="http://schemas.microsoft.com/office/powerpoint/2010/main" Requires="p14">
+  <mc:AlternateContent xmlns:mc="http://schemas.openxmlformats.org/markup-compatibility/2006" xmlns:p14="http://schemas.microsoft.com/office/powerpoint/2010/main">
+    <mc:Choice Requires="p14">
       <p:transition spd="slow" p14:dur="2000"/>
     </mc:Choice>
-    <mc:Fallback>
+    <mc:Fallback xmlns="">
       <p:transition spd="slow"/>
     </mc:Fallback>
   </mc:AlternateContent>
@@ -9193,11 +9631,11 @@
   <p:clrMapOvr>
     <a:masterClrMapping/>
   </p:clrMapOvr>
-  <mc:AlternateContent xmlns:mc="http://schemas.openxmlformats.org/markup-compatibility/2006">
-    <mc:Choice xmlns:p14="http://schemas.microsoft.com/office/powerpoint/2010/main" Requires="p14">
+  <mc:AlternateContent xmlns:mc="http://schemas.openxmlformats.org/markup-compatibility/2006" xmlns:p14="http://schemas.microsoft.com/office/powerpoint/2010/main">
+    <mc:Choice Requires="p14">
       <p:transition spd="slow" p14:dur="2000"/>
     </mc:Choice>
-    <mc:Fallback>
+    <mc:Fallback xmlns="">
       <p:transition spd="slow"/>
     </mc:Fallback>
   </mc:AlternateContent>
@@ -9712,8 +10150,8 @@
                 <a:solidFill>
                   <a:prstClr val="black"/>
                 </a:solidFill>
-                <a:latin typeface="Arial" panose="020B0604020202020204" pitchFamily="34" charset="0"/>
-                <a:cs typeface="Arial" panose="020B0604020202020204" pitchFamily="34" charset="0"/>
+                <a:latin typeface="Consolas" panose="020B0609020204030204" pitchFamily="49" charset="0"/>
+                <a:cs typeface="Consolas" panose="020B0609020204030204" pitchFamily="49" charset="0"/>
               </a:rPr>
               <a:t>@</a:t>
             </a:r>
@@ -9722,8 +10160,8 @@
                 <a:solidFill>
                   <a:prstClr val="black"/>
                 </a:solidFill>
-                <a:latin typeface="Arial" panose="020B0604020202020204" pitchFamily="34" charset="0"/>
-                <a:cs typeface="Arial" panose="020B0604020202020204" pitchFamily="34" charset="0"/>
+                <a:latin typeface="Consolas" panose="020B0609020204030204" pitchFamily="49" charset="0"/>
+                <a:cs typeface="Consolas" panose="020B0609020204030204" pitchFamily="49" charset="0"/>
               </a:rPr>
               <a:t>use</a:t>
             </a:r>
@@ -9732,8 +10170,8 @@
                 <a:solidFill>
                   <a:prstClr val="black"/>
                 </a:solidFill>
-                <a:latin typeface="Arial" panose="020B0604020202020204" pitchFamily="34" charset="0"/>
-                <a:cs typeface="Arial" panose="020B0604020202020204" pitchFamily="34" charset="0"/>
+                <a:latin typeface="Consolas" panose="020B0609020204030204" pitchFamily="49" charset="0"/>
+                <a:cs typeface="Consolas" panose="020B0609020204030204" pitchFamily="49" charset="0"/>
               </a:rPr>
               <a:t>-</a:t>
             </a:r>
@@ -9742,8 +10180,8 @@
                 <a:solidFill>
                   <a:prstClr val="black"/>
                 </a:solidFill>
-                <a:latin typeface="Arial" panose="020B0604020202020204" pitchFamily="34" charset="0"/>
-                <a:cs typeface="Arial" panose="020B0604020202020204" pitchFamily="34" charset="0"/>
+                <a:latin typeface="Consolas" panose="020B0609020204030204" pitchFamily="49" charset="0"/>
+                <a:cs typeface="Consolas" panose="020B0609020204030204" pitchFamily="49" charset="0"/>
               </a:rPr>
               <a:t>when</a:t>
             </a:r>
@@ -9797,216 +10235,38 @@
                 <a:solidFill>
                   <a:prstClr val="black"/>
                 </a:solidFill>
+                <a:latin typeface="Consolas" panose="020B0609020204030204" pitchFamily="49" charset="0"/>
+                <a:cs typeface="Consolas" panose="020B0609020204030204" pitchFamily="49" charset="0"/>
+              </a:rPr>
+              <a:t>true</a:t>
+            </a:r>
+            <a:r>
+              <a:rPr lang="de-DE" sz="2000" kern="1200" dirty="0">
+                <a:solidFill>
+                  <a:prstClr val="black"/>
+                </a:solidFill>
                 <a:latin typeface="Arial" panose="020B0604020202020204" pitchFamily="34" charset="0"/>
                 <a:cs typeface="Arial" panose="020B0604020202020204" pitchFamily="34" charset="0"/>
               </a:rPr>
-              <a:t>true</a:t>
-            </a:r>
-            <a:r>
-              <a:rPr lang="de-DE" sz="2000" kern="1200" dirty="0">
+              <a:t> zurück </a:t>
+            </a:r>
+            <a:r>
+              <a:rPr lang="de-DE" sz="2000" kern="1200" dirty="0" smtClean="0">
                 <a:solidFill>
                   <a:prstClr val="black"/>
                 </a:solidFill>
                 <a:latin typeface="Arial" panose="020B0604020202020204" pitchFamily="34" charset="0"/>
                 <a:cs typeface="Arial" panose="020B0604020202020204" pitchFamily="34" charset="0"/>
               </a:rPr>
-              <a:t> zurück geben</a:t>
-            </a:r>
-          </a:p>
-          <a:p>
-            <a:pPr marL="228594" indent="-228594" algn="l" fontAlgn="auto">
-              <a:lnSpc>
-                <a:spcPct val="90000"/>
-              </a:lnSpc>
-              <a:spcBef>
-                <a:spcPts val="1000"/>
-              </a:spcBef>
-              <a:spcAft>
-                <a:spcPts val="0"/>
-              </a:spcAft>
-              <a:buFont typeface="Arial" panose="020B0604020202020204" pitchFamily="34" charset="0"/>
-              <a:buChar char="•"/>
-            </a:pPr>
-            <a:r>
-              <a:rPr lang="de-DE" sz="2400" kern="1200" dirty="0">
-                <a:solidFill>
-                  <a:prstClr val="black"/>
-                </a:solidFill>
-                <a:latin typeface="Arial" panose="020B0604020202020204" pitchFamily="34" charset="0"/>
-                <a:cs typeface="Arial" panose="020B0604020202020204" pitchFamily="34" charset="0"/>
-              </a:rPr>
-              <a:t>Generische QFs</a:t>
-            </a:r>
-          </a:p>
-          <a:p>
-            <a:pPr marL="685783" lvl="1" indent="-228594" algn="l" fontAlgn="auto">
-              <a:lnSpc>
-                <a:spcPct val="90000"/>
-              </a:lnSpc>
-              <a:spcBef>
-                <a:spcPts val="1000"/>
-              </a:spcBef>
-              <a:spcAft>
-                <a:spcPts val="0"/>
-              </a:spcAft>
-              <a:buFont typeface="Arial" panose="020B0604020202020204" pitchFamily="34" charset="0"/>
-              <a:buChar char="•"/>
-            </a:pPr>
-            <a:r>
-              <a:rPr lang="de-DE" sz="2000" kern="1200" dirty="0">
-                <a:solidFill>
-                  <a:prstClr val="black"/>
-                </a:solidFill>
-                <a:latin typeface="Arial" panose="020B0604020202020204" pitchFamily="34" charset="0"/>
-                <a:cs typeface="Arial" panose="020B0604020202020204" pitchFamily="34" charset="0"/>
-              </a:rPr>
-              <a:t>@</a:t>
-            </a:r>
-            <a:r>
-              <a:rPr lang="de-DE" sz="2000" kern="1200" dirty="0" err="1">
-                <a:solidFill>
-                  <a:prstClr val="black"/>
-                </a:solidFill>
-                <a:latin typeface="Arial" panose="020B0604020202020204" pitchFamily="34" charset="0"/>
-                <a:cs typeface="Arial" panose="020B0604020202020204" pitchFamily="34" charset="0"/>
-              </a:rPr>
-              <a:t>use</a:t>
-            </a:r>
-            <a:r>
-              <a:rPr lang="de-DE" sz="2000" kern="1200" dirty="0">
-                <a:solidFill>
-                  <a:prstClr val="black"/>
-                </a:solidFill>
-                <a:latin typeface="Arial" panose="020B0604020202020204" pitchFamily="34" charset="0"/>
-                <a:cs typeface="Arial" panose="020B0604020202020204" pitchFamily="34" charset="0"/>
-              </a:rPr>
-              <a:t>-</a:t>
-            </a:r>
-            <a:r>
-              <a:rPr lang="de-DE" sz="2000" kern="1200" dirty="0" err="1">
-                <a:solidFill>
-                  <a:prstClr val="black"/>
-                </a:solidFill>
-                <a:latin typeface="Arial" panose="020B0604020202020204" pitchFamily="34" charset="0"/>
-                <a:cs typeface="Arial" panose="020B0604020202020204" pitchFamily="34" charset="0"/>
-              </a:rPr>
-              <a:t>for</a:t>
-            </a:r>
-            <a:r>
-              <a:rPr lang="de-DE" sz="2000" kern="1200" dirty="0">
-                <a:solidFill>
-                  <a:prstClr val="black"/>
-                </a:solidFill>
-                <a:latin typeface="Arial" panose="020B0604020202020204" pitchFamily="34" charset="0"/>
-                <a:cs typeface="Arial" panose="020B0604020202020204" pitchFamily="34" charset="0"/>
-              </a:rPr>
-              <a:t>-</a:t>
-            </a:r>
-            <a:r>
-              <a:rPr lang="de-DE" sz="2000" kern="1200" dirty="0" err="1">
-                <a:solidFill>
-                  <a:prstClr val="black"/>
-                </a:solidFill>
-                <a:latin typeface="Arial" panose="020B0604020202020204" pitchFamily="34" charset="0"/>
-                <a:cs typeface="Arial" panose="020B0604020202020204" pitchFamily="34" charset="0"/>
-              </a:rPr>
-              <a:t>each</a:t>
-            </a:r>
-            <a:r>
-              <a:rPr lang="de-DE" sz="2000" kern="1200" dirty="0">
-                <a:solidFill>
-                  <a:prstClr val="black"/>
-                </a:solidFill>
-                <a:latin typeface="Arial" panose="020B0604020202020204" pitchFamily="34" charset="0"/>
-                <a:cs typeface="Arial" panose="020B0604020202020204" pitchFamily="34" charset="0"/>
-              </a:rPr>
-              <a:t>-Attribute</a:t>
-            </a:r>
-          </a:p>
-          <a:p>
-            <a:pPr marL="685783" lvl="1" indent="-228594" algn="l" fontAlgn="auto">
-              <a:lnSpc>
-                <a:spcPct val="90000"/>
-              </a:lnSpc>
-              <a:spcBef>
-                <a:spcPts val="1000"/>
-              </a:spcBef>
-              <a:spcAft>
-                <a:spcPts val="0"/>
-              </a:spcAft>
-              <a:buFont typeface="Arial" panose="020B0604020202020204" pitchFamily="34" charset="0"/>
-              <a:buChar char="•"/>
-            </a:pPr>
-            <a:r>
-              <a:rPr lang="de-DE" sz="2000" kern="1200" dirty="0" err="1">
-                <a:solidFill>
-                  <a:prstClr val="black"/>
-                </a:solidFill>
-                <a:latin typeface="Arial" panose="020B0604020202020204" pitchFamily="34" charset="0"/>
-                <a:cs typeface="Arial" panose="020B0604020202020204" pitchFamily="34" charset="0"/>
-              </a:rPr>
-              <a:t>XPath</a:t>
-            </a:r>
-            <a:r>
-              <a:rPr lang="de-DE" sz="2000" kern="1200" dirty="0">
-                <a:solidFill>
-                  <a:prstClr val="black"/>
-                </a:solidFill>
-                <a:latin typeface="Arial" panose="020B0604020202020204" pitchFamily="34" charset="0"/>
-                <a:cs typeface="Arial" panose="020B0604020202020204" pitchFamily="34" charset="0"/>
-              </a:rPr>
-              <a:t>-Ausdruck gibt eine Sequenz zurück</a:t>
-            </a:r>
-          </a:p>
-          <a:p>
-            <a:pPr marL="685783" lvl="1" indent="-228594" algn="l" fontAlgn="auto">
-              <a:lnSpc>
-                <a:spcPct val="90000"/>
-              </a:lnSpc>
-              <a:spcBef>
-                <a:spcPts val="1000"/>
-              </a:spcBef>
-              <a:spcAft>
-                <a:spcPts val="0"/>
-              </a:spcAft>
-              <a:buFont typeface="Arial" panose="020B0604020202020204" pitchFamily="34" charset="0"/>
-              <a:buChar char="•"/>
-            </a:pPr>
-            <a:r>
-              <a:rPr lang="de-DE" sz="2000" kern="1200" dirty="0">
-                <a:solidFill>
-                  <a:prstClr val="black"/>
-                </a:solidFill>
-                <a:latin typeface="Arial" panose="020B0604020202020204" pitchFamily="34" charset="0"/>
-                <a:cs typeface="Arial" panose="020B0604020202020204" pitchFamily="34" charset="0"/>
-              </a:rPr>
-              <a:t>Für jedes Item wird ein QF erzeugt</a:t>
-            </a:r>
-          </a:p>
-          <a:p>
-            <a:pPr marL="685783" lvl="1" indent="-228594" algn="l" fontAlgn="auto">
-              <a:lnSpc>
-                <a:spcPct val="90000"/>
-              </a:lnSpc>
-              <a:spcBef>
-                <a:spcPts val="1000"/>
-              </a:spcBef>
-              <a:spcAft>
-                <a:spcPts val="0"/>
-              </a:spcAft>
-              <a:buFont typeface="Arial" panose="020B0604020202020204" pitchFamily="34" charset="0"/>
-              <a:buChar char="•"/>
-            </a:pPr>
-            <a:r>
-              <a:rPr lang="de-DE" sz="2000" kern="1200" dirty="0">
-                <a:solidFill>
-                  <a:prstClr val="black"/>
-                </a:solidFill>
-                <a:latin typeface="Arial" panose="020B0604020202020204" pitchFamily="34" charset="0"/>
-                <a:cs typeface="Arial" panose="020B0604020202020204" pitchFamily="34" charset="0"/>
-              </a:rPr>
-              <a:t>Für die nächste Version des Standards vorgesehen</a:t>
-            </a:r>
+              <a:t>geben</a:t>
+            </a:r>
+            <a:endParaRPr lang="de-DE" sz="2000" kern="1200" dirty="0">
+              <a:solidFill>
+                <a:prstClr val="black"/>
+              </a:solidFill>
+              <a:latin typeface="Arial" panose="020B0604020202020204" pitchFamily="34" charset="0"/>
+              <a:cs typeface="Arial" panose="020B0604020202020204" pitchFamily="34" charset="0"/>
+            </a:endParaRPr>
           </a:p>
         </p:txBody>
       </p:sp>
@@ -10310,20 +10570,1049 @@
                       </p:childTnLst>
                     </p:cTn>
                   </p:par>
+                </p:childTnLst>
+              </p:cTn>
+              <p:prevCondLst>
+                <p:cond evt="onPrev" delay="0">
+                  <p:tgtEl>
+                    <p:sldTgt/>
+                  </p:tgtEl>
+                </p:cond>
+              </p:prevCondLst>
+              <p:nextCondLst>
+                <p:cond evt="onNext" delay="0">
+                  <p:tgtEl>
+                    <p:sldTgt/>
+                  </p:tgtEl>
+                </p:cond>
+              </p:nextCondLst>
+            </p:seq>
+          </p:childTnLst>
+        </p:cTn>
+      </p:par>
+    </p:tnLst>
+  </p:timing>
+</p:sld>
+</file>
+
+<file path=ppt/slides/slide15.xml><?xml version="1.0" encoding="utf-8"?>
+<p:sld xmlns:a="http://schemas.openxmlformats.org/drawingml/2006/main" xmlns:r="http://schemas.openxmlformats.org/officeDocument/2006/relationships" xmlns:p="http://schemas.openxmlformats.org/presentationml/2006/main">
+  <p:cSld>
+    <p:spTree>
+      <p:nvGrpSpPr>
+        <p:cNvPr id="1" name=""/>
+        <p:cNvGrpSpPr/>
+        <p:nvPr/>
+      </p:nvGrpSpPr>
+      <p:grpSpPr>
+        <a:xfrm>
+          <a:off x="0" y="0"/>
+          <a:ext cx="0" cy="0"/>
+          <a:chOff x="0" y="0"/>
+          <a:chExt cx="0" cy="0"/>
+        </a:xfrm>
+      </p:grpSpPr>
+      <p:sp>
+        <p:nvSpPr>
+          <p:cNvPr id="4097" name="Rectangle 1"/>
+          <p:cNvSpPr>
+            <a:spLocks noGrp="1" noChangeArrowheads="1"/>
+          </p:cNvSpPr>
+          <p:nvPr>
+            <p:ph type="ctrTitle"/>
+          </p:nvPr>
+        </p:nvSpPr>
+        <p:spPr>
+          <a:xfrm>
+            <a:off x="831528" y="495306"/>
+            <a:ext cx="6912768" cy="761653"/>
+          </a:xfrm>
+        </p:spPr>
+        <p:txBody>
+          <a:bodyPr vert="horz" wrap="square" lIns="0" tIns="0" rIns="0" bIns="0" numCol="1" anchor="t" anchorCtr="0" compatLnSpc="1">
+            <a:prstTxWarp prst="textNoShape">
+              <a:avLst/>
+            </a:prstTxWarp>
+          </a:bodyPr>
+          <a:lstStyle/>
+          <a:p>
+            <a:pPr algn="l">
+              <a:lnSpc>
+                <a:spcPct val="95000"/>
+              </a:lnSpc>
+            </a:pPr>
+            <a:r>
+              <a:rPr lang="de-DE" sz="3600" dirty="0" smtClean="0">
+                <a:latin typeface="TheSansOffice" pitchFamily="34" charset="0"/>
+              </a:rPr>
+              <a:t>Neuerungen im Second </a:t>
+            </a:r>
+            <a:r>
+              <a:rPr lang="de-DE" sz="3600" dirty="0" err="1" smtClean="0">
+                <a:latin typeface="TheSansOffice" pitchFamily="34" charset="0"/>
+              </a:rPr>
+              <a:t>Draft</a:t>
+            </a:r>
+            <a:endParaRPr lang="de-DE" sz="3600" dirty="0">
+              <a:latin typeface="TheSansOffice" pitchFamily="34" charset="0"/>
+            </a:endParaRPr>
+          </a:p>
+        </p:txBody>
+      </p:sp>
+      <p:sp>
+        <p:nvSpPr>
+          <p:cNvPr id="4098" name="Rectangle 2"/>
+          <p:cNvSpPr>
+            <a:spLocks noGrp="1" noChangeArrowheads="1"/>
+          </p:cNvSpPr>
+          <p:nvPr>
+            <p:ph type="subTitle" idx="1"/>
+          </p:nvPr>
+        </p:nvSpPr>
+        <p:spPr>
+          <a:xfrm>
+            <a:off x="936639" y="1705991"/>
+            <a:ext cx="8751879" cy="5602636"/>
+          </a:xfrm>
+        </p:spPr>
+        <p:txBody>
+          <a:bodyPr vert="horz" wrap="square" lIns="0" tIns="0" rIns="0" bIns="0" numCol="1" anchor="t" anchorCtr="0" compatLnSpc="1">
+            <a:prstTxWarp prst="textNoShape">
+              <a:avLst/>
+            </a:prstTxWarp>
+          </a:bodyPr>
+          <a:lstStyle/>
+          <a:p>
+            <a:pPr marL="228594" indent="-228594" algn="l" fontAlgn="auto">
+              <a:lnSpc>
+                <a:spcPct val="90000"/>
+              </a:lnSpc>
+              <a:spcBef>
+                <a:spcPts val="1000"/>
+              </a:spcBef>
+              <a:spcAft>
+                <a:spcPts val="0"/>
+              </a:spcAft>
+              <a:buFont typeface="Arial" panose="020B0604020202020204" pitchFamily="34" charset="0"/>
+              <a:buChar char="•"/>
+            </a:pPr>
+            <a:r>
+              <a:rPr lang="de-DE" sz="2400" kern="1200" dirty="0" smtClean="0">
+                <a:solidFill>
+                  <a:prstClr val="black"/>
+                </a:solidFill>
+                <a:latin typeface="Arial" panose="020B0604020202020204" pitchFamily="34" charset="0"/>
+                <a:cs typeface="Arial" panose="020B0604020202020204" pitchFamily="34" charset="0"/>
+              </a:rPr>
+              <a:t>Generische </a:t>
+            </a:r>
+            <a:r>
+              <a:rPr lang="de-DE" sz="2400" kern="1200" dirty="0">
+                <a:solidFill>
+                  <a:prstClr val="black"/>
+                </a:solidFill>
+                <a:latin typeface="Arial" panose="020B0604020202020204" pitchFamily="34" charset="0"/>
+                <a:cs typeface="Arial" panose="020B0604020202020204" pitchFamily="34" charset="0"/>
+              </a:rPr>
+              <a:t>QFs</a:t>
+            </a:r>
+          </a:p>
+          <a:p>
+            <a:pPr marL="685783" lvl="1" indent="-228594" algn="l" fontAlgn="auto">
+              <a:lnSpc>
+                <a:spcPct val="90000"/>
+              </a:lnSpc>
+              <a:spcBef>
+                <a:spcPts val="1000"/>
+              </a:spcBef>
+              <a:spcAft>
+                <a:spcPts val="0"/>
+              </a:spcAft>
+              <a:buFont typeface="Arial" panose="020B0604020202020204" pitchFamily="34" charset="0"/>
+              <a:buChar char="•"/>
+            </a:pPr>
+            <a:r>
+              <a:rPr lang="de-DE" sz="2000" kern="1200" dirty="0">
+                <a:solidFill>
+                  <a:prstClr val="black"/>
+                </a:solidFill>
+                <a:latin typeface="Consolas" panose="020B0609020204030204" pitchFamily="49" charset="0"/>
+                <a:cs typeface="Consolas" panose="020B0609020204030204" pitchFamily="49" charset="0"/>
+              </a:rPr>
+              <a:t>@</a:t>
+            </a:r>
+            <a:r>
+              <a:rPr lang="de-DE" sz="2000" kern="1200" dirty="0" err="1">
+                <a:solidFill>
+                  <a:prstClr val="black"/>
+                </a:solidFill>
+                <a:latin typeface="Consolas" panose="020B0609020204030204" pitchFamily="49" charset="0"/>
+                <a:cs typeface="Consolas" panose="020B0609020204030204" pitchFamily="49" charset="0"/>
+              </a:rPr>
+              <a:t>use</a:t>
+            </a:r>
+            <a:r>
+              <a:rPr lang="de-DE" sz="2000" kern="1200" dirty="0">
+                <a:solidFill>
+                  <a:prstClr val="black"/>
+                </a:solidFill>
+                <a:latin typeface="Consolas" panose="020B0609020204030204" pitchFamily="49" charset="0"/>
+                <a:cs typeface="Consolas" panose="020B0609020204030204" pitchFamily="49" charset="0"/>
+              </a:rPr>
+              <a:t>-</a:t>
+            </a:r>
+            <a:r>
+              <a:rPr lang="de-DE" sz="2000" kern="1200" dirty="0" err="1">
+                <a:solidFill>
+                  <a:prstClr val="black"/>
+                </a:solidFill>
+                <a:latin typeface="Consolas" panose="020B0609020204030204" pitchFamily="49" charset="0"/>
+                <a:cs typeface="Consolas" panose="020B0609020204030204" pitchFamily="49" charset="0"/>
+              </a:rPr>
+              <a:t>for</a:t>
+            </a:r>
+            <a:r>
+              <a:rPr lang="de-DE" sz="2000" kern="1200" dirty="0">
+                <a:solidFill>
+                  <a:prstClr val="black"/>
+                </a:solidFill>
+                <a:latin typeface="Consolas" panose="020B0609020204030204" pitchFamily="49" charset="0"/>
+                <a:cs typeface="Consolas" panose="020B0609020204030204" pitchFamily="49" charset="0"/>
+              </a:rPr>
+              <a:t>-</a:t>
+            </a:r>
+            <a:r>
+              <a:rPr lang="de-DE" sz="2000" kern="1200" dirty="0" err="1">
+                <a:solidFill>
+                  <a:prstClr val="black"/>
+                </a:solidFill>
+                <a:latin typeface="Consolas" panose="020B0609020204030204" pitchFamily="49" charset="0"/>
+                <a:cs typeface="Consolas" panose="020B0609020204030204" pitchFamily="49" charset="0"/>
+              </a:rPr>
+              <a:t>each</a:t>
+            </a:r>
+            <a:r>
+              <a:rPr lang="de-DE" sz="2000" kern="1200" dirty="0">
+                <a:solidFill>
+                  <a:prstClr val="black"/>
+                </a:solidFill>
+                <a:latin typeface="Arial" panose="020B0604020202020204" pitchFamily="34" charset="0"/>
+                <a:cs typeface="Arial" panose="020B0604020202020204" pitchFamily="34" charset="0"/>
+              </a:rPr>
+              <a:t>-Attribute</a:t>
+            </a:r>
+          </a:p>
+          <a:p>
+            <a:pPr marL="685783" lvl="1" indent="-228594" algn="l" fontAlgn="auto">
+              <a:lnSpc>
+                <a:spcPct val="90000"/>
+              </a:lnSpc>
+              <a:spcBef>
+                <a:spcPts val="1000"/>
+              </a:spcBef>
+              <a:spcAft>
+                <a:spcPts val="0"/>
+              </a:spcAft>
+              <a:buFont typeface="Arial" panose="020B0604020202020204" pitchFamily="34" charset="0"/>
+              <a:buChar char="•"/>
+            </a:pPr>
+            <a:r>
+              <a:rPr lang="de-DE" sz="2000" kern="1200" dirty="0" err="1">
+                <a:solidFill>
+                  <a:prstClr val="black"/>
+                </a:solidFill>
+                <a:latin typeface="Arial" panose="020B0604020202020204" pitchFamily="34" charset="0"/>
+                <a:cs typeface="Arial" panose="020B0604020202020204" pitchFamily="34" charset="0"/>
+              </a:rPr>
+              <a:t>XPath</a:t>
+            </a:r>
+            <a:r>
+              <a:rPr lang="de-DE" sz="2000" kern="1200" dirty="0">
+                <a:solidFill>
+                  <a:prstClr val="black"/>
+                </a:solidFill>
+                <a:latin typeface="Arial" panose="020B0604020202020204" pitchFamily="34" charset="0"/>
+                <a:cs typeface="Arial" panose="020B0604020202020204" pitchFamily="34" charset="0"/>
+              </a:rPr>
+              <a:t>-Ausdruck gibt eine Sequenz zurück</a:t>
+            </a:r>
+          </a:p>
+          <a:p>
+            <a:pPr marL="685783" lvl="1" indent="-228594" algn="l" fontAlgn="auto">
+              <a:lnSpc>
+                <a:spcPct val="90000"/>
+              </a:lnSpc>
+              <a:spcBef>
+                <a:spcPts val="1000"/>
+              </a:spcBef>
+              <a:spcAft>
+                <a:spcPts val="0"/>
+              </a:spcAft>
+              <a:buFont typeface="Arial" panose="020B0604020202020204" pitchFamily="34" charset="0"/>
+              <a:buChar char="•"/>
+            </a:pPr>
+            <a:r>
+              <a:rPr lang="de-DE" sz="2000" kern="1200" dirty="0">
+                <a:solidFill>
+                  <a:prstClr val="black"/>
+                </a:solidFill>
+                <a:latin typeface="Arial" panose="020B0604020202020204" pitchFamily="34" charset="0"/>
+                <a:cs typeface="Arial" panose="020B0604020202020204" pitchFamily="34" charset="0"/>
+              </a:rPr>
+              <a:t>Für jedes Item wird ein QF </a:t>
+            </a:r>
+            <a:r>
+              <a:rPr lang="de-DE" sz="2000" kern="1200" dirty="0" smtClean="0">
+                <a:solidFill>
+                  <a:prstClr val="black"/>
+                </a:solidFill>
+                <a:latin typeface="Arial" panose="020B0604020202020204" pitchFamily="34" charset="0"/>
+                <a:cs typeface="Arial" panose="020B0604020202020204" pitchFamily="34" charset="0"/>
+              </a:rPr>
+              <a:t>erzeugt</a:t>
+            </a:r>
+          </a:p>
+          <a:p>
+            <a:pPr marL="228594" indent="-228594" algn="l" fontAlgn="auto">
+              <a:lnSpc>
+                <a:spcPct val="90000"/>
+              </a:lnSpc>
+              <a:spcBef>
+                <a:spcPts val="1000"/>
+              </a:spcBef>
+              <a:spcAft>
+                <a:spcPts val="0"/>
+              </a:spcAft>
+              <a:buFont typeface="Arial" panose="020B0604020202020204" pitchFamily="34" charset="0"/>
+              <a:buChar char="•"/>
+            </a:pPr>
+            <a:r>
+              <a:rPr lang="de-DE" sz="2400" kern="1200" dirty="0" smtClean="0">
+                <a:solidFill>
+                  <a:prstClr val="black"/>
+                </a:solidFill>
+                <a:latin typeface="Arial" panose="020B0604020202020204" pitchFamily="34" charset="0"/>
+                <a:cs typeface="Arial" panose="020B0604020202020204" pitchFamily="34" charset="0"/>
+              </a:rPr>
+              <a:t>Neues Inhaltsmodell von </a:t>
+            </a:r>
+            <a:r>
+              <a:rPr lang="de-DE" sz="2000" kern="1200" dirty="0" smtClean="0">
+                <a:solidFill>
+                  <a:prstClr val="black"/>
+                </a:solidFill>
+                <a:latin typeface="Consolas" panose="020B0609020204030204" pitchFamily="49" charset="0"/>
+                <a:cs typeface="Consolas" panose="020B0609020204030204" pitchFamily="49" charset="0"/>
+              </a:rPr>
+              <a:t>&lt;</a:t>
+            </a:r>
+            <a:r>
+              <a:rPr lang="de-DE" sz="2000" kern="1200" dirty="0" err="1" smtClean="0">
+                <a:solidFill>
+                  <a:prstClr val="black"/>
+                </a:solidFill>
+                <a:latin typeface="Consolas" panose="020B0609020204030204" pitchFamily="49" charset="0"/>
+                <a:cs typeface="Consolas" panose="020B0609020204030204" pitchFamily="49" charset="0"/>
+              </a:rPr>
+              <a:t>sqf:fix</a:t>
+            </a:r>
+            <a:r>
+              <a:rPr lang="de-DE" sz="2000" kern="1200" dirty="0" smtClean="0">
+                <a:solidFill>
+                  <a:prstClr val="black"/>
+                </a:solidFill>
+                <a:latin typeface="Consolas" panose="020B0609020204030204" pitchFamily="49" charset="0"/>
+                <a:cs typeface="Consolas" panose="020B0609020204030204" pitchFamily="49" charset="0"/>
+              </a:rPr>
+              <a:t>&gt;</a:t>
+            </a:r>
+            <a:endParaRPr lang="de-DE" sz="2400" kern="1200" dirty="0" smtClean="0">
+              <a:solidFill>
+                <a:prstClr val="black"/>
+              </a:solidFill>
+              <a:latin typeface="Consolas" panose="020B0609020204030204" pitchFamily="49" charset="0"/>
+              <a:cs typeface="Consolas" panose="020B0609020204030204" pitchFamily="49" charset="0"/>
+            </a:endParaRPr>
+          </a:p>
+          <a:p>
+            <a:pPr marL="685783" lvl="1" indent="-228594" algn="l" fontAlgn="auto">
+              <a:lnSpc>
+                <a:spcPct val="90000"/>
+              </a:lnSpc>
+              <a:spcBef>
+                <a:spcPts val="1000"/>
+              </a:spcBef>
+              <a:spcAft>
+                <a:spcPts val="0"/>
+              </a:spcAft>
+              <a:buFont typeface="Arial" panose="020B0604020202020204" pitchFamily="34" charset="0"/>
+              <a:buChar char="•"/>
+            </a:pPr>
+            <a:r>
+              <a:rPr lang="de-DE" sz="2000" kern="1200" dirty="0" smtClean="0">
+                <a:solidFill>
+                  <a:prstClr val="black"/>
+                </a:solidFill>
+                <a:latin typeface="Arial" panose="020B0604020202020204" pitchFamily="34" charset="0"/>
+                <a:cs typeface="Arial" panose="020B0604020202020204" pitchFamily="34" charset="0"/>
+              </a:rPr>
+              <a:t>Bisher: </a:t>
+            </a:r>
+          </a:p>
+          <a:p>
+            <a:pPr marL="1142972" lvl="2" indent="-228594" algn="l" fontAlgn="auto">
+              <a:lnSpc>
+                <a:spcPct val="90000"/>
+              </a:lnSpc>
+              <a:spcBef>
+                <a:spcPts val="1000"/>
+              </a:spcBef>
+              <a:spcAft>
+                <a:spcPts val="0"/>
+              </a:spcAft>
+              <a:buFont typeface="Arial" panose="020B0604020202020204" pitchFamily="34" charset="0"/>
+              <a:buChar char="•"/>
+            </a:pPr>
+            <a:r>
+              <a:rPr lang="de-DE" sz="1600" kern="1200" dirty="0" smtClean="0">
+                <a:solidFill>
+                  <a:prstClr val="black"/>
+                </a:solidFill>
+                <a:latin typeface="Arial" panose="020B0604020202020204" pitchFamily="34" charset="0"/>
+                <a:cs typeface="Arial" panose="020B0604020202020204" pitchFamily="34" charset="0"/>
+              </a:rPr>
+              <a:t>Entwede</a:t>
+            </a:r>
+            <a:r>
+              <a:rPr lang="de-DE" sz="1600" kern="1200" dirty="0" smtClean="0">
+                <a:solidFill>
+                  <a:prstClr val="black"/>
+                </a:solidFill>
+                <a:latin typeface="Arial" panose="020B0604020202020204" pitchFamily="34" charset="0"/>
+                <a:cs typeface="Arial" panose="020B0604020202020204" pitchFamily="34" charset="0"/>
+              </a:rPr>
+              <a:t>r QF-Aufruf oder Aktionen</a:t>
+            </a:r>
+          </a:p>
+          <a:p>
+            <a:pPr marL="1142972" lvl="2" indent="-228594" algn="l" fontAlgn="auto">
+              <a:lnSpc>
+                <a:spcPct val="90000"/>
+              </a:lnSpc>
+              <a:spcBef>
+                <a:spcPts val="1000"/>
+              </a:spcBef>
+              <a:spcAft>
+                <a:spcPts val="0"/>
+              </a:spcAft>
+              <a:buFont typeface="Arial" panose="020B0604020202020204" pitchFamily="34" charset="0"/>
+              <a:buChar char="•"/>
+            </a:pPr>
+            <a:r>
+              <a:rPr lang="de-DE" sz="1600" kern="1200" dirty="0" smtClean="0">
+                <a:solidFill>
+                  <a:prstClr val="black"/>
+                </a:solidFill>
+                <a:latin typeface="Arial" panose="020B0604020202020204" pitchFamily="34" charset="0"/>
+                <a:cs typeface="Arial" panose="020B0604020202020204" pitchFamily="34" charset="0"/>
+              </a:rPr>
+              <a:t>Die Description konnte nicht vererbt werden bei QF-Aufrufen, da </a:t>
+            </a:r>
+            <a:r>
+              <a:rPr lang="de-DE" sz="1600" kern="1200" dirty="0" smtClean="0">
+                <a:solidFill>
+                  <a:prstClr val="black"/>
+                </a:solidFill>
+                <a:latin typeface="Consolas" panose="020B0609020204030204" pitchFamily="49" charset="0"/>
+                <a:cs typeface="Consolas" panose="020B0609020204030204" pitchFamily="49" charset="0"/>
+              </a:rPr>
+              <a:t>&lt;</a:t>
+            </a:r>
+            <a:r>
+              <a:rPr lang="de-DE" sz="1600" kern="1200" dirty="0" err="1" smtClean="0">
+                <a:solidFill>
+                  <a:prstClr val="black"/>
+                </a:solidFill>
+                <a:latin typeface="Consolas" panose="020B0609020204030204" pitchFamily="49" charset="0"/>
+                <a:cs typeface="Consolas" panose="020B0609020204030204" pitchFamily="49" charset="0"/>
+              </a:rPr>
+              <a:t>sqf:description</a:t>
+            </a:r>
+            <a:r>
+              <a:rPr lang="de-DE" sz="1600" kern="1200" dirty="0" smtClean="0">
+                <a:solidFill>
+                  <a:prstClr val="black"/>
+                </a:solidFill>
+                <a:latin typeface="Consolas" panose="020B0609020204030204" pitchFamily="49" charset="0"/>
+                <a:cs typeface="Consolas" panose="020B0609020204030204" pitchFamily="49" charset="0"/>
+              </a:rPr>
+              <a:t>&gt;</a:t>
+            </a:r>
+            <a:r>
+              <a:rPr lang="de-DE" sz="1600" kern="1200" dirty="0" smtClean="0">
+                <a:solidFill>
+                  <a:prstClr val="black"/>
+                </a:solidFill>
+                <a:latin typeface="Arial" panose="020B0604020202020204" pitchFamily="34" charset="0"/>
+                <a:cs typeface="Arial" panose="020B0604020202020204" pitchFamily="34" charset="0"/>
+              </a:rPr>
+              <a:t> obligatorisch war</a:t>
+            </a:r>
+          </a:p>
+          <a:p>
+            <a:pPr marL="685783" lvl="1" indent="-228594" algn="l" fontAlgn="auto">
+              <a:lnSpc>
+                <a:spcPct val="90000"/>
+              </a:lnSpc>
+              <a:spcBef>
+                <a:spcPts val="1000"/>
+              </a:spcBef>
+              <a:spcAft>
+                <a:spcPts val="0"/>
+              </a:spcAft>
+              <a:buFont typeface="Arial" panose="020B0604020202020204" pitchFamily="34" charset="0"/>
+              <a:buChar char="•"/>
+            </a:pPr>
+            <a:r>
+              <a:rPr lang="de-DE" sz="2000" kern="1200" dirty="0" smtClean="0">
+                <a:solidFill>
+                  <a:prstClr val="black"/>
+                </a:solidFill>
+                <a:latin typeface="Arial" panose="020B0604020202020204" pitchFamily="34" charset="0"/>
+                <a:cs typeface="Arial" panose="020B0604020202020204" pitchFamily="34" charset="0"/>
+              </a:rPr>
+              <a:t>Neu:</a:t>
+            </a:r>
+          </a:p>
+          <a:p>
+            <a:pPr marL="1142972" lvl="2" indent="-228594" algn="l" fontAlgn="auto">
+              <a:lnSpc>
+                <a:spcPct val="90000"/>
+              </a:lnSpc>
+              <a:spcBef>
+                <a:spcPts val="1000"/>
+              </a:spcBef>
+              <a:spcAft>
+                <a:spcPts val="0"/>
+              </a:spcAft>
+              <a:buFont typeface="Arial" panose="020B0604020202020204" pitchFamily="34" charset="0"/>
+              <a:buChar char="•"/>
+            </a:pPr>
+            <a:r>
+              <a:rPr lang="de-DE" sz="1600" kern="1200" dirty="0" smtClean="0">
+                <a:solidFill>
+                  <a:prstClr val="black"/>
+                </a:solidFill>
+                <a:latin typeface="Arial" panose="020B0604020202020204" pitchFamily="34" charset="0"/>
+                <a:cs typeface="Arial" panose="020B0604020202020204" pitchFamily="34" charset="0"/>
+              </a:rPr>
+              <a:t>Beliebige Kombinationen aus Aktionen und QF-Aufrufen</a:t>
+            </a:r>
+          </a:p>
+          <a:p>
+            <a:pPr marL="1142972" lvl="2" indent="-228594" algn="l" fontAlgn="auto">
+              <a:lnSpc>
+                <a:spcPct val="90000"/>
+              </a:lnSpc>
+              <a:spcBef>
+                <a:spcPts val="1000"/>
+              </a:spcBef>
+              <a:spcAft>
+                <a:spcPts val="0"/>
+              </a:spcAft>
+              <a:buFont typeface="Arial" panose="020B0604020202020204" pitchFamily="34" charset="0"/>
+              <a:buChar char="•"/>
+            </a:pPr>
+            <a:r>
+              <a:rPr lang="de-DE" sz="1600" kern="1200" dirty="0" smtClean="0">
+                <a:solidFill>
+                  <a:prstClr val="black"/>
+                </a:solidFill>
+                <a:latin typeface="Arial" panose="020B0604020202020204" pitchFamily="34" charset="0"/>
+                <a:cs typeface="Arial" panose="020B0604020202020204" pitchFamily="34" charset="0"/>
+              </a:rPr>
+              <a:t>Description is</a:t>
+            </a:r>
+            <a:r>
+              <a:rPr lang="de-DE" sz="1600" kern="1200" dirty="0" smtClean="0">
+                <a:solidFill>
+                  <a:prstClr val="black"/>
+                </a:solidFill>
+                <a:latin typeface="Arial" panose="020B0604020202020204" pitchFamily="34" charset="0"/>
+                <a:cs typeface="Arial" panose="020B0604020202020204" pitchFamily="34" charset="0"/>
+              </a:rPr>
+              <a:t>t nur obligatorisch, wenn</a:t>
+            </a:r>
+          </a:p>
+          <a:p>
+            <a:pPr marL="1600166" lvl="3" indent="-228600" algn="l" fontAlgn="auto">
+              <a:lnSpc>
+                <a:spcPct val="90000"/>
+              </a:lnSpc>
+              <a:spcBef>
+                <a:spcPts val="1000"/>
+              </a:spcBef>
+              <a:spcAft>
+                <a:spcPts val="0"/>
+              </a:spcAft>
+              <a:buFont typeface="+mj-lt"/>
+              <a:buAutoNum type="alphaLcParenR"/>
+            </a:pPr>
+            <a:r>
+              <a:rPr lang="de-DE" sz="1400" kern="1200" dirty="0" smtClean="0">
+                <a:solidFill>
+                  <a:prstClr val="black"/>
+                </a:solidFill>
+                <a:latin typeface="Arial" panose="020B0604020202020204" pitchFamily="34" charset="0"/>
+                <a:cs typeface="Arial" panose="020B0604020202020204" pitchFamily="34" charset="0"/>
+              </a:rPr>
+              <a:t>Ein </a:t>
+            </a:r>
+            <a:r>
+              <a:rPr lang="de-DE" sz="1400" kern="1200" dirty="0" err="1" smtClean="0">
+                <a:solidFill>
+                  <a:prstClr val="black"/>
+                </a:solidFill>
+                <a:latin typeface="Arial" panose="020B0604020202020204" pitchFamily="34" charset="0"/>
+                <a:cs typeface="Arial" panose="020B0604020202020204" pitchFamily="34" charset="0"/>
+              </a:rPr>
+              <a:t>ActivityElement</a:t>
+            </a:r>
+            <a:r>
+              <a:rPr lang="de-DE" sz="1400" kern="1200" dirty="0" smtClean="0">
+                <a:solidFill>
+                  <a:prstClr val="black"/>
+                </a:solidFill>
+                <a:latin typeface="Arial" panose="020B0604020202020204" pitchFamily="34" charset="0"/>
+                <a:cs typeface="Arial" panose="020B0604020202020204" pitchFamily="34" charset="0"/>
+              </a:rPr>
+              <a:t> enthalten ist, oder</a:t>
+            </a:r>
+          </a:p>
+          <a:p>
+            <a:pPr marL="1600166" lvl="3" indent="-228600" algn="l" fontAlgn="auto">
+              <a:lnSpc>
+                <a:spcPct val="90000"/>
+              </a:lnSpc>
+              <a:spcBef>
+                <a:spcPts val="1000"/>
+              </a:spcBef>
+              <a:spcAft>
+                <a:spcPts val="0"/>
+              </a:spcAft>
+              <a:buFont typeface="+mj-lt"/>
+              <a:buAutoNum type="alphaLcParenR"/>
+            </a:pPr>
+            <a:r>
+              <a:rPr lang="de-DE" sz="1400" kern="1200" dirty="0" smtClean="0">
+                <a:solidFill>
+                  <a:prstClr val="black"/>
+                </a:solidFill>
+                <a:latin typeface="Arial" panose="020B0604020202020204" pitchFamily="34" charset="0"/>
+                <a:cs typeface="Arial" panose="020B0604020202020204" pitchFamily="34" charset="0"/>
+              </a:rPr>
+              <a:t>Mehrere </a:t>
+            </a:r>
+            <a:r>
+              <a:rPr lang="de-DE" sz="1400" kern="1200" dirty="0" smtClean="0">
+                <a:solidFill>
+                  <a:prstClr val="black"/>
+                </a:solidFill>
+                <a:latin typeface="Consolas" panose="020B0609020204030204" pitchFamily="49" charset="0"/>
+                <a:cs typeface="Consolas" panose="020B0609020204030204" pitchFamily="49" charset="0"/>
+              </a:rPr>
+              <a:t>&lt;</a:t>
+            </a:r>
+            <a:r>
+              <a:rPr lang="de-DE" sz="1400" kern="1200" dirty="0" err="1" smtClean="0">
+                <a:solidFill>
+                  <a:prstClr val="black"/>
+                </a:solidFill>
+                <a:latin typeface="Consolas" panose="020B0609020204030204" pitchFamily="49" charset="0"/>
+                <a:cs typeface="Consolas" panose="020B0609020204030204" pitchFamily="49" charset="0"/>
+              </a:rPr>
+              <a:t>sqf:call-fix</a:t>
+            </a:r>
+            <a:r>
+              <a:rPr lang="de-DE" sz="1400" kern="1200" dirty="0" smtClean="0">
+                <a:solidFill>
+                  <a:prstClr val="black"/>
+                </a:solidFill>
+                <a:latin typeface="Consolas" panose="020B0609020204030204" pitchFamily="49" charset="0"/>
+                <a:cs typeface="Consolas" panose="020B0609020204030204" pitchFamily="49" charset="0"/>
+              </a:rPr>
+              <a:t>&gt;</a:t>
+            </a:r>
+            <a:r>
+              <a:rPr lang="de-DE" sz="1400" kern="1200" dirty="0" smtClean="0">
+                <a:solidFill>
+                  <a:prstClr val="black"/>
+                </a:solidFill>
+                <a:latin typeface="Arial" panose="020B0604020202020204" pitchFamily="34" charset="0"/>
+                <a:cs typeface="Arial" panose="020B0604020202020204" pitchFamily="34" charset="0"/>
+              </a:rPr>
+              <a:t>-Elemente enthalten sind</a:t>
+            </a:r>
+            <a:endParaRPr lang="de-DE" sz="1400" kern="1200" dirty="0">
+              <a:solidFill>
+                <a:prstClr val="black"/>
+              </a:solidFill>
+              <a:latin typeface="Arial" panose="020B0604020202020204" pitchFamily="34" charset="0"/>
+              <a:cs typeface="Arial" panose="020B0604020202020204" pitchFamily="34" charset="0"/>
+            </a:endParaRPr>
+          </a:p>
+        </p:txBody>
+      </p:sp>
+    </p:spTree>
+    <p:extLst>
+      <p:ext uri="{BB962C8B-B14F-4D97-AF65-F5344CB8AC3E}">
+        <p14:creationId xmlns:p14="http://schemas.microsoft.com/office/powerpoint/2010/main" val="1168058607"/>
+      </p:ext>
+    </p:extLst>
+  </p:cSld>
+  <p:clrMapOvr>
+    <a:masterClrMapping/>
+  </p:clrMapOvr>
+  <mc:AlternateContent xmlns:mc="http://schemas.openxmlformats.org/markup-compatibility/2006" xmlns:p14="http://schemas.microsoft.com/office/powerpoint/2010/main">
+    <mc:Choice Requires="p14">
+      <p:transition spd="slow" p14:dur="2000"/>
+    </mc:Choice>
+    <mc:Fallback xmlns="">
+      <p:transition spd="slow"/>
+    </mc:Fallback>
+  </mc:AlternateContent>
+  <p:timing>
+    <p:tnLst>
+      <p:par>
+        <p:cTn id="1" dur="indefinite" restart="never" nodeType="tmRoot">
+          <p:childTnLst>
+            <p:seq concurrent="1" nextAc="seek">
+              <p:cTn id="2" dur="indefinite" nodeType="mainSeq">
+                <p:childTnLst>
                   <p:par>
-                    <p:cTn id="23" fill="hold">
+                    <p:cTn id="3" fill="hold">
                       <p:stCondLst>
                         <p:cond delay="indefinite"/>
                       </p:stCondLst>
                       <p:childTnLst>
                         <p:par>
-                          <p:cTn id="24" fill="hold">
+                          <p:cTn id="4" fill="hold">
                             <p:stCondLst>
                               <p:cond delay="0"/>
                             </p:stCondLst>
                             <p:childTnLst>
                               <p:par>
-                                <p:cTn id="25" presetID="1" presetClass="entr" presetSubtype="0" fill="hold" nodeType="clickEffect">
+                                <p:cTn id="5" presetID="1" presetClass="entr" presetSubtype="0" fill="hold" nodeType="clickEffect">
+                                  <p:stCondLst>
+                                    <p:cond delay="0"/>
+                                  </p:stCondLst>
+                                  <p:childTnLst>
+                                    <p:set>
+                                      <p:cBhvr>
+                                        <p:cTn id="6" dur="1" fill="hold">
+                                          <p:stCondLst>
+                                            <p:cond delay="0"/>
+                                          </p:stCondLst>
+                                        </p:cTn>
+                                        <p:tgtEl>
+                                          <p:spTgt spid="4098">
+                                            <p:txEl>
+                                              <p:pRg st="0" end="0"/>
+                                            </p:txEl>
+                                          </p:spTgt>
+                                        </p:tgtEl>
+                                        <p:attrNameLst>
+                                          <p:attrName>style.visibility</p:attrName>
+                                        </p:attrNameLst>
+                                      </p:cBhvr>
+                                      <p:to>
+                                        <p:strVal val="visible"/>
+                                      </p:to>
+                                    </p:set>
+                                  </p:childTnLst>
+                                </p:cTn>
+                              </p:par>
+                              <p:par>
+                                <p:cTn id="7" presetID="1" presetClass="entr" presetSubtype="0" fill="hold" nodeType="withEffect">
+                                  <p:stCondLst>
+                                    <p:cond delay="0"/>
+                                  </p:stCondLst>
+                                  <p:childTnLst>
+                                    <p:set>
+                                      <p:cBhvr>
+                                        <p:cTn id="8" dur="1" fill="hold">
+                                          <p:stCondLst>
+                                            <p:cond delay="0"/>
+                                          </p:stCondLst>
+                                        </p:cTn>
+                                        <p:tgtEl>
+                                          <p:spTgt spid="4098">
+                                            <p:txEl>
+                                              <p:pRg st="1" end="1"/>
+                                            </p:txEl>
+                                          </p:spTgt>
+                                        </p:tgtEl>
+                                        <p:attrNameLst>
+                                          <p:attrName>style.visibility</p:attrName>
+                                        </p:attrNameLst>
+                                      </p:cBhvr>
+                                      <p:to>
+                                        <p:strVal val="visible"/>
+                                      </p:to>
+                                    </p:set>
+                                  </p:childTnLst>
+                                </p:cTn>
+                              </p:par>
+                              <p:par>
+                                <p:cTn id="9" presetID="1" presetClass="entr" presetSubtype="0" fill="hold" nodeType="withEffect">
+                                  <p:stCondLst>
+                                    <p:cond delay="0"/>
+                                  </p:stCondLst>
+                                  <p:childTnLst>
+                                    <p:set>
+                                      <p:cBhvr>
+                                        <p:cTn id="10" dur="1" fill="hold">
+                                          <p:stCondLst>
+                                            <p:cond delay="0"/>
+                                          </p:stCondLst>
+                                        </p:cTn>
+                                        <p:tgtEl>
+                                          <p:spTgt spid="4098">
+                                            <p:txEl>
+                                              <p:pRg st="2" end="2"/>
+                                            </p:txEl>
+                                          </p:spTgt>
+                                        </p:tgtEl>
+                                        <p:attrNameLst>
+                                          <p:attrName>style.visibility</p:attrName>
+                                        </p:attrNameLst>
+                                      </p:cBhvr>
+                                      <p:to>
+                                        <p:strVal val="visible"/>
+                                      </p:to>
+                                    </p:set>
+                                  </p:childTnLst>
+                                </p:cTn>
+                              </p:par>
+                              <p:par>
+                                <p:cTn id="11" presetID="1" presetClass="entr" presetSubtype="0" fill="hold" nodeType="withEffect">
+                                  <p:stCondLst>
+                                    <p:cond delay="0"/>
+                                  </p:stCondLst>
+                                  <p:childTnLst>
+                                    <p:set>
+                                      <p:cBhvr>
+                                        <p:cTn id="12" dur="1" fill="hold">
+                                          <p:stCondLst>
+                                            <p:cond delay="0"/>
+                                          </p:stCondLst>
+                                        </p:cTn>
+                                        <p:tgtEl>
+                                          <p:spTgt spid="4098">
+                                            <p:txEl>
+                                              <p:pRg st="3" end="3"/>
+                                            </p:txEl>
+                                          </p:spTgt>
+                                        </p:tgtEl>
+                                        <p:attrNameLst>
+                                          <p:attrName>style.visibility</p:attrName>
+                                        </p:attrNameLst>
+                                      </p:cBhvr>
+                                      <p:to>
+                                        <p:strVal val="visible"/>
+                                      </p:to>
+                                    </p:set>
+                                  </p:childTnLst>
+                                </p:cTn>
+                              </p:par>
+                              <p:par>
+                                <p:cTn id="13" presetID="1" presetClass="entr" presetSubtype="0" fill="hold" nodeType="withEffect">
+                                  <p:stCondLst>
+                                    <p:cond delay="0"/>
+                                  </p:stCondLst>
+                                  <p:childTnLst>
+                                    <p:set>
+                                      <p:cBhvr>
+                                        <p:cTn id="14" dur="1" fill="hold">
+                                          <p:stCondLst>
+                                            <p:cond delay="0"/>
+                                          </p:stCondLst>
+                                        </p:cTn>
+                                        <p:tgtEl>
+                                          <p:spTgt spid="4098">
+                                            <p:txEl>
+                                              <p:pRg st="4" end="4"/>
+                                            </p:txEl>
+                                          </p:spTgt>
+                                        </p:tgtEl>
+                                        <p:attrNameLst>
+                                          <p:attrName>style.visibility</p:attrName>
+                                        </p:attrNameLst>
+                                      </p:cBhvr>
+                                      <p:to>
+                                        <p:strVal val="visible"/>
+                                      </p:to>
+                                    </p:set>
+                                  </p:childTnLst>
+                                </p:cTn>
+                              </p:par>
+                              <p:par>
+                                <p:cTn id="15" presetID="1" presetClass="entr" presetSubtype="0" fill="hold" nodeType="withEffect">
+                                  <p:stCondLst>
+                                    <p:cond delay="0"/>
+                                  </p:stCondLst>
+                                  <p:childTnLst>
+                                    <p:set>
+                                      <p:cBhvr>
+                                        <p:cTn id="16" dur="1" fill="hold">
+                                          <p:stCondLst>
+                                            <p:cond delay="0"/>
+                                          </p:stCondLst>
+                                        </p:cTn>
+                                        <p:tgtEl>
+                                          <p:spTgt spid="4098">
+                                            <p:txEl>
+                                              <p:pRg st="5" end="5"/>
+                                            </p:txEl>
+                                          </p:spTgt>
+                                        </p:tgtEl>
+                                        <p:attrNameLst>
+                                          <p:attrName>style.visibility</p:attrName>
+                                        </p:attrNameLst>
+                                      </p:cBhvr>
+                                      <p:to>
+                                        <p:strVal val="visible"/>
+                                      </p:to>
+                                    </p:set>
+                                  </p:childTnLst>
+                                </p:cTn>
+                              </p:par>
+                              <p:par>
+                                <p:cTn id="17" presetID="1" presetClass="entr" presetSubtype="0" fill="hold" nodeType="withEffect">
+                                  <p:stCondLst>
+                                    <p:cond delay="0"/>
+                                  </p:stCondLst>
+                                  <p:childTnLst>
+                                    <p:set>
+                                      <p:cBhvr>
+                                        <p:cTn id="18" dur="1" fill="hold">
+                                          <p:stCondLst>
+                                            <p:cond delay="0"/>
+                                          </p:stCondLst>
+                                        </p:cTn>
+                                        <p:tgtEl>
+                                          <p:spTgt spid="4098">
+                                            <p:txEl>
+                                              <p:pRg st="6" end="6"/>
+                                            </p:txEl>
+                                          </p:spTgt>
+                                        </p:tgtEl>
+                                        <p:attrNameLst>
+                                          <p:attrName>style.visibility</p:attrName>
+                                        </p:attrNameLst>
+                                      </p:cBhvr>
+                                      <p:to>
+                                        <p:strVal val="visible"/>
+                                      </p:to>
+                                    </p:set>
+                                  </p:childTnLst>
+                                </p:cTn>
+                              </p:par>
+                              <p:par>
+                                <p:cTn id="19" presetID="1" presetClass="entr" presetSubtype="0" fill="hold" nodeType="withEffect">
+                                  <p:stCondLst>
+                                    <p:cond delay="0"/>
+                                  </p:stCondLst>
+                                  <p:childTnLst>
+                                    <p:set>
+                                      <p:cBhvr>
+                                        <p:cTn id="20" dur="1" fill="hold">
+                                          <p:stCondLst>
+                                            <p:cond delay="0"/>
+                                          </p:stCondLst>
+                                        </p:cTn>
+                                        <p:tgtEl>
+                                          <p:spTgt spid="4098">
+                                            <p:txEl>
+                                              <p:pRg st="7" end="7"/>
+                                            </p:txEl>
+                                          </p:spTgt>
+                                        </p:tgtEl>
+                                        <p:attrNameLst>
+                                          <p:attrName>style.visibility</p:attrName>
+                                        </p:attrNameLst>
+                                      </p:cBhvr>
+                                      <p:to>
+                                        <p:strVal val="visible"/>
+                                      </p:to>
+                                    </p:set>
+                                  </p:childTnLst>
+                                </p:cTn>
+                              </p:par>
+                              <p:par>
+                                <p:cTn id="21" presetID="1" presetClass="entr" presetSubtype="0" fill="hold" nodeType="withEffect">
+                                  <p:stCondLst>
+                                    <p:cond delay="0"/>
+                                  </p:stCondLst>
+                                  <p:childTnLst>
+                                    <p:set>
+                                      <p:cBhvr>
+                                        <p:cTn id="22" dur="1" fill="hold">
+                                          <p:stCondLst>
+                                            <p:cond delay="0"/>
+                                          </p:stCondLst>
+                                        </p:cTn>
+                                        <p:tgtEl>
+                                          <p:spTgt spid="4098">
+                                            <p:txEl>
+                                              <p:pRg st="8" end="8"/>
+                                            </p:txEl>
+                                          </p:spTgt>
+                                        </p:tgtEl>
+                                        <p:attrNameLst>
+                                          <p:attrName>style.visibility</p:attrName>
+                                        </p:attrNameLst>
+                                      </p:cBhvr>
+                                      <p:to>
+                                        <p:strVal val="visible"/>
+                                      </p:to>
+                                    </p:set>
+                                  </p:childTnLst>
+                                </p:cTn>
+                              </p:par>
+                              <p:par>
+                                <p:cTn id="23" presetID="1" presetClass="entr" presetSubtype="0" fill="hold" nodeType="withEffect">
+                                  <p:stCondLst>
+                                    <p:cond delay="0"/>
+                                  </p:stCondLst>
+                                  <p:childTnLst>
+                                    <p:set>
+                                      <p:cBhvr>
+                                        <p:cTn id="24" dur="1" fill="hold">
+                                          <p:stCondLst>
+                                            <p:cond delay="0"/>
+                                          </p:stCondLst>
+                                        </p:cTn>
+                                        <p:tgtEl>
+                                          <p:spTgt spid="4098">
+                                            <p:txEl>
+                                              <p:pRg st="9" end="9"/>
+                                            </p:txEl>
+                                          </p:spTgt>
+                                        </p:tgtEl>
+                                        <p:attrNameLst>
+                                          <p:attrName>style.visibility</p:attrName>
+                                        </p:attrNameLst>
+                                      </p:cBhvr>
+                                      <p:to>
+                                        <p:strVal val="visible"/>
+                                      </p:to>
+                                    </p:set>
+                                  </p:childTnLst>
+                                </p:cTn>
+                              </p:par>
+                              <p:par>
+                                <p:cTn id="25" presetID="1" presetClass="entr" presetSubtype="0" fill="hold" nodeType="withEffect">
                                   <p:stCondLst>
                                     <p:cond delay="0"/>
                                   </p:stCondLst>
@@ -10338,7 +11627,7 @@
                                         <p:tgtEl>
                                           <p:spTgt spid="4098">
                                             <p:txEl>
-                                              <p:pRg st="7" end="7"/>
+                                              <p:pRg st="10" end="10"/>
                                             </p:txEl>
                                           </p:spTgt>
                                         </p:tgtEl>
@@ -10369,7 +11658,7 @@
                                         <p:tgtEl>
                                           <p:spTgt spid="4098">
                                             <p:txEl>
-                                              <p:pRg st="8" end="8"/>
+                                              <p:pRg st="11" end="11"/>
                                             </p:txEl>
                                           </p:spTgt>
                                         </p:tgtEl>
@@ -10400,69 +11689,7 @@
                                         <p:tgtEl>
                                           <p:spTgt spid="4098">
                                             <p:txEl>
-                                              <p:pRg st="9" end="9"/>
-                                            </p:txEl>
-                                          </p:spTgt>
-                                        </p:tgtEl>
-                                        <p:attrNameLst>
-                                          <p:attrName>style.visibility</p:attrName>
-                                        </p:attrNameLst>
-                                      </p:cBhvr>
-                                      <p:to>
-                                        <p:strVal val="visible"/>
-                                      </p:to>
-                                    </p:set>
-                                  </p:childTnLst>
-                                </p:cTn>
-                              </p:par>
-                              <p:par>
-                                <p:cTn id="31" presetID="1" presetClass="entr" presetSubtype="0" fill="hold" nodeType="withEffect">
-                                  <p:stCondLst>
-                                    <p:cond delay="0"/>
-                                  </p:stCondLst>
-                                  <p:childTnLst>
-                                    <p:set>
-                                      <p:cBhvr>
-                                        <p:cTn id="32" dur="1" fill="hold">
-                                          <p:stCondLst>
-                                            <p:cond delay="0"/>
-                                          </p:stCondLst>
-                                        </p:cTn>
-                                        <p:tgtEl>
-                                          <p:spTgt spid="4098">
-                                            <p:txEl>
-                                              <p:pRg st="10" end="10"/>
-                                            </p:txEl>
-                                          </p:spTgt>
-                                        </p:tgtEl>
-                                        <p:attrNameLst>
-                                          <p:attrName>style.visibility</p:attrName>
-                                        </p:attrNameLst>
-                                      </p:cBhvr>
-                                      <p:to>
-                                        <p:strVal val="visible"/>
-                                      </p:to>
-                                    </p:set>
-                                  </p:childTnLst>
-                                </p:cTn>
-                              </p:par>
-                              <p:par>
-                                <p:cTn id="33" presetID="1" presetClass="entr" presetSubtype="0" fill="hold" nodeType="withEffect">
-                                  <p:stCondLst>
-                                    <p:cond delay="0"/>
-                                  </p:stCondLst>
-                                  <p:childTnLst>
-                                    <p:set>
-                                      <p:cBhvr>
-                                        <p:cTn id="34" dur="1" fill="hold">
-                                          <p:stCondLst>
-                                            <p:cond delay="0"/>
-                                          </p:stCondLst>
-                                        </p:cTn>
-                                        <p:tgtEl>
-                                          <p:spTgt spid="4098">
-                                            <p:txEl>
-                                              <p:pRg st="11" end="11"/>
+                                              <p:pRg st="12" end="12"/>
                                             </p:txEl>
                                           </p:spTgt>
                                         </p:tgtEl>
@@ -10508,7 +11735,688 @@
 </p:sld>
 </file>
 
-<file path=ppt/slides/slide15.xml><?xml version="1.0" encoding="utf-8"?>
+<file path=ppt/slides/slide16.xml><?xml version="1.0" encoding="utf-8"?>
+<p:sld xmlns:a="http://schemas.openxmlformats.org/drawingml/2006/main" xmlns:r="http://schemas.openxmlformats.org/officeDocument/2006/relationships" xmlns:p="http://schemas.openxmlformats.org/presentationml/2006/main">
+  <p:cSld>
+    <p:spTree>
+      <p:nvGrpSpPr>
+        <p:cNvPr id="1" name=""/>
+        <p:cNvGrpSpPr/>
+        <p:nvPr/>
+      </p:nvGrpSpPr>
+      <p:grpSpPr>
+        <a:xfrm>
+          <a:off x="0" y="0"/>
+          <a:ext cx="0" cy="0"/>
+          <a:chOff x="0" y="0"/>
+          <a:chExt cx="0" cy="0"/>
+        </a:xfrm>
+      </p:grpSpPr>
+      <p:sp>
+        <p:nvSpPr>
+          <p:cNvPr id="4097" name="Rectangle 1"/>
+          <p:cNvSpPr>
+            <a:spLocks noGrp="1" noChangeArrowheads="1"/>
+          </p:cNvSpPr>
+          <p:nvPr>
+            <p:ph type="ctrTitle"/>
+          </p:nvPr>
+        </p:nvSpPr>
+        <p:spPr>
+          <a:xfrm>
+            <a:off x="831528" y="495306"/>
+            <a:ext cx="6912768" cy="761653"/>
+          </a:xfrm>
+        </p:spPr>
+        <p:txBody>
+          <a:bodyPr vert="horz" wrap="square" lIns="0" tIns="0" rIns="0" bIns="0" numCol="1" anchor="t" anchorCtr="0" compatLnSpc="1">
+            <a:prstTxWarp prst="textNoShape">
+              <a:avLst/>
+            </a:prstTxWarp>
+          </a:bodyPr>
+          <a:lstStyle/>
+          <a:p>
+            <a:pPr algn="l">
+              <a:lnSpc>
+                <a:spcPct val="95000"/>
+              </a:lnSpc>
+            </a:pPr>
+            <a:r>
+              <a:rPr lang="de-DE" sz="3600" dirty="0" smtClean="0">
+                <a:latin typeface="TheSansOffice" pitchFamily="34" charset="0"/>
+              </a:rPr>
+              <a:t>Neuerungen im Second </a:t>
+            </a:r>
+            <a:r>
+              <a:rPr lang="de-DE" sz="3600" dirty="0" err="1" smtClean="0">
+                <a:latin typeface="TheSansOffice" pitchFamily="34" charset="0"/>
+              </a:rPr>
+              <a:t>Draft</a:t>
+            </a:r>
+            <a:endParaRPr lang="de-DE" sz="3600" dirty="0">
+              <a:latin typeface="TheSansOffice" pitchFamily="34" charset="0"/>
+            </a:endParaRPr>
+          </a:p>
+        </p:txBody>
+      </p:sp>
+      <p:sp>
+        <p:nvSpPr>
+          <p:cNvPr id="4098" name="Rectangle 2"/>
+          <p:cNvSpPr>
+            <a:spLocks noGrp="1" noChangeArrowheads="1"/>
+          </p:cNvSpPr>
+          <p:nvPr>
+            <p:ph type="subTitle" idx="1"/>
+          </p:nvPr>
+        </p:nvSpPr>
+        <p:spPr>
+          <a:xfrm>
+            <a:off x="936639" y="1705991"/>
+            <a:ext cx="8751879" cy="5602636"/>
+          </a:xfrm>
+        </p:spPr>
+        <p:txBody>
+          <a:bodyPr vert="horz" wrap="square" lIns="0" tIns="0" rIns="0" bIns="0" numCol="1" anchor="t" anchorCtr="0" compatLnSpc="1">
+            <a:prstTxWarp prst="textNoShape">
+              <a:avLst/>
+            </a:prstTxWarp>
+          </a:bodyPr>
+          <a:lstStyle/>
+          <a:p>
+            <a:pPr marL="228594" indent="-228594" algn="l" fontAlgn="auto">
+              <a:lnSpc>
+                <a:spcPct val="90000"/>
+              </a:lnSpc>
+              <a:spcBef>
+                <a:spcPts val="1000"/>
+              </a:spcBef>
+              <a:spcAft>
+                <a:spcPts val="0"/>
+              </a:spcAft>
+              <a:buFont typeface="Arial" panose="020B0604020202020204" pitchFamily="34" charset="0"/>
+              <a:buChar char="•"/>
+            </a:pPr>
+            <a:r>
+              <a:rPr lang="de-DE" sz="2400" kern="1200" dirty="0" smtClean="0">
+                <a:solidFill>
+                  <a:prstClr val="black"/>
+                </a:solidFill>
+                <a:latin typeface="Arial" panose="020B0604020202020204" pitchFamily="34" charset="0"/>
+                <a:cs typeface="Arial" panose="020B0604020202020204" pitchFamily="34" charset="0"/>
+              </a:rPr>
+              <a:t>Lokalisierungskonzept</a:t>
+            </a:r>
+            <a:endParaRPr lang="de-DE" sz="1400" kern="1200" dirty="0">
+              <a:solidFill>
+                <a:prstClr val="black"/>
+              </a:solidFill>
+              <a:latin typeface="Arial" panose="020B0604020202020204" pitchFamily="34" charset="0"/>
+              <a:cs typeface="Arial" panose="020B0604020202020204" pitchFamily="34" charset="0"/>
+            </a:endParaRPr>
+          </a:p>
+          <a:p>
+            <a:pPr marL="685783" lvl="1" indent="-228594" algn="l" fontAlgn="auto">
+              <a:lnSpc>
+                <a:spcPct val="90000"/>
+              </a:lnSpc>
+              <a:spcBef>
+                <a:spcPts val="1000"/>
+              </a:spcBef>
+              <a:spcAft>
+                <a:spcPts val="0"/>
+              </a:spcAft>
+              <a:buFont typeface="Arial" panose="020B0604020202020204" pitchFamily="34" charset="0"/>
+              <a:buChar char="•"/>
+            </a:pPr>
+            <a:r>
+              <a:rPr lang="de-DE" sz="2000" kern="1200" dirty="0">
+                <a:solidFill>
+                  <a:prstClr val="black"/>
+                </a:solidFill>
+                <a:latin typeface="Consolas" panose="020B0609020204030204" pitchFamily="49" charset="0"/>
+                <a:cs typeface="Consolas" panose="020B0609020204030204" pitchFamily="49" charset="0"/>
+              </a:rPr>
+              <a:t>&lt;</a:t>
+            </a:r>
+            <a:r>
+              <a:rPr lang="de-DE" sz="2000" kern="1200" dirty="0" err="1">
+                <a:solidFill>
+                  <a:prstClr val="black"/>
+                </a:solidFill>
+                <a:latin typeface="Consolas" panose="020B0609020204030204" pitchFamily="49" charset="0"/>
+                <a:cs typeface="Consolas" panose="020B0609020204030204" pitchFamily="49" charset="0"/>
+              </a:rPr>
+              <a:t>sqf:title</a:t>
+            </a:r>
+            <a:r>
+              <a:rPr lang="de-DE" sz="2000" kern="1200" dirty="0">
+                <a:solidFill>
+                  <a:prstClr val="black"/>
+                </a:solidFill>
+                <a:latin typeface="Consolas" panose="020B0609020204030204" pitchFamily="49" charset="0"/>
+                <a:cs typeface="Consolas" panose="020B0609020204030204" pitchFamily="49" charset="0"/>
+              </a:rPr>
+              <a:t>&gt;</a:t>
+            </a:r>
+            <a:r>
+              <a:rPr lang="de-DE" sz="2000" kern="1200" dirty="0">
+                <a:solidFill>
+                  <a:prstClr val="black"/>
+                </a:solidFill>
+                <a:latin typeface="Arial" panose="020B0604020202020204" pitchFamily="34" charset="0"/>
+                <a:cs typeface="Arial" panose="020B0604020202020204" pitchFamily="34" charset="0"/>
+              </a:rPr>
+              <a:t> </a:t>
+            </a:r>
+            <a:r>
+              <a:rPr lang="de-DE" sz="2000" kern="1200" dirty="0">
+                <a:solidFill>
+                  <a:prstClr val="black"/>
+                </a:solidFill>
+                <a:latin typeface="Arial" panose="020B0604020202020204" pitchFamily="34" charset="0"/>
+                <a:cs typeface="Arial" panose="020B0604020202020204" pitchFamily="34" charset="0"/>
+              </a:rPr>
+              <a:t>und </a:t>
+            </a:r>
+            <a:r>
+              <a:rPr lang="de-DE" sz="2000" kern="1200" dirty="0" smtClean="0">
+                <a:solidFill>
+                  <a:prstClr val="black"/>
+                </a:solidFill>
+                <a:latin typeface="Consolas" panose="020B0609020204030204" pitchFamily="49" charset="0"/>
+                <a:cs typeface="Consolas" panose="020B0609020204030204" pitchFamily="49" charset="0"/>
+              </a:rPr>
+              <a:t>&lt;</a:t>
+            </a:r>
+            <a:r>
+              <a:rPr lang="de-DE" sz="2000" kern="1200" dirty="0" err="1" smtClean="0">
+                <a:solidFill>
+                  <a:prstClr val="black"/>
+                </a:solidFill>
+                <a:latin typeface="Consolas" panose="020B0609020204030204" pitchFamily="49" charset="0"/>
+                <a:cs typeface="Consolas" panose="020B0609020204030204" pitchFamily="49" charset="0"/>
+              </a:rPr>
+              <a:t>sqf:p</a:t>
+            </a:r>
+            <a:r>
+              <a:rPr lang="de-DE" sz="2000" kern="1200" dirty="0" smtClean="0">
+                <a:solidFill>
+                  <a:prstClr val="black"/>
+                </a:solidFill>
+                <a:latin typeface="Consolas" panose="020B0609020204030204" pitchFamily="49" charset="0"/>
+                <a:cs typeface="Consolas" panose="020B0609020204030204" pitchFamily="49" charset="0"/>
+              </a:rPr>
+              <a:t>&gt;</a:t>
+            </a:r>
+            <a:r>
+              <a:rPr lang="de-DE" sz="2000" kern="1200" dirty="0" smtClean="0">
+                <a:solidFill>
+                  <a:prstClr val="black"/>
+                </a:solidFill>
+                <a:latin typeface="Arial" panose="020B0604020202020204" pitchFamily="34" charset="0"/>
+                <a:cs typeface="Arial" panose="020B0604020202020204" pitchFamily="34" charset="0"/>
+              </a:rPr>
+              <a:t> erhalten ein </a:t>
+            </a:r>
+            <a:r>
+              <a:rPr lang="de-DE" sz="2000" kern="1200" dirty="0" smtClean="0">
+                <a:solidFill>
+                  <a:prstClr val="black"/>
+                </a:solidFill>
+                <a:latin typeface="Consolas" panose="020B0609020204030204" pitchFamily="49" charset="0"/>
+                <a:cs typeface="Consolas" panose="020B0609020204030204" pitchFamily="49" charset="0"/>
+              </a:rPr>
+              <a:t>@</a:t>
+            </a:r>
+            <a:r>
+              <a:rPr lang="de-DE" sz="2000" kern="1200" dirty="0" err="1" smtClean="0">
+                <a:solidFill>
+                  <a:prstClr val="black"/>
+                </a:solidFill>
+                <a:latin typeface="Consolas" panose="020B0609020204030204" pitchFamily="49" charset="0"/>
+                <a:cs typeface="Consolas" panose="020B0609020204030204" pitchFamily="49" charset="0"/>
+              </a:rPr>
+              <a:t>ref</a:t>
+            </a:r>
+            <a:r>
+              <a:rPr lang="de-DE" sz="2000" kern="1200" dirty="0" smtClean="0">
+                <a:solidFill>
+                  <a:prstClr val="black"/>
+                </a:solidFill>
+                <a:latin typeface="Arial" panose="020B0604020202020204" pitchFamily="34" charset="0"/>
+                <a:cs typeface="Arial" panose="020B0604020202020204" pitchFamily="34" charset="0"/>
+              </a:rPr>
+              <a:t> Attribut</a:t>
+            </a:r>
+          </a:p>
+          <a:p>
+            <a:pPr marL="1142972" lvl="2" indent="-228594" algn="l" fontAlgn="auto">
+              <a:lnSpc>
+                <a:spcPct val="90000"/>
+              </a:lnSpc>
+              <a:spcBef>
+                <a:spcPts val="1000"/>
+              </a:spcBef>
+              <a:spcAft>
+                <a:spcPts val="0"/>
+              </a:spcAft>
+              <a:buFont typeface="Arial" panose="020B0604020202020204" pitchFamily="34" charset="0"/>
+              <a:buChar char="•"/>
+            </a:pPr>
+            <a:r>
+              <a:rPr lang="de-DE" sz="1600" kern="1200" dirty="0" smtClean="0">
+                <a:solidFill>
+                  <a:prstClr val="black"/>
+                </a:solidFill>
+                <a:latin typeface="Arial" panose="020B0604020202020204" pitchFamily="34" charset="0"/>
+                <a:cs typeface="Arial" panose="020B0604020202020204" pitchFamily="34" charset="0"/>
+              </a:rPr>
+              <a:t>Referenz auf </a:t>
+            </a:r>
+            <a:r>
+              <a:rPr lang="de-DE" sz="1600" kern="1200" dirty="0">
+                <a:solidFill>
+                  <a:prstClr val="black"/>
+                </a:solidFill>
+                <a:latin typeface="Consolas" panose="020B0609020204030204" pitchFamily="49" charset="0"/>
+                <a:cs typeface="Consolas" panose="020B0609020204030204" pitchFamily="49" charset="0"/>
+              </a:rPr>
+              <a:t>&lt;</a:t>
+            </a:r>
+            <a:r>
+              <a:rPr lang="de-DE" sz="1600" kern="1200" dirty="0" err="1">
+                <a:solidFill>
+                  <a:prstClr val="black"/>
+                </a:solidFill>
+                <a:latin typeface="Consolas" panose="020B0609020204030204" pitchFamily="49" charset="0"/>
+                <a:cs typeface="Consolas" panose="020B0609020204030204" pitchFamily="49" charset="0"/>
+              </a:rPr>
+              <a:t>sch:diagnostic</a:t>
+            </a:r>
+            <a:r>
+              <a:rPr lang="de-DE" sz="1600" kern="1200" dirty="0">
+                <a:solidFill>
+                  <a:prstClr val="black"/>
+                </a:solidFill>
+                <a:latin typeface="Consolas" panose="020B0609020204030204" pitchFamily="49" charset="0"/>
+                <a:cs typeface="Consolas" panose="020B0609020204030204" pitchFamily="49" charset="0"/>
+              </a:rPr>
+              <a:t>&gt;</a:t>
+            </a:r>
+            <a:endParaRPr lang="de-DE" sz="2000" kern="1200" dirty="0">
+              <a:solidFill>
+                <a:prstClr val="black"/>
+              </a:solidFill>
+              <a:latin typeface="Consolas" panose="020B0609020204030204" pitchFamily="49" charset="0"/>
+              <a:cs typeface="Consolas" panose="020B0609020204030204" pitchFamily="49" charset="0"/>
+            </a:endParaRPr>
+          </a:p>
+          <a:p>
+            <a:pPr marL="1142972" lvl="2" indent="-228594" algn="l" fontAlgn="auto">
+              <a:lnSpc>
+                <a:spcPct val="90000"/>
+              </a:lnSpc>
+              <a:spcBef>
+                <a:spcPts val="1000"/>
+              </a:spcBef>
+              <a:spcAft>
+                <a:spcPts val="0"/>
+              </a:spcAft>
+              <a:buFont typeface="Arial" panose="020B0604020202020204" pitchFamily="34" charset="0"/>
+              <a:buChar char="•"/>
+            </a:pPr>
+            <a:r>
+              <a:rPr lang="de-DE" sz="1600" kern="1200" dirty="0" smtClean="0">
+                <a:solidFill>
+                  <a:prstClr val="black"/>
+                </a:solidFill>
+                <a:latin typeface="Arial" panose="020B0604020202020204" pitchFamily="34" charset="0"/>
+                <a:cs typeface="Arial" panose="020B0604020202020204" pitchFamily="34" charset="0"/>
+              </a:rPr>
+              <a:t>Referenz auf Java-Property </a:t>
+            </a:r>
+            <a:r>
+              <a:rPr lang="de-DE" sz="1600" kern="1200" dirty="0" err="1" smtClean="0">
+                <a:solidFill>
+                  <a:prstClr val="black"/>
+                </a:solidFill>
+                <a:latin typeface="Arial" panose="020B0604020202020204" pitchFamily="34" charset="0"/>
+                <a:cs typeface="Arial" panose="020B0604020202020204" pitchFamily="34" charset="0"/>
+              </a:rPr>
+              <a:t>files</a:t>
+            </a:r>
+            <a:endParaRPr lang="de-DE" sz="1600" kern="1200" dirty="0" smtClean="0">
+              <a:solidFill>
+                <a:prstClr val="black"/>
+              </a:solidFill>
+              <a:latin typeface="Arial" panose="020B0604020202020204" pitchFamily="34" charset="0"/>
+              <a:cs typeface="Arial" panose="020B0604020202020204" pitchFamily="34" charset="0"/>
+            </a:endParaRPr>
+          </a:p>
+          <a:p>
+            <a:pPr marL="1142972" lvl="2" indent="-228594" algn="l" fontAlgn="auto">
+              <a:lnSpc>
+                <a:spcPct val="90000"/>
+              </a:lnSpc>
+              <a:spcBef>
+                <a:spcPts val="1000"/>
+              </a:spcBef>
+              <a:spcAft>
+                <a:spcPts val="0"/>
+              </a:spcAft>
+              <a:buFont typeface="Arial" panose="020B0604020202020204" pitchFamily="34" charset="0"/>
+              <a:buChar char="•"/>
+            </a:pPr>
+            <a:r>
+              <a:rPr lang="de-DE" sz="1600" kern="1200" dirty="0" smtClean="0">
+                <a:solidFill>
+                  <a:prstClr val="black"/>
+                </a:solidFill>
+                <a:latin typeface="Arial" panose="020B0604020202020204" pitchFamily="34" charset="0"/>
+                <a:cs typeface="Arial" panose="020B0604020202020204" pitchFamily="34" charset="0"/>
+              </a:rPr>
+              <a:t>Referenz auf…?</a:t>
+            </a:r>
+          </a:p>
+        </p:txBody>
+      </p:sp>
+    </p:spTree>
+    <p:extLst>
+      <p:ext uri="{BB962C8B-B14F-4D97-AF65-F5344CB8AC3E}">
+        <p14:creationId xmlns:p14="http://schemas.microsoft.com/office/powerpoint/2010/main" val="1458625345"/>
+      </p:ext>
+    </p:extLst>
+  </p:cSld>
+  <p:clrMapOvr>
+    <a:masterClrMapping/>
+  </p:clrMapOvr>
+  <mc:AlternateContent xmlns:mc="http://schemas.openxmlformats.org/markup-compatibility/2006" xmlns:p14="http://schemas.microsoft.com/office/powerpoint/2010/main">
+    <mc:Choice Requires="p14">
+      <p:transition spd="slow" p14:dur="2000"/>
+    </mc:Choice>
+    <mc:Fallback xmlns="">
+      <p:transition spd="slow"/>
+    </mc:Fallback>
+  </mc:AlternateContent>
+  <p:timing>
+    <p:tnLst>
+      <p:par>
+        <p:cTn id="1" dur="indefinite" restart="never" nodeType="tmRoot">
+          <p:childTnLst>
+            <p:seq concurrent="1" nextAc="seek">
+              <p:cTn id="2" dur="indefinite" nodeType="mainSeq">
+                <p:childTnLst>
+                  <p:par>
+                    <p:cTn id="3" fill="hold">
+                      <p:stCondLst>
+                        <p:cond delay="indefinite"/>
+                      </p:stCondLst>
+                      <p:childTnLst>
+                        <p:par>
+                          <p:cTn id="4" fill="hold">
+                            <p:stCondLst>
+                              <p:cond delay="0"/>
+                            </p:stCondLst>
+                            <p:childTnLst>
+                              <p:par>
+                                <p:cTn id="5" presetID="1" presetClass="entr" presetSubtype="0" fill="hold" nodeType="clickEffect">
+                                  <p:stCondLst>
+                                    <p:cond delay="0"/>
+                                  </p:stCondLst>
+                                  <p:childTnLst>
+                                    <p:set>
+                                      <p:cBhvr>
+                                        <p:cTn id="6" dur="1" fill="hold">
+                                          <p:stCondLst>
+                                            <p:cond delay="0"/>
+                                          </p:stCondLst>
+                                        </p:cTn>
+                                        <p:tgtEl>
+                                          <p:spTgt spid="4098">
+                                            <p:txEl>
+                                              <p:pRg st="0" end="0"/>
+                                            </p:txEl>
+                                          </p:spTgt>
+                                        </p:tgtEl>
+                                        <p:attrNameLst>
+                                          <p:attrName>style.visibility</p:attrName>
+                                        </p:attrNameLst>
+                                      </p:cBhvr>
+                                      <p:to>
+                                        <p:strVal val="visible"/>
+                                      </p:to>
+                                    </p:set>
+                                  </p:childTnLst>
+                                </p:cTn>
+                              </p:par>
+                            </p:childTnLst>
+                          </p:cTn>
+                        </p:par>
+                      </p:childTnLst>
+                    </p:cTn>
+                  </p:par>
+                  <p:par>
+                    <p:cTn id="7" fill="hold">
+                      <p:stCondLst>
+                        <p:cond delay="indefinite"/>
+                      </p:stCondLst>
+                      <p:childTnLst>
+                        <p:par>
+                          <p:cTn id="8" fill="hold">
+                            <p:stCondLst>
+                              <p:cond delay="0"/>
+                            </p:stCondLst>
+                            <p:childTnLst>
+                              <p:par>
+                                <p:cTn id="9" presetID="1" presetClass="entr" presetSubtype="0" fill="hold" nodeType="clickEffect">
+                                  <p:stCondLst>
+                                    <p:cond delay="0"/>
+                                  </p:stCondLst>
+                                  <p:childTnLst>
+                                    <p:set>
+                                      <p:cBhvr>
+                                        <p:cTn id="10" dur="1" fill="hold">
+                                          <p:stCondLst>
+                                            <p:cond delay="0"/>
+                                          </p:stCondLst>
+                                        </p:cTn>
+                                        <p:tgtEl>
+                                          <p:spTgt spid="4098">
+                                            <p:txEl>
+                                              <p:pRg st="1" end="1"/>
+                                            </p:txEl>
+                                          </p:spTgt>
+                                        </p:tgtEl>
+                                        <p:attrNameLst>
+                                          <p:attrName>style.visibility</p:attrName>
+                                        </p:attrNameLst>
+                                      </p:cBhvr>
+                                      <p:to>
+                                        <p:strVal val="visible"/>
+                                      </p:to>
+                                    </p:set>
+                                  </p:childTnLst>
+                                </p:cTn>
+                              </p:par>
+                            </p:childTnLst>
+                          </p:cTn>
+                        </p:par>
+                      </p:childTnLst>
+                    </p:cTn>
+                  </p:par>
+                  <p:par>
+                    <p:cTn id="11" fill="hold">
+                      <p:stCondLst>
+                        <p:cond delay="indefinite"/>
+                      </p:stCondLst>
+                      <p:childTnLst>
+                        <p:par>
+                          <p:cTn id="12" fill="hold">
+                            <p:stCondLst>
+                              <p:cond delay="0"/>
+                            </p:stCondLst>
+                            <p:childTnLst>
+                              <p:par>
+                                <p:cTn id="13" presetID="1" presetClass="entr" presetSubtype="0" fill="hold" nodeType="clickEffect">
+                                  <p:stCondLst>
+                                    <p:cond delay="0"/>
+                                  </p:stCondLst>
+                                  <p:childTnLst>
+                                    <p:set>
+                                      <p:cBhvr>
+                                        <p:cTn id="14" dur="1" fill="hold">
+                                          <p:stCondLst>
+                                            <p:cond delay="0"/>
+                                          </p:stCondLst>
+                                        </p:cTn>
+                                        <p:tgtEl>
+                                          <p:spTgt spid="4098">
+                                            <p:txEl>
+                                              <p:pRg st="2" end="2"/>
+                                            </p:txEl>
+                                          </p:spTgt>
+                                        </p:tgtEl>
+                                        <p:attrNameLst>
+                                          <p:attrName>style.visibility</p:attrName>
+                                        </p:attrNameLst>
+                                      </p:cBhvr>
+                                      <p:to>
+                                        <p:strVal val="visible"/>
+                                      </p:to>
+                                    </p:set>
+                                  </p:childTnLst>
+                                </p:cTn>
+                              </p:par>
+                            </p:childTnLst>
+                          </p:cTn>
+                        </p:par>
+                      </p:childTnLst>
+                    </p:cTn>
+                  </p:par>
+                  <p:par>
+                    <p:cTn id="15" fill="hold">
+                      <p:stCondLst>
+                        <p:cond delay="indefinite"/>
+                      </p:stCondLst>
+                      <p:childTnLst>
+                        <p:par>
+                          <p:cTn id="16" fill="hold">
+                            <p:stCondLst>
+                              <p:cond delay="0"/>
+                            </p:stCondLst>
+                            <p:childTnLst>
+                              <p:par>
+                                <p:cTn id="17" presetID="1" presetClass="entr" presetSubtype="0" fill="hold" nodeType="clickEffect">
+                                  <p:stCondLst>
+                                    <p:cond delay="0"/>
+                                  </p:stCondLst>
+                                  <p:childTnLst>
+                                    <p:set>
+                                      <p:cBhvr>
+                                        <p:cTn id="18" dur="1" fill="hold">
+                                          <p:stCondLst>
+                                            <p:cond delay="0"/>
+                                          </p:stCondLst>
+                                        </p:cTn>
+                                        <p:tgtEl>
+                                          <p:spTgt spid="4098">
+                                            <p:txEl>
+                                              <p:pRg st="3" end="3"/>
+                                            </p:txEl>
+                                          </p:spTgt>
+                                        </p:tgtEl>
+                                        <p:attrNameLst>
+                                          <p:attrName>style.visibility</p:attrName>
+                                        </p:attrNameLst>
+                                      </p:cBhvr>
+                                      <p:to>
+                                        <p:strVal val="visible"/>
+                                      </p:to>
+                                    </p:set>
+                                  </p:childTnLst>
+                                </p:cTn>
+                              </p:par>
+                            </p:childTnLst>
+                          </p:cTn>
+                        </p:par>
+                      </p:childTnLst>
+                    </p:cTn>
+                  </p:par>
+                  <p:par>
+                    <p:cTn id="19" fill="hold">
+                      <p:stCondLst>
+                        <p:cond delay="indefinite"/>
+                      </p:stCondLst>
+                      <p:childTnLst>
+                        <p:par>
+                          <p:cTn id="20" fill="hold">
+                            <p:stCondLst>
+                              <p:cond delay="0"/>
+                            </p:stCondLst>
+                            <p:childTnLst>
+                              <p:par>
+                                <p:cTn id="21" presetID="1" presetClass="entr" presetSubtype="0" fill="hold" nodeType="clickEffect">
+                                  <p:stCondLst>
+                                    <p:cond delay="0"/>
+                                  </p:stCondLst>
+                                  <p:childTnLst>
+                                    <p:set>
+                                      <p:cBhvr>
+                                        <p:cTn id="22" dur="1" fill="hold">
+                                          <p:stCondLst>
+                                            <p:cond delay="0"/>
+                                          </p:stCondLst>
+                                        </p:cTn>
+                                        <p:tgtEl>
+                                          <p:spTgt spid="4098">
+                                            <p:txEl>
+                                              <p:pRg st="4" end="4"/>
+                                            </p:txEl>
+                                          </p:spTgt>
+                                        </p:tgtEl>
+                                        <p:attrNameLst>
+                                          <p:attrName>style.visibility</p:attrName>
+                                        </p:attrNameLst>
+                                      </p:cBhvr>
+                                      <p:to>
+                                        <p:strVal val="visible"/>
+                                      </p:to>
+                                    </p:set>
+                                  </p:childTnLst>
+                                </p:cTn>
+                              </p:par>
+                            </p:childTnLst>
+                          </p:cTn>
+                        </p:par>
+                      </p:childTnLst>
+                    </p:cTn>
+                  </p:par>
+                </p:childTnLst>
+              </p:cTn>
+              <p:prevCondLst>
+                <p:cond evt="onPrev" delay="0">
+                  <p:tgtEl>
+                    <p:sldTgt/>
+                  </p:tgtEl>
+                </p:cond>
+              </p:prevCondLst>
+              <p:nextCondLst>
+                <p:cond evt="onNext" delay="0">
+                  <p:tgtEl>
+                    <p:sldTgt/>
+                  </p:tgtEl>
+                </p:cond>
+              </p:nextCondLst>
+            </p:seq>
+          </p:childTnLst>
+        </p:cTn>
+      </p:par>
+    </p:tnLst>
+  </p:timing>
+</p:sld>
+</file>
+
+<file path=ppt/slides/slide17.xml><?xml version="1.0" encoding="utf-8"?>
 <p:sld xmlns:a="http://schemas.openxmlformats.org/drawingml/2006/main" xmlns:r="http://schemas.openxmlformats.org/officeDocument/2006/relationships" xmlns:p="http://schemas.openxmlformats.org/presentationml/2006/main">
   <p:cSld>
     <p:spTree>
@@ -10591,7 +12499,7 @@
 </p:sld>
 </file>
 
-<file path=ppt/slides/slide16.xml><?xml version="1.0" encoding="utf-8"?>
+<file path=ppt/slides/slide18.xml><?xml version="1.0" encoding="utf-8"?>
 <p:sld xmlns:a="http://schemas.openxmlformats.org/drawingml/2006/main" xmlns:r="http://schemas.openxmlformats.org/officeDocument/2006/relationships" xmlns:p="http://schemas.openxmlformats.org/presentationml/2006/main">
   <p:cSld>
     <p:spTree>
@@ -11353,7 +13261,7 @@
 </p:sld>
 </file>
 
-<file path=ppt/slides/slide17.xml><?xml version="1.0" encoding="utf-8"?>
+<file path=ppt/slides/slide19.xml><?xml version="1.0" encoding="utf-8"?>
 <p:sld xmlns:a="http://schemas.openxmlformats.org/drawingml/2006/main" xmlns:r="http://schemas.openxmlformats.org/officeDocument/2006/relationships" xmlns:p="http://schemas.openxmlformats.org/presentationml/2006/main">
   <p:cSld>
     <p:spTree>
@@ -11392,7 +13300,7 @@
           <a:graphicData uri="http://schemas.openxmlformats.org/presentationml/2006/ole">
             <mc:AlternateContent xmlns:mc="http://schemas.openxmlformats.org/markup-compatibility/2006">
               <mc:Choice xmlns:v="urn:schemas-microsoft-com:vml" Requires="v">
-                <p:oleObj spid="_x0000_s2089" name="Image" r:id="rId3" imgW="6628320" imgH="1180800" progId="Photoshop.Image.13">
+                <p:oleObj spid="_x0000_s2104" name="Image" r:id="rId3" imgW="6628320" imgH="1180800" progId="Photoshop.Image.13">
                   <p:embed/>
                 </p:oleObj>
               </mc:Choice>
@@ -11449,7 +13357,7 @@
           <a:graphicData uri="http://schemas.openxmlformats.org/presentationml/2006/ole">
             <mc:AlternateContent xmlns:mc="http://schemas.openxmlformats.org/markup-compatibility/2006">
               <mc:Choice xmlns:v="urn:schemas-microsoft-com:vml" Requires="v">
-                <p:oleObj spid="_x0000_s2090" name="Image" r:id="rId5" imgW="6628320" imgH="1180800" progId="Photoshop.Image.13">
+                <p:oleObj spid="_x0000_s2105" name="Image" r:id="rId5" imgW="6628320" imgH="1180800" progId="Photoshop.Image.13">
                   <p:embed/>
                 </p:oleObj>
               </mc:Choice>
@@ -11848,7 +13756,7 @@
           <a:graphicData uri="http://schemas.openxmlformats.org/presentationml/2006/ole">
             <mc:AlternateContent xmlns:mc="http://schemas.openxmlformats.org/markup-compatibility/2006">
               <mc:Choice xmlns:v="urn:schemas-microsoft-com:vml" Requires="v">
-                <p:oleObj spid="_x0000_s2091" name="Image" r:id="rId7" imgW="3809520" imgH="1764720" progId="Photoshop.Image.13">
+                <p:oleObj spid="_x0000_s2106" name="Image" r:id="rId7" imgW="3809520" imgH="1764720" progId="Photoshop.Image.13">
                   <p:embed/>
                 </p:oleObj>
               </mc:Choice>
@@ -12300,952 +14208,6 @@
 </p:sld>
 </file>
 
-<file path=ppt/slides/slide18.xml><?xml version="1.0" encoding="utf-8"?>
-<p:sld xmlns:a="http://schemas.openxmlformats.org/drawingml/2006/main" xmlns:r="http://schemas.openxmlformats.org/officeDocument/2006/relationships" xmlns:p="http://schemas.openxmlformats.org/presentationml/2006/main" show="0">
-  <p:cSld>
-    <p:spTree>
-      <p:nvGrpSpPr>
-        <p:cNvPr id="1" name=""/>
-        <p:cNvGrpSpPr/>
-        <p:nvPr/>
-      </p:nvGrpSpPr>
-      <p:grpSpPr>
-        <a:xfrm>
-          <a:off x="0" y="0"/>
-          <a:ext cx="0" cy="0"/>
-          <a:chOff x="0" y="0"/>
-          <a:chExt cx="0" cy="0"/>
-        </a:xfrm>
-      </p:grpSpPr>
-      <p:graphicFrame>
-        <p:nvGraphicFramePr>
-          <p:cNvPr id="2" name="Objekt 1"/>
-          <p:cNvGraphicFramePr>
-            <a:graphicFrameLocks noChangeAspect="1"/>
-          </p:cNvGraphicFramePr>
-          <p:nvPr>
-            <p:extLst>
-              <p:ext uri="{D42A27DB-BD31-4B8C-83A1-F6EECF244321}">
-                <p14:modId xmlns:p14="http://schemas.microsoft.com/office/powerpoint/2010/main" val="313563386"/>
-              </p:ext>
-            </p:extLst>
-          </p:nvPr>
-        </p:nvGraphicFramePr>
-        <p:xfrm>
-          <a:off x="831529" y="2199891"/>
-          <a:ext cx="8856984" cy="1578346"/>
-        </p:xfrm>
-        <a:graphic>
-          <a:graphicData uri="http://schemas.openxmlformats.org/presentationml/2006/ole">
-            <mc:AlternateContent xmlns:mc="http://schemas.openxmlformats.org/markup-compatibility/2006">
-              <mc:Choice xmlns:v="urn:schemas-microsoft-com:vml" Requires="v">
-                <p:oleObj spid="_x0000_s3076" name="Image" r:id="rId3" imgW="6628320" imgH="1180800" progId="Photoshop.Image.13">
-                  <p:embed/>
-                </p:oleObj>
-              </mc:Choice>
-              <mc:Fallback>
-                <p:oleObj name="Image" r:id="rId3" imgW="6628320" imgH="1180800" progId="Photoshop.Image.13">
-                  <p:embed/>
-                  <p:pic>
-                    <p:nvPicPr>
-                      <p:cNvPr id="0" name=""/>
-                      <p:cNvPicPr/>
-                      <p:nvPr/>
-                    </p:nvPicPr>
-                    <p:blipFill>
-                      <a:blip r:embed="rId4"/>
-                      <a:stretch>
-                        <a:fillRect/>
-                      </a:stretch>
-                    </p:blipFill>
-                    <p:spPr>
-                      <a:xfrm>
-                        <a:off x="831529" y="2199891"/>
-                        <a:ext cx="8856984" cy="1578346"/>
-                      </a:xfrm>
-                      <a:prstGeom prst="rect">
-                        <a:avLst/>
-                      </a:prstGeom>
-                    </p:spPr>
-                  </p:pic>
-                </p:oleObj>
-              </mc:Fallback>
-            </mc:AlternateContent>
-          </a:graphicData>
-        </a:graphic>
-      </p:graphicFrame>
-      <p:graphicFrame>
-        <p:nvGraphicFramePr>
-          <p:cNvPr id="3" name="Objekt 2"/>
-          <p:cNvGraphicFramePr>
-            <a:graphicFrameLocks noChangeAspect="1"/>
-          </p:cNvGraphicFramePr>
-          <p:nvPr>
-            <p:extLst>
-              <p:ext uri="{D42A27DB-BD31-4B8C-83A1-F6EECF244321}">
-                <p14:modId xmlns:p14="http://schemas.microsoft.com/office/powerpoint/2010/main" val="545467337"/>
-              </p:ext>
-            </p:extLst>
-          </p:nvPr>
-        </p:nvGraphicFramePr>
-        <p:xfrm>
-          <a:off x="831529" y="2199891"/>
-          <a:ext cx="8856984" cy="1578346"/>
-        </p:xfrm>
-        <a:graphic>
-          <a:graphicData uri="http://schemas.openxmlformats.org/presentationml/2006/ole">
-            <mc:AlternateContent xmlns:mc="http://schemas.openxmlformats.org/markup-compatibility/2006">
-              <mc:Choice xmlns:v="urn:schemas-microsoft-com:vml" Requires="v">
-                <p:oleObj spid="_x0000_s3077" name="Image" r:id="rId5" imgW="6628320" imgH="1180800" progId="Photoshop.Image.13">
-                  <p:embed/>
-                </p:oleObj>
-              </mc:Choice>
-              <mc:Fallback>
-                <p:oleObj name="Image" r:id="rId5" imgW="6628320" imgH="1180800" progId="Photoshop.Image.13">
-                  <p:embed/>
-                  <p:pic>
-                    <p:nvPicPr>
-                      <p:cNvPr id="0" name=""/>
-                      <p:cNvPicPr/>
-                      <p:nvPr/>
-                    </p:nvPicPr>
-                    <p:blipFill>
-                      <a:blip r:embed="rId6"/>
-                      <a:stretch>
-                        <a:fillRect/>
-                      </a:stretch>
-                    </p:blipFill>
-                    <p:spPr>
-                      <a:xfrm>
-                        <a:off x="831529" y="2199891"/>
-                        <a:ext cx="8856984" cy="1578346"/>
-                      </a:xfrm>
-                      <a:prstGeom prst="rect">
-                        <a:avLst/>
-                      </a:prstGeom>
-                    </p:spPr>
-                  </p:pic>
-                </p:oleObj>
-              </mc:Fallback>
-            </mc:AlternateContent>
-          </a:graphicData>
-        </a:graphic>
-      </p:graphicFrame>
-      <p:sp>
-        <p:nvSpPr>
-          <p:cNvPr id="4097" name="Rectangle 1"/>
-          <p:cNvSpPr>
-            <a:spLocks noGrp="1" noChangeArrowheads="1"/>
-          </p:cNvSpPr>
-          <p:nvPr>
-            <p:ph type="ctrTitle"/>
-          </p:nvPr>
-        </p:nvSpPr>
-        <p:spPr>
-          <a:xfrm>
-            <a:off x="831528" y="495306"/>
-            <a:ext cx="5040560" cy="761653"/>
-          </a:xfrm>
-        </p:spPr>
-        <p:txBody>
-          <a:bodyPr vert="horz" wrap="square" lIns="0" tIns="0" rIns="0" bIns="0" numCol="1" anchor="t" anchorCtr="0" compatLnSpc="1">
-            <a:prstTxWarp prst="textNoShape">
-              <a:avLst/>
-            </a:prstTxWarp>
-          </a:bodyPr>
-          <a:lstStyle/>
-          <a:p>
-            <a:pPr algn="l">
-              <a:lnSpc>
-                <a:spcPct val="95000"/>
-              </a:lnSpc>
-            </a:pPr>
-            <a:r>
-              <a:rPr lang="de-DE" sz="3600" dirty="0">
-                <a:latin typeface="TheSansOffice" pitchFamily="34" charset="0"/>
-              </a:rPr>
-              <a:t>Oxygen </a:t>
-            </a:r>
-            <a:r>
-              <a:rPr lang="de-DE" sz="3600" dirty="0" err="1">
-                <a:latin typeface="TheSansOffice" pitchFamily="34" charset="0"/>
-              </a:rPr>
-              <a:t>Build</a:t>
-            </a:r>
-            <a:r>
-              <a:rPr lang="de-DE" sz="3600" dirty="0">
-                <a:latin typeface="TheSansOffice" pitchFamily="34" charset="0"/>
-              </a:rPr>
-              <a:t>-in</a:t>
-            </a:r>
-          </a:p>
-        </p:txBody>
-      </p:sp>
-      <p:sp>
-        <p:nvSpPr>
-          <p:cNvPr id="4098" name="Rectangle 2"/>
-          <p:cNvSpPr>
-            <a:spLocks noGrp="1" noChangeArrowheads="1"/>
-          </p:cNvSpPr>
-          <p:nvPr>
-            <p:ph type="subTitle" idx="1"/>
-          </p:nvPr>
-        </p:nvSpPr>
-        <p:spPr>
-          <a:xfrm>
-            <a:off x="936640" y="1145704"/>
-            <a:ext cx="7190581" cy="5472608"/>
-          </a:xfrm>
-        </p:spPr>
-        <p:txBody>
-          <a:bodyPr vert="horz" wrap="square" lIns="0" tIns="0" rIns="0" bIns="0" numCol="1" anchor="t" anchorCtr="0" compatLnSpc="1">
-            <a:prstTxWarp prst="textNoShape">
-              <a:avLst/>
-            </a:prstTxWarp>
-          </a:bodyPr>
-          <a:lstStyle/>
-          <a:p>
-            <a:pPr marL="342878" indent="-342878" algn="l">
-              <a:lnSpc>
-                <a:spcPct val="150000"/>
-              </a:lnSpc>
-              <a:spcBef>
-                <a:spcPct val="0"/>
-              </a:spcBef>
-              <a:buFont typeface="Arial" pitchFamily="34" charset="0"/>
-              <a:buChar char="•"/>
-            </a:pPr>
-            <a:endParaRPr lang="de-DE" sz="2000" dirty="0">
-              <a:solidFill>
-                <a:srgbClr val="000000"/>
-              </a:solidFill>
-              <a:latin typeface="Arial" charset="0"/>
-            </a:endParaRPr>
-          </a:p>
-          <a:p>
-            <a:pPr marL="342878" indent="-342878" algn="l">
-              <a:lnSpc>
-                <a:spcPct val="150000"/>
-              </a:lnSpc>
-              <a:spcBef>
-                <a:spcPct val="0"/>
-              </a:spcBef>
-              <a:buFont typeface="Arial" pitchFamily="34" charset="0"/>
-              <a:buChar char="•"/>
-            </a:pPr>
-            <a:r>
-              <a:rPr lang="de-DE" sz="2200" dirty="0">
-                <a:solidFill>
-                  <a:srgbClr val="000000"/>
-                </a:solidFill>
-                <a:latin typeface="Arial" charset="0"/>
-              </a:rPr>
-              <a:t>Eingebettet in die normale </a:t>
-            </a:r>
-            <a:r>
-              <a:rPr lang="de-DE" sz="2200" dirty="0" err="1">
-                <a:solidFill>
-                  <a:srgbClr val="000000"/>
-                </a:solidFill>
-                <a:latin typeface="Arial" charset="0"/>
-              </a:rPr>
-              <a:t>Schematron</a:t>
-            </a:r>
-            <a:r>
-              <a:rPr lang="de-DE" sz="2200" dirty="0">
-                <a:solidFill>
-                  <a:srgbClr val="000000"/>
-                </a:solidFill>
-                <a:latin typeface="Arial" charset="0"/>
-              </a:rPr>
-              <a:t>-Validierung</a:t>
-            </a:r>
-          </a:p>
-          <a:p>
-            <a:pPr marL="342878" indent="-342878" algn="l">
-              <a:lnSpc>
-                <a:spcPct val="150000"/>
-              </a:lnSpc>
-              <a:spcBef>
-                <a:spcPct val="0"/>
-              </a:spcBef>
-              <a:buFont typeface="Arial" pitchFamily="34" charset="0"/>
-              <a:buChar char="•"/>
-            </a:pPr>
-            <a:endParaRPr lang="de-DE" sz="2200" dirty="0">
-              <a:solidFill>
-                <a:srgbClr val="000000"/>
-              </a:solidFill>
-              <a:latin typeface="Arial" charset="0"/>
-            </a:endParaRPr>
-          </a:p>
-          <a:p>
-            <a:pPr marL="342878" indent="-342878" algn="l">
-              <a:lnSpc>
-                <a:spcPct val="150000"/>
-              </a:lnSpc>
-              <a:spcBef>
-                <a:spcPct val="0"/>
-              </a:spcBef>
-              <a:buFont typeface="Arial" pitchFamily="34" charset="0"/>
-              <a:buChar char="•"/>
-            </a:pPr>
-            <a:endParaRPr lang="de-DE" sz="2200" dirty="0">
-              <a:solidFill>
-                <a:srgbClr val="000000"/>
-              </a:solidFill>
-              <a:latin typeface="Arial" charset="0"/>
-            </a:endParaRPr>
-          </a:p>
-          <a:p>
-            <a:pPr marL="342878" indent="-342878" algn="l">
-              <a:lnSpc>
-                <a:spcPct val="150000"/>
-              </a:lnSpc>
-              <a:spcBef>
-                <a:spcPct val="0"/>
-              </a:spcBef>
-              <a:buFont typeface="Arial" pitchFamily="34" charset="0"/>
-              <a:buChar char="•"/>
-            </a:pPr>
-            <a:endParaRPr lang="de-DE" sz="2200" dirty="0">
-              <a:solidFill>
-                <a:srgbClr val="000000"/>
-              </a:solidFill>
-              <a:latin typeface="Arial" charset="0"/>
-            </a:endParaRPr>
-          </a:p>
-          <a:p>
-            <a:pPr marL="342878" indent="-342878" algn="l">
-              <a:lnSpc>
-                <a:spcPct val="150000"/>
-              </a:lnSpc>
-              <a:spcBef>
-                <a:spcPct val="0"/>
-              </a:spcBef>
-              <a:buFont typeface="Arial" pitchFamily="34" charset="0"/>
-              <a:buChar char="•"/>
-            </a:pPr>
-            <a:endParaRPr lang="de-DE" sz="2200" dirty="0">
-              <a:solidFill>
-                <a:srgbClr val="000000"/>
-              </a:solidFill>
-              <a:latin typeface="Arial" charset="0"/>
-            </a:endParaRPr>
-          </a:p>
-          <a:p>
-            <a:pPr marL="342878" indent="-342878" algn="l">
-              <a:lnSpc>
-                <a:spcPct val="150000"/>
-              </a:lnSpc>
-              <a:spcBef>
-                <a:spcPct val="0"/>
-              </a:spcBef>
-              <a:buFont typeface="Arial" pitchFamily="34" charset="0"/>
-              <a:buChar char="•"/>
-            </a:pPr>
-            <a:r>
-              <a:rPr lang="de-DE" sz="2200" dirty="0">
-                <a:solidFill>
-                  <a:srgbClr val="000000"/>
-                </a:solidFill>
-                <a:latin typeface="Arial" charset="0"/>
-              </a:rPr>
-              <a:t>Alternativ:</a:t>
-            </a:r>
-          </a:p>
-          <a:p>
-            <a:pPr marL="800067" lvl="1" indent="-342878" algn="l">
-              <a:lnSpc>
-                <a:spcPct val="150000"/>
-              </a:lnSpc>
-              <a:spcBef>
-                <a:spcPct val="0"/>
-              </a:spcBef>
-              <a:buFont typeface="Arial" pitchFamily="34" charset="0"/>
-              <a:buChar char="•"/>
-            </a:pPr>
-            <a:r>
-              <a:rPr lang="de-DE" sz="1800" dirty="0">
-                <a:solidFill>
-                  <a:srgbClr val="000000"/>
-                </a:solidFill>
-                <a:latin typeface="Arial" charset="0"/>
-              </a:rPr>
-              <a:t>Tastenkürzel „Alt+1“</a:t>
-            </a:r>
-          </a:p>
-          <a:p>
-            <a:pPr marL="800067" lvl="1" indent="-342878" algn="l">
-              <a:lnSpc>
-                <a:spcPct val="150000"/>
-              </a:lnSpc>
-              <a:spcBef>
-                <a:spcPct val="0"/>
-              </a:spcBef>
-              <a:buFont typeface="Arial" pitchFamily="34" charset="0"/>
-              <a:buChar char="•"/>
-            </a:pPr>
-            <a:r>
-              <a:rPr lang="de-DE" sz="1800" dirty="0">
-                <a:solidFill>
-                  <a:srgbClr val="000000"/>
-                </a:solidFill>
-                <a:latin typeface="Arial" charset="0"/>
-              </a:rPr>
-              <a:t>Als Tool-Tipp</a:t>
-            </a:r>
-          </a:p>
-          <a:p>
-            <a:pPr marL="342878" indent="-342878" algn="l">
-              <a:lnSpc>
-                <a:spcPct val="150000"/>
-              </a:lnSpc>
-              <a:spcBef>
-                <a:spcPct val="0"/>
-              </a:spcBef>
-              <a:buFont typeface="Arial" pitchFamily="34" charset="0"/>
-              <a:buChar char="•"/>
-            </a:pPr>
-            <a:r>
-              <a:rPr lang="de-DE" sz="2200" dirty="0">
-                <a:solidFill>
-                  <a:srgbClr val="000000"/>
-                </a:solidFill>
-                <a:latin typeface="Arial" charset="0"/>
-              </a:rPr>
-              <a:t>Oxygen stellt so auch andere </a:t>
-            </a:r>
-            <a:r>
-              <a:rPr lang="de-DE" sz="2200" dirty="0" err="1">
-                <a:solidFill>
-                  <a:srgbClr val="000000"/>
-                </a:solidFill>
-                <a:latin typeface="Arial" charset="0"/>
-              </a:rPr>
-              <a:t>Refactoring</a:t>
-            </a:r>
-            <a:r>
-              <a:rPr lang="de-DE" sz="2200" dirty="0">
-                <a:solidFill>
-                  <a:srgbClr val="000000"/>
-                </a:solidFill>
-                <a:latin typeface="Arial" charset="0"/>
-              </a:rPr>
-              <a:t>-Quick-fixes zur Verfügung, die nicht auf SQF basieren</a:t>
-            </a:r>
-          </a:p>
-          <a:p>
-            <a:pPr marL="342878" indent="-342878" algn="l">
-              <a:lnSpc>
-                <a:spcPct val="150000"/>
-              </a:lnSpc>
-              <a:spcBef>
-                <a:spcPct val="0"/>
-              </a:spcBef>
-              <a:buFont typeface="Arial" pitchFamily="34" charset="0"/>
-              <a:buChar char="•"/>
-            </a:pPr>
-            <a:endParaRPr lang="de-DE" sz="2200" dirty="0">
-              <a:solidFill>
-                <a:srgbClr val="000000"/>
-              </a:solidFill>
-              <a:latin typeface="Arial" charset="0"/>
-            </a:endParaRPr>
-          </a:p>
-          <a:p>
-            <a:pPr marL="800067" lvl="1" indent="-342878" algn="l">
-              <a:lnSpc>
-                <a:spcPct val="150000"/>
-              </a:lnSpc>
-              <a:spcBef>
-                <a:spcPct val="0"/>
-              </a:spcBef>
-              <a:buFont typeface="Arial" pitchFamily="34" charset="0"/>
-              <a:buChar char="•"/>
-            </a:pPr>
-            <a:endParaRPr lang="de-DE" sz="1800" dirty="0">
-              <a:solidFill>
-                <a:srgbClr val="000000"/>
-              </a:solidFill>
-              <a:latin typeface="Arial" charset="0"/>
-            </a:endParaRPr>
-          </a:p>
-        </p:txBody>
-      </p:sp>
-    </p:spTree>
-    <p:extLst>
-      <p:ext uri="{BB962C8B-B14F-4D97-AF65-F5344CB8AC3E}">
-        <p14:creationId xmlns:p14="http://schemas.microsoft.com/office/powerpoint/2010/main" val="2443727098"/>
-      </p:ext>
-    </p:extLst>
-  </p:cSld>
-  <p:clrMapOvr>
-    <a:masterClrMapping/>
-  </p:clrMapOvr>
-  <mc:AlternateContent xmlns:mc="http://schemas.openxmlformats.org/markup-compatibility/2006">
-    <mc:Choice xmlns:p14="http://schemas.microsoft.com/office/powerpoint/2010/main" Requires="p14">
-      <p:transition spd="slow" p14:dur="2000"/>
-    </mc:Choice>
-    <mc:Fallback>
-      <p:transition spd="slow"/>
-    </mc:Fallback>
-  </mc:AlternateContent>
-  <p:timing>
-    <p:tnLst>
-      <p:par>
-        <p:cTn id="1" dur="indefinite" restart="never" nodeType="tmRoot">
-          <p:childTnLst>
-            <p:seq concurrent="1" nextAc="seek">
-              <p:cTn id="2" dur="indefinite" nodeType="mainSeq">
-                <p:childTnLst>
-                  <p:par>
-                    <p:cTn id="3" fill="hold">
-                      <p:stCondLst>
-                        <p:cond delay="indefinite"/>
-                        <p:cond evt="onBegin" delay="0">
-                          <p:tn val="2"/>
-                        </p:cond>
-                      </p:stCondLst>
-                      <p:childTnLst>
-                        <p:par>
-                          <p:cTn id="4" fill="hold">
-                            <p:stCondLst>
-                              <p:cond delay="0"/>
-                            </p:stCondLst>
-                            <p:childTnLst>
-                              <p:par>
-                                <p:cTn id="5" presetID="1" presetClass="entr" presetSubtype="0" fill="hold" nodeType="withEffect">
-                                  <p:stCondLst>
-                                    <p:cond delay="0"/>
-                                  </p:stCondLst>
-                                  <p:childTnLst>
-                                    <p:set>
-                                      <p:cBhvr>
-                                        <p:cTn id="6" dur="1" fill="hold">
-                                          <p:stCondLst>
-                                            <p:cond delay="0"/>
-                                          </p:stCondLst>
-                                        </p:cTn>
-                                        <p:tgtEl>
-                                          <p:spTgt spid="4098">
-                                            <p:txEl>
-                                              <p:pRg st="1" end="1"/>
-                                            </p:txEl>
-                                          </p:spTgt>
-                                        </p:tgtEl>
-                                        <p:attrNameLst>
-                                          <p:attrName>style.visibility</p:attrName>
-                                        </p:attrNameLst>
-                                      </p:cBhvr>
-                                      <p:to>
-                                        <p:strVal val="visible"/>
-                                      </p:to>
-                                    </p:set>
-                                  </p:childTnLst>
-                                </p:cTn>
-                              </p:par>
-                            </p:childTnLst>
-                          </p:cTn>
-                        </p:par>
-                      </p:childTnLst>
-                    </p:cTn>
-                  </p:par>
-                  <p:par>
-                    <p:cTn id="7" fill="hold">
-                      <p:stCondLst>
-                        <p:cond delay="indefinite"/>
-                      </p:stCondLst>
-                      <p:childTnLst>
-                        <p:par>
-                          <p:cTn id="8" fill="hold">
-                            <p:stCondLst>
-                              <p:cond delay="0"/>
-                            </p:stCondLst>
-                            <p:childTnLst>
-                              <p:par>
-                                <p:cTn id="9" presetID="1" presetClass="entr" presetSubtype="0" fill="hold" nodeType="clickEffect">
-                                  <p:stCondLst>
-                                    <p:cond delay="0"/>
-                                  </p:stCondLst>
-                                  <p:childTnLst>
-                                    <p:set>
-                                      <p:cBhvr>
-                                        <p:cTn id="10" dur="1" fill="hold">
-                                          <p:stCondLst>
-                                            <p:cond delay="0"/>
-                                          </p:stCondLst>
-                                        </p:cTn>
-                                        <p:tgtEl>
-                                          <p:spTgt spid="2"/>
-                                        </p:tgtEl>
-                                        <p:attrNameLst>
-                                          <p:attrName>style.visibility</p:attrName>
-                                        </p:attrNameLst>
-                                      </p:cBhvr>
-                                      <p:to>
-                                        <p:strVal val="visible"/>
-                                      </p:to>
-                                    </p:set>
-                                  </p:childTnLst>
-                                </p:cTn>
-                              </p:par>
-                            </p:childTnLst>
-                          </p:cTn>
-                        </p:par>
-                      </p:childTnLst>
-                    </p:cTn>
-                  </p:par>
-                  <p:par>
-                    <p:cTn id="11" fill="hold">
-                      <p:stCondLst>
-                        <p:cond delay="indefinite"/>
-                      </p:stCondLst>
-                      <p:childTnLst>
-                        <p:par>
-                          <p:cTn id="12" fill="hold">
-                            <p:stCondLst>
-                              <p:cond delay="0"/>
-                            </p:stCondLst>
-                            <p:childTnLst>
-                              <p:par>
-                                <p:cTn id="13" presetID="1" presetClass="entr" presetSubtype="0" fill="hold" nodeType="clickEffect">
-                                  <p:stCondLst>
-                                    <p:cond delay="0"/>
-                                  </p:stCondLst>
-                                  <p:childTnLst>
-                                    <p:set>
-                                      <p:cBhvr>
-                                        <p:cTn id="14" dur="1" fill="hold">
-                                          <p:stCondLst>
-                                            <p:cond delay="0"/>
-                                          </p:stCondLst>
-                                        </p:cTn>
-                                        <p:tgtEl>
-                                          <p:spTgt spid="3"/>
-                                        </p:tgtEl>
-                                        <p:attrNameLst>
-                                          <p:attrName>style.visibility</p:attrName>
-                                        </p:attrNameLst>
-                                      </p:cBhvr>
-                                      <p:to>
-                                        <p:strVal val="visible"/>
-                                      </p:to>
-                                    </p:set>
-                                  </p:childTnLst>
-                                </p:cTn>
-                              </p:par>
-                            </p:childTnLst>
-                          </p:cTn>
-                        </p:par>
-                      </p:childTnLst>
-                    </p:cTn>
-                  </p:par>
-                  <p:par>
-                    <p:cTn id="15" fill="hold">
-                      <p:stCondLst>
-                        <p:cond delay="indefinite"/>
-                      </p:stCondLst>
-                      <p:childTnLst>
-                        <p:par>
-                          <p:cTn id="16" fill="hold">
-                            <p:stCondLst>
-                              <p:cond delay="0"/>
-                            </p:stCondLst>
-                            <p:childTnLst>
-                              <p:par>
-                                <p:cTn id="17" presetID="1" presetClass="entr" presetSubtype="0" fill="hold" nodeType="clickEffect">
-                                  <p:stCondLst>
-                                    <p:cond delay="0"/>
-                                  </p:stCondLst>
-                                  <p:childTnLst>
-                                    <p:set>
-                                      <p:cBhvr>
-                                        <p:cTn id="18" dur="1" fill="hold">
-                                          <p:stCondLst>
-                                            <p:cond delay="0"/>
-                                          </p:stCondLst>
-                                        </p:cTn>
-                                        <p:tgtEl>
-                                          <p:spTgt spid="4098">
-                                            <p:txEl>
-                                              <p:pRg st="6" end="6"/>
-                                            </p:txEl>
-                                          </p:spTgt>
-                                        </p:tgtEl>
-                                        <p:attrNameLst>
-                                          <p:attrName>style.visibility</p:attrName>
-                                        </p:attrNameLst>
-                                      </p:cBhvr>
-                                      <p:to>
-                                        <p:strVal val="visible"/>
-                                      </p:to>
-                                    </p:set>
-                                  </p:childTnLst>
-                                </p:cTn>
-                              </p:par>
-                              <p:par>
-                                <p:cTn id="19" presetID="1" presetClass="entr" presetSubtype="0" fill="hold" nodeType="withEffect">
-                                  <p:stCondLst>
-                                    <p:cond delay="0"/>
-                                  </p:stCondLst>
-                                  <p:childTnLst>
-                                    <p:set>
-                                      <p:cBhvr>
-                                        <p:cTn id="20" dur="1" fill="hold">
-                                          <p:stCondLst>
-                                            <p:cond delay="0"/>
-                                          </p:stCondLst>
-                                        </p:cTn>
-                                        <p:tgtEl>
-                                          <p:spTgt spid="4098">
-                                            <p:txEl>
-                                              <p:pRg st="7" end="7"/>
-                                            </p:txEl>
-                                          </p:spTgt>
-                                        </p:tgtEl>
-                                        <p:attrNameLst>
-                                          <p:attrName>style.visibility</p:attrName>
-                                        </p:attrNameLst>
-                                      </p:cBhvr>
-                                      <p:to>
-                                        <p:strVal val="visible"/>
-                                      </p:to>
-                                    </p:set>
-                                  </p:childTnLst>
-                                </p:cTn>
-                              </p:par>
-                            </p:childTnLst>
-                          </p:cTn>
-                        </p:par>
-                      </p:childTnLst>
-                    </p:cTn>
-                  </p:par>
-                  <p:par>
-                    <p:cTn id="21" fill="hold">
-                      <p:stCondLst>
-                        <p:cond delay="indefinite"/>
-                      </p:stCondLst>
-                      <p:childTnLst>
-                        <p:par>
-                          <p:cTn id="22" fill="hold">
-                            <p:stCondLst>
-                              <p:cond delay="0"/>
-                            </p:stCondLst>
-                            <p:childTnLst>
-                              <p:par>
-                                <p:cTn id="23" presetID="1" presetClass="entr" presetSubtype="0" fill="hold" nodeType="clickEffect">
-                                  <p:stCondLst>
-                                    <p:cond delay="0"/>
-                                  </p:stCondLst>
-                                  <p:childTnLst>
-                                    <p:set>
-                                      <p:cBhvr>
-                                        <p:cTn id="24" dur="1" fill="hold">
-                                          <p:stCondLst>
-                                            <p:cond delay="0"/>
-                                          </p:stCondLst>
-                                        </p:cTn>
-                                        <p:tgtEl>
-                                          <p:spTgt spid="4098">
-                                            <p:txEl>
-                                              <p:pRg st="8" end="8"/>
-                                            </p:txEl>
-                                          </p:spTgt>
-                                        </p:tgtEl>
-                                        <p:attrNameLst>
-                                          <p:attrName>style.visibility</p:attrName>
-                                        </p:attrNameLst>
-                                      </p:cBhvr>
-                                      <p:to>
-                                        <p:strVal val="visible"/>
-                                      </p:to>
-                                    </p:set>
-                                  </p:childTnLst>
-                                </p:cTn>
-                              </p:par>
-                            </p:childTnLst>
-                          </p:cTn>
-                        </p:par>
-                      </p:childTnLst>
-                    </p:cTn>
-                  </p:par>
-                  <p:par>
-                    <p:cTn id="25" fill="hold">
-                      <p:stCondLst>
-                        <p:cond delay="indefinite"/>
-                      </p:stCondLst>
-                      <p:childTnLst>
-                        <p:par>
-                          <p:cTn id="26" fill="hold">
-                            <p:stCondLst>
-                              <p:cond delay="0"/>
-                            </p:stCondLst>
-                            <p:childTnLst>
-                              <p:par>
-                                <p:cTn id="27" presetID="1" presetClass="entr" presetSubtype="0" fill="hold" nodeType="clickEffect">
-                                  <p:stCondLst>
-                                    <p:cond delay="0"/>
-                                  </p:stCondLst>
-                                  <p:childTnLst>
-                                    <p:set>
-                                      <p:cBhvr>
-                                        <p:cTn id="28" dur="1" fill="hold">
-                                          <p:stCondLst>
-                                            <p:cond delay="0"/>
-                                          </p:stCondLst>
-                                        </p:cTn>
-                                        <p:tgtEl>
-                                          <p:spTgt spid="4098">
-                                            <p:txEl>
-                                              <p:pRg st="9" end="9"/>
-                                            </p:txEl>
-                                          </p:spTgt>
-                                        </p:tgtEl>
-                                        <p:attrNameLst>
-                                          <p:attrName>style.visibility</p:attrName>
-                                        </p:attrNameLst>
-                                      </p:cBhvr>
-                                      <p:to>
-                                        <p:strVal val="visible"/>
-                                      </p:to>
-                                    </p:set>
-                                  </p:childTnLst>
-                                </p:cTn>
-                              </p:par>
-                            </p:childTnLst>
-                          </p:cTn>
-                        </p:par>
-                      </p:childTnLst>
-                    </p:cTn>
-                  </p:par>
-                </p:childTnLst>
-              </p:cTn>
-              <p:prevCondLst>
-                <p:cond evt="onPrev" delay="0">
-                  <p:tgtEl>
-                    <p:sldTgt/>
-                  </p:tgtEl>
-                </p:cond>
-              </p:prevCondLst>
-              <p:nextCondLst>
-                <p:cond evt="onNext" delay="0">
-                  <p:tgtEl>
-                    <p:sldTgt/>
-                  </p:tgtEl>
-                </p:cond>
-              </p:nextCondLst>
-            </p:seq>
-          </p:childTnLst>
-        </p:cTn>
-      </p:par>
-    </p:tnLst>
-  </p:timing>
-</p:sld>
-</file>
-
-<file path=ppt/slides/slide19.xml><?xml version="1.0" encoding="utf-8"?>
-<p:sld xmlns:a="http://schemas.openxmlformats.org/drawingml/2006/main" xmlns:r="http://schemas.openxmlformats.org/officeDocument/2006/relationships" xmlns:p="http://schemas.openxmlformats.org/presentationml/2006/main">
-  <p:cSld>
-    <p:spTree>
-      <p:nvGrpSpPr>
-        <p:cNvPr id="1" name=""/>
-        <p:cNvGrpSpPr/>
-        <p:nvPr/>
-      </p:nvGrpSpPr>
-      <p:grpSpPr>
-        <a:xfrm>
-          <a:off x="0" y="0"/>
-          <a:ext cx="0" cy="0"/>
-          <a:chOff x="0" y="0"/>
-          <a:chExt cx="0" cy="0"/>
-        </a:xfrm>
-      </p:grpSpPr>
-      <p:sp>
-        <p:nvSpPr>
-          <p:cNvPr id="4098" name="Rectangle 2"/>
-          <p:cNvSpPr>
-            <a:spLocks noGrp="1" noChangeArrowheads="1"/>
-          </p:cNvSpPr>
-          <p:nvPr>
-            <p:ph type="subTitle" idx="1"/>
-          </p:nvPr>
-        </p:nvSpPr>
-        <p:spPr>
-          <a:xfrm>
-            <a:off x="936640" y="497638"/>
-            <a:ext cx="7190581" cy="6810995"/>
-          </a:xfrm>
-        </p:spPr>
-        <p:txBody>
-          <a:bodyPr vert="horz" wrap="square" lIns="0" tIns="0" rIns="0" bIns="0" numCol="1" anchor="ctr" anchorCtr="0" compatLnSpc="1">
-            <a:prstTxWarp prst="textNoShape">
-              <a:avLst/>
-            </a:prstTxWarp>
-          </a:bodyPr>
-          <a:lstStyle/>
-          <a:p>
-            <a:pPr>
-              <a:lnSpc>
-                <a:spcPct val="150000"/>
-              </a:lnSpc>
-              <a:spcBef>
-                <a:spcPct val="0"/>
-              </a:spcBef>
-            </a:pPr>
-            <a:r>
-              <a:rPr lang="de-DE" sz="3600" b="1" dirty="0">
-                <a:solidFill>
-                  <a:srgbClr val="000077"/>
-                </a:solidFill>
-                <a:latin typeface="TheSansOffice" pitchFamily="34" charset="0"/>
-                <a:ea typeface="+mj-ea"/>
-                <a:cs typeface="+mj-cs"/>
-              </a:rPr>
-              <a:t>Der </a:t>
-            </a:r>
-            <a:r>
-              <a:rPr lang="de-DE" sz="3600" b="1" dirty="0" err="1">
-                <a:solidFill>
-                  <a:srgbClr val="000077"/>
-                </a:solidFill>
-                <a:latin typeface="TheSansOffice" pitchFamily="34" charset="0"/>
-                <a:ea typeface="+mj-ea"/>
-                <a:cs typeface="+mj-cs"/>
-              </a:rPr>
-              <a:t>Escali</a:t>
-            </a:r>
-            <a:endParaRPr lang="de-DE" sz="3600" b="1" dirty="0">
-              <a:solidFill>
-                <a:srgbClr val="000077"/>
-              </a:solidFill>
-              <a:latin typeface="TheSansOffice" pitchFamily="34" charset="0"/>
-              <a:ea typeface="+mj-ea"/>
-              <a:cs typeface="+mj-cs"/>
-            </a:endParaRPr>
-          </a:p>
-        </p:txBody>
-      </p:sp>
-    </p:spTree>
-    <p:extLst>
-      <p:ext uri="{BB962C8B-B14F-4D97-AF65-F5344CB8AC3E}">
-        <p14:creationId xmlns:p14="http://schemas.microsoft.com/office/powerpoint/2010/main" val="2255212064"/>
-      </p:ext>
-    </p:extLst>
-  </p:cSld>
-  <p:clrMapOvr>
-    <a:masterClrMapping/>
-  </p:clrMapOvr>
-  <p:timing>
-    <p:tnLst>
-      <p:par>
-        <p:cTn id="1" dur="indefinite" restart="never" nodeType="tmRoot"/>
-      </p:par>
-    </p:tnLst>
-  </p:timing>
-</p:sld>
-</file>
-
 <file path=ppt/slides/slide2.xml><?xml version="1.0" encoding="utf-8"?>
 <p:sld xmlns:a="http://schemas.openxmlformats.org/drawingml/2006/main" xmlns:r="http://schemas.openxmlformats.org/officeDocument/2006/relationships" xmlns:p="http://schemas.openxmlformats.org/presentationml/2006/main">
   <p:cSld>
@@ -14103,6 +15065,952 @@
 </file>
 
 <file path=ppt/slides/slide20.xml><?xml version="1.0" encoding="utf-8"?>
+<p:sld xmlns:a="http://schemas.openxmlformats.org/drawingml/2006/main" xmlns:r="http://schemas.openxmlformats.org/officeDocument/2006/relationships" xmlns:p="http://schemas.openxmlformats.org/presentationml/2006/main" show="0">
+  <p:cSld>
+    <p:spTree>
+      <p:nvGrpSpPr>
+        <p:cNvPr id="1" name=""/>
+        <p:cNvGrpSpPr/>
+        <p:nvPr/>
+      </p:nvGrpSpPr>
+      <p:grpSpPr>
+        <a:xfrm>
+          <a:off x="0" y="0"/>
+          <a:ext cx="0" cy="0"/>
+          <a:chOff x="0" y="0"/>
+          <a:chExt cx="0" cy="0"/>
+        </a:xfrm>
+      </p:grpSpPr>
+      <p:graphicFrame>
+        <p:nvGraphicFramePr>
+          <p:cNvPr id="2" name="Objekt 1"/>
+          <p:cNvGraphicFramePr>
+            <a:graphicFrameLocks noChangeAspect="1"/>
+          </p:cNvGraphicFramePr>
+          <p:nvPr>
+            <p:extLst>
+              <p:ext uri="{D42A27DB-BD31-4B8C-83A1-F6EECF244321}">
+                <p14:modId xmlns:p14="http://schemas.microsoft.com/office/powerpoint/2010/main" val="313563386"/>
+              </p:ext>
+            </p:extLst>
+          </p:nvPr>
+        </p:nvGraphicFramePr>
+        <p:xfrm>
+          <a:off x="831529" y="2199891"/>
+          <a:ext cx="8856984" cy="1578346"/>
+        </p:xfrm>
+        <a:graphic>
+          <a:graphicData uri="http://schemas.openxmlformats.org/presentationml/2006/ole">
+            <mc:AlternateContent xmlns:mc="http://schemas.openxmlformats.org/markup-compatibility/2006">
+              <mc:Choice xmlns:v="urn:schemas-microsoft-com:vml" Requires="v">
+                <p:oleObj spid="_x0000_s3086" name="Image" r:id="rId3" imgW="6628320" imgH="1180800" progId="Photoshop.Image.13">
+                  <p:embed/>
+                </p:oleObj>
+              </mc:Choice>
+              <mc:Fallback>
+                <p:oleObj name="Image" r:id="rId3" imgW="6628320" imgH="1180800" progId="Photoshop.Image.13">
+                  <p:embed/>
+                  <p:pic>
+                    <p:nvPicPr>
+                      <p:cNvPr id="0" name=""/>
+                      <p:cNvPicPr/>
+                      <p:nvPr/>
+                    </p:nvPicPr>
+                    <p:blipFill>
+                      <a:blip r:embed="rId4"/>
+                      <a:stretch>
+                        <a:fillRect/>
+                      </a:stretch>
+                    </p:blipFill>
+                    <p:spPr>
+                      <a:xfrm>
+                        <a:off x="831529" y="2199891"/>
+                        <a:ext cx="8856984" cy="1578346"/>
+                      </a:xfrm>
+                      <a:prstGeom prst="rect">
+                        <a:avLst/>
+                      </a:prstGeom>
+                    </p:spPr>
+                  </p:pic>
+                </p:oleObj>
+              </mc:Fallback>
+            </mc:AlternateContent>
+          </a:graphicData>
+        </a:graphic>
+      </p:graphicFrame>
+      <p:graphicFrame>
+        <p:nvGraphicFramePr>
+          <p:cNvPr id="3" name="Objekt 2"/>
+          <p:cNvGraphicFramePr>
+            <a:graphicFrameLocks noChangeAspect="1"/>
+          </p:cNvGraphicFramePr>
+          <p:nvPr>
+            <p:extLst>
+              <p:ext uri="{D42A27DB-BD31-4B8C-83A1-F6EECF244321}">
+                <p14:modId xmlns:p14="http://schemas.microsoft.com/office/powerpoint/2010/main" val="545467337"/>
+              </p:ext>
+            </p:extLst>
+          </p:nvPr>
+        </p:nvGraphicFramePr>
+        <p:xfrm>
+          <a:off x="831529" y="2199891"/>
+          <a:ext cx="8856984" cy="1578346"/>
+        </p:xfrm>
+        <a:graphic>
+          <a:graphicData uri="http://schemas.openxmlformats.org/presentationml/2006/ole">
+            <mc:AlternateContent xmlns:mc="http://schemas.openxmlformats.org/markup-compatibility/2006">
+              <mc:Choice xmlns:v="urn:schemas-microsoft-com:vml" Requires="v">
+                <p:oleObj spid="_x0000_s3087" name="Image" r:id="rId5" imgW="6628320" imgH="1180800" progId="Photoshop.Image.13">
+                  <p:embed/>
+                </p:oleObj>
+              </mc:Choice>
+              <mc:Fallback>
+                <p:oleObj name="Image" r:id="rId5" imgW="6628320" imgH="1180800" progId="Photoshop.Image.13">
+                  <p:embed/>
+                  <p:pic>
+                    <p:nvPicPr>
+                      <p:cNvPr id="0" name=""/>
+                      <p:cNvPicPr/>
+                      <p:nvPr/>
+                    </p:nvPicPr>
+                    <p:blipFill>
+                      <a:blip r:embed="rId6"/>
+                      <a:stretch>
+                        <a:fillRect/>
+                      </a:stretch>
+                    </p:blipFill>
+                    <p:spPr>
+                      <a:xfrm>
+                        <a:off x="831529" y="2199891"/>
+                        <a:ext cx="8856984" cy="1578346"/>
+                      </a:xfrm>
+                      <a:prstGeom prst="rect">
+                        <a:avLst/>
+                      </a:prstGeom>
+                    </p:spPr>
+                  </p:pic>
+                </p:oleObj>
+              </mc:Fallback>
+            </mc:AlternateContent>
+          </a:graphicData>
+        </a:graphic>
+      </p:graphicFrame>
+      <p:sp>
+        <p:nvSpPr>
+          <p:cNvPr id="4097" name="Rectangle 1"/>
+          <p:cNvSpPr>
+            <a:spLocks noGrp="1" noChangeArrowheads="1"/>
+          </p:cNvSpPr>
+          <p:nvPr>
+            <p:ph type="ctrTitle"/>
+          </p:nvPr>
+        </p:nvSpPr>
+        <p:spPr>
+          <a:xfrm>
+            <a:off x="831528" y="495306"/>
+            <a:ext cx="5040560" cy="761653"/>
+          </a:xfrm>
+        </p:spPr>
+        <p:txBody>
+          <a:bodyPr vert="horz" wrap="square" lIns="0" tIns="0" rIns="0" bIns="0" numCol="1" anchor="t" anchorCtr="0" compatLnSpc="1">
+            <a:prstTxWarp prst="textNoShape">
+              <a:avLst/>
+            </a:prstTxWarp>
+          </a:bodyPr>
+          <a:lstStyle/>
+          <a:p>
+            <a:pPr algn="l">
+              <a:lnSpc>
+                <a:spcPct val="95000"/>
+              </a:lnSpc>
+            </a:pPr>
+            <a:r>
+              <a:rPr lang="de-DE" sz="3600" dirty="0">
+                <a:latin typeface="TheSansOffice" pitchFamily="34" charset="0"/>
+              </a:rPr>
+              <a:t>Oxygen </a:t>
+            </a:r>
+            <a:r>
+              <a:rPr lang="de-DE" sz="3600" dirty="0" err="1">
+                <a:latin typeface="TheSansOffice" pitchFamily="34" charset="0"/>
+              </a:rPr>
+              <a:t>Build</a:t>
+            </a:r>
+            <a:r>
+              <a:rPr lang="de-DE" sz="3600" dirty="0">
+                <a:latin typeface="TheSansOffice" pitchFamily="34" charset="0"/>
+              </a:rPr>
+              <a:t>-in</a:t>
+            </a:r>
+          </a:p>
+        </p:txBody>
+      </p:sp>
+      <p:sp>
+        <p:nvSpPr>
+          <p:cNvPr id="4098" name="Rectangle 2"/>
+          <p:cNvSpPr>
+            <a:spLocks noGrp="1" noChangeArrowheads="1"/>
+          </p:cNvSpPr>
+          <p:nvPr>
+            <p:ph type="subTitle" idx="1"/>
+          </p:nvPr>
+        </p:nvSpPr>
+        <p:spPr>
+          <a:xfrm>
+            <a:off x="936640" y="1145704"/>
+            <a:ext cx="7190581" cy="5472608"/>
+          </a:xfrm>
+        </p:spPr>
+        <p:txBody>
+          <a:bodyPr vert="horz" wrap="square" lIns="0" tIns="0" rIns="0" bIns="0" numCol="1" anchor="t" anchorCtr="0" compatLnSpc="1">
+            <a:prstTxWarp prst="textNoShape">
+              <a:avLst/>
+            </a:prstTxWarp>
+          </a:bodyPr>
+          <a:lstStyle/>
+          <a:p>
+            <a:pPr marL="342878" indent="-342878" algn="l">
+              <a:lnSpc>
+                <a:spcPct val="150000"/>
+              </a:lnSpc>
+              <a:spcBef>
+                <a:spcPct val="0"/>
+              </a:spcBef>
+              <a:buFont typeface="Arial" pitchFamily="34" charset="0"/>
+              <a:buChar char="•"/>
+            </a:pPr>
+            <a:endParaRPr lang="de-DE" sz="2000" dirty="0">
+              <a:solidFill>
+                <a:srgbClr val="000000"/>
+              </a:solidFill>
+              <a:latin typeface="Arial" charset="0"/>
+            </a:endParaRPr>
+          </a:p>
+          <a:p>
+            <a:pPr marL="342878" indent="-342878" algn="l">
+              <a:lnSpc>
+                <a:spcPct val="150000"/>
+              </a:lnSpc>
+              <a:spcBef>
+                <a:spcPct val="0"/>
+              </a:spcBef>
+              <a:buFont typeface="Arial" pitchFamily="34" charset="0"/>
+              <a:buChar char="•"/>
+            </a:pPr>
+            <a:r>
+              <a:rPr lang="de-DE" sz="2200" dirty="0">
+                <a:solidFill>
+                  <a:srgbClr val="000000"/>
+                </a:solidFill>
+                <a:latin typeface="Arial" charset="0"/>
+              </a:rPr>
+              <a:t>Eingebettet in die normale </a:t>
+            </a:r>
+            <a:r>
+              <a:rPr lang="de-DE" sz="2200" dirty="0" err="1">
+                <a:solidFill>
+                  <a:srgbClr val="000000"/>
+                </a:solidFill>
+                <a:latin typeface="Arial" charset="0"/>
+              </a:rPr>
+              <a:t>Schematron</a:t>
+            </a:r>
+            <a:r>
+              <a:rPr lang="de-DE" sz="2200" dirty="0">
+                <a:solidFill>
+                  <a:srgbClr val="000000"/>
+                </a:solidFill>
+                <a:latin typeface="Arial" charset="0"/>
+              </a:rPr>
+              <a:t>-Validierung</a:t>
+            </a:r>
+          </a:p>
+          <a:p>
+            <a:pPr marL="342878" indent="-342878" algn="l">
+              <a:lnSpc>
+                <a:spcPct val="150000"/>
+              </a:lnSpc>
+              <a:spcBef>
+                <a:spcPct val="0"/>
+              </a:spcBef>
+              <a:buFont typeface="Arial" pitchFamily="34" charset="0"/>
+              <a:buChar char="•"/>
+            </a:pPr>
+            <a:endParaRPr lang="de-DE" sz="2200" dirty="0">
+              <a:solidFill>
+                <a:srgbClr val="000000"/>
+              </a:solidFill>
+              <a:latin typeface="Arial" charset="0"/>
+            </a:endParaRPr>
+          </a:p>
+          <a:p>
+            <a:pPr marL="342878" indent="-342878" algn="l">
+              <a:lnSpc>
+                <a:spcPct val="150000"/>
+              </a:lnSpc>
+              <a:spcBef>
+                <a:spcPct val="0"/>
+              </a:spcBef>
+              <a:buFont typeface="Arial" pitchFamily="34" charset="0"/>
+              <a:buChar char="•"/>
+            </a:pPr>
+            <a:endParaRPr lang="de-DE" sz="2200" dirty="0">
+              <a:solidFill>
+                <a:srgbClr val="000000"/>
+              </a:solidFill>
+              <a:latin typeface="Arial" charset="0"/>
+            </a:endParaRPr>
+          </a:p>
+          <a:p>
+            <a:pPr marL="342878" indent="-342878" algn="l">
+              <a:lnSpc>
+                <a:spcPct val="150000"/>
+              </a:lnSpc>
+              <a:spcBef>
+                <a:spcPct val="0"/>
+              </a:spcBef>
+              <a:buFont typeface="Arial" pitchFamily="34" charset="0"/>
+              <a:buChar char="•"/>
+            </a:pPr>
+            <a:endParaRPr lang="de-DE" sz="2200" dirty="0">
+              <a:solidFill>
+                <a:srgbClr val="000000"/>
+              </a:solidFill>
+              <a:latin typeface="Arial" charset="0"/>
+            </a:endParaRPr>
+          </a:p>
+          <a:p>
+            <a:pPr marL="342878" indent="-342878" algn="l">
+              <a:lnSpc>
+                <a:spcPct val="150000"/>
+              </a:lnSpc>
+              <a:spcBef>
+                <a:spcPct val="0"/>
+              </a:spcBef>
+              <a:buFont typeface="Arial" pitchFamily="34" charset="0"/>
+              <a:buChar char="•"/>
+            </a:pPr>
+            <a:endParaRPr lang="de-DE" sz="2200" dirty="0">
+              <a:solidFill>
+                <a:srgbClr val="000000"/>
+              </a:solidFill>
+              <a:latin typeface="Arial" charset="0"/>
+            </a:endParaRPr>
+          </a:p>
+          <a:p>
+            <a:pPr marL="342878" indent="-342878" algn="l">
+              <a:lnSpc>
+                <a:spcPct val="150000"/>
+              </a:lnSpc>
+              <a:spcBef>
+                <a:spcPct val="0"/>
+              </a:spcBef>
+              <a:buFont typeface="Arial" pitchFamily="34" charset="0"/>
+              <a:buChar char="•"/>
+            </a:pPr>
+            <a:r>
+              <a:rPr lang="de-DE" sz="2200" dirty="0">
+                <a:solidFill>
+                  <a:srgbClr val="000000"/>
+                </a:solidFill>
+                <a:latin typeface="Arial" charset="0"/>
+              </a:rPr>
+              <a:t>Alternativ:</a:t>
+            </a:r>
+          </a:p>
+          <a:p>
+            <a:pPr marL="800067" lvl="1" indent="-342878" algn="l">
+              <a:lnSpc>
+                <a:spcPct val="150000"/>
+              </a:lnSpc>
+              <a:spcBef>
+                <a:spcPct val="0"/>
+              </a:spcBef>
+              <a:buFont typeface="Arial" pitchFamily="34" charset="0"/>
+              <a:buChar char="•"/>
+            </a:pPr>
+            <a:r>
+              <a:rPr lang="de-DE" sz="1800" dirty="0">
+                <a:solidFill>
+                  <a:srgbClr val="000000"/>
+                </a:solidFill>
+                <a:latin typeface="Arial" charset="0"/>
+              </a:rPr>
+              <a:t>Tastenkürzel „Alt+1“</a:t>
+            </a:r>
+          </a:p>
+          <a:p>
+            <a:pPr marL="800067" lvl="1" indent="-342878" algn="l">
+              <a:lnSpc>
+                <a:spcPct val="150000"/>
+              </a:lnSpc>
+              <a:spcBef>
+                <a:spcPct val="0"/>
+              </a:spcBef>
+              <a:buFont typeface="Arial" pitchFamily="34" charset="0"/>
+              <a:buChar char="•"/>
+            </a:pPr>
+            <a:r>
+              <a:rPr lang="de-DE" sz="1800" dirty="0">
+                <a:solidFill>
+                  <a:srgbClr val="000000"/>
+                </a:solidFill>
+                <a:latin typeface="Arial" charset="0"/>
+              </a:rPr>
+              <a:t>Als Tool-Tipp</a:t>
+            </a:r>
+          </a:p>
+          <a:p>
+            <a:pPr marL="342878" indent="-342878" algn="l">
+              <a:lnSpc>
+                <a:spcPct val="150000"/>
+              </a:lnSpc>
+              <a:spcBef>
+                <a:spcPct val="0"/>
+              </a:spcBef>
+              <a:buFont typeface="Arial" pitchFamily="34" charset="0"/>
+              <a:buChar char="•"/>
+            </a:pPr>
+            <a:r>
+              <a:rPr lang="de-DE" sz="2200" dirty="0">
+                <a:solidFill>
+                  <a:srgbClr val="000000"/>
+                </a:solidFill>
+                <a:latin typeface="Arial" charset="0"/>
+              </a:rPr>
+              <a:t>Oxygen stellt so auch andere </a:t>
+            </a:r>
+            <a:r>
+              <a:rPr lang="de-DE" sz="2200" dirty="0" err="1">
+                <a:solidFill>
+                  <a:srgbClr val="000000"/>
+                </a:solidFill>
+                <a:latin typeface="Arial" charset="0"/>
+              </a:rPr>
+              <a:t>Refactoring</a:t>
+            </a:r>
+            <a:r>
+              <a:rPr lang="de-DE" sz="2200" dirty="0">
+                <a:solidFill>
+                  <a:srgbClr val="000000"/>
+                </a:solidFill>
+                <a:latin typeface="Arial" charset="0"/>
+              </a:rPr>
+              <a:t>-Quick-fixes zur Verfügung, die nicht auf SQF basieren</a:t>
+            </a:r>
+          </a:p>
+          <a:p>
+            <a:pPr marL="342878" indent="-342878" algn="l">
+              <a:lnSpc>
+                <a:spcPct val="150000"/>
+              </a:lnSpc>
+              <a:spcBef>
+                <a:spcPct val="0"/>
+              </a:spcBef>
+              <a:buFont typeface="Arial" pitchFamily="34" charset="0"/>
+              <a:buChar char="•"/>
+            </a:pPr>
+            <a:endParaRPr lang="de-DE" sz="2200" dirty="0">
+              <a:solidFill>
+                <a:srgbClr val="000000"/>
+              </a:solidFill>
+              <a:latin typeface="Arial" charset="0"/>
+            </a:endParaRPr>
+          </a:p>
+          <a:p>
+            <a:pPr marL="800067" lvl="1" indent="-342878" algn="l">
+              <a:lnSpc>
+                <a:spcPct val="150000"/>
+              </a:lnSpc>
+              <a:spcBef>
+                <a:spcPct val="0"/>
+              </a:spcBef>
+              <a:buFont typeface="Arial" pitchFamily="34" charset="0"/>
+              <a:buChar char="•"/>
+            </a:pPr>
+            <a:endParaRPr lang="de-DE" sz="1800" dirty="0">
+              <a:solidFill>
+                <a:srgbClr val="000000"/>
+              </a:solidFill>
+              <a:latin typeface="Arial" charset="0"/>
+            </a:endParaRPr>
+          </a:p>
+        </p:txBody>
+      </p:sp>
+    </p:spTree>
+    <p:extLst>
+      <p:ext uri="{BB962C8B-B14F-4D97-AF65-F5344CB8AC3E}">
+        <p14:creationId xmlns:p14="http://schemas.microsoft.com/office/powerpoint/2010/main" val="2443727098"/>
+      </p:ext>
+    </p:extLst>
+  </p:cSld>
+  <p:clrMapOvr>
+    <a:masterClrMapping/>
+  </p:clrMapOvr>
+  <mc:AlternateContent xmlns:mc="http://schemas.openxmlformats.org/markup-compatibility/2006" xmlns:p14="http://schemas.microsoft.com/office/powerpoint/2010/main">
+    <mc:Choice Requires="p14">
+      <p:transition spd="slow" p14:dur="2000"/>
+    </mc:Choice>
+    <mc:Fallback xmlns="">
+      <p:transition spd="slow"/>
+    </mc:Fallback>
+  </mc:AlternateContent>
+  <p:timing>
+    <p:tnLst>
+      <p:par>
+        <p:cTn id="1" dur="indefinite" restart="never" nodeType="tmRoot">
+          <p:childTnLst>
+            <p:seq concurrent="1" nextAc="seek">
+              <p:cTn id="2" dur="indefinite" nodeType="mainSeq">
+                <p:childTnLst>
+                  <p:par>
+                    <p:cTn id="3" fill="hold">
+                      <p:stCondLst>
+                        <p:cond delay="indefinite"/>
+                        <p:cond evt="onBegin" delay="0">
+                          <p:tn val="2"/>
+                        </p:cond>
+                      </p:stCondLst>
+                      <p:childTnLst>
+                        <p:par>
+                          <p:cTn id="4" fill="hold">
+                            <p:stCondLst>
+                              <p:cond delay="0"/>
+                            </p:stCondLst>
+                            <p:childTnLst>
+                              <p:par>
+                                <p:cTn id="5" presetID="1" presetClass="entr" presetSubtype="0" fill="hold" nodeType="withEffect">
+                                  <p:stCondLst>
+                                    <p:cond delay="0"/>
+                                  </p:stCondLst>
+                                  <p:childTnLst>
+                                    <p:set>
+                                      <p:cBhvr>
+                                        <p:cTn id="6" dur="1" fill="hold">
+                                          <p:stCondLst>
+                                            <p:cond delay="0"/>
+                                          </p:stCondLst>
+                                        </p:cTn>
+                                        <p:tgtEl>
+                                          <p:spTgt spid="4098">
+                                            <p:txEl>
+                                              <p:pRg st="1" end="1"/>
+                                            </p:txEl>
+                                          </p:spTgt>
+                                        </p:tgtEl>
+                                        <p:attrNameLst>
+                                          <p:attrName>style.visibility</p:attrName>
+                                        </p:attrNameLst>
+                                      </p:cBhvr>
+                                      <p:to>
+                                        <p:strVal val="visible"/>
+                                      </p:to>
+                                    </p:set>
+                                  </p:childTnLst>
+                                </p:cTn>
+                              </p:par>
+                            </p:childTnLst>
+                          </p:cTn>
+                        </p:par>
+                      </p:childTnLst>
+                    </p:cTn>
+                  </p:par>
+                  <p:par>
+                    <p:cTn id="7" fill="hold">
+                      <p:stCondLst>
+                        <p:cond delay="indefinite"/>
+                      </p:stCondLst>
+                      <p:childTnLst>
+                        <p:par>
+                          <p:cTn id="8" fill="hold">
+                            <p:stCondLst>
+                              <p:cond delay="0"/>
+                            </p:stCondLst>
+                            <p:childTnLst>
+                              <p:par>
+                                <p:cTn id="9" presetID="1" presetClass="entr" presetSubtype="0" fill="hold" nodeType="clickEffect">
+                                  <p:stCondLst>
+                                    <p:cond delay="0"/>
+                                  </p:stCondLst>
+                                  <p:childTnLst>
+                                    <p:set>
+                                      <p:cBhvr>
+                                        <p:cTn id="10" dur="1" fill="hold">
+                                          <p:stCondLst>
+                                            <p:cond delay="0"/>
+                                          </p:stCondLst>
+                                        </p:cTn>
+                                        <p:tgtEl>
+                                          <p:spTgt spid="2"/>
+                                        </p:tgtEl>
+                                        <p:attrNameLst>
+                                          <p:attrName>style.visibility</p:attrName>
+                                        </p:attrNameLst>
+                                      </p:cBhvr>
+                                      <p:to>
+                                        <p:strVal val="visible"/>
+                                      </p:to>
+                                    </p:set>
+                                  </p:childTnLst>
+                                </p:cTn>
+                              </p:par>
+                            </p:childTnLst>
+                          </p:cTn>
+                        </p:par>
+                      </p:childTnLst>
+                    </p:cTn>
+                  </p:par>
+                  <p:par>
+                    <p:cTn id="11" fill="hold">
+                      <p:stCondLst>
+                        <p:cond delay="indefinite"/>
+                      </p:stCondLst>
+                      <p:childTnLst>
+                        <p:par>
+                          <p:cTn id="12" fill="hold">
+                            <p:stCondLst>
+                              <p:cond delay="0"/>
+                            </p:stCondLst>
+                            <p:childTnLst>
+                              <p:par>
+                                <p:cTn id="13" presetID="1" presetClass="entr" presetSubtype="0" fill="hold" nodeType="clickEffect">
+                                  <p:stCondLst>
+                                    <p:cond delay="0"/>
+                                  </p:stCondLst>
+                                  <p:childTnLst>
+                                    <p:set>
+                                      <p:cBhvr>
+                                        <p:cTn id="14" dur="1" fill="hold">
+                                          <p:stCondLst>
+                                            <p:cond delay="0"/>
+                                          </p:stCondLst>
+                                        </p:cTn>
+                                        <p:tgtEl>
+                                          <p:spTgt spid="3"/>
+                                        </p:tgtEl>
+                                        <p:attrNameLst>
+                                          <p:attrName>style.visibility</p:attrName>
+                                        </p:attrNameLst>
+                                      </p:cBhvr>
+                                      <p:to>
+                                        <p:strVal val="visible"/>
+                                      </p:to>
+                                    </p:set>
+                                  </p:childTnLst>
+                                </p:cTn>
+                              </p:par>
+                            </p:childTnLst>
+                          </p:cTn>
+                        </p:par>
+                      </p:childTnLst>
+                    </p:cTn>
+                  </p:par>
+                  <p:par>
+                    <p:cTn id="15" fill="hold">
+                      <p:stCondLst>
+                        <p:cond delay="indefinite"/>
+                      </p:stCondLst>
+                      <p:childTnLst>
+                        <p:par>
+                          <p:cTn id="16" fill="hold">
+                            <p:stCondLst>
+                              <p:cond delay="0"/>
+                            </p:stCondLst>
+                            <p:childTnLst>
+                              <p:par>
+                                <p:cTn id="17" presetID="1" presetClass="entr" presetSubtype="0" fill="hold" nodeType="clickEffect">
+                                  <p:stCondLst>
+                                    <p:cond delay="0"/>
+                                  </p:stCondLst>
+                                  <p:childTnLst>
+                                    <p:set>
+                                      <p:cBhvr>
+                                        <p:cTn id="18" dur="1" fill="hold">
+                                          <p:stCondLst>
+                                            <p:cond delay="0"/>
+                                          </p:stCondLst>
+                                        </p:cTn>
+                                        <p:tgtEl>
+                                          <p:spTgt spid="4098">
+                                            <p:txEl>
+                                              <p:pRg st="6" end="6"/>
+                                            </p:txEl>
+                                          </p:spTgt>
+                                        </p:tgtEl>
+                                        <p:attrNameLst>
+                                          <p:attrName>style.visibility</p:attrName>
+                                        </p:attrNameLst>
+                                      </p:cBhvr>
+                                      <p:to>
+                                        <p:strVal val="visible"/>
+                                      </p:to>
+                                    </p:set>
+                                  </p:childTnLst>
+                                </p:cTn>
+                              </p:par>
+                              <p:par>
+                                <p:cTn id="19" presetID="1" presetClass="entr" presetSubtype="0" fill="hold" nodeType="withEffect">
+                                  <p:stCondLst>
+                                    <p:cond delay="0"/>
+                                  </p:stCondLst>
+                                  <p:childTnLst>
+                                    <p:set>
+                                      <p:cBhvr>
+                                        <p:cTn id="20" dur="1" fill="hold">
+                                          <p:stCondLst>
+                                            <p:cond delay="0"/>
+                                          </p:stCondLst>
+                                        </p:cTn>
+                                        <p:tgtEl>
+                                          <p:spTgt spid="4098">
+                                            <p:txEl>
+                                              <p:pRg st="7" end="7"/>
+                                            </p:txEl>
+                                          </p:spTgt>
+                                        </p:tgtEl>
+                                        <p:attrNameLst>
+                                          <p:attrName>style.visibility</p:attrName>
+                                        </p:attrNameLst>
+                                      </p:cBhvr>
+                                      <p:to>
+                                        <p:strVal val="visible"/>
+                                      </p:to>
+                                    </p:set>
+                                  </p:childTnLst>
+                                </p:cTn>
+                              </p:par>
+                            </p:childTnLst>
+                          </p:cTn>
+                        </p:par>
+                      </p:childTnLst>
+                    </p:cTn>
+                  </p:par>
+                  <p:par>
+                    <p:cTn id="21" fill="hold">
+                      <p:stCondLst>
+                        <p:cond delay="indefinite"/>
+                      </p:stCondLst>
+                      <p:childTnLst>
+                        <p:par>
+                          <p:cTn id="22" fill="hold">
+                            <p:stCondLst>
+                              <p:cond delay="0"/>
+                            </p:stCondLst>
+                            <p:childTnLst>
+                              <p:par>
+                                <p:cTn id="23" presetID="1" presetClass="entr" presetSubtype="0" fill="hold" nodeType="clickEffect">
+                                  <p:stCondLst>
+                                    <p:cond delay="0"/>
+                                  </p:stCondLst>
+                                  <p:childTnLst>
+                                    <p:set>
+                                      <p:cBhvr>
+                                        <p:cTn id="24" dur="1" fill="hold">
+                                          <p:stCondLst>
+                                            <p:cond delay="0"/>
+                                          </p:stCondLst>
+                                        </p:cTn>
+                                        <p:tgtEl>
+                                          <p:spTgt spid="4098">
+                                            <p:txEl>
+                                              <p:pRg st="8" end="8"/>
+                                            </p:txEl>
+                                          </p:spTgt>
+                                        </p:tgtEl>
+                                        <p:attrNameLst>
+                                          <p:attrName>style.visibility</p:attrName>
+                                        </p:attrNameLst>
+                                      </p:cBhvr>
+                                      <p:to>
+                                        <p:strVal val="visible"/>
+                                      </p:to>
+                                    </p:set>
+                                  </p:childTnLst>
+                                </p:cTn>
+                              </p:par>
+                            </p:childTnLst>
+                          </p:cTn>
+                        </p:par>
+                      </p:childTnLst>
+                    </p:cTn>
+                  </p:par>
+                  <p:par>
+                    <p:cTn id="25" fill="hold">
+                      <p:stCondLst>
+                        <p:cond delay="indefinite"/>
+                      </p:stCondLst>
+                      <p:childTnLst>
+                        <p:par>
+                          <p:cTn id="26" fill="hold">
+                            <p:stCondLst>
+                              <p:cond delay="0"/>
+                            </p:stCondLst>
+                            <p:childTnLst>
+                              <p:par>
+                                <p:cTn id="27" presetID="1" presetClass="entr" presetSubtype="0" fill="hold" nodeType="clickEffect">
+                                  <p:stCondLst>
+                                    <p:cond delay="0"/>
+                                  </p:stCondLst>
+                                  <p:childTnLst>
+                                    <p:set>
+                                      <p:cBhvr>
+                                        <p:cTn id="28" dur="1" fill="hold">
+                                          <p:stCondLst>
+                                            <p:cond delay="0"/>
+                                          </p:stCondLst>
+                                        </p:cTn>
+                                        <p:tgtEl>
+                                          <p:spTgt spid="4098">
+                                            <p:txEl>
+                                              <p:pRg st="9" end="9"/>
+                                            </p:txEl>
+                                          </p:spTgt>
+                                        </p:tgtEl>
+                                        <p:attrNameLst>
+                                          <p:attrName>style.visibility</p:attrName>
+                                        </p:attrNameLst>
+                                      </p:cBhvr>
+                                      <p:to>
+                                        <p:strVal val="visible"/>
+                                      </p:to>
+                                    </p:set>
+                                  </p:childTnLst>
+                                </p:cTn>
+                              </p:par>
+                            </p:childTnLst>
+                          </p:cTn>
+                        </p:par>
+                      </p:childTnLst>
+                    </p:cTn>
+                  </p:par>
+                </p:childTnLst>
+              </p:cTn>
+              <p:prevCondLst>
+                <p:cond evt="onPrev" delay="0">
+                  <p:tgtEl>
+                    <p:sldTgt/>
+                  </p:tgtEl>
+                </p:cond>
+              </p:prevCondLst>
+              <p:nextCondLst>
+                <p:cond evt="onNext" delay="0">
+                  <p:tgtEl>
+                    <p:sldTgt/>
+                  </p:tgtEl>
+                </p:cond>
+              </p:nextCondLst>
+            </p:seq>
+          </p:childTnLst>
+        </p:cTn>
+      </p:par>
+    </p:tnLst>
+  </p:timing>
+</p:sld>
+</file>
+
+<file path=ppt/slides/slide21.xml><?xml version="1.0" encoding="utf-8"?>
+<p:sld xmlns:a="http://schemas.openxmlformats.org/drawingml/2006/main" xmlns:r="http://schemas.openxmlformats.org/officeDocument/2006/relationships" xmlns:p="http://schemas.openxmlformats.org/presentationml/2006/main">
+  <p:cSld>
+    <p:spTree>
+      <p:nvGrpSpPr>
+        <p:cNvPr id="1" name=""/>
+        <p:cNvGrpSpPr/>
+        <p:nvPr/>
+      </p:nvGrpSpPr>
+      <p:grpSpPr>
+        <a:xfrm>
+          <a:off x="0" y="0"/>
+          <a:ext cx="0" cy="0"/>
+          <a:chOff x="0" y="0"/>
+          <a:chExt cx="0" cy="0"/>
+        </a:xfrm>
+      </p:grpSpPr>
+      <p:sp>
+        <p:nvSpPr>
+          <p:cNvPr id="4098" name="Rectangle 2"/>
+          <p:cNvSpPr>
+            <a:spLocks noGrp="1" noChangeArrowheads="1"/>
+          </p:cNvSpPr>
+          <p:nvPr>
+            <p:ph type="subTitle" idx="1"/>
+          </p:nvPr>
+        </p:nvSpPr>
+        <p:spPr>
+          <a:xfrm>
+            <a:off x="936640" y="497638"/>
+            <a:ext cx="7190581" cy="6810995"/>
+          </a:xfrm>
+        </p:spPr>
+        <p:txBody>
+          <a:bodyPr vert="horz" wrap="square" lIns="0" tIns="0" rIns="0" bIns="0" numCol="1" anchor="ctr" anchorCtr="0" compatLnSpc="1">
+            <a:prstTxWarp prst="textNoShape">
+              <a:avLst/>
+            </a:prstTxWarp>
+          </a:bodyPr>
+          <a:lstStyle/>
+          <a:p>
+            <a:pPr>
+              <a:lnSpc>
+                <a:spcPct val="150000"/>
+              </a:lnSpc>
+              <a:spcBef>
+                <a:spcPct val="0"/>
+              </a:spcBef>
+            </a:pPr>
+            <a:r>
+              <a:rPr lang="de-DE" sz="3600" b="1" dirty="0">
+                <a:solidFill>
+                  <a:srgbClr val="000077"/>
+                </a:solidFill>
+                <a:latin typeface="TheSansOffice" pitchFamily="34" charset="0"/>
+                <a:ea typeface="+mj-ea"/>
+                <a:cs typeface="+mj-cs"/>
+              </a:rPr>
+              <a:t>Der </a:t>
+            </a:r>
+            <a:r>
+              <a:rPr lang="de-DE" sz="3600" b="1" dirty="0" err="1">
+                <a:solidFill>
+                  <a:srgbClr val="000077"/>
+                </a:solidFill>
+                <a:latin typeface="TheSansOffice" pitchFamily="34" charset="0"/>
+                <a:ea typeface="+mj-ea"/>
+                <a:cs typeface="+mj-cs"/>
+              </a:rPr>
+              <a:t>Escali</a:t>
+            </a:r>
+            <a:endParaRPr lang="de-DE" sz="3600" b="1" dirty="0">
+              <a:solidFill>
+                <a:srgbClr val="000077"/>
+              </a:solidFill>
+              <a:latin typeface="TheSansOffice" pitchFamily="34" charset="0"/>
+              <a:ea typeface="+mj-ea"/>
+              <a:cs typeface="+mj-cs"/>
+            </a:endParaRPr>
+          </a:p>
+        </p:txBody>
+      </p:sp>
+    </p:spTree>
+    <p:extLst>
+      <p:ext uri="{BB962C8B-B14F-4D97-AF65-F5344CB8AC3E}">
+        <p14:creationId xmlns:p14="http://schemas.microsoft.com/office/powerpoint/2010/main" val="2255212064"/>
+      </p:ext>
+    </p:extLst>
+  </p:cSld>
+  <p:clrMapOvr>
+    <a:masterClrMapping/>
+  </p:clrMapOvr>
+  <p:timing>
+    <p:tnLst>
+      <p:par>
+        <p:cTn id="1" dur="indefinite" restart="never" nodeType="tmRoot"/>
+      </p:par>
+    </p:tnLst>
+  </p:timing>
+</p:sld>
+</file>
+
+<file path=ppt/slides/slide22.xml><?xml version="1.0" encoding="utf-8"?>
 <p:sld xmlns:a="http://schemas.openxmlformats.org/drawingml/2006/main" xmlns:r="http://schemas.openxmlformats.org/officeDocument/2006/relationships" xmlns:p="http://schemas.openxmlformats.org/presentationml/2006/main">
   <p:cSld>
     <p:spTree>
@@ -15054,7 +16962,7 @@
 </p:sld>
 </file>
 
-<file path=ppt/slides/slide21.xml><?xml version="1.0" encoding="utf-8"?>
+<file path=ppt/slides/slide23.xml><?xml version="1.0" encoding="utf-8"?>
 <p:sld xmlns:a="http://schemas.openxmlformats.org/drawingml/2006/main" xmlns:r="http://schemas.openxmlformats.org/officeDocument/2006/relationships" xmlns:p="http://schemas.openxmlformats.org/presentationml/2006/main">
   <p:cSld>
     <p:spTree>
@@ -15165,7 +17073,7 @@
 </p:sld>
 </file>
 
-<file path=ppt/slides/slide22.xml><?xml version="1.0" encoding="utf-8"?>
+<file path=ppt/slides/slide24.xml><?xml version="1.0" encoding="utf-8"?>
 <p:sld xmlns:a="http://schemas.openxmlformats.org/drawingml/2006/main" xmlns:r="http://schemas.openxmlformats.org/officeDocument/2006/relationships" xmlns:p="http://schemas.openxmlformats.org/presentationml/2006/main">
   <p:cSld>
     <p:spTree>
@@ -15289,7 +17197,7 @@
 </p:sld>
 </file>
 
-<file path=ppt/slides/slide23.xml><?xml version="1.0" encoding="utf-8"?>
+<file path=ppt/slides/slide25.xml><?xml version="1.0" encoding="utf-8"?>
 <p:sld xmlns:a="http://schemas.openxmlformats.org/drawingml/2006/main" xmlns:r="http://schemas.openxmlformats.org/officeDocument/2006/relationships" xmlns:p="http://schemas.openxmlformats.org/presentationml/2006/main">
   <p:cSld>
     <p:spTree>
@@ -16225,7 +18133,7 @@
 </p:sld>
 </file>
 
-<file path=ppt/slides/slide24.xml><?xml version="1.0" encoding="utf-8"?>
+<file path=ppt/slides/slide26.xml><?xml version="1.0" encoding="utf-8"?>
 <p:sld xmlns:a="http://schemas.openxmlformats.org/drawingml/2006/main" xmlns:r="http://schemas.openxmlformats.org/officeDocument/2006/relationships" xmlns:p="http://schemas.openxmlformats.org/presentationml/2006/main">
   <p:cSld>
     <p:spTree>
@@ -16499,7 +18407,25 @@
                 </a:solidFill>
                 <a:latin typeface="Arial" charset="0"/>
               </a:rPr>
-              <a:t> Version 0.1.2 installieren</a:t>
+              <a:t> Version </a:t>
+            </a:r>
+            <a:r>
+              <a:rPr lang="de-DE" sz="2000" dirty="0" smtClean="0">
+                <a:solidFill>
+                  <a:srgbClr val="000000"/>
+                </a:solidFill>
+                <a:latin typeface="Arial" charset="0"/>
+              </a:rPr>
+              <a:t>0.1.3 </a:t>
+            </a:r>
+            <a:r>
+              <a:rPr lang="de-DE" sz="2000" dirty="0">
+                <a:solidFill>
+                  <a:srgbClr val="000000"/>
+                </a:solidFill>
+                <a:latin typeface="Arial" charset="0"/>
+              </a:rPr>
+              <a:t>installieren</a:t>
             </a:r>
           </a:p>
           <a:p>
@@ -16834,7 +18760,7 @@
 </p:sld>
 </file>
 
-<file path=ppt/slides/slide25.xml><?xml version="1.0" encoding="utf-8"?>
+<file path=ppt/slides/slide27.xml><?xml version="1.0" encoding="utf-8"?>
 <p:sld xmlns:a="http://schemas.openxmlformats.org/drawingml/2006/main" xmlns:r="http://schemas.openxmlformats.org/officeDocument/2006/relationships" xmlns:p="http://schemas.openxmlformats.org/presentationml/2006/main">
   <p:cSld>
     <p:spTree>
@@ -17666,7 +19592,7 @@
 </p:sld>
 </file>
 
-<file path=ppt/slides/slide26.xml><?xml version="1.0" encoding="utf-8"?>
+<file path=ppt/slides/slide28.xml><?xml version="1.0" encoding="utf-8"?>
 <p:sld xmlns:a="http://schemas.openxmlformats.org/drawingml/2006/main" xmlns:r="http://schemas.openxmlformats.org/officeDocument/2006/relationships" xmlns:p="http://schemas.openxmlformats.org/presentationml/2006/main">
   <p:cSld>
     <p:spTree>
@@ -17877,7 +19803,8 @@
                 <a:solidFill>
                   <a:srgbClr val="000000"/>
                 </a:solidFill>
-                <a:latin typeface="Arial" charset="0"/>
+                <a:latin typeface="Consolas" panose="020B0609020204030204" pitchFamily="49" charset="0"/>
+                <a:cs typeface="Consolas" panose="020B0609020204030204" pitchFamily="49" charset="0"/>
               </a:rPr>
               <a:t>&lt;?</a:t>
             </a:r>
@@ -17886,7 +19813,8 @@
                 <a:solidFill>
                   <a:srgbClr val="000000"/>
                 </a:solidFill>
-                <a:latin typeface="Arial" charset="0"/>
+                <a:latin typeface="Consolas" panose="020B0609020204030204" pitchFamily="49" charset="0"/>
+                <a:cs typeface="Consolas" panose="020B0609020204030204" pitchFamily="49" charset="0"/>
               </a:rPr>
               <a:t>xml</a:t>
             </a:r>
@@ -17895,9 +19823,19 @@
                 <a:solidFill>
                   <a:srgbClr val="000000"/>
                 </a:solidFill>
-                <a:latin typeface="Arial" charset="0"/>
-              </a:rPr>
-              <a:t>-model?&gt;-PI Erkennung aktivieren / deaktivieren</a:t>
+                <a:latin typeface="Consolas" panose="020B0609020204030204" pitchFamily="49" charset="0"/>
+                <a:cs typeface="Consolas" panose="020B0609020204030204" pitchFamily="49" charset="0"/>
+              </a:rPr>
+              <a:t>-model?&gt;</a:t>
+            </a:r>
+            <a:r>
+              <a:rPr lang="de-DE" sz="2000" dirty="0">
+                <a:solidFill>
+                  <a:srgbClr val="000000"/>
+                </a:solidFill>
+                <a:latin typeface="Arial" charset="0"/>
+              </a:rPr>
+              <a:t>-PI Erkennung aktivieren / deaktivieren</a:t>
             </a:r>
           </a:p>
           <a:p>
@@ -18227,7 +20165,7 @@
 </p:sld>
 </file>
 
-<file path=ppt/slides/slide27.xml><?xml version="1.0" encoding="utf-8"?>
+<file path=ppt/slides/slide29.xml><?xml version="1.0" encoding="utf-8"?>
 <p:sld xmlns:a="http://schemas.openxmlformats.org/drawingml/2006/main" xmlns:r="http://schemas.openxmlformats.org/officeDocument/2006/relationships" xmlns:p="http://schemas.openxmlformats.org/presentationml/2006/main">
   <p:cSld>
     <p:spTree>
@@ -18266,7 +20204,7 @@
           <a:graphicData uri="http://schemas.openxmlformats.org/presentationml/2006/ole">
             <mc:AlternateContent xmlns:mc="http://schemas.openxmlformats.org/markup-compatibility/2006">
               <mc:Choice xmlns:v="urn:schemas-microsoft-com:vml" Requires="v">
-                <p:oleObj spid="_x0000_s1050" name="Image" r:id="rId3" imgW="5765040" imgH="1180800" progId="Photoshop.Image.13">
+                <p:oleObj spid="_x0000_s1060" name="Image" r:id="rId3" imgW="5765040" imgH="1180800" progId="Photoshop.Image.13">
                   <p:embed/>
                 </p:oleObj>
               </mc:Choice>
@@ -18323,7 +20261,7 @@
           <a:graphicData uri="http://schemas.openxmlformats.org/presentationml/2006/ole">
             <mc:AlternateContent xmlns:mc="http://schemas.openxmlformats.org/markup-compatibility/2006">
               <mc:Choice xmlns:v="urn:schemas-microsoft-com:vml" Requires="v">
-                <p:oleObj spid="_x0000_s1051" name="Image" r:id="rId5" imgW="5765040" imgH="1180800" progId="Photoshop.Image.13">
+                <p:oleObj spid="_x0000_s1061" name="Image" r:id="rId5" imgW="5765040" imgH="1180800" progId="Photoshop.Image.13">
                   <p:embed/>
                 </p:oleObj>
               </mc:Choice>
@@ -19463,852 +21401,6 @@
       <p:bldP spid="15" grpId="0" animBg="1"/>
       <p:bldP spid="17" grpId="0"/>
     </p:bldLst>
-  </p:timing>
-</p:sld>
-</file>
-
-<file path=ppt/slides/slide28.xml><?xml version="1.0" encoding="utf-8"?>
-<p:sld xmlns:a="http://schemas.openxmlformats.org/drawingml/2006/main" xmlns:r="http://schemas.openxmlformats.org/officeDocument/2006/relationships" xmlns:p="http://schemas.openxmlformats.org/presentationml/2006/main">
-  <p:cSld>
-    <p:spTree>
-      <p:nvGrpSpPr>
-        <p:cNvPr id="1" name=""/>
-        <p:cNvGrpSpPr/>
-        <p:nvPr/>
-      </p:nvGrpSpPr>
-      <p:grpSpPr>
-        <a:xfrm>
-          <a:off x="0" y="0"/>
-          <a:ext cx="0" cy="0"/>
-          <a:chOff x="0" y="0"/>
-          <a:chExt cx="0" cy="0"/>
-        </a:xfrm>
-      </p:grpSpPr>
-      <p:sp>
-        <p:nvSpPr>
-          <p:cNvPr id="4098" name="Rectangle 2"/>
-          <p:cNvSpPr>
-            <a:spLocks noGrp="1" noChangeArrowheads="1"/>
-          </p:cNvSpPr>
-          <p:nvPr>
-            <p:ph type="subTitle" idx="1"/>
-          </p:nvPr>
-        </p:nvSpPr>
-        <p:spPr>
-          <a:xfrm>
-            <a:off x="936640" y="497638"/>
-            <a:ext cx="7190581" cy="6810995"/>
-          </a:xfrm>
-        </p:spPr>
-        <p:txBody>
-          <a:bodyPr vert="horz" wrap="square" lIns="0" tIns="0" rIns="0" bIns="0" numCol="1" anchor="ctr" anchorCtr="0" compatLnSpc="1">
-            <a:prstTxWarp prst="textNoShape">
-              <a:avLst/>
-            </a:prstTxWarp>
-          </a:bodyPr>
-          <a:lstStyle/>
-          <a:p>
-            <a:pPr>
-              <a:lnSpc>
-                <a:spcPct val="150000"/>
-              </a:lnSpc>
-              <a:spcBef>
-                <a:spcPct val="0"/>
-              </a:spcBef>
-            </a:pPr>
-            <a:r>
-              <a:rPr lang="de-DE" sz="3600" b="1" dirty="0">
-                <a:solidFill>
-                  <a:srgbClr val="000077"/>
-                </a:solidFill>
-                <a:latin typeface="TheSansOffice" pitchFamily="34" charset="0"/>
-                <a:ea typeface="+mj-ea"/>
-                <a:cs typeface="+mj-cs"/>
-              </a:rPr>
-              <a:t>Der Vergleich</a:t>
-            </a:r>
-          </a:p>
-        </p:txBody>
-      </p:sp>
-    </p:spTree>
-    <p:extLst>
-      <p:ext uri="{BB962C8B-B14F-4D97-AF65-F5344CB8AC3E}">
-        <p14:creationId xmlns:p14="http://schemas.microsoft.com/office/powerpoint/2010/main" val="559974268"/>
-      </p:ext>
-    </p:extLst>
-  </p:cSld>
-  <p:clrMapOvr>
-    <a:masterClrMapping/>
-  </p:clrMapOvr>
-  <p:timing>
-    <p:tnLst>
-      <p:par>
-        <p:cTn id="1" dur="indefinite" restart="never" nodeType="tmRoot"/>
-      </p:par>
-    </p:tnLst>
-  </p:timing>
-</p:sld>
-</file>
-
-<file path=ppt/slides/slide29.xml><?xml version="1.0" encoding="utf-8"?>
-<p:sld xmlns:a="http://schemas.openxmlformats.org/drawingml/2006/main" xmlns:r="http://schemas.openxmlformats.org/officeDocument/2006/relationships" xmlns:p="http://schemas.openxmlformats.org/presentationml/2006/main">
-  <p:cSld>
-    <p:spTree>
-      <p:nvGrpSpPr>
-        <p:cNvPr id="1" name=""/>
-        <p:cNvGrpSpPr/>
-        <p:nvPr/>
-      </p:nvGrpSpPr>
-      <p:grpSpPr>
-        <a:xfrm>
-          <a:off x="0" y="0"/>
-          <a:ext cx="0" cy="0"/>
-          <a:chOff x="0" y="0"/>
-          <a:chExt cx="0" cy="0"/>
-        </a:xfrm>
-      </p:grpSpPr>
-      <p:sp>
-        <p:nvSpPr>
-          <p:cNvPr id="4097" name="Rectangle 1"/>
-          <p:cNvSpPr>
-            <a:spLocks noGrp="1" noChangeArrowheads="1"/>
-          </p:cNvSpPr>
-          <p:nvPr>
-            <p:ph type="ctrTitle"/>
-          </p:nvPr>
-        </p:nvSpPr>
-        <p:spPr>
-          <a:xfrm>
-            <a:off x="831528" y="495306"/>
-            <a:ext cx="6624736" cy="761653"/>
-          </a:xfrm>
-        </p:spPr>
-        <p:txBody>
-          <a:bodyPr vert="horz" wrap="square" lIns="0" tIns="0" rIns="0" bIns="0" numCol="1" anchor="t" anchorCtr="0" compatLnSpc="1">
-            <a:prstTxWarp prst="textNoShape">
-              <a:avLst/>
-            </a:prstTxWarp>
-          </a:bodyPr>
-          <a:lstStyle/>
-          <a:p>
-            <a:pPr algn="l">
-              <a:lnSpc>
-                <a:spcPct val="95000"/>
-              </a:lnSpc>
-            </a:pPr>
-            <a:r>
-              <a:rPr lang="de-DE" sz="3600" dirty="0">
-                <a:latin typeface="TheSansOffice" pitchFamily="34" charset="0"/>
-              </a:rPr>
-              <a:t>Mehrere </a:t>
-            </a:r>
-            <a:r>
-              <a:rPr lang="de-DE" sz="3600" dirty="0" err="1">
-                <a:latin typeface="TheSansOffice" pitchFamily="34" charset="0"/>
-              </a:rPr>
-              <a:t>QuickFixes</a:t>
-            </a:r>
-            <a:r>
-              <a:rPr lang="de-DE" sz="3600" dirty="0">
-                <a:latin typeface="TheSansOffice" pitchFamily="34" charset="0"/>
-              </a:rPr>
-              <a:t> auf einmal</a:t>
-            </a:r>
-          </a:p>
-        </p:txBody>
-      </p:sp>
-      <p:sp>
-        <p:nvSpPr>
-          <p:cNvPr id="4098" name="Rectangle 2"/>
-          <p:cNvSpPr>
-            <a:spLocks noGrp="1" noChangeArrowheads="1"/>
-          </p:cNvSpPr>
-          <p:nvPr>
-            <p:ph type="subTitle" idx="1"/>
-          </p:nvPr>
-        </p:nvSpPr>
-        <p:spPr>
-          <a:xfrm>
-            <a:off x="936640" y="1649761"/>
-            <a:ext cx="7190581" cy="5112568"/>
-          </a:xfrm>
-        </p:spPr>
-        <p:txBody>
-          <a:bodyPr vert="horz" wrap="square" lIns="0" tIns="0" rIns="0" bIns="0" numCol="1" anchor="t" anchorCtr="0" compatLnSpc="1">
-            <a:prstTxWarp prst="textNoShape">
-              <a:avLst/>
-            </a:prstTxWarp>
-          </a:bodyPr>
-          <a:lstStyle/>
-          <a:p>
-            <a:pPr marL="342878" indent="-342878" algn="l">
-              <a:lnSpc>
-                <a:spcPct val="150000"/>
-              </a:lnSpc>
-              <a:spcBef>
-                <a:spcPct val="0"/>
-              </a:spcBef>
-              <a:buFont typeface="Arial" pitchFamily="34" charset="0"/>
-              <a:buChar char="•"/>
-            </a:pPr>
-            <a:r>
-              <a:rPr lang="de-DE" sz="2000" dirty="0">
-                <a:solidFill>
-                  <a:srgbClr val="000000"/>
-                </a:solidFill>
-                <a:latin typeface="Arial" charset="0"/>
-              </a:rPr>
-              <a:t>Oxygen kann nur einen </a:t>
-            </a:r>
-            <a:r>
-              <a:rPr lang="de-DE" sz="2000" dirty="0" err="1">
-                <a:solidFill>
-                  <a:srgbClr val="000000"/>
-                </a:solidFill>
-                <a:latin typeface="Arial" charset="0"/>
-              </a:rPr>
-              <a:t>QuickFix</a:t>
-            </a:r>
-            <a:r>
-              <a:rPr lang="de-DE" sz="2000" dirty="0">
-                <a:solidFill>
-                  <a:srgbClr val="000000"/>
-                </a:solidFill>
-                <a:latin typeface="Arial" charset="0"/>
-              </a:rPr>
-              <a:t> auf einmal ausführen</a:t>
-            </a:r>
-          </a:p>
-          <a:p>
-            <a:pPr marL="800067" lvl="1" indent="-342878" algn="l">
-              <a:lnSpc>
-                <a:spcPct val="150000"/>
-              </a:lnSpc>
-              <a:spcBef>
-                <a:spcPct val="0"/>
-              </a:spcBef>
-              <a:buFont typeface="Arial" pitchFamily="34" charset="0"/>
-              <a:buChar char="•"/>
-            </a:pPr>
-            <a:r>
-              <a:rPr lang="de-DE" sz="1600" dirty="0">
-                <a:solidFill>
-                  <a:srgbClr val="000000"/>
-                </a:solidFill>
-                <a:latin typeface="Arial" charset="0"/>
-              </a:rPr>
-              <a:t>Zwei </a:t>
-            </a:r>
-            <a:r>
-              <a:rPr lang="de-DE" sz="1600" dirty="0" err="1">
-                <a:solidFill>
-                  <a:srgbClr val="000000"/>
-                </a:solidFill>
-                <a:latin typeface="Arial" charset="0"/>
-              </a:rPr>
-              <a:t>QuickFixes</a:t>
-            </a:r>
-            <a:r>
-              <a:rPr lang="de-DE" sz="1600" dirty="0">
-                <a:solidFill>
-                  <a:srgbClr val="000000"/>
-                </a:solidFill>
-                <a:latin typeface="Arial" charset="0"/>
-              </a:rPr>
-              <a:t> könnten sich in die Quere kommen.</a:t>
-            </a:r>
-          </a:p>
-          <a:p>
-            <a:pPr marL="800067" lvl="1" indent="-342878" algn="l">
-              <a:lnSpc>
-                <a:spcPct val="150000"/>
-              </a:lnSpc>
-              <a:spcBef>
-                <a:spcPct val="0"/>
-              </a:spcBef>
-              <a:buFont typeface="Arial" pitchFamily="34" charset="0"/>
-              <a:buChar char="•"/>
-            </a:pPr>
-            <a:r>
-              <a:rPr lang="de-DE" sz="1600" dirty="0">
-                <a:solidFill>
-                  <a:srgbClr val="000000"/>
-                </a:solidFill>
-                <a:latin typeface="Arial" charset="0"/>
-              </a:rPr>
-              <a:t>Mehrere </a:t>
-            </a:r>
-            <a:r>
-              <a:rPr lang="de-DE" sz="1600" dirty="0" err="1">
-                <a:solidFill>
-                  <a:srgbClr val="000000"/>
-                </a:solidFill>
-                <a:latin typeface="Arial" charset="0"/>
-              </a:rPr>
-              <a:t>QuickFixes</a:t>
-            </a:r>
-            <a:r>
-              <a:rPr lang="de-DE" sz="1600" dirty="0">
-                <a:solidFill>
-                  <a:srgbClr val="000000"/>
-                </a:solidFill>
-                <a:latin typeface="Arial" charset="0"/>
-              </a:rPr>
-              <a:t> könnten ein Dokument invalide machen.</a:t>
-            </a:r>
-          </a:p>
-          <a:p>
-            <a:pPr marL="342878" indent="-342878" algn="l">
-              <a:lnSpc>
-                <a:spcPct val="150000"/>
-              </a:lnSpc>
-              <a:spcBef>
-                <a:spcPct val="0"/>
-              </a:spcBef>
-              <a:buFont typeface="Arial" pitchFamily="34" charset="0"/>
-              <a:buChar char="•"/>
-            </a:pPr>
-            <a:endParaRPr lang="de-DE" sz="2000" dirty="0">
-              <a:solidFill>
-                <a:srgbClr val="000000"/>
-              </a:solidFill>
-              <a:latin typeface="Arial" charset="0"/>
-            </a:endParaRPr>
-          </a:p>
-          <a:p>
-            <a:pPr marL="342878" indent="-342878" algn="l">
-              <a:lnSpc>
-                <a:spcPct val="150000"/>
-              </a:lnSpc>
-              <a:spcBef>
-                <a:spcPct val="0"/>
-              </a:spcBef>
-              <a:buFont typeface="Arial" pitchFamily="34" charset="0"/>
-              <a:buChar char="•"/>
-            </a:pPr>
-            <a:r>
-              <a:rPr lang="de-DE" sz="2000" dirty="0" err="1">
-                <a:solidFill>
-                  <a:srgbClr val="000000"/>
-                </a:solidFill>
-                <a:latin typeface="Arial" charset="0"/>
-              </a:rPr>
-              <a:t>Escali</a:t>
-            </a:r>
-            <a:r>
-              <a:rPr lang="de-DE" sz="2000" dirty="0">
-                <a:solidFill>
-                  <a:srgbClr val="000000"/>
-                </a:solidFill>
-                <a:latin typeface="Arial" charset="0"/>
-              </a:rPr>
-              <a:t> bietet die Möglichkeit, mehrere QFs zu selektieren und auszuführen</a:t>
-            </a:r>
-          </a:p>
-          <a:p>
-            <a:pPr marL="800067" lvl="1" indent="-342878" algn="l">
-              <a:lnSpc>
-                <a:spcPct val="150000"/>
-              </a:lnSpc>
-              <a:spcBef>
-                <a:spcPct val="0"/>
-              </a:spcBef>
-              <a:buFont typeface="Arial" pitchFamily="34" charset="0"/>
-              <a:buChar char="•"/>
-            </a:pPr>
-            <a:r>
-              <a:rPr lang="de-DE" sz="1600" dirty="0">
-                <a:solidFill>
-                  <a:srgbClr val="000000"/>
-                </a:solidFill>
-                <a:latin typeface="Arial" charset="0"/>
-              </a:rPr>
-              <a:t>Es kann sehr praktisch sein.</a:t>
-            </a:r>
-          </a:p>
-          <a:p>
-            <a:pPr marL="800067" lvl="1" indent="-342878" algn="l">
-              <a:lnSpc>
-                <a:spcPct val="150000"/>
-              </a:lnSpc>
-              <a:spcBef>
-                <a:spcPct val="0"/>
-              </a:spcBef>
-              <a:buFont typeface="Arial" pitchFamily="34" charset="0"/>
-              <a:buChar char="•"/>
-            </a:pPr>
-            <a:r>
-              <a:rPr lang="de-DE" sz="1600" dirty="0">
-                <a:solidFill>
-                  <a:srgbClr val="000000"/>
-                </a:solidFill>
-                <a:latin typeface="Arial" charset="0"/>
-              </a:rPr>
-              <a:t>Anwendung: 100 gleiche Fehler, 99 müssen auf die gleiche Weise gelöst werden.</a:t>
-            </a:r>
-          </a:p>
-          <a:p>
-            <a:pPr marL="800067" lvl="1" indent="-342878" algn="l">
-              <a:lnSpc>
-                <a:spcPct val="150000"/>
-              </a:lnSpc>
-              <a:spcBef>
-                <a:spcPct val="0"/>
-              </a:spcBef>
-              <a:buFont typeface="Arial" pitchFamily="34" charset="0"/>
-              <a:buChar char="•"/>
-            </a:pPr>
-            <a:r>
-              <a:rPr lang="de-DE" sz="1600" dirty="0">
-                <a:solidFill>
-                  <a:srgbClr val="000000"/>
-                </a:solidFill>
-                <a:latin typeface="Arial" charset="0"/>
-              </a:rPr>
-              <a:t>Ein QF gibt nie die Garantie, dass das Dokument danach valide ist.</a:t>
-            </a:r>
-          </a:p>
-          <a:p>
-            <a:pPr marL="800067" lvl="1" indent="-342878" algn="l">
-              <a:lnSpc>
-                <a:spcPct val="150000"/>
-              </a:lnSpc>
-              <a:spcBef>
-                <a:spcPct val="0"/>
-              </a:spcBef>
-              <a:buFont typeface="Arial" pitchFamily="34" charset="0"/>
-              <a:buChar char="•"/>
-            </a:pPr>
-            <a:endParaRPr lang="de-DE" sz="1600" dirty="0">
-              <a:solidFill>
-                <a:srgbClr val="000000"/>
-              </a:solidFill>
-              <a:latin typeface="Arial" charset="0"/>
-            </a:endParaRPr>
-          </a:p>
-          <a:p>
-            <a:pPr marL="800067" lvl="1" indent="-342878" algn="l">
-              <a:lnSpc>
-                <a:spcPct val="150000"/>
-              </a:lnSpc>
-              <a:spcBef>
-                <a:spcPct val="0"/>
-              </a:spcBef>
-              <a:buFont typeface="Arial" pitchFamily="34" charset="0"/>
-              <a:buChar char="•"/>
-            </a:pPr>
-            <a:endParaRPr lang="de-DE" sz="1600" dirty="0">
-              <a:solidFill>
-                <a:srgbClr val="000000"/>
-              </a:solidFill>
-              <a:latin typeface="Arial" charset="0"/>
-            </a:endParaRPr>
-          </a:p>
-          <a:p>
-            <a:pPr marL="800067" lvl="1" indent="-342878" algn="l">
-              <a:lnSpc>
-                <a:spcPct val="150000"/>
-              </a:lnSpc>
-              <a:spcBef>
-                <a:spcPct val="0"/>
-              </a:spcBef>
-              <a:buFont typeface="Arial" pitchFamily="34" charset="0"/>
-              <a:buChar char="•"/>
-            </a:pPr>
-            <a:endParaRPr lang="de-DE" sz="1600" dirty="0">
-              <a:solidFill>
-                <a:srgbClr val="000000"/>
-              </a:solidFill>
-              <a:latin typeface="Arial" charset="0"/>
-            </a:endParaRPr>
-          </a:p>
-          <a:p>
-            <a:pPr marL="342878" indent="-342878" algn="l">
-              <a:lnSpc>
-                <a:spcPct val="150000"/>
-              </a:lnSpc>
-              <a:spcBef>
-                <a:spcPct val="0"/>
-              </a:spcBef>
-              <a:buFont typeface="Arial" pitchFamily="34" charset="0"/>
-              <a:buChar char="•"/>
-            </a:pPr>
-            <a:endParaRPr lang="de-DE" sz="2000" dirty="0">
-              <a:solidFill>
-                <a:srgbClr val="000000"/>
-              </a:solidFill>
-              <a:latin typeface="Arial" charset="0"/>
-            </a:endParaRPr>
-          </a:p>
-        </p:txBody>
-      </p:sp>
-    </p:spTree>
-    <p:extLst>
-      <p:ext uri="{BB962C8B-B14F-4D97-AF65-F5344CB8AC3E}">
-        <p14:creationId xmlns:p14="http://schemas.microsoft.com/office/powerpoint/2010/main" val="3392588609"/>
-      </p:ext>
-    </p:extLst>
-  </p:cSld>
-  <p:clrMapOvr>
-    <a:masterClrMapping/>
-  </p:clrMapOvr>
-  <p:timing>
-    <p:tnLst>
-      <p:par>
-        <p:cTn id="1" dur="indefinite" restart="never" nodeType="tmRoot">
-          <p:childTnLst>
-            <p:seq concurrent="1" nextAc="seek">
-              <p:cTn id="2" dur="indefinite" nodeType="mainSeq">
-                <p:childTnLst>
-                  <p:par>
-                    <p:cTn id="3" fill="hold">
-                      <p:stCondLst>
-                        <p:cond delay="indefinite"/>
-                        <p:cond evt="onBegin" delay="0">
-                          <p:tn val="2"/>
-                        </p:cond>
-                      </p:stCondLst>
-                      <p:childTnLst>
-                        <p:par>
-                          <p:cTn id="4" fill="hold">
-                            <p:stCondLst>
-                              <p:cond delay="0"/>
-                            </p:stCondLst>
-                            <p:childTnLst>
-                              <p:par>
-                                <p:cTn id="5" presetID="1" presetClass="entr" presetSubtype="0" fill="hold" nodeType="withEffect">
-                                  <p:stCondLst>
-                                    <p:cond delay="0"/>
-                                  </p:stCondLst>
-                                  <p:childTnLst>
-                                    <p:set>
-                                      <p:cBhvr>
-                                        <p:cTn id="6" dur="1" fill="hold">
-                                          <p:stCondLst>
-                                            <p:cond delay="0"/>
-                                          </p:stCondLst>
-                                        </p:cTn>
-                                        <p:tgtEl>
-                                          <p:spTgt spid="4098">
-                                            <p:txEl>
-                                              <p:pRg st="0" end="0"/>
-                                            </p:txEl>
-                                          </p:spTgt>
-                                        </p:tgtEl>
-                                        <p:attrNameLst>
-                                          <p:attrName>style.visibility</p:attrName>
-                                        </p:attrNameLst>
-                                      </p:cBhvr>
-                                      <p:to>
-                                        <p:strVal val="visible"/>
-                                      </p:to>
-                                    </p:set>
-                                  </p:childTnLst>
-                                </p:cTn>
-                              </p:par>
-                            </p:childTnLst>
-                          </p:cTn>
-                        </p:par>
-                      </p:childTnLst>
-                    </p:cTn>
-                  </p:par>
-                  <p:par>
-                    <p:cTn id="7" fill="hold">
-                      <p:stCondLst>
-                        <p:cond delay="indefinite"/>
-                      </p:stCondLst>
-                      <p:childTnLst>
-                        <p:par>
-                          <p:cTn id="8" fill="hold">
-                            <p:stCondLst>
-                              <p:cond delay="0"/>
-                            </p:stCondLst>
-                            <p:childTnLst>
-                              <p:par>
-                                <p:cTn id="9" presetID="1" presetClass="entr" presetSubtype="0" fill="hold" nodeType="clickEffect">
-                                  <p:stCondLst>
-                                    <p:cond delay="0"/>
-                                  </p:stCondLst>
-                                  <p:childTnLst>
-                                    <p:set>
-                                      <p:cBhvr>
-                                        <p:cTn id="10" dur="1" fill="hold">
-                                          <p:stCondLst>
-                                            <p:cond delay="0"/>
-                                          </p:stCondLst>
-                                        </p:cTn>
-                                        <p:tgtEl>
-                                          <p:spTgt spid="4098">
-                                            <p:txEl>
-                                              <p:pRg st="1" end="1"/>
-                                            </p:txEl>
-                                          </p:spTgt>
-                                        </p:tgtEl>
-                                        <p:attrNameLst>
-                                          <p:attrName>style.visibility</p:attrName>
-                                        </p:attrNameLst>
-                                      </p:cBhvr>
-                                      <p:to>
-                                        <p:strVal val="visible"/>
-                                      </p:to>
-                                    </p:set>
-                                  </p:childTnLst>
-                                </p:cTn>
-                              </p:par>
-                              <p:par>
-                                <p:cTn id="11" presetID="1" presetClass="entr" presetSubtype="0" fill="hold" nodeType="withEffect">
-                                  <p:stCondLst>
-                                    <p:cond delay="0"/>
-                                  </p:stCondLst>
-                                  <p:childTnLst>
-                                    <p:set>
-                                      <p:cBhvr>
-                                        <p:cTn id="12" dur="1" fill="hold">
-                                          <p:stCondLst>
-                                            <p:cond delay="0"/>
-                                          </p:stCondLst>
-                                        </p:cTn>
-                                        <p:tgtEl>
-                                          <p:spTgt spid="4098">
-                                            <p:txEl>
-                                              <p:pRg st="2" end="2"/>
-                                            </p:txEl>
-                                          </p:spTgt>
-                                        </p:tgtEl>
-                                        <p:attrNameLst>
-                                          <p:attrName>style.visibility</p:attrName>
-                                        </p:attrNameLst>
-                                      </p:cBhvr>
-                                      <p:to>
-                                        <p:strVal val="visible"/>
-                                      </p:to>
-                                    </p:set>
-                                  </p:childTnLst>
-                                </p:cTn>
-                              </p:par>
-                            </p:childTnLst>
-                          </p:cTn>
-                        </p:par>
-                      </p:childTnLst>
-                    </p:cTn>
-                  </p:par>
-                  <p:par>
-                    <p:cTn id="13" fill="hold">
-                      <p:stCondLst>
-                        <p:cond delay="indefinite"/>
-                      </p:stCondLst>
-                      <p:childTnLst>
-                        <p:par>
-                          <p:cTn id="14" fill="hold">
-                            <p:stCondLst>
-                              <p:cond delay="0"/>
-                            </p:stCondLst>
-                            <p:childTnLst>
-                              <p:par>
-                                <p:cTn id="15" presetID="1" presetClass="entr" presetSubtype="0" fill="hold" nodeType="clickEffect">
-                                  <p:stCondLst>
-                                    <p:cond delay="0"/>
-                                  </p:stCondLst>
-                                  <p:childTnLst>
-                                    <p:set>
-                                      <p:cBhvr>
-                                        <p:cTn id="16" dur="1" fill="hold">
-                                          <p:stCondLst>
-                                            <p:cond delay="0"/>
-                                          </p:stCondLst>
-                                        </p:cTn>
-                                        <p:tgtEl>
-                                          <p:spTgt spid="4098">
-                                            <p:txEl>
-                                              <p:pRg st="4" end="4"/>
-                                            </p:txEl>
-                                          </p:spTgt>
-                                        </p:tgtEl>
-                                        <p:attrNameLst>
-                                          <p:attrName>style.visibility</p:attrName>
-                                        </p:attrNameLst>
-                                      </p:cBhvr>
-                                      <p:to>
-                                        <p:strVal val="visible"/>
-                                      </p:to>
-                                    </p:set>
-                                  </p:childTnLst>
-                                </p:cTn>
-                              </p:par>
-                            </p:childTnLst>
-                          </p:cTn>
-                        </p:par>
-                      </p:childTnLst>
-                    </p:cTn>
-                  </p:par>
-                  <p:par>
-                    <p:cTn id="17" fill="hold">
-                      <p:stCondLst>
-                        <p:cond delay="indefinite"/>
-                      </p:stCondLst>
-                      <p:childTnLst>
-                        <p:par>
-                          <p:cTn id="18" fill="hold">
-                            <p:stCondLst>
-                              <p:cond delay="0"/>
-                            </p:stCondLst>
-                            <p:childTnLst>
-                              <p:par>
-                                <p:cTn id="19" presetID="1" presetClass="entr" presetSubtype="0" fill="hold" nodeType="clickEffect">
-                                  <p:stCondLst>
-                                    <p:cond delay="0"/>
-                                  </p:stCondLst>
-                                  <p:childTnLst>
-                                    <p:set>
-                                      <p:cBhvr>
-                                        <p:cTn id="20" dur="1" fill="hold">
-                                          <p:stCondLst>
-                                            <p:cond delay="0"/>
-                                          </p:stCondLst>
-                                        </p:cTn>
-                                        <p:tgtEl>
-                                          <p:spTgt spid="4098">
-                                            <p:txEl>
-                                              <p:pRg st="5" end="5"/>
-                                            </p:txEl>
-                                          </p:spTgt>
-                                        </p:tgtEl>
-                                        <p:attrNameLst>
-                                          <p:attrName>style.visibility</p:attrName>
-                                        </p:attrNameLst>
-                                      </p:cBhvr>
-                                      <p:to>
-                                        <p:strVal val="visible"/>
-                                      </p:to>
-                                    </p:set>
-                                  </p:childTnLst>
-                                </p:cTn>
-                              </p:par>
-                            </p:childTnLst>
-                          </p:cTn>
-                        </p:par>
-                      </p:childTnLst>
-                    </p:cTn>
-                  </p:par>
-                  <p:par>
-                    <p:cTn id="21" fill="hold">
-                      <p:stCondLst>
-                        <p:cond delay="indefinite"/>
-                      </p:stCondLst>
-                      <p:childTnLst>
-                        <p:par>
-                          <p:cTn id="22" fill="hold">
-                            <p:stCondLst>
-                              <p:cond delay="0"/>
-                            </p:stCondLst>
-                            <p:childTnLst>
-                              <p:par>
-                                <p:cTn id="23" presetID="1" presetClass="entr" presetSubtype="0" fill="hold" nodeType="clickEffect">
-                                  <p:stCondLst>
-                                    <p:cond delay="0"/>
-                                  </p:stCondLst>
-                                  <p:childTnLst>
-                                    <p:set>
-                                      <p:cBhvr>
-                                        <p:cTn id="24" dur="1" fill="hold">
-                                          <p:stCondLst>
-                                            <p:cond delay="0"/>
-                                          </p:stCondLst>
-                                        </p:cTn>
-                                        <p:tgtEl>
-                                          <p:spTgt spid="4098">
-                                            <p:txEl>
-                                              <p:pRg st="6" end="6"/>
-                                            </p:txEl>
-                                          </p:spTgt>
-                                        </p:tgtEl>
-                                        <p:attrNameLst>
-                                          <p:attrName>style.visibility</p:attrName>
-                                        </p:attrNameLst>
-                                      </p:cBhvr>
-                                      <p:to>
-                                        <p:strVal val="visible"/>
-                                      </p:to>
-                                    </p:set>
-                                  </p:childTnLst>
-                                </p:cTn>
-                              </p:par>
-                            </p:childTnLst>
-                          </p:cTn>
-                        </p:par>
-                      </p:childTnLst>
-                    </p:cTn>
-                  </p:par>
-                  <p:par>
-                    <p:cTn id="25" fill="hold">
-                      <p:stCondLst>
-                        <p:cond delay="indefinite"/>
-                      </p:stCondLst>
-                      <p:childTnLst>
-                        <p:par>
-                          <p:cTn id="26" fill="hold">
-                            <p:stCondLst>
-                              <p:cond delay="0"/>
-                            </p:stCondLst>
-                            <p:childTnLst>
-                              <p:par>
-                                <p:cTn id="27" presetID="1" presetClass="entr" presetSubtype="0" fill="hold" nodeType="clickEffect">
-                                  <p:stCondLst>
-                                    <p:cond delay="0"/>
-                                  </p:stCondLst>
-                                  <p:childTnLst>
-                                    <p:set>
-                                      <p:cBhvr>
-                                        <p:cTn id="28" dur="1" fill="hold">
-                                          <p:stCondLst>
-                                            <p:cond delay="0"/>
-                                          </p:stCondLst>
-                                        </p:cTn>
-                                        <p:tgtEl>
-                                          <p:spTgt spid="4098">
-                                            <p:txEl>
-                                              <p:pRg st="7" end="7"/>
-                                            </p:txEl>
-                                          </p:spTgt>
-                                        </p:tgtEl>
-                                        <p:attrNameLst>
-                                          <p:attrName>style.visibility</p:attrName>
-                                        </p:attrNameLst>
-                                      </p:cBhvr>
-                                      <p:to>
-                                        <p:strVal val="visible"/>
-                                      </p:to>
-                                    </p:set>
-                                  </p:childTnLst>
-                                </p:cTn>
-                              </p:par>
-                            </p:childTnLst>
-                          </p:cTn>
-                        </p:par>
-                      </p:childTnLst>
-                    </p:cTn>
-                  </p:par>
-                </p:childTnLst>
-              </p:cTn>
-              <p:prevCondLst>
-                <p:cond evt="onPrev" delay="0">
-                  <p:tgtEl>
-                    <p:sldTgt/>
-                  </p:tgtEl>
-                </p:cond>
-              </p:prevCondLst>
-              <p:nextCondLst>
-                <p:cond evt="onNext" delay="0">
-                  <p:tgtEl>
-                    <p:sldTgt/>
-                  </p:tgtEl>
-                </p:cond>
-              </p:nextCondLst>
-            </p:seq>
-          </p:childTnLst>
-        </p:cTn>
-      </p:par>
-    </p:tnLst>
   </p:timing>
 </p:sld>
 </file>
@@ -21415,6 +22507,852 @@
       </p:grpSpPr>
       <p:sp>
         <p:nvSpPr>
+          <p:cNvPr id="4098" name="Rectangle 2"/>
+          <p:cNvSpPr>
+            <a:spLocks noGrp="1" noChangeArrowheads="1"/>
+          </p:cNvSpPr>
+          <p:nvPr>
+            <p:ph type="subTitle" idx="1"/>
+          </p:nvPr>
+        </p:nvSpPr>
+        <p:spPr>
+          <a:xfrm>
+            <a:off x="936640" y="497638"/>
+            <a:ext cx="7190581" cy="6810995"/>
+          </a:xfrm>
+        </p:spPr>
+        <p:txBody>
+          <a:bodyPr vert="horz" wrap="square" lIns="0" tIns="0" rIns="0" bIns="0" numCol="1" anchor="ctr" anchorCtr="0" compatLnSpc="1">
+            <a:prstTxWarp prst="textNoShape">
+              <a:avLst/>
+            </a:prstTxWarp>
+          </a:bodyPr>
+          <a:lstStyle/>
+          <a:p>
+            <a:pPr>
+              <a:lnSpc>
+                <a:spcPct val="150000"/>
+              </a:lnSpc>
+              <a:spcBef>
+                <a:spcPct val="0"/>
+              </a:spcBef>
+            </a:pPr>
+            <a:r>
+              <a:rPr lang="de-DE" sz="3600" b="1" dirty="0">
+                <a:solidFill>
+                  <a:srgbClr val="000077"/>
+                </a:solidFill>
+                <a:latin typeface="TheSansOffice" pitchFamily="34" charset="0"/>
+                <a:ea typeface="+mj-ea"/>
+                <a:cs typeface="+mj-cs"/>
+              </a:rPr>
+              <a:t>Der Vergleich</a:t>
+            </a:r>
+          </a:p>
+        </p:txBody>
+      </p:sp>
+    </p:spTree>
+    <p:extLst>
+      <p:ext uri="{BB962C8B-B14F-4D97-AF65-F5344CB8AC3E}">
+        <p14:creationId xmlns:p14="http://schemas.microsoft.com/office/powerpoint/2010/main" val="559974268"/>
+      </p:ext>
+    </p:extLst>
+  </p:cSld>
+  <p:clrMapOvr>
+    <a:masterClrMapping/>
+  </p:clrMapOvr>
+  <p:timing>
+    <p:tnLst>
+      <p:par>
+        <p:cTn id="1" dur="indefinite" restart="never" nodeType="tmRoot"/>
+      </p:par>
+    </p:tnLst>
+  </p:timing>
+</p:sld>
+</file>
+
+<file path=ppt/slides/slide31.xml><?xml version="1.0" encoding="utf-8"?>
+<p:sld xmlns:a="http://schemas.openxmlformats.org/drawingml/2006/main" xmlns:r="http://schemas.openxmlformats.org/officeDocument/2006/relationships" xmlns:p="http://schemas.openxmlformats.org/presentationml/2006/main">
+  <p:cSld>
+    <p:spTree>
+      <p:nvGrpSpPr>
+        <p:cNvPr id="1" name=""/>
+        <p:cNvGrpSpPr/>
+        <p:nvPr/>
+      </p:nvGrpSpPr>
+      <p:grpSpPr>
+        <a:xfrm>
+          <a:off x="0" y="0"/>
+          <a:ext cx="0" cy="0"/>
+          <a:chOff x="0" y="0"/>
+          <a:chExt cx="0" cy="0"/>
+        </a:xfrm>
+      </p:grpSpPr>
+      <p:sp>
+        <p:nvSpPr>
+          <p:cNvPr id="4097" name="Rectangle 1"/>
+          <p:cNvSpPr>
+            <a:spLocks noGrp="1" noChangeArrowheads="1"/>
+          </p:cNvSpPr>
+          <p:nvPr>
+            <p:ph type="ctrTitle"/>
+          </p:nvPr>
+        </p:nvSpPr>
+        <p:spPr>
+          <a:xfrm>
+            <a:off x="831528" y="495306"/>
+            <a:ext cx="6624736" cy="761653"/>
+          </a:xfrm>
+        </p:spPr>
+        <p:txBody>
+          <a:bodyPr vert="horz" wrap="square" lIns="0" tIns="0" rIns="0" bIns="0" numCol="1" anchor="t" anchorCtr="0" compatLnSpc="1">
+            <a:prstTxWarp prst="textNoShape">
+              <a:avLst/>
+            </a:prstTxWarp>
+          </a:bodyPr>
+          <a:lstStyle/>
+          <a:p>
+            <a:pPr algn="l">
+              <a:lnSpc>
+                <a:spcPct val="95000"/>
+              </a:lnSpc>
+            </a:pPr>
+            <a:r>
+              <a:rPr lang="de-DE" sz="3600" dirty="0">
+                <a:latin typeface="TheSansOffice" pitchFamily="34" charset="0"/>
+              </a:rPr>
+              <a:t>Mehrere </a:t>
+            </a:r>
+            <a:r>
+              <a:rPr lang="de-DE" sz="3600" dirty="0" err="1">
+                <a:latin typeface="TheSansOffice" pitchFamily="34" charset="0"/>
+              </a:rPr>
+              <a:t>QuickFixes</a:t>
+            </a:r>
+            <a:r>
+              <a:rPr lang="de-DE" sz="3600" dirty="0">
+                <a:latin typeface="TheSansOffice" pitchFamily="34" charset="0"/>
+              </a:rPr>
+              <a:t> auf einmal</a:t>
+            </a:r>
+          </a:p>
+        </p:txBody>
+      </p:sp>
+      <p:sp>
+        <p:nvSpPr>
+          <p:cNvPr id="4098" name="Rectangle 2"/>
+          <p:cNvSpPr>
+            <a:spLocks noGrp="1" noChangeArrowheads="1"/>
+          </p:cNvSpPr>
+          <p:nvPr>
+            <p:ph type="subTitle" idx="1"/>
+          </p:nvPr>
+        </p:nvSpPr>
+        <p:spPr>
+          <a:xfrm>
+            <a:off x="936640" y="1649761"/>
+            <a:ext cx="7190581" cy="5112568"/>
+          </a:xfrm>
+        </p:spPr>
+        <p:txBody>
+          <a:bodyPr vert="horz" wrap="square" lIns="0" tIns="0" rIns="0" bIns="0" numCol="1" anchor="t" anchorCtr="0" compatLnSpc="1">
+            <a:prstTxWarp prst="textNoShape">
+              <a:avLst/>
+            </a:prstTxWarp>
+          </a:bodyPr>
+          <a:lstStyle/>
+          <a:p>
+            <a:pPr marL="342878" indent="-342878" algn="l">
+              <a:lnSpc>
+                <a:spcPct val="150000"/>
+              </a:lnSpc>
+              <a:spcBef>
+                <a:spcPct val="0"/>
+              </a:spcBef>
+              <a:buFont typeface="Arial" pitchFamily="34" charset="0"/>
+              <a:buChar char="•"/>
+            </a:pPr>
+            <a:r>
+              <a:rPr lang="de-DE" sz="2000" dirty="0">
+                <a:solidFill>
+                  <a:srgbClr val="000000"/>
+                </a:solidFill>
+                <a:latin typeface="Arial" charset="0"/>
+              </a:rPr>
+              <a:t>Oxygen kann nur einen </a:t>
+            </a:r>
+            <a:r>
+              <a:rPr lang="de-DE" sz="2000" dirty="0" err="1">
+                <a:solidFill>
+                  <a:srgbClr val="000000"/>
+                </a:solidFill>
+                <a:latin typeface="Arial" charset="0"/>
+              </a:rPr>
+              <a:t>QuickFix</a:t>
+            </a:r>
+            <a:r>
+              <a:rPr lang="de-DE" sz="2000" dirty="0">
+                <a:solidFill>
+                  <a:srgbClr val="000000"/>
+                </a:solidFill>
+                <a:latin typeface="Arial" charset="0"/>
+              </a:rPr>
+              <a:t> auf einmal ausführen</a:t>
+            </a:r>
+          </a:p>
+          <a:p>
+            <a:pPr marL="800067" lvl="1" indent="-342878" algn="l">
+              <a:lnSpc>
+                <a:spcPct val="150000"/>
+              </a:lnSpc>
+              <a:spcBef>
+                <a:spcPct val="0"/>
+              </a:spcBef>
+              <a:buFont typeface="Arial" pitchFamily="34" charset="0"/>
+              <a:buChar char="•"/>
+            </a:pPr>
+            <a:r>
+              <a:rPr lang="de-DE" sz="1600" dirty="0">
+                <a:solidFill>
+                  <a:srgbClr val="000000"/>
+                </a:solidFill>
+                <a:latin typeface="Arial" charset="0"/>
+              </a:rPr>
+              <a:t>Zwei </a:t>
+            </a:r>
+            <a:r>
+              <a:rPr lang="de-DE" sz="1600" dirty="0" err="1">
+                <a:solidFill>
+                  <a:srgbClr val="000000"/>
+                </a:solidFill>
+                <a:latin typeface="Arial" charset="0"/>
+              </a:rPr>
+              <a:t>QuickFixes</a:t>
+            </a:r>
+            <a:r>
+              <a:rPr lang="de-DE" sz="1600" dirty="0">
+                <a:solidFill>
+                  <a:srgbClr val="000000"/>
+                </a:solidFill>
+                <a:latin typeface="Arial" charset="0"/>
+              </a:rPr>
+              <a:t> könnten sich in die Quere kommen.</a:t>
+            </a:r>
+          </a:p>
+          <a:p>
+            <a:pPr marL="800067" lvl="1" indent="-342878" algn="l">
+              <a:lnSpc>
+                <a:spcPct val="150000"/>
+              </a:lnSpc>
+              <a:spcBef>
+                <a:spcPct val="0"/>
+              </a:spcBef>
+              <a:buFont typeface="Arial" pitchFamily="34" charset="0"/>
+              <a:buChar char="•"/>
+            </a:pPr>
+            <a:r>
+              <a:rPr lang="de-DE" sz="1600" dirty="0">
+                <a:solidFill>
+                  <a:srgbClr val="000000"/>
+                </a:solidFill>
+                <a:latin typeface="Arial" charset="0"/>
+              </a:rPr>
+              <a:t>Mehrere </a:t>
+            </a:r>
+            <a:r>
+              <a:rPr lang="de-DE" sz="1600" dirty="0" err="1">
+                <a:solidFill>
+                  <a:srgbClr val="000000"/>
+                </a:solidFill>
+                <a:latin typeface="Arial" charset="0"/>
+              </a:rPr>
+              <a:t>QuickFixes</a:t>
+            </a:r>
+            <a:r>
+              <a:rPr lang="de-DE" sz="1600" dirty="0">
+                <a:solidFill>
+                  <a:srgbClr val="000000"/>
+                </a:solidFill>
+                <a:latin typeface="Arial" charset="0"/>
+              </a:rPr>
+              <a:t> könnten ein Dokument invalide machen.</a:t>
+            </a:r>
+          </a:p>
+          <a:p>
+            <a:pPr marL="342878" indent="-342878" algn="l">
+              <a:lnSpc>
+                <a:spcPct val="150000"/>
+              </a:lnSpc>
+              <a:spcBef>
+                <a:spcPct val="0"/>
+              </a:spcBef>
+              <a:buFont typeface="Arial" pitchFamily="34" charset="0"/>
+              <a:buChar char="•"/>
+            </a:pPr>
+            <a:endParaRPr lang="de-DE" sz="2000" dirty="0">
+              <a:solidFill>
+                <a:srgbClr val="000000"/>
+              </a:solidFill>
+              <a:latin typeface="Arial" charset="0"/>
+            </a:endParaRPr>
+          </a:p>
+          <a:p>
+            <a:pPr marL="342878" indent="-342878" algn="l">
+              <a:lnSpc>
+                <a:spcPct val="150000"/>
+              </a:lnSpc>
+              <a:spcBef>
+                <a:spcPct val="0"/>
+              </a:spcBef>
+              <a:buFont typeface="Arial" pitchFamily="34" charset="0"/>
+              <a:buChar char="•"/>
+            </a:pPr>
+            <a:r>
+              <a:rPr lang="de-DE" sz="2000" dirty="0" err="1">
+                <a:solidFill>
+                  <a:srgbClr val="000000"/>
+                </a:solidFill>
+                <a:latin typeface="Arial" charset="0"/>
+              </a:rPr>
+              <a:t>Escali</a:t>
+            </a:r>
+            <a:r>
+              <a:rPr lang="de-DE" sz="2000" dirty="0">
+                <a:solidFill>
+                  <a:srgbClr val="000000"/>
+                </a:solidFill>
+                <a:latin typeface="Arial" charset="0"/>
+              </a:rPr>
+              <a:t> bietet die Möglichkeit, mehrere QFs zu selektieren und auszuführen</a:t>
+            </a:r>
+          </a:p>
+          <a:p>
+            <a:pPr marL="800067" lvl="1" indent="-342878" algn="l">
+              <a:lnSpc>
+                <a:spcPct val="150000"/>
+              </a:lnSpc>
+              <a:spcBef>
+                <a:spcPct val="0"/>
+              </a:spcBef>
+              <a:buFont typeface="Arial" pitchFamily="34" charset="0"/>
+              <a:buChar char="•"/>
+            </a:pPr>
+            <a:r>
+              <a:rPr lang="de-DE" sz="1600" dirty="0">
+                <a:solidFill>
+                  <a:srgbClr val="000000"/>
+                </a:solidFill>
+                <a:latin typeface="Arial" charset="0"/>
+              </a:rPr>
+              <a:t>Es kann sehr praktisch sein.</a:t>
+            </a:r>
+          </a:p>
+          <a:p>
+            <a:pPr marL="800067" lvl="1" indent="-342878" algn="l">
+              <a:lnSpc>
+                <a:spcPct val="150000"/>
+              </a:lnSpc>
+              <a:spcBef>
+                <a:spcPct val="0"/>
+              </a:spcBef>
+              <a:buFont typeface="Arial" pitchFamily="34" charset="0"/>
+              <a:buChar char="•"/>
+            </a:pPr>
+            <a:r>
+              <a:rPr lang="de-DE" sz="1600" dirty="0">
+                <a:solidFill>
+                  <a:srgbClr val="000000"/>
+                </a:solidFill>
+                <a:latin typeface="Arial" charset="0"/>
+              </a:rPr>
+              <a:t>Anwendung: 100 gleiche Fehler, 99 müssen auf die gleiche Weise gelöst werden.</a:t>
+            </a:r>
+          </a:p>
+          <a:p>
+            <a:pPr marL="800067" lvl="1" indent="-342878" algn="l">
+              <a:lnSpc>
+                <a:spcPct val="150000"/>
+              </a:lnSpc>
+              <a:spcBef>
+                <a:spcPct val="0"/>
+              </a:spcBef>
+              <a:buFont typeface="Arial" pitchFamily="34" charset="0"/>
+              <a:buChar char="•"/>
+            </a:pPr>
+            <a:r>
+              <a:rPr lang="de-DE" sz="1600" dirty="0">
+                <a:solidFill>
+                  <a:srgbClr val="000000"/>
+                </a:solidFill>
+                <a:latin typeface="Arial" charset="0"/>
+              </a:rPr>
+              <a:t>Ein QF gibt nie die Garantie, dass das Dokument danach valide ist.</a:t>
+            </a:r>
+          </a:p>
+          <a:p>
+            <a:pPr marL="800067" lvl="1" indent="-342878" algn="l">
+              <a:lnSpc>
+                <a:spcPct val="150000"/>
+              </a:lnSpc>
+              <a:spcBef>
+                <a:spcPct val="0"/>
+              </a:spcBef>
+              <a:buFont typeface="Arial" pitchFamily="34" charset="0"/>
+              <a:buChar char="•"/>
+            </a:pPr>
+            <a:endParaRPr lang="de-DE" sz="1600" dirty="0">
+              <a:solidFill>
+                <a:srgbClr val="000000"/>
+              </a:solidFill>
+              <a:latin typeface="Arial" charset="0"/>
+            </a:endParaRPr>
+          </a:p>
+          <a:p>
+            <a:pPr marL="800067" lvl="1" indent="-342878" algn="l">
+              <a:lnSpc>
+                <a:spcPct val="150000"/>
+              </a:lnSpc>
+              <a:spcBef>
+                <a:spcPct val="0"/>
+              </a:spcBef>
+              <a:buFont typeface="Arial" pitchFamily="34" charset="0"/>
+              <a:buChar char="•"/>
+            </a:pPr>
+            <a:endParaRPr lang="de-DE" sz="1600" dirty="0">
+              <a:solidFill>
+                <a:srgbClr val="000000"/>
+              </a:solidFill>
+              <a:latin typeface="Arial" charset="0"/>
+            </a:endParaRPr>
+          </a:p>
+          <a:p>
+            <a:pPr marL="800067" lvl="1" indent="-342878" algn="l">
+              <a:lnSpc>
+                <a:spcPct val="150000"/>
+              </a:lnSpc>
+              <a:spcBef>
+                <a:spcPct val="0"/>
+              </a:spcBef>
+              <a:buFont typeface="Arial" pitchFamily="34" charset="0"/>
+              <a:buChar char="•"/>
+            </a:pPr>
+            <a:endParaRPr lang="de-DE" sz="1600" dirty="0">
+              <a:solidFill>
+                <a:srgbClr val="000000"/>
+              </a:solidFill>
+              <a:latin typeface="Arial" charset="0"/>
+            </a:endParaRPr>
+          </a:p>
+          <a:p>
+            <a:pPr marL="342878" indent="-342878" algn="l">
+              <a:lnSpc>
+                <a:spcPct val="150000"/>
+              </a:lnSpc>
+              <a:spcBef>
+                <a:spcPct val="0"/>
+              </a:spcBef>
+              <a:buFont typeface="Arial" pitchFamily="34" charset="0"/>
+              <a:buChar char="•"/>
+            </a:pPr>
+            <a:endParaRPr lang="de-DE" sz="2000" dirty="0">
+              <a:solidFill>
+                <a:srgbClr val="000000"/>
+              </a:solidFill>
+              <a:latin typeface="Arial" charset="0"/>
+            </a:endParaRPr>
+          </a:p>
+        </p:txBody>
+      </p:sp>
+    </p:spTree>
+    <p:extLst>
+      <p:ext uri="{BB962C8B-B14F-4D97-AF65-F5344CB8AC3E}">
+        <p14:creationId xmlns:p14="http://schemas.microsoft.com/office/powerpoint/2010/main" val="3392588609"/>
+      </p:ext>
+    </p:extLst>
+  </p:cSld>
+  <p:clrMapOvr>
+    <a:masterClrMapping/>
+  </p:clrMapOvr>
+  <p:timing>
+    <p:tnLst>
+      <p:par>
+        <p:cTn id="1" dur="indefinite" restart="never" nodeType="tmRoot">
+          <p:childTnLst>
+            <p:seq concurrent="1" nextAc="seek">
+              <p:cTn id="2" dur="indefinite" nodeType="mainSeq">
+                <p:childTnLst>
+                  <p:par>
+                    <p:cTn id="3" fill="hold">
+                      <p:stCondLst>
+                        <p:cond delay="indefinite"/>
+                        <p:cond evt="onBegin" delay="0">
+                          <p:tn val="2"/>
+                        </p:cond>
+                      </p:stCondLst>
+                      <p:childTnLst>
+                        <p:par>
+                          <p:cTn id="4" fill="hold">
+                            <p:stCondLst>
+                              <p:cond delay="0"/>
+                            </p:stCondLst>
+                            <p:childTnLst>
+                              <p:par>
+                                <p:cTn id="5" presetID="1" presetClass="entr" presetSubtype="0" fill="hold" nodeType="withEffect">
+                                  <p:stCondLst>
+                                    <p:cond delay="0"/>
+                                  </p:stCondLst>
+                                  <p:childTnLst>
+                                    <p:set>
+                                      <p:cBhvr>
+                                        <p:cTn id="6" dur="1" fill="hold">
+                                          <p:stCondLst>
+                                            <p:cond delay="0"/>
+                                          </p:stCondLst>
+                                        </p:cTn>
+                                        <p:tgtEl>
+                                          <p:spTgt spid="4098">
+                                            <p:txEl>
+                                              <p:pRg st="0" end="0"/>
+                                            </p:txEl>
+                                          </p:spTgt>
+                                        </p:tgtEl>
+                                        <p:attrNameLst>
+                                          <p:attrName>style.visibility</p:attrName>
+                                        </p:attrNameLst>
+                                      </p:cBhvr>
+                                      <p:to>
+                                        <p:strVal val="visible"/>
+                                      </p:to>
+                                    </p:set>
+                                  </p:childTnLst>
+                                </p:cTn>
+                              </p:par>
+                            </p:childTnLst>
+                          </p:cTn>
+                        </p:par>
+                      </p:childTnLst>
+                    </p:cTn>
+                  </p:par>
+                  <p:par>
+                    <p:cTn id="7" fill="hold">
+                      <p:stCondLst>
+                        <p:cond delay="indefinite"/>
+                      </p:stCondLst>
+                      <p:childTnLst>
+                        <p:par>
+                          <p:cTn id="8" fill="hold">
+                            <p:stCondLst>
+                              <p:cond delay="0"/>
+                            </p:stCondLst>
+                            <p:childTnLst>
+                              <p:par>
+                                <p:cTn id="9" presetID="1" presetClass="entr" presetSubtype="0" fill="hold" nodeType="clickEffect">
+                                  <p:stCondLst>
+                                    <p:cond delay="0"/>
+                                  </p:stCondLst>
+                                  <p:childTnLst>
+                                    <p:set>
+                                      <p:cBhvr>
+                                        <p:cTn id="10" dur="1" fill="hold">
+                                          <p:stCondLst>
+                                            <p:cond delay="0"/>
+                                          </p:stCondLst>
+                                        </p:cTn>
+                                        <p:tgtEl>
+                                          <p:spTgt spid="4098">
+                                            <p:txEl>
+                                              <p:pRg st="1" end="1"/>
+                                            </p:txEl>
+                                          </p:spTgt>
+                                        </p:tgtEl>
+                                        <p:attrNameLst>
+                                          <p:attrName>style.visibility</p:attrName>
+                                        </p:attrNameLst>
+                                      </p:cBhvr>
+                                      <p:to>
+                                        <p:strVal val="visible"/>
+                                      </p:to>
+                                    </p:set>
+                                  </p:childTnLst>
+                                </p:cTn>
+                              </p:par>
+                              <p:par>
+                                <p:cTn id="11" presetID="1" presetClass="entr" presetSubtype="0" fill="hold" nodeType="withEffect">
+                                  <p:stCondLst>
+                                    <p:cond delay="0"/>
+                                  </p:stCondLst>
+                                  <p:childTnLst>
+                                    <p:set>
+                                      <p:cBhvr>
+                                        <p:cTn id="12" dur="1" fill="hold">
+                                          <p:stCondLst>
+                                            <p:cond delay="0"/>
+                                          </p:stCondLst>
+                                        </p:cTn>
+                                        <p:tgtEl>
+                                          <p:spTgt spid="4098">
+                                            <p:txEl>
+                                              <p:pRg st="2" end="2"/>
+                                            </p:txEl>
+                                          </p:spTgt>
+                                        </p:tgtEl>
+                                        <p:attrNameLst>
+                                          <p:attrName>style.visibility</p:attrName>
+                                        </p:attrNameLst>
+                                      </p:cBhvr>
+                                      <p:to>
+                                        <p:strVal val="visible"/>
+                                      </p:to>
+                                    </p:set>
+                                  </p:childTnLst>
+                                </p:cTn>
+                              </p:par>
+                            </p:childTnLst>
+                          </p:cTn>
+                        </p:par>
+                      </p:childTnLst>
+                    </p:cTn>
+                  </p:par>
+                  <p:par>
+                    <p:cTn id="13" fill="hold">
+                      <p:stCondLst>
+                        <p:cond delay="indefinite"/>
+                      </p:stCondLst>
+                      <p:childTnLst>
+                        <p:par>
+                          <p:cTn id="14" fill="hold">
+                            <p:stCondLst>
+                              <p:cond delay="0"/>
+                            </p:stCondLst>
+                            <p:childTnLst>
+                              <p:par>
+                                <p:cTn id="15" presetID="1" presetClass="entr" presetSubtype="0" fill="hold" nodeType="clickEffect">
+                                  <p:stCondLst>
+                                    <p:cond delay="0"/>
+                                  </p:stCondLst>
+                                  <p:childTnLst>
+                                    <p:set>
+                                      <p:cBhvr>
+                                        <p:cTn id="16" dur="1" fill="hold">
+                                          <p:stCondLst>
+                                            <p:cond delay="0"/>
+                                          </p:stCondLst>
+                                        </p:cTn>
+                                        <p:tgtEl>
+                                          <p:spTgt spid="4098">
+                                            <p:txEl>
+                                              <p:pRg st="4" end="4"/>
+                                            </p:txEl>
+                                          </p:spTgt>
+                                        </p:tgtEl>
+                                        <p:attrNameLst>
+                                          <p:attrName>style.visibility</p:attrName>
+                                        </p:attrNameLst>
+                                      </p:cBhvr>
+                                      <p:to>
+                                        <p:strVal val="visible"/>
+                                      </p:to>
+                                    </p:set>
+                                  </p:childTnLst>
+                                </p:cTn>
+                              </p:par>
+                            </p:childTnLst>
+                          </p:cTn>
+                        </p:par>
+                      </p:childTnLst>
+                    </p:cTn>
+                  </p:par>
+                  <p:par>
+                    <p:cTn id="17" fill="hold">
+                      <p:stCondLst>
+                        <p:cond delay="indefinite"/>
+                      </p:stCondLst>
+                      <p:childTnLst>
+                        <p:par>
+                          <p:cTn id="18" fill="hold">
+                            <p:stCondLst>
+                              <p:cond delay="0"/>
+                            </p:stCondLst>
+                            <p:childTnLst>
+                              <p:par>
+                                <p:cTn id="19" presetID="1" presetClass="entr" presetSubtype="0" fill="hold" nodeType="clickEffect">
+                                  <p:stCondLst>
+                                    <p:cond delay="0"/>
+                                  </p:stCondLst>
+                                  <p:childTnLst>
+                                    <p:set>
+                                      <p:cBhvr>
+                                        <p:cTn id="20" dur="1" fill="hold">
+                                          <p:stCondLst>
+                                            <p:cond delay="0"/>
+                                          </p:stCondLst>
+                                        </p:cTn>
+                                        <p:tgtEl>
+                                          <p:spTgt spid="4098">
+                                            <p:txEl>
+                                              <p:pRg st="5" end="5"/>
+                                            </p:txEl>
+                                          </p:spTgt>
+                                        </p:tgtEl>
+                                        <p:attrNameLst>
+                                          <p:attrName>style.visibility</p:attrName>
+                                        </p:attrNameLst>
+                                      </p:cBhvr>
+                                      <p:to>
+                                        <p:strVal val="visible"/>
+                                      </p:to>
+                                    </p:set>
+                                  </p:childTnLst>
+                                </p:cTn>
+                              </p:par>
+                            </p:childTnLst>
+                          </p:cTn>
+                        </p:par>
+                      </p:childTnLst>
+                    </p:cTn>
+                  </p:par>
+                  <p:par>
+                    <p:cTn id="21" fill="hold">
+                      <p:stCondLst>
+                        <p:cond delay="indefinite"/>
+                      </p:stCondLst>
+                      <p:childTnLst>
+                        <p:par>
+                          <p:cTn id="22" fill="hold">
+                            <p:stCondLst>
+                              <p:cond delay="0"/>
+                            </p:stCondLst>
+                            <p:childTnLst>
+                              <p:par>
+                                <p:cTn id="23" presetID="1" presetClass="entr" presetSubtype="0" fill="hold" nodeType="clickEffect">
+                                  <p:stCondLst>
+                                    <p:cond delay="0"/>
+                                  </p:stCondLst>
+                                  <p:childTnLst>
+                                    <p:set>
+                                      <p:cBhvr>
+                                        <p:cTn id="24" dur="1" fill="hold">
+                                          <p:stCondLst>
+                                            <p:cond delay="0"/>
+                                          </p:stCondLst>
+                                        </p:cTn>
+                                        <p:tgtEl>
+                                          <p:spTgt spid="4098">
+                                            <p:txEl>
+                                              <p:pRg st="6" end="6"/>
+                                            </p:txEl>
+                                          </p:spTgt>
+                                        </p:tgtEl>
+                                        <p:attrNameLst>
+                                          <p:attrName>style.visibility</p:attrName>
+                                        </p:attrNameLst>
+                                      </p:cBhvr>
+                                      <p:to>
+                                        <p:strVal val="visible"/>
+                                      </p:to>
+                                    </p:set>
+                                  </p:childTnLst>
+                                </p:cTn>
+                              </p:par>
+                            </p:childTnLst>
+                          </p:cTn>
+                        </p:par>
+                      </p:childTnLst>
+                    </p:cTn>
+                  </p:par>
+                  <p:par>
+                    <p:cTn id="25" fill="hold">
+                      <p:stCondLst>
+                        <p:cond delay="indefinite"/>
+                      </p:stCondLst>
+                      <p:childTnLst>
+                        <p:par>
+                          <p:cTn id="26" fill="hold">
+                            <p:stCondLst>
+                              <p:cond delay="0"/>
+                            </p:stCondLst>
+                            <p:childTnLst>
+                              <p:par>
+                                <p:cTn id="27" presetID="1" presetClass="entr" presetSubtype="0" fill="hold" nodeType="clickEffect">
+                                  <p:stCondLst>
+                                    <p:cond delay="0"/>
+                                  </p:stCondLst>
+                                  <p:childTnLst>
+                                    <p:set>
+                                      <p:cBhvr>
+                                        <p:cTn id="28" dur="1" fill="hold">
+                                          <p:stCondLst>
+                                            <p:cond delay="0"/>
+                                          </p:stCondLst>
+                                        </p:cTn>
+                                        <p:tgtEl>
+                                          <p:spTgt spid="4098">
+                                            <p:txEl>
+                                              <p:pRg st="7" end="7"/>
+                                            </p:txEl>
+                                          </p:spTgt>
+                                        </p:tgtEl>
+                                        <p:attrNameLst>
+                                          <p:attrName>style.visibility</p:attrName>
+                                        </p:attrNameLst>
+                                      </p:cBhvr>
+                                      <p:to>
+                                        <p:strVal val="visible"/>
+                                      </p:to>
+                                    </p:set>
+                                  </p:childTnLst>
+                                </p:cTn>
+                              </p:par>
+                            </p:childTnLst>
+                          </p:cTn>
+                        </p:par>
+                      </p:childTnLst>
+                    </p:cTn>
+                  </p:par>
+                </p:childTnLst>
+              </p:cTn>
+              <p:prevCondLst>
+                <p:cond evt="onPrev" delay="0">
+                  <p:tgtEl>
+                    <p:sldTgt/>
+                  </p:tgtEl>
+                </p:cond>
+              </p:prevCondLst>
+              <p:nextCondLst>
+                <p:cond evt="onNext" delay="0">
+                  <p:tgtEl>
+                    <p:sldTgt/>
+                  </p:tgtEl>
+                </p:cond>
+              </p:nextCondLst>
+            </p:seq>
+          </p:childTnLst>
+        </p:cTn>
+      </p:par>
+    </p:tnLst>
+  </p:timing>
+</p:sld>
+</file>
+
+<file path=ppt/slides/slide32.xml><?xml version="1.0" encoding="utf-8"?>
+<p:sld xmlns:a="http://schemas.openxmlformats.org/drawingml/2006/main" xmlns:r="http://schemas.openxmlformats.org/officeDocument/2006/relationships" xmlns:p="http://schemas.openxmlformats.org/presentationml/2006/main">
+  <p:cSld>
+    <p:spTree>
+      <p:nvGrpSpPr>
+        <p:cNvPr id="1" name=""/>
+        <p:cNvGrpSpPr/>
+        <p:nvPr/>
+      </p:nvGrpSpPr>
+      <p:grpSpPr>
+        <a:xfrm>
+          <a:off x="0" y="0"/>
+          <a:ext cx="0" cy="0"/>
+          <a:chOff x="0" y="0"/>
+          <a:chExt cx="0" cy="0"/>
+        </a:xfrm>
+      </p:grpSpPr>
+      <p:sp>
+        <p:nvSpPr>
           <p:cNvPr id="4097" name="Rectangle 1"/>
           <p:cNvSpPr>
             <a:spLocks noGrp="1" noChangeArrowheads="1"/>
@@ -22464,7 +24402,7 @@
 </p:sld>
 </file>
 
-<file path=ppt/slides/slide31.xml><?xml version="1.0" encoding="utf-8"?>
+<file path=ppt/slides/slide33.xml><?xml version="1.0" encoding="utf-8"?>
 <p:sld xmlns:a="http://schemas.openxmlformats.org/drawingml/2006/main" xmlns:r="http://schemas.openxmlformats.org/officeDocument/2006/relationships" xmlns:p="http://schemas.openxmlformats.org/presentationml/2006/main">
   <p:cSld>
     <p:spTree>
@@ -23388,7 +25326,7 @@
 </p:sld>
 </file>
 
-<file path=ppt/slides/slide32.xml><?xml version="1.0" encoding="utf-8"?>
+<file path=ppt/slides/slide34.xml><?xml version="1.0" encoding="utf-8"?>
 <p:sld xmlns:a="http://schemas.openxmlformats.org/drawingml/2006/main" xmlns:r="http://schemas.openxmlformats.org/officeDocument/2006/relationships" xmlns:p="http://schemas.openxmlformats.org/presentationml/2006/main">
   <p:cSld>
     <p:spTree>
@@ -24647,7 +26585,7 @@
 </p:sld>
 </file>
 
-<file path=ppt/slides/slide33.xml><?xml version="1.0" encoding="utf-8"?>
+<file path=ppt/slides/slide35.xml><?xml version="1.0" encoding="utf-8"?>
 <p:sld xmlns:a="http://schemas.openxmlformats.org/drawingml/2006/main" xmlns:r="http://schemas.openxmlformats.org/officeDocument/2006/relationships" xmlns:p="http://schemas.openxmlformats.org/presentationml/2006/main">
   <p:cSld>
     <p:spTree>
@@ -25831,7 +27769,7 @@
 </p:sld>
 </file>
 
-<file path=ppt/slides/slide34.xml><?xml version="1.0" encoding="utf-8"?>
+<file path=ppt/slides/slide36.xml><?xml version="1.0" encoding="utf-8"?>
 <p:sld xmlns:a="http://schemas.openxmlformats.org/drawingml/2006/main" xmlns:r="http://schemas.openxmlformats.org/officeDocument/2006/relationships" xmlns:p="http://schemas.openxmlformats.org/presentationml/2006/main">
   <p:cSld>
     <p:spTree>
@@ -26982,7 +28920,7 @@
 </p:sld>
 </file>
 
-<file path=ppt/slides/slide35.xml><?xml version="1.0" encoding="utf-8"?>
+<file path=ppt/slides/slide37.xml><?xml version="1.0" encoding="utf-8"?>
 <p:sld xmlns:a="http://schemas.openxmlformats.org/drawingml/2006/main" xmlns:r="http://schemas.openxmlformats.org/officeDocument/2006/relationships" xmlns:p="http://schemas.openxmlformats.org/presentationml/2006/main">
   <p:cSld>
     <p:spTree>
@@ -27073,7 +29011,7 @@
 </p:sld>
 </file>
 
-<file path=ppt/slides/slide36.xml><?xml version="1.0" encoding="utf-8"?>
+<file path=ppt/slides/slide38.xml><?xml version="1.0" encoding="utf-8"?>
 <p:sld xmlns:a="http://schemas.openxmlformats.org/drawingml/2006/main" xmlns:r="http://schemas.openxmlformats.org/officeDocument/2006/relationships" xmlns:p="http://schemas.openxmlformats.org/presentationml/2006/main">
   <p:cSld>
     <p:spTree>
@@ -27877,7 +29815,7 @@
 </p:sld>
 </file>
 
-<file path=ppt/slides/slide37.xml><?xml version="1.0" encoding="utf-8"?>
+<file path=ppt/slides/slide39.xml><?xml version="1.0" encoding="utf-8"?>
 <p:sld xmlns:a="http://schemas.openxmlformats.org/drawingml/2006/main" xmlns:r="http://schemas.openxmlformats.org/officeDocument/2006/relationships" xmlns:p="http://schemas.openxmlformats.org/presentationml/2006/main">
   <p:cSld>
     <p:spTree>
@@ -28030,7 +29968,25 @@
                 </a:solidFill>
                 <a:latin typeface="Arial" charset="0"/>
               </a:rPr>
-              <a:t>Projekt über  9 Jahre</a:t>
+              <a:t>Projekt </a:t>
+            </a:r>
+            <a:r>
+              <a:rPr lang="de-DE" sz="1800" dirty="0" smtClean="0">
+                <a:solidFill>
+                  <a:srgbClr val="000000"/>
+                </a:solidFill>
+                <a:latin typeface="Arial" charset="0"/>
+              </a:rPr>
+              <a:t>über </a:t>
+            </a:r>
+            <a:r>
+              <a:rPr lang="de-DE" sz="1800" dirty="0">
+                <a:solidFill>
+                  <a:srgbClr val="000000"/>
+                </a:solidFill>
+                <a:latin typeface="Arial" charset="0"/>
+              </a:rPr>
+              <a:t>9 Jahre</a:t>
             </a:r>
           </a:p>
           <a:p>
@@ -28908,882 +30864,6 @@
 </p:sld>
 </file>
 
-<file path=ppt/slides/slide38.xml><?xml version="1.0" encoding="utf-8"?>
-<p:sld xmlns:a="http://schemas.openxmlformats.org/drawingml/2006/main" xmlns:r="http://schemas.openxmlformats.org/officeDocument/2006/relationships" xmlns:p="http://schemas.openxmlformats.org/presentationml/2006/main">
-  <p:cSld>
-    <p:spTree>
-      <p:nvGrpSpPr>
-        <p:cNvPr id="1" name=""/>
-        <p:cNvGrpSpPr/>
-        <p:nvPr/>
-      </p:nvGrpSpPr>
-      <p:grpSpPr>
-        <a:xfrm>
-          <a:off x="0" y="0"/>
-          <a:ext cx="0" cy="0"/>
-          <a:chOff x="0" y="0"/>
-          <a:chExt cx="0" cy="0"/>
-        </a:xfrm>
-      </p:grpSpPr>
-      <p:sp>
-        <p:nvSpPr>
-          <p:cNvPr id="4098" name="Rectangle 2"/>
-          <p:cNvSpPr>
-            <a:spLocks noGrp="1" noChangeArrowheads="1"/>
-          </p:cNvSpPr>
-          <p:nvPr>
-            <p:ph type="subTitle" idx="1"/>
-          </p:nvPr>
-        </p:nvSpPr>
-        <p:spPr>
-          <a:xfrm>
-            <a:off x="936640" y="497638"/>
-            <a:ext cx="7190581" cy="6810995"/>
-          </a:xfrm>
-        </p:spPr>
-        <p:txBody>
-          <a:bodyPr vert="horz" wrap="square" lIns="0" tIns="0" rIns="0" bIns="0" numCol="1" anchor="ctr" anchorCtr="0" compatLnSpc="1">
-            <a:prstTxWarp prst="textNoShape">
-              <a:avLst/>
-            </a:prstTxWarp>
-          </a:bodyPr>
-          <a:lstStyle/>
-          <a:p>
-            <a:pPr>
-              <a:lnSpc>
-                <a:spcPct val="150000"/>
-              </a:lnSpc>
-              <a:spcBef>
-                <a:spcPct val="0"/>
-              </a:spcBef>
-            </a:pPr>
-            <a:r>
-              <a:rPr lang="de-DE" sz="3600" b="1" dirty="0" smtClean="0">
-                <a:solidFill>
-                  <a:srgbClr val="000077"/>
-                </a:solidFill>
-                <a:latin typeface="TheSansOffice" pitchFamily="34" charset="0"/>
-                <a:ea typeface="+mj-ea"/>
-                <a:cs typeface="+mj-cs"/>
-              </a:rPr>
-              <a:t>Ausblick</a:t>
-            </a:r>
-            <a:endParaRPr lang="de-DE" sz="3600" b="1" dirty="0">
-              <a:solidFill>
-                <a:srgbClr val="000077"/>
-              </a:solidFill>
-              <a:latin typeface="TheSansOffice" pitchFamily="34" charset="0"/>
-              <a:ea typeface="+mj-ea"/>
-              <a:cs typeface="+mj-cs"/>
-            </a:endParaRPr>
-          </a:p>
-        </p:txBody>
-      </p:sp>
-    </p:spTree>
-    <p:extLst>
-      <p:ext uri="{BB962C8B-B14F-4D97-AF65-F5344CB8AC3E}">
-        <p14:creationId xmlns:p14="http://schemas.microsoft.com/office/powerpoint/2010/main" val="2979811067"/>
-      </p:ext>
-    </p:extLst>
-  </p:cSld>
-  <p:clrMapOvr>
-    <a:masterClrMapping/>
-  </p:clrMapOvr>
-  <p:timing>
-    <p:tnLst>
-      <p:par>
-        <p:cTn id="1" dur="indefinite" restart="never" nodeType="tmRoot"/>
-      </p:par>
-    </p:tnLst>
-  </p:timing>
-</p:sld>
-</file>
-
-<file path=ppt/slides/slide39.xml><?xml version="1.0" encoding="utf-8"?>
-<p:sld xmlns:a="http://schemas.openxmlformats.org/drawingml/2006/main" xmlns:r="http://schemas.openxmlformats.org/officeDocument/2006/relationships" xmlns:p="http://schemas.openxmlformats.org/presentationml/2006/main">
-  <p:cSld>
-    <p:spTree>
-      <p:nvGrpSpPr>
-        <p:cNvPr id="1" name=""/>
-        <p:cNvGrpSpPr/>
-        <p:nvPr/>
-      </p:nvGrpSpPr>
-      <p:grpSpPr>
-        <a:xfrm>
-          <a:off x="0" y="0"/>
-          <a:ext cx="0" cy="0"/>
-          <a:chOff x="0" y="0"/>
-          <a:chExt cx="0" cy="0"/>
-        </a:xfrm>
-      </p:grpSpPr>
-      <p:sp>
-        <p:nvSpPr>
-          <p:cNvPr id="4097" name="Rectangle 1"/>
-          <p:cNvSpPr>
-            <a:spLocks noGrp="1" noChangeArrowheads="1"/>
-          </p:cNvSpPr>
-          <p:nvPr>
-            <p:ph type="ctrTitle"/>
-          </p:nvPr>
-        </p:nvSpPr>
-        <p:spPr>
-          <a:xfrm>
-            <a:off x="831528" y="495306"/>
-            <a:ext cx="6840760" cy="761653"/>
-          </a:xfrm>
-        </p:spPr>
-        <p:txBody>
-          <a:bodyPr vert="horz" wrap="square" lIns="0" tIns="0" rIns="0" bIns="0" numCol="1" anchor="t" anchorCtr="0" compatLnSpc="1">
-            <a:prstTxWarp prst="textNoShape">
-              <a:avLst/>
-            </a:prstTxWarp>
-          </a:bodyPr>
-          <a:lstStyle/>
-          <a:p>
-            <a:pPr algn="l">
-              <a:lnSpc>
-                <a:spcPct val="95000"/>
-              </a:lnSpc>
-            </a:pPr>
-            <a:r>
-              <a:rPr lang="de-DE" sz="3600" dirty="0">
-                <a:latin typeface="TheSansOffice" pitchFamily="34" charset="0"/>
-              </a:rPr>
-              <a:t>Nächste Ziele</a:t>
-            </a:r>
-          </a:p>
-        </p:txBody>
-      </p:sp>
-      <p:sp>
-        <p:nvSpPr>
-          <p:cNvPr id="4098" name="Rectangle 2"/>
-          <p:cNvSpPr>
-            <a:spLocks noGrp="1" noChangeArrowheads="1"/>
-          </p:cNvSpPr>
-          <p:nvPr>
-            <p:ph type="subTitle" idx="1"/>
-          </p:nvPr>
-        </p:nvSpPr>
-        <p:spPr>
-          <a:xfrm>
-            <a:off x="936640" y="1361735"/>
-            <a:ext cx="7190581" cy="5946899"/>
-          </a:xfrm>
-        </p:spPr>
-        <p:txBody>
-          <a:bodyPr vert="horz" wrap="square" lIns="0" tIns="0" rIns="0" bIns="0" numCol="1" anchor="t" anchorCtr="0" compatLnSpc="1">
-            <a:prstTxWarp prst="textNoShape">
-              <a:avLst/>
-            </a:prstTxWarp>
-          </a:bodyPr>
-          <a:lstStyle/>
-          <a:p>
-            <a:pPr marL="342878" indent="-342878" algn="l">
-              <a:lnSpc>
-                <a:spcPct val="150000"/>
-              </a:lnSpc>
-              <a:spcBef>
-                <a:spcPct val="0"/>
-              </a:spcBef>
-              <a:buFont typeface="Arial" pitchFamily="34" charset="0"/>
-              <a:buChar char="•"/>
-            </a:pPr>
-            <a:r>
-              <a:rPr lang="de-DE" sz="2000" dirty="0">
-                <a:solidFill>
-                  <a:srgbClr val="000000"/>
-                </a:solidFill>
-                <a:latin typeface="Arial" charset="0"/>
-              </a:rPr>
-              <a:t>Lokalisierung von SQF</a:t>
-            </a:r>
-          </a:p>
-          <a:p>
-            <a:pPr marL="800067" lvl="1" indent="-342878" algn="l">
-              <a:lnSpc>
-                <a:spcPct val="150000"/>
-              </a:lnSpc>
-              <a:spcBef>
-                <a:spcPct val="0"/>
-              </a:spcBef>
-              <a:buFont typeface="Arial" pitchFamily="34" charset="0"/>
-              <a:buChar char="•"/>
-            </a:pPr>
-            <a:r>
-              <a:rPr lang="de-DE" sz="1600" dirty="0">
-                <a:solidFill>
-                  <a:srgbClr val="000000"/>
-                </a:solidFill>
-                <a:latin typeface="Arial" charset="0"/>
-              </a:rPr>
-              <a:t>Den W3C-Note-Standard vollenden und veröffentlichen</a:t>
-            </a:r>
-          </a:p>
-          <a:p>
-            <a:pPr marL="800067" lvl="1" indent="-342878" algn="l">
-              <a:lnSpc>
-                <a:spcPct val="150000"/>
-              </a:lnSpc>
-              <a:spcBef>
-                <a:spcPct val="0"/>
-              </a:spcBef>
-              <a:buFont typeface="Arial" pitchFamily="34" charset="0"/>
-              <a:buChar char="•"/>
-            </a:pPr>
-            <a:r>
-              <a:rPr lang="de-DE" sz="1600" dirty="0">
-                <a:solidFill>
-                  <a:srgbClr val="000000"/>
-                </a:solidFill>
-                <a:latin typeface="Arial" charset="0"/>
-              </a:rPr>
-              <a:t>Umsetzung im </a:t>
-            </a:r>
-            <a:r>
-              <a:rPr lang="de-DE" sz="1600" dirty="0" err="1">
-                <a:solidFill>
-                  <a:srgbClr val="000000"/>
-                </a:solidFill>
-                <a:latin typeface="Arial" charset="0"/>
-              </a:rPr>
-              <a:t>Escali</a:t>
-            </a:r>
-            <a:endParaRPr lang="de-DE" sz="1600" dirty="0">
-              <a:solidFill>
-                <a:srgbClr val="000000"/>
-              </a:solidFill>
-              <a:latin typeface="Arial" charset="0"/>
-            </a:endParaRPr>
-          </a:p>
-          <a:p>
-            <a:pPr marL="342878" indent="-342878" algn="l">
-              <a:spcBef>
-                <a:spcPct val="0"/>
-              </a:spcBef>
-              <a:buFont typeface="Arial" pitchFamily="34" charset="0"/>
-              <a:buChar char="•"/>
-            </a:pPr>
-            <a:endParaRPr lang="de-DE" sz="1200" dirty="0">
-              <a:solidFill>
-                <a:srgbClr val="000000"/>
-              </a:solidFill>
-              <a:latin typeface="Arial" charset="0"/>
-            </a:endParaRPr>
-          </a:p>
-          <a:p>
-            <a:pPr marL="342878" indent="-342878" algn="l">
-              <a:lnSpc>
-                <a:spcPct val="150000"/>
-              </a:lnSpc>
-              <a:spcBef>
-                <a:spcPct val="0"/>
-              </a:spcBef>
-              <a:buFont typeface="Arial" pitchFamily="34" charset="0"/>
-              <a:buChar char="•"/>
-            </a:pPr>
-            <a:r>
-              <a:rPr lang="de-DE" sz="2000" dirty="0">
-                <a:solidFill>
-                  <a:srgbClr val="000000"/>
-                </a:solidFill>
-                <a:latin typeface="Arial" charset="0"/>
-              </a:rPr>
-              <a:t>Support von </a:t>
-            </a:r>
-            <a:r>
-              <a:rPr lang="de-DE" sz="2000" dirty="0" err="1">
-                <a:solidFill>
-                  <a:srgbClr val="000000"/>
-                </a:solidFill>
-                <a:latin typeface="Arial" charset="0"/>
-              </a:rPr>
-              <a:t>Schematron</a:t>
-            </a:r>
-            <a:r>
-              <a:rPr lang="de-DE" sz="2000" dirty="0">
-                <a:solidFill>
-                  <a:srgbClr val="000000"/>
-                </a:solidFill>
-                <a:latin typeface="Arial" charset="0"/>
-              </a:rPr>
-              <a:t> 2016</a:t>
-            </a:r>
-          </a:p>
-          <a:p>
-            <a:pPr marL="342878" indent="-342878" algn="l">
-              <a:spcBef>
-                <a:spcPct val="0"/>
-              </a:spcBef>
-              <a:buFont typeface="Arial" pitchFamily="34" charset="0"/>
-              <a:buChar char="•"/>
-            </a:pPr>
-            <a:endParaRPr lang="de-DE" sz="1200" dirty="0">
-              <a:solidFill>
-                <a:srgbClr val="000000"/>
-              </a:solidFill>
-              <a:latin typeface="Arial" charset="0"/>
-            </a:endParaRPr>
-          </a:p>
-          <a:p>
-            <a:pPr marL="342878" indent="-342878" algn="l">
-              <a:lnSpc>
-                <a:spcPct val="150000"/>
-              </a:lnSpc>
-              <a:spcBef>
-                <a:spcPct val="0"/>
-              </a:spcBef>
-              <a:buFont typeface="Arial" pitchFamily="34" charset="0"/>
-              <a:buChar char="•"/>
-            </a:pPr>
-            <a:r>
-              <a:rPr lang="de-DE" sz="2000" dirty="0">
-                <a:solidFill>
-                  <a:srgbClr val="000000"/>
-                </a:solidFill>
-                <a:latin typeface="Arial" charset="0"/>
-              </a:rPr>
-              <a:t>Masterfiles-Validierung</a:t>
-            </a:r>
-          </a:p>
-          <a:p>
-            <a:pPr marL="342878" indent="-342878" algn="l">
-              <a:spcBef>
-                <a:spcPct val="0"/>
-              </a:spcBef>
-              <a:buFont typeface="Arial" pitchFamily="34" charset="0"/>
-              <a:buChar char="•"/>
-            </a:pPr>
-            <a:endParaRPr lang="de-DE" sz="1200" dirty="0">
-              <a:solidFill>
-                <a:srgbClr val="000000"/>
-              </a:solidFill>
-              <a:latin typeface="Arial" charset="0"/>
-            </a:endParaRPr>
-          </a:p>
-          <a:p>
-            <a:pPr marL="342878" indent="-342878" algn="l">
-              <a:lnSpc>
-                <a:spcPct val="150000"/>
-              </a:lnSpc>
-              <a:spcBef>
-                <a:spcPct val="0"/>
-              </a:spcBef>
-              <a:buFont typeface="Arial" pitchFamily="34" charset="0"/>
-              <a:buChar char="•"/>
-            </a:pPr>
-            <a:r>
-              <a:rPr lang="de-DE" sz="2000" dirty="0">
-                <a:solidFill>
-                  <a:srgbClr val="000000"/>
-                </a:solidFill>
-                <a:latin typeface="Arial" charset="0"/>
-              </a:rPr>
-              <a:t>Weitere </a:t>
-            </a:r>
-            <a:r>
-              <a:rPr lang="de-DE" sz="2000" dirty="0" err="1" smtClean="0">
-                <a:solidFill>
-                  <a:srgbClr val="000000"/>
-                </a:solidFill>
-                <a:latin typeface="Arial" charset="0"/>
-              </a:rPr>
-              <a:t>Plugins</a:t>
-            </a:r>
-            <a:r>
-              <a:rPr lang="de-DE" sz="2000" dirty="0" smtClean="0">
-                <a:solidFill>
-                  <a:srgbClr val="000000"/>
-                </a:solidFill>
-                <a:latin typeface="Arial" charset="0"/>
-              </a:rPr>
-              <a:t> </a:t>
-            </a:r>
-            <a:r>
-              <a:rPr lang="de-DE" sz="2000" dirty="0">
-                <a:solidFill>
-                  <a:srgbClr val="000000"/>
-                </a:solidFill>
-                <a:latin typeface="Arial" charset="0"/>
-              </a:rPr>
-              <a:t>in anderen </a:t>
-            </a:r>
-            <a:r>
-              <a:rPr lang="de-DE" sz="2000" dirty="0" smtClean="0">
-                <a:solidFill>
-                  <a:srgbClr val="000000"/>
-                </a:solidFill>
-                <a:latin typeface="Arial" charset="0"/>
-              </a:rPr>
-              <a:t>Editoren</a:t>
-            </a:r>
-            <a:endParaRPr lang="de-DE" sz="2000" dirty="0">
-              <a:solidFill>
-                <a:srgbClr val="000000"/>
-              </a:solidFill>
-              <a:latin typeface="Arial" charset="0"/>
-            </a:endParaRPr>
-          </a:p>
-          <a:p>
-            <a:pPr marL="800067" lvl="1" indent="-342878" algn="l">
-              <a:lnSpc>
-                <a:spcPct val="150000"/>
-              </a:lnSpc>
-              <a:spcBef>
-                <a:spcPct val="0"/>
-              </a:spcBef>
-              <a:buFont typeface="Arial" pitchFamily="34" charset="0"/>
-              <a:buChar char="•"/>
-            </a:pPr>
-            <a:r>
-              <a:rPr lang="de-DE" sz="1600" dirty="0">
-                <a:solidFill>
-                  <a:srgbClr val="000000"/>
-                </a:solidFill>
-                <a:latin typeface="Arial" charset="0"/>
-              </a:rPr>
-              <a:t>Das </a:t>
-            </a:r>
-            <a:r>
-              <a:rPr lang="de-DE" sz="1600" dirty="0" err="1">
-                <a:solidFill>
-                  <a:srgbClr val="000000"/>
-                </a:solidFill>
-                <a:latin typeface="Arial" charset="0"/>
-              </a:rPr>
-              <a:t>Eclipse-Plugin</a:t>
-            </a:r>
-            <a:r>
-              <a:rPr lang="de-DE" sz="1600" dirty="0">
-                <a:solidFill>
-                  <a:srgbClr val="000000"/>
-                </a:solidFill>
-                <a:latin typeface="Arial" charset="0"/>
-              </a:rPr>
-              <a:t> ist so aufgesetzt, dass es relativ leicht in andere Editoren portiert werden kann (keine komplette Neuentwicklung</a:t>
-            </a:r>
-            <a:r>
-              <a:rPr lang="de-DE" sz="1600" dirty="0" smtClean="0">
-                <a:solidFill>
-                  <a:srgbClr val="000000"/>
-                </a:solidFill>
-                <a:latin typeface="Arial" charset="0"/>
-              </a:rPr>
-              <a:t>)</a:t>
-            </a:r>
-          </a:p>
-          <a:p>
-            <a:pPr marL="800067" lvl="1" indent="-342878" algn="l">
-              <a:lnSpc>
-                <a:spcPct val="150000"/>
-              </a:lnSpc>
-              <a:spcBef>
-                <a:spcPct val="0"/>
-              </a:spcBef>
-              <a:buFont typeface="Arial" pitchFamily="34" charset="0"/>
-              <a:buChar char="•"/>
-            </a:pPr>
-            <a:r>
-              <a:rPr lang="de-DE" sz="1600" dirty="0" smtClean="0">
-                <a:solidFill>
-                  <a:srgbClr val="000000"/>
-                </a:solidFill>
-                <a:latin typeface="Arial" charset="0"/>
-              </a:rPr>
-              <a:t>Java-basiert</a:t>
-            </a:r>
-          </a:p>
-        </p:txBody>
-      </p:sp>
-    </p:spTree>
-    <p:extLst>
-      <p:ext uri="{BB962C8B-B14F-4D97-AF65-F5344CB8AC3E}">
-        <p14:creationId xmlns:p14="http://schemas.microsoft.com/office/powerpoint/2010/main" val="1676160690"/>
-      </p:ext>
-    </p:extLst>
-  </p:cSld>
-  <p:clrMapOvr>
-    <a:masterClrMapping/>
-  </p:clrMapOvr>
-  <p:timing>
-    <p:tnLst>
-      <p:par>
-        <p:cTn id="1" dur="indefinite" restart="never" nodeType="tmRoot">
-          <p:childTnLst>
-            <p:seq concurrent="1" nextAc="seek">
-              <p:cTn id="2" dur="indefinite" nodeType="mainSeq">
-                <p:childTnLst>
-                  <p:par>
-                    <p:cTn id="3" fill="hold">
-                      <p:stCondLst>
-                        <p:cond delay="indefinite"/>
-                        <p:cond evt="onBegin" delay="0">
-                          <p:tn val="2"/>
-                        </p:cond>
-                      </p:stCondLst>
-                      <p:childTnLst>
-                        <p:par>
-                          <p:cTn id="4" fill="hold">
-                            <p:stCondLst>
-                              <p:cond delay="0"/>
-                            </p:stCondLst>
-                            <p:childTnLst>
-                              <p:par>
-                                <p:cTn id="5" presetID="1" presetClass="entr" presetSubtype="0" fill="hold" nodeType="withEffect">
-                                  <p:stCondLst>
-                                    <p:cond delay="0"/>
-                                  </p:stCondLst>
-                                  <p:iterate type="lt">
-                                    <p:tmAbs val="0"/>
-                                  </p:iterate>
-                                  <p:childTnLst>
-                                    <p:set>
-                                      <p:cBhvr>
-                                        <p:cTn id="6" dur="1" fill="hold">
-                                          <p:stCondLst>
-                                            <p:cond delay="0"/>
-                                          </p:stCondLst>
-                                        </p:cTn>
-                                        <p:tgtEl>
-                                          <p:spTgt spid="4098">
-                                            <p:txEl>
-                                              <p:pRg st="0" end="0"/>
-                                            </p:txEl>
-                                          </p:spTgt>
-                                        </p:tgtEl>
-                                        <p:attrNameLst>
-                                          <p:attrName>style.visibility</p:attrName>
-                                        </p:attrNameLst>
-                                      </p:cBhvr>
-                                      <p:to>
-                                        <p:strVal val="visible"/>
-                                      </p:to>
-                                    </p:set>
-                                  </p:childTnLst>
-                                </p:cTn>
-                              </p:par>
-                              <p:par>
-                                <p:cTn id="7" presetID="1" presetClass="entr" presetSubtype="0" fill="hold" nodeType="withEffect">
-                                  <p:stCondLst>
-                                    <p:cond delay="0"/>
-                                  </p:stCondLst>
-                                  <p:iterate type="lt">
-                                    <p:tmAbs val="0"/>
-                                  </p:iterate>
-                                  <p:childTnLst>
-                                    <p:set>
-                                      <p:cBhvr>
-                                        <p:cTn id="8" dur="1" fill="hold">
-                                          <p:stCondLst>
-                                            <p:cond delay="0"/>
-                                          </p:stCondLst>
-                                        </p:cTn>
-                                        <p:tgtEl>
-                                          <p:spTgt spid="4098">
-                                            <p:txEl>
-                                              <p:pRg st="1" end="1"/>
-                                            </p:txEl>
-                                          </p:spTgt>
-                                        </p:tgtEl>
-                                        <p:attrNameLst>
-                                          <p:attrName>style.visibility</p:attrName>
-                                        </p:attrNameLst>
-                                      </p:cBhvr>
-                                      <p:to>
-                                        <p:strVal val="visible"/>
-                                      </p:to>
-                                    </p:set>
-                                  </p:childTnLst>
-                                </p:cTn>
-                              </p:par>
-                              <p:par>
-                                <p:cTn id="9" presetID="1" presetClass="entr" presetSubtype="0" fill="hold" nodeType="withEffect">
-                                  <p:stCondLst>
-                                    <p:cond delay="0"/>
-                                  </p:stCondLst>
-                                  <p:iterate type="lt">
-                                    <p:tmAbs val="0"/>
-                                  </p:iterate>
-                                  <p:childTnLst>
-                                    <p:set>
-                                      <p:cBhvr>
-                                        <p:cTn id="10" dur="1" fill="hold">
-                                          <p:stCondLst>
-                                            <p:cond delay="0"/>
-                                          </p:stCondLst>
-                                        </p:cTn>
-                                        <p:tgtEl>
-                                          <p:spTgt spid="4098">
-                                            <p:txEl>
-                                              <p:pRg st="2" end="2"/>
-                                            </p:txEl>
-                                          </p:spTgt>
-                                        </p:tgtEl>
-                                        <p:attrNameLst>
-                                          <p:attrName>style.visibility</p:attrName>
-                                        </p:attrNameLst>
-                                      </p:cBhvr>
-                                      <p:to>
-                                        <p:strVal val="visible"/>
-                                      </p:to>
-                                    </p:set>
-                                  </p:childTnLst>
-                                </p:cTn>
-                              </p:par>
-                            </p:childTnLst>
-                          </p:cTn>
-                        </p:par>
-                      </p:childTnLst>
-                    </p:cTn>
-                  </p:par>
-                  <p:par>
-                    <p:cTn id="11" fill="hold">
-                      <p:stCondLst>
-                        <p:cond delay="indefinite"/>
-                      </p:stCondLst>
-                      <p:childTnLst>
-                        <p:par>
-                          <p:cTn id="12" fill="hold">
-                            <p:stCondLst>
-                              <p:cond delay="0"/>
-                            </p:stCondLst>
-                            <p:childTnLst>
-                              <p:par>
-                                <p:cTn id="13" presetID="1" presetClass="entr" presetSubtype="0" fill="hold" nodeType="clickEffect">
-                                  <p:stCondLst>
-                                    <p:cond delay="0"/>
-                                  </p:stCondLst>
-                                  <p:iterate type="lt">
-                                    <p:tmAbs val="0"/>
-                                  </p:iterate>
-                                  <p:childTnLst>
-                                    <p:set>
-                                      <p:cBhvr>
-                                        <p:cTn id="14" dur="1" fill="hold">
-                                          <p:stCondLst>
-                                            <p:cond delay="0"/>
-                                          </p:stCondLst>
-                                        </p:cTn>
-                                        <p:tgtEl>
-                                          <p:spTgt spid="4098">
-                                            <p:txEl>
-                                              <p:pRg st="4" end="4"/>
-                                            </p:txEl>
-                                          </p:spTgt>
-                                        </p:tgtEl>
-                                        <p:attrNameLst>
-                                          <p:attrName>style.visibility</p:attrName>
-                                        </p:attrNameLst>
-                                      </p:cBhvr>
-                                      <p:to>
-                                        <p:strVal val="visible"/>
-                                      </p:to>
-                                    </p:set>
-                                  </p:childTnLst>
-                                </p:cTn>
-                              </p:par>
-                            </p:childTnLst>
-                          </p:cTn>
-                        </p:par>
-                      </p:childTnLst>
-                    </p:cTn>
-                  </p:par>
-                  <p:par>
-                    <p:cTn id="15" fill="hold">
-                      <p:stCondLst>
-                        <p:cond delay="indefinite"/>
-                      </p:stCondLst>
-                      <p:childTnLst>
-                        <p:par>
-                          <p:cTn id="16" fill="hold">
-                            <p:stCondLst>
-                              <p:cond delay="0"/>
-                            </p:stCondLst>
-                            <p:childTnLst>
-                              <p:par>
-                                <p:cTn id="17" presetID="1" presetClass="entr" presetSubtype="0" fill="hold" nodeType="clickEffect">
-                                  <p:stCondLst>
-                                    <p:cond delay="0"/>
-                                  </p:stCondLst>
-                                  <p:iterate type="lt">
-                                    <p:tmAbs val="0"/>
-                                  </p:iterate>
-                                  <p:childTnLst>
-                                    <p:set>
-                                      <p:cBhvr>
-                                        <p:cTn id="18" dur="1" fill="hold">
-                                          <p:stCondLst>
-                                            <p:cond delay="0"/>
-                                          </p:stCondLst>
-                                        </p:cTn>
-                                        <p:tgtEl>
-                                          <p:spTgt spid="4098">
-                                            <p:txEl>
-                                              <p:pRg st="6" end="6"/>
-                                            </p:txEl>
-                                          </p:spTgt>
-                                        </p:tgtEl>
-                                        <p:attrNameLst>
-                                          <p:attrName>style.visibility</p:attrName>
-                                        </p:attrNameLst>
-                                      </p:cBhvr>
-                                      <p:to>
-                                        <p:strVal val="visible"/>
-                                      </p:to>
-                                    </p:set>
-                                  </p:childTnLst>
-                                </p:cTn>
-                              </p:par>
-                            </p:childTnLst>
-                          </p:cTn>
-                        </p:par>
-                      </p:childTnLst>
-                    </p:cTn>
-                  </p:par>
-                  <p:par>
-                    <p:cTn id="19" fill="hold">
-                      <p:stCondLst>
-                        <p:cond delay="indefinite"/>
-                      </p:stCondLst>
-                      <p:childTnLst>
-                        <p:par>
-                          <p:cTn id="20" fill="hold">
-                            <p:stCondLst>
-                              <p:cond delay="0"/>
-                            </p:stCondLst>
-                            <p:childTnLst>
-                              <p:par>
-                                <p:cTn id="21" presetID="1" presetClass="entr" presetSubtype="0" fill="hold" nodeType="clickEffect">
-                                  <p:stCondLst>
-                                    <p:cond delay="0"/>
-                                  </p:stCondLst>
-                                  <p:iterate type="lt">
-                                    <p:tmAbs val="0"/>
-                                  </p:iterate>
-                                  <p:childTnLst>
-                                    <p:set>
-                                      <p:cBhvr>
-                                        <p:cTn id="22" dur="1" fill="hold">
-                                          <p:stCondLst>
-                                            <p:cond delay="0"/>
-                                          </p:stCondLst>
-                                        </p:cTn>
-                                        <p:tgtEl>
-                                          <p:spTgt spid="4098">
-                                            <p:txEl>
-                                              <p:pRg st="8" end="8"/>
-                                            </p:txEl>
-                                          </p:spTgt>
-                                        </p:tgtEl>
-                                        <p:attrNameLst>
-                                          <p:attrName>style.visibility</p:attrName>
-                                        </p:attrNameLst>
-                                      </p:cBhvr>
-                                      <p:to>
-                                        <p:strVal val="visible"/>
-                                      </p:to>
-                                    </p:set>
-                                  </p:childTnLst>
-                                </p:cTn>
-                              </p:par>
-                              <p:par>
-                                <p:cTn id="23" presetID="1" presetClass="entr" presetSubtype="0" fill="hold" nodeType="withEffect">
-                                  <p:stCondLst>
-                                    <p:cond delay="0"/>
-                                  </p:stCondLst>
-                                  <p:iterate type="lt">
-                                    <p:tmAbs val="0"/>
-                                  </p:iterate>
-                                  <p:childTnLst>
-                                    <p:set>
-                                      <p:cBhvr>
-                                        <p:cTn id="24" dur="1" fill="hold">
-                                          <p:stCondLst>
-                                            <p:cond delay="0"/>
-                                          </p:stCondLst>
-                                        </p:cTn>
-                                        <p:tgtEl>
-                                          <p:spTgt spid="4098">
-                                            <p:txEl>
-                                              <p:pRg st="9" end="9"/>
-                                            </p:txEl>
-                                          </p:spTgt>
-                                        </p:tgtEl>
-                                        <p:attrNameLst>
-                                          <p:attrName>style.visibility</p:attrName>
-                                        </p:attrNameLst>
-                                      </p:cBhvr>
-                                      <p:to>
-                                        <p:strVal val="visible"/>
-                                      </p:to>
-                                    </p:set>
-                                  </p:childTnLst>
-                                </p:cTn>
-                              </p:par>
-                              <p:par>
-                                <p:cTn id="25" presetID="1" presetClass="entr" presetSubtype="0" fill="hold" nodeType="withEffect">
-                                  <p:stCondLst>
-                                    <p:cond delay="0"/>
-                                  </p:stCondLst>
-                                  <p:iterate type="lt">
-                                    <p:tmAbs val="0"/>
-                                  </p:iterate>
-                                  <p:childTnLst>
-                                    <p:set>
-                                      <p:cBhvr>
-                                        <p:cTn id="26" dur="1" fill="hold">
-                                          <p:stCondLst>
-                                            <p:cond delay="0"/>
-                                          </p:stCondLst>
-                                        </p:cTn>
-                                        <p:tgtEl>
-                                          <p:spTgt spid="4098">
-                                            <p:txEl>
-                                              <p:pRg st="10" end="10"/>
-                                            </p:txEl>
-                                          </p:spTgt>
-                                        </p:tgtEl>
-                                        <p:attrNameLst>
-                                          <p:attrName>style.visibility</p:attrName>
-                                        </p:attrNameLst>
-                                      </p:cBhvr>
-                                      <p:to>
-                                        <p:strVal val="visible"/>
-                                      </p:to>
-                                    </p:set>
-                                  </p:childTnLst>
-                                </p:cTn>
-                              </p:par>
-                            </p:childTnLst>
-                          </p:cTn>
-                        </p:par>
-                      </p:childTnLst>
-                    </p:cTn>
-                  </p:par>
-                </p:childTnLst>
-              </p:cTn>
-              <p:prevCondLst>
-                <p:cond evt="onPrev" delay="0">
-                  <p:tgtEl>
-                    <p:sldTgt/>
-                  </p:tgtEl>
-                </p:cond>
-              </p:prevCondLst>
-              <p:nextCondLst>
-                <p:cond evt="onNext" delay="0">
-                  <p:tgtEl>
-                    <p:sldTgt/>
-                  </p:tgtEl>
-                </p:cond>
-              </p:nextCondLst>
-            </p:seq>
-          </p:childTnLst>
-        </p:cTn>
-      </p:par>
-    </p:tnLst>
-  </p:timing>
-</p:sld>
-</file>
-
 <file path=ppt/slides/slide4.xml><?xml version="1.0" encoding="utf-8"?>
 <p:sld xmlns:a="http://schemas.openxmlformats.org/drawingml/2006/main" xmlns:r="http://schemas.openxmlformats.org/officeDocument/2006/relationships" xmlns:p="http://schemas.openxmlformats.org/presentationml/2006/main">
   <p:cSld>
@@ -30671,6 +31751,97 @@
       </p:grpSpPr>
       <p:sp>
         <p:nvSpPr>
+          <p:cNvPr id="4098" name="Rectangle 2"/>
+          <p:cNvSpPr>
+            <a:spLocks noGrp="1" noChangeArrowheads="1"/>
+          </p:cNvSpPr>
+          <p:nvPr>
+            <p:ph type="subTitle" idx="1"/>
+          </p:nvPr>
+        </p:nvSpPr>
+        <p:spPr>
+          <a:xfrm>
+            <a:off x="936640" y="497638"/>
+            <a:ext cx="7190581" cy="6810995"/>
+          </a:xfrm>
+        </p:spPr>
+        <p:txBody>
+          <a:bodyPr vert="horz" wrap="square" lIns="0" tIns="0" rIns="0" bIns="0" numCol="1" anchor="ctr" anchorCtr="0" compatLnSpc="1">
+            <a:prstTxWarp prst="textNoShape">
+              <a:avLst/>
+            </a:prstTxWarp>
+          </a:bodyPr>
+          <a:lstStyle/>
+          <a:p>
+            <a:pPr>
+              <a:lnSpc>
+                <a:spcPct val="150000"/>
+              </a:lnSpc>
+              <a:spcBef>
+                <a:spcPct val="0"/>
+              </a:spcBef>
+            </a:pPr>
+            <a:r>
+              <a:rPr lang="de-DE" sz="3600" b="1" dirty="0" smtClean="0">
+                <a:solidFill>
+                  <a:srgbClr val="000077"/>
+                </a:solidFill>
+                <a:latin typeface="TheSansOffice" pitchFamily="34" charset="0"/>
+                <a:ea typeface="+mj-ea"/>
+                <a:cs typeface="+mj-cs"/>
+              </a:rPr>
+              <a:t>Ausblick</a:t>
+            </a:r>
+            <a:endParaRPr lang="de-DE" sz="3600" b="1" dirty="0">
+              <a:solidFill>
+                <a:srgbClr val="000077"/>
+              </a:solidFill>
+              <a:latin typeface="TheSansOffice" pitchFamily="34" charset="0"/>
+              <a:ea typeface="+mj-ea"/>
+              <a:cs typeface="+mj-cs"/>
+            </a:endParaRPr>
+          </a:p>
+        </p:txBody>
+      </p:sp>
+    </p:spTree>
+    <p:extLst>
+      <p:ext uri="{BB962C8B-B14F-4D97-AF65-F5344CB8AC3E}">
+        <p14:creationId xmlns:p14="http://schemas.microsoft.com/office/powerpoint/2010/main" val="2979811067"/>
+      </p:ext>
+    </p:extLst>
+  </p:cSld>
+  <p:clrMapOvr>
+    <a:masterClrMapping/>
+  </p:clrMapOvr>
+  <p:timing>
+    <p:tnLst>
+      <p:par>
+        <p:cTn id="1" dur="indefinite" restart="never" nodeType="tmRoot"/>
+      </p:par>
+    </p:tnLst>
+  </p:timing>
+</p:sld>
+</file>
+
+<file path=ppt/slides/slide41.xml><?xml version="1.0" encoding="utf-8"?>
+<p:sld xmlns:a="http://schemas.openxmlformats.org/drawingml/2006/main" xmlns:r="http://schemas.openxmlformats.org/officeDocument/2006/relationships" xmlns:p="http://schemas.openxmlformats.org/presentationml/2006/main">
+  <p:cSld>
+    <p:spTree>
+      <p:nvGrpSpPr>
+        <p:cNvPr id="1" name=""/>
+        <p:cNvGrpSpPr/>
+        <p:nvPr/>
+      </p:nvGrpSpPr>
+      <p:grpSpPr>
+        <a:xfrm>
+          <a:off x="0" y="0"/>
+          <a:ext cx="0" cy="0"/>
+          <a:chOff x="0" y="0"/>
+          <a:chExt cx="0" cy="0"/>
+        </a:xfrm>
+      </p:grpSpPr>
+      <p:sp>
+        <p:nvSpPr>
           <p:cNvPr id="4097" name="Rectangle 1"/>
           <p:cNvSpPr>
             <a:spLocks noGrp="1" noChangeArrowheads="1"/>
@@ -30702,7 +31873,7 @@
               <a:rPr lang="de-DE" sz="3600" dirty="0">
                 <a:latin typeface="TheSansOffice" pitchFamily="34" charset="0"/>
               </a:rPr>
-              <a:t>Weitere Links</a:t>
+              <a:t>Nächste Ziele</a:t>
             </a:r>
           </a:p>
         </p:txBody>
@@ -30748,6 +31919,791 @@
                 </a:solidFill>
                 <a:latin typeface="Arial" charset="0"/>
               </a:rPr>
+              <a:t>Lokalisierung von SQF</a:t>
+            </a:r>
+          </a:p>
+          <a:p>
+            <a:pPr marL="800067" lvl="1" indent="-342878" algn="l">
+              <a:lnSpc>
+                <a:spcPct val="150000"/>
+              </a:lnSpc>
+              <a:spcBef>
+                <a:spcPct val="0"/>
+              </a:spcBef>
+              <a:buFont typeface="Arial" pitchFamily="34" charset="0"/>
+              <a:buChar char="•"/>
+            </a:pPr>
+            <a:r>
+              <a:rPr lang="de-DE" sz="1600" dirty="0">
+                <a:solidFill>
+                  <a:srgbClr val="000000"/>
+                </a:solidFill>
+                <a:latin typeface="Arial" charset="0"/>
+              </a:rPr>
+              <a:t>Den W3C-Note-Standard vollenden und veröffentlichen</a:t>
+            </a:r>
+          </a:p>
+          <a:p>
+            <a:pPr marL="800067" lvl="1" indent="-342878" algn="l">
+              <a:lnSpc>
+                <a:spcPct val="150000"/>
+              </a:lnSpc>
+              <a:spcBef>
+                <a:spcPct val="0"/>
+              </a:spcBef>
+              <a:buFont typeface="Arial" pitchFamily="34" charset="0"/>
+              <a:buChar char="•"/>
+            </a:pPr>
+            <a:r>
+              <a:rPr lang="de-DE" sz="1600" dirty="0">
+                <a:solidFill>
+                  <a:srgbClr val="000000"/>
+                </a:solidFill>
+                <a:latin typeface="Arial" charset="0"/>
+              </a:rPr>
+              <a:t>Umsetzung im </a:t>
+            </a:r>
+            <a:r>
+              <a:rPr lang="de-DE" sz="1600" dirty="0" err="1">
+                <a:solidFill>
+                  <a:srgbClr val="000000"/>
+                </a:solidFill>
+                <a:latin typeface="Arial" charset="0"/>
+              </a:rPr>
+              <a:t>Escali</a:t>
+            </a:r>
+            <a:endParaRPr lang="de-DE" sz="1600" dirty="0">
+              <a:solidFill>
+                <a:srgbClr val="000000"/>
+              </a:solidFill>
+              <a:latin typeface="Arial" charset="0"/>
+            </a:endParaRPr>
+          </a:p>
+          <a:p>
+            <a:pPr marL="342878" indent="-342878" algn="l">
+              <a:spcBef>
+                <a:spcPct val="0"/>
+              </a:spcBef>
+              <a:buFont typeface="Arial" pitchFamily="34" charset="0"/>
+              <a:buChar char="•"/>
+            </a:pPr>
+            <a:endParaRPr lang="de-DE" sz="1200" dirty="0">
+              <a:solidFill>
+                <a:srgbClr val="000000"/>
+              </a:solidFill>
+              <a:latin typeface="Arial" charset="0"/>
+            </a:endParaRPr>
+          </a:p>
+          <a:p>
+            <a:pPr marL="342878" indent="-342878" algn="l">
+              <a:lnSpc>
+                <a:spcPct val="150000"/>
+              </a:lnSpc>
+              <a:spcBef>
+                <a:spcPct val="0"/>
+              </a:spcBef>
+              <a:buFont typeface="Arial" pitchFamily="34" charset="0"/>
+              <a:buChar char="•"/>
+            </a:pPr>
+            <a:r>
+              <a:rPr lang="de-DE" sz="2000" dirty="0">
+                <a:solidFill>
+                  <a:srgbClr val="000000"/>
+                </a:solidFill>
+                <a:latin typeface="Arial" charset="0"/>
+              </a:rPr>
+              <a:t>Support von </a:t>
+            </a:r>
+            <a:r>
+              <a:rPr lang="de-DE" sz="2000" dirty="0" err="1">
+                <a:solidFill>
+                  <a:srgbClr val="000000"/>
+                </a:solidFill>
+                <a:latin typeface="Arial" charset="0"/>
+              </a:rPr>
+              <a:t>Schematron</a:t>
+            </a:r>
+            <a:r>
+              <a:rPr lang="de-DE" sz="2000" dirty="0">
+                <a:solidFill>
+                  <a:srgbClr val="000000"/>
+                </a:solidFill>
+                <a:latin typeface="Arial" charset="0"/>
+              </a:rPr>
+              <a:t> 2016</a:t>
+            </a:r>
+          </a:p>
+          <a:p>
+            <a:pPr marL="342878" indent="-342878" algn="l">
+              <a:spcBef>
+                <a:spcPct val="0"/>
+              </a:spcBef>
+              <a:buFont typeface="Arial" pitchFamily="34" charset="0"/>
+              <a:buChar char="•"/>
+            </a:pPr>
+            <a:endParaRPr lang="de-DE" sz="1200" dirty="0">
+              <a:solidFill>
+                <a:srgbClr val="000000"/>
+              </a:solidFill>
+              <a:latin typeface="Arial" charset="0"/>
+            </a:endParaRPr>
+          </a:p>
+          <a:p>
+            <a:pPr marL="342878" indent="-342878" algn="l">
+              <a:lnSpc>
+                <a:spcPct val="150000"/>
+              </a:lnSpc>
+              <a:spcBef>
+                <a:spcPct val="0"/>
+              </a:spcBef>
+              <a:buFont typeface="Arial" pitchFamily="34" charset="0"/>
+              <a:buChar char="•"/>
+            </a:pPr>
+            <a:r>
+              <a:rPr lang="de-DE" sz="2000" dirty="0">
+                <a:solidFill>
+                  <a:srgbClr val="000000"/>
+                </a:solidFill>
+                <a:latin typeface="Arial" charset="0"/>
+              </a:rPr>
+              <a:t>Masterfiles-Validierung</a:t>
+            </a:r>
+          </a:p>
+          <a:p>
+            <a:pPr marL="342878" indent="-342878" algn="l">
+              <a:spcBef>
+                <a:spcPct val="0"/>
+              </a:spcBef>
+              <a:buFont typeface="Arial" pitchFamily="34" charset="0"/>
+              <a:buChar char="•"/>
+            </a:pPr>
+            <a:endParaRPr lang="de-DE" sz="1200" dirty="0">
+              <a:solidFill>
+                <a:srgbClr val="000000"/>
+              </a:solidFill>
+              <a:latin typeface="Arial" charset="0"/>
+            </a:endParaRPr>
+          </a:p>
+          <a:p>
+            <a:pPr marL="342878" indent="-342878" algn="l">
+              <a:lnSpc>
+                <a:spcPct val="150000"/>
+              </a:lnSpc>
+              <a:spcBef>
+                <a:spcPct val="0"/>
+              </a:spcBef>
+              <a:buFont typeface="Arial" pitchFamily="34" charset="0"/>
+              <a:buChar char="•"/>
+            </a:pPr>
+            <a:r>
+              <a:rPr lang="de-DE" sz="2000" dirty="0">
+                <a:solidFill>
+                  <a:srgbClr val="000000"/>
+                </a:solidFill>
+                <a:latin typeface="Arial" charset="0"/>
+              </a:rPr>
+              <a:t>Weitere </a:t>
+            </a:r>
+            <a:r>
+              <a:rPr lang="de-DE" sz="2000" dirty="0" err="1" smtClean="0">
+                <a:solidFill>
+                  <a:srgbClr val="000000"/>
+                </a:solidFill>
+                <a:latin typeface="Arial" charset="0"/>
+              </a:rPr>
+              <a:t>Plugins</a:t>
+            </a:r>
+            <a:r>
+              <a:rPr lang="de-DE" sz="2000" dirty="0" smtClean="0">
+                <a:solidFill>
+                  <a:srgbClr val="000000"/>
+                </a:solidFill>
+                <a:latin typeface="Arial" charset="0"/>
+              </a:rPr>
+              <a:t> </a:t>
+            </a:r>
+            <a:r>
+              <a:rPr lang="de-DE" sz="2000" dirty="0">
+                <a:solidFill>
+                  <a:srgbClr val="000000"/>
+                </a:solidFill>
+                <a:latin typeface="Arial" charset="0"/>
+              </a:rPr>
+              <a:t>in anderen </a:t>
+            </a:r>
+            <a:r>
+              <a:rPr lang="de-DE" sz="2000" dirty="0" smtClean="0">
+                <a:solidFill>
+                  <a:srgbClr val="000000"/>
+                </a:solidFill>
+                <a:latin typeface="Arial" charset="0"/>
+              </a:rPr>
+              <a:t>Editoren</a:t>
+            </a:r>
+            <a:endParaRPr lang="de-DE" sz="2000" dirty="0">
+              <a:solidFill>
+                <a:srgbClr val="000000"/>
+              </a:solidFill>
+              <a:latin typeface="Arial" charset="0"/>
+            </a:endParaRPr>
+          </a:p>
+          <a:p>
+            <a:pPr marL="800067" lvl="1" indent="-342878" algn="l">
+              <a:lnSpc>
+                <a:spcPct val="150000"/>
+              </a:lnSpc>
+              <a:spcBef>
+                <a:spcPct val="0"/>
+              </a:spcBef>
+              <a:buFont typeface="Arial" pitchFamily="34" charset="0"/>
+              <a:buChar char="•"/>
+            </a:pPr>
+            <a:r>
+              <a:rPr lang="de-DE" sz="1600" dirty="0">
+                <a:solidFill>
+                  <a:srgbClr val="000000"/>
+                </a:solidFill>
+                <a:latin typeface="Arial" charset="0"/>
+              </a:rPr>
+              <a:t>Das </a:t>
+            </a:r>
+            <a:r>
+              <a:rPr lang="de-DE" sz="1600" dirty="0" err="1">
+                <a:solidFill>
+                  <a:srgbClr val="000000"/>
+                </a:solidFill>
+                <a:latin typeface="Arial" charset="0"/>
+              </a:rPr>
+              <a:t>Eclipse-Plugin</a:t>
+            </a:r>
+            <a:r>
+              <a:rPr lang="de-DE" sz="1600" dirty="0">
+                <a:solidFill>
+                  <a:srgbClr val="000000"/>
+                </a:solidFill>
+                <a:latin typeface="Arial" charset="0"/>
+              </a:rPr>
+              <a:t> ist so aufgesetzt, dass es relativ leicht in andere Editoren portiert werden kann (keine komplette Neuentwicklung</a:t>
+            </a:r>
+            <a:r>
+              <a:rPr lang="de-DE" sz="1600" dirty="0" smtClean="0">
+                <a:solidFill>
+                  <a:srgbClr val="000000"/>
+                </a:solidFill>
+                <a:latin typeface="Arial" charset="0"/>
+              </a:rPr>
+              <a:t>)</a:t>
+            </a:r>
+          </a:p>
+          <a:p>
+            <a:pPr marL="800067" lvl="1" indent="-342878" algn="l">
+              <a:lnSpc>
+                <a:spcPct val="150000"/>
+              </a:lnSpc>
+              <a:spcBef>
+                <a:spcPct val="0"/>
+              </a:spcBef>
+              <a:buFont typeface="Arial" pitchFamily="34" charset="0"/>
+              <a:buChar char="•"/>
+            </a:pPr>
+            <a:r>
+              <a:rPr lang="de-DE" sz="1600" dirty="0" smtClean="0">
+                <a:solidFill>
+                  <a:srgbClr val="000000"/>
+                </a:solidFill>
+                <a:latin typeface="Arial" charset="0"/>
+              </a:rPr>
+              <a:t>Java-basiert</a:t>
+            </a:r>
+          </a:p>
+        </p:txBody>
+      </p:sp>
+    </p:spTree>
+    <p:extLst>
+      <p:ext uri="{BB962C8B-B14F-4D97-AF65-F5344CB8AC3E}">
+        <p14:creationId xmlns:p14="http://schemas.microsoft.com/office/powerpoint/2010/main" val="1676160690"/>
+      </p:ext>
+    </p:extLst>
+  </p:cSld>
+  <p:clrMapOvr>
+    <a:masterClrMapping/>
+  </p:clrMapOvr>
+  <p:timing>
+    <p:tnLst>
+      <p:par>
+        <p:cTn id="1" dur="indefinite" restart="never" nodeType="tmRoot">
+          <p:childTnLst>
+            <p:seq concurrent="1" nextAc="seek">
+              <p:cTn id="2" dur="indefinite" nodeType="mainSeq">
+                <p:childTnLst>
+                  <p:par>
+                    <p:cTn id="3" fill="hold">
+                      <p:stCondLst>
+                        <p:cond delay="indefinite"/>
+                        <p:cond evt="onBegin" delay="0">
+                          <p:tn val="2"/>
+                        </p:cond>
+                      </p:stCondLst>
+                      <p:childTnLst>
+                        <p:par>
+                          <p:cTn id="4" fill="hold">
+                            <p:stCondLst>
+                              <p:cond delay="0"/>
+                            </p:stCondLst>
+                            <p:childTnLst>
+                              <p:par>
+                                <p:cTn id="5" presetID="1" presetClass="entr" presetSubtype="0" fill="hold" nodeType="withEffect">
+                                  <p:stCondLst>
+                                    <p:cond delay="0"/>
+                                  </p:stCondLst>
+                                  <p:iterate type="lt">
+                                    <p:tmAbs val="0"/>
+                                  </p:iterate>
+                                  <p:childTnLst>
+                                    <p:set>
+                                      <p:cBhvr>
+                                        <p:cTn id="6" dur="1" fill="hold">
+                                          <p:stCondLst>
+                                            <p:cond delay="0"/>
+                                          </p:stCondLst>
+                                        </p:cTn>
+                                        <p:tgtEl>
+                                          <p:spTgt spid="4098">
+                                            <p:txEl>
+                                              <p:pRg st="0" end="0"/>
+                                            </p:txEl>
+                                          </p:spTgt>
+                                        </p:tgtEl>
+                                        <p:attrNameLst>
+                                          <p:attrName>style.visibility</p:attrName>
+                                        </p:attrNameLst>
+                                      </p:cBhvr>
+                                      <p:to>
+                                        <p:strVal val="visible"/>
+                                      </p:to>
+                                    </p:set>
+                                  </p:childTnLst>
+                                </p:cTn>
+                              </p:par>
+                              <p:par>
+                                <p:cTn id="7" presetID="1" presetClass="entr" presetSubtype="0" fill="hold" nodeType="withEffect">
+                                  <p:stCondLst>
+                                    <p:cond delay="0"/>
+                                  </p:stCondLst>
+                                  <p:iterate type="lt">
+                                    <p:tmAbs val="0"/>
+                                  </p:iterate>
+                                  <p:childTnLst>
+                                    <p:set>
+                                      <p:cBhvr>
+                                        <p:cTn id="8" dur="1" fill="hold">
+                                          <p:stCondLst>
+                                            <p:cond delay="0"/>
+                                          </p:stCondLst>
+                                        </p:cTn>
+                                        <p:tgtEl>
+                                          <p:spTgt spid="4098">
+                                            <p:txEl>
+                                              <p:pRg st="1" end="1"/>
+                                            </p:txEl>
+                                          </p:spTgt>
+                                        </p:tgtEl>
+                                        <p:attrNameLst>
+                                          <p:attrName>style.visibility</p:attrName>
+                                        </p:attrNameLst>
+                                      </p:cBhvr>
+                                      <p:to>
+                                        <p:strVal val="visible"/>
+                                      </p:to>
+                                    </p:set>
+                                  </p:childTnLst>
+                                </p:cTn>
+                              </p:par>
+                              <p:par>
+                                <p:cTn id="9" presetID="1" presetClass="entr" presetSubtype="0" fill="hold" nodeType="withEffect">
+                                  <p:stCondLst>
+                                    <p:cond delay="0"/>
+                                  </p:stCondLst>
+                                  <p:iterate type="lt">
+                                    <p:tmAbs val="0"/>
+                                  </p:iterate>
+                                  <p:childTnLst>
+                                    <p:set>
+                                      <p:cBhvr>
+                                        <p:cTn id="10" dur="1" fill="hold">
+                                          <p:stCondLst>
+                                            <p:cond delay="0"/>
+                                          </p:stCondLst>
+                                        </p:cTn>
+                                        <p:tgtEl>
+                                          <p:spTgt spid="4098">
+                                            <p:txEl>
+                                              <p:pRg st="2" end="2"/>
+                                            </p:txEl>
+                                          </p:spTgt>
+                                        </p:tgtEl>
+                                        <p:attrNameLst>
+                                          <p:attrName>style.visibility</p:attrName>
+                                        </p:attrNameLst>
+                                      </p:cBhvr>
+                                      <p:to>
+                                        <p:strVal val="visible"/>
+                                      </p:to>
+                                    </p:set>
+                                  </p:childTnLst>
+                                </p:cTn>
+                              </p:par>
+                            </p:childTnLst>
+                          </p:cTn>
+                        </p:par>
+                      </p:childTnLst>
+                    </p:cTn>
+                  </p:par>
+                  <p:par>
+                    <p:cTn id="11" fill="hold">
+                      <p:stCondLst>
+                        <p:cond delay="indefinite"/>
+                      </p:stCondLst>
+                      <p:childTnLst>
+                        <p:par>
+                          <p:cTn id="12" fill="hold">
+                            <p:stCondLst>
+                              <p:cond delay="0"/>
+                            </p:stCondLst>
+                            <p:childTnLst>
+                              <p:par>
+                                <p:cTn id="13" presetID="1" presetClass="entr" presetSubtype="0" fill="hold" nodeType="clickEffect">
+                                  <p:stCondLst>
+                                    <p:cond delay="0"/>
+                                  </p:stCondLst>
+                                  <p:iterate type="lt">
+                                    <p:tmAbs val="0"/>
+                                  </p:iterate>
+                                  <p:childTnLst>
+                                    <p:set>
+                                      <p:cBhvr>
+                                        <p:cTn id="14" dur="1" fill="hold">
+                                          <p:stCondLst>
+                                            <p:cond delay="0"/>
+                                          </p:stCondLst>
+                                        </p:cTn>
+                                        <p:tgtEl>
+                                          <p:spTgt spid="4098">
+                                            <p:txEl>
+                                              <p:pRg st="4" end="4"/>
+                                            </p:txEl>
+                                          </p:spTgt>
+                                        </p:tgtEl>
+                                        <p:attrNameLst>
+                                          <p:attrName>style.visibility</p:attrName>
+                                        </p:attrNameLst>
+                                      </p:cBhvr>
+                                      <p:to>
+                                        <p:strVal val="visible"/>
+                                      </p:to>
+                                    </p:set>
+                                  </p:childTnLst>
+                                </p:cTn>
+                              </p:par>
+                            </p:childTnLst>
+                          </p:cTn>
+                        </p:par>
+                      </p:childTnLst>
+                    </p:cTn>
+                  </p:par>
+                  <p:par>
+                    <p:cTn id="15" fill="hold">
+                      <p:stCondLst>
+                        <p:cond delay="indefinite"/>
+                      </p:stCondLst>
+                      <p:childTnLst>
+                        <p:par>
+                          <p:cTn id="16" fill="hold">
+                            <p:stCondLst>
+                              <p:cond delay="0"/>
+                            </p:stCondLst>
+                            <p:childTnLst>
+                              <p:par>
+                                <p:cTn id="17" presetID="1" presetClass="entr" presetSubtype="0" fill="hold" nodeType="clickEffect">
+                                  <p:stCondLst>
+                                    <p:cond delay="0"/>
+                                  </p:stCondLst>
+                                  <p:iterate type="lt">
+                                    <p:tmAbs val="0"/>
+                                  </p:iterate>
+                                  <p:childTnLst>
+                                    <p:set>
+                                      <p:cBhvr>
+                                        <p:cTn id="18" dur="1" fill="hold">
+                                          <p:stCondLst>
+                                            <p:cond delay="0"/>
+                                          </p:stCondLst>
+                                        </p:cTn>
+                                        <p:tgtEl>
+                                          <p:spTgt spid="4098">
+                                            <p:txEl>
+                                              <p:pRg st="6" end="6"/>
+                                            </p:txEl>
+                                          </p:spTgt>
+                                        </p:tgtEl>
+                                        <p:attrNameLst>
+                                          <p:attrName>style.visibility</p:attrName>
+                                        </p:attrNameLst>
+                                      </p:cBhvr>
+                                      <p:to>
+                                        <p:strVal val="visible"/>
+                                      </p:to>
+                                    </p:set>
+                                  </p:childTnLst>
+                                </p:cTn>
+                              </p:par>
+                            </p:childTnLst>
+                          </p:cTn>
+                        </p:par>
+                      </p:childTnLst>
+                    </p:cTn>
+                  </p:par>
+                  <p:par>
+                    <p:cTn id="19" fill="hold">
+                      <p:stCondLst>
+                        <p:cond delay="indefinite"/>
+                      </p:stCondLst>
+                      <p:childTnLst>
+                        <p:par>
+                          <p:cTn id="20" fill="hold">
+                            <p:stCondLst>
+                              <p:cond delay="0"/>
+                            </p:stCondLst>
+                            <p:childTnLst>
+                              <p:par>
+                                <p:cTn id="21" presetID="1" presetClass="entr" presetSubtype="0" fill="hold" nodeType="clickEffect">
+                                  <p:stCondLst>
+                                    <p:cond delay="0"/>
+                                  </p:stCondLst>
+                                  <p:iterate type="lt">
+                                    <p:tmAbs val="0"/>
+                                  </p:iterate>
+                                  <p:childTnLst>
+                                    <p:set>
+                                      <p:cBhvr>
+                                        <p:cTn id="22" dur="1" fill="hold">
+                                          <p:stCondLst>
+                                            <p:cond delay="0"/>
+                                          </p:stCondLst>
+                                        </p:cTn>
+                                        <p:tgtEl>
+                                          <p:spTgt spid="4098">
+                                            <p:txEl>
+                                              <p:pRg st="8" end="8"/>
+                                            </p:txEl>
+                                          </p:spTgt>
+                                        </p:tgtEl>
+                                        <p:attrNameLst>
+                                          <p:attrName>style.visibility</p:attrName>
+                                        </p:attrNameLst>
+                                      </p:cBhvr>
+                                      <p:to>
+                                        <p:strVal val="visible"/>
+                                      </p:to>
+                                    </p:set>
+                                  </p:childTnLst>
+                                </p:cTn>
+                              </p:par>
+                              <p:par>
+                                <p:cTn id="23" presetID="1" presetClass="entr" presetSubtype="0" fill="hold" nodeType="withEffect">
+                                  <p:stCondLst>
+                                    <p:cond delay="0"/>
+                                  </p:stCondLst>
+                                  <p:iterate type="lt">
+                                    <p:tmAbs val="0"/>
+                                  </p:iterate>
+                                  <p:childTnLst>
+                                    <p:set>
+                                      <p:cBhvr>
+                                        <p:cTn id="24" dur="1" fill="hold">
+                                          <p:stCondLst>
+                                            <p:cond delay="0"/>
+                                          </p:stCondLst>
+                                        </p:cTn>
+                                        <p:tgtEl>
+                                          <p:spTgt spid="4098">
+                                            <p:txEl>
+                                              <p:pRg st="9" end="9"/>
+                                            </p:txEl>
+                                          </p:spTgt>
+                                        </p:tgtEl>
+                                        <p:attrNameLst>
+                                          <p:attrName>style.visibility</p:attrName>
+                                        </p:attrNameLst>
+                                      </p:cBhvr>
+                                      <p:to>
+                                        <p:strVal val="visible"/>
+                                      </p:to>
+                                    </p:set>
+                                  </p:childTnLst>
+                                </p:cTn>
+                              </p:par>
+                              <p:par>
+                                <p:cTn id="25" presetID="1" presetClass="entr" presetSubtype="0" fill="hold" nodeType="withEffect">
+                                  <p:stCondLst>
+                                    <p:cond delay="0"/>
+                                  </p:stCondLst>
+                                  <p:iterate type="lt">
+                                    <p:tmAbs val="0"/>
+                                  </p:iterate>
+                                  <p:childTnLst>
+                                    <p:set>
+                                      <p:cBhvr>
+                                        <p:cTn id="26" dur="1" fill="hold">
+                                          <p:stCondLst>
+                                            <p:cond delay="0"/>
+                                          </p:stCondLst>
+                                        </p:cTn>
+                                        <p:tgtEl>
+                                          <p:spTgt spid="4098">
+                                            <p:txEl>
+                                              <p:pRg st="10" end="10"/>
+                                            </p:txEl>
+                                          </p:spTgt>
+                                        </p:tgtEl>
+                                        <p:attrNameLst>
+                                          <p:attrName>style.visibility</p:attrName>
+                                        </p:attrNameLst>
+                                      </p:cBhvr>
+                                      <p:to>
+                                        <p:strVal val="visible"/>
+                                      </p:to>
+                                    </p:set>
+                                  </p:childTnLst>
+                                </p:cTn>
+                              </p:par>
+                            </p:childTnLst>
+                          </p:cTn>
+                        </p:par>
+                      </p:childTnLst>
+                    </p:cTn>
+                  </p:par>
+                </p:childTnLst>
+              </p:cTn>
+              <p:prevCondLst>
+                <p:cond evt="onPrev" delay="0">
+                  <p:tgtEl>
+                    <p:sldTgt/>
+                  </p:tgtEl>
+                </p:cond>
+              </p:prevCondLst>
+              <p:nextCondLst>
+                <p:cond evt="onNext" delay="0">
+                  <p:tgtEl>
+                    <p:sldTgt/>
+                  </p:tgtEl>
+                </p:cond>
+              </p:nextCondLst>
+            </p:seq>
+          </p:childTnLst>
+        </p:cTn>
+      </p:par>
+    </p:tnLst>
+  </p:timing>
+</p:sld>
+</file>
+
+<file path=ppt/slides/slide42.xml><?xml version="1.0" encoding="utf-8"?>
+<p:sld xmlns:a="http://schemas.openxmlformats.org/drawingml/2006/main" xmlns:r="http://schemas.openxmlformats.org/officeDocument/2006/relationships" xmlns:p="http://schemas.openxmlformats.org/presentationml/2006/main">
+  <p:cSld>
+    <p:spTree>
+      <p:nvGrpSpPr>
+        <p:cNvPr id="1" name=""/>
+        <p:cNvGrpSpPr/>
+        <p:nvPr/>
+      </p:nvGrpSpPr>
+      <p:grpSpPr>
+        <a:xfrm>
+          <a:off x="0" y="0"/>
+          <a:ext cx="0" cy="0"/>
+          <a:chOff x="0" y="0"/>
+          <a:chExt cx="0" cy="0"/>
+        </a:xfrm>
+      </p:grpSpPr>
+      <p:sp>
+        <p:nvSpPr>
+          <p:cNvPr id="4097" name="Rectangle 1"/>
+          <p:cNvSpPr>
+            <a:spLocks noGrp="1" noChangeArrowheads="1"/>
+          </p:cNvSpPr>
+          <p:nvPr>
+            <p:ph type="ctrTitle"/>
+          </p:nvPr>
+        </p:nvSpPr>
+        <p:spPr>
+          <a:xfrm>
+            <a:off x="831528" y="495306"/>
+            <a:ext cx="6840760" cy="761653"/>
+          </a:xfrm>
+        </p:spPr>
+        <p:txBody>
+          <a:bodyPr vert="horz" wrap="square" lIns="0" tIns="0" rIns="0" bIns="0" numCol="1" anchor="t" anchorCtr="0" compatLnSpc="1">
+            <a:prstTxWarp prst="textNoShape">
+              <a:avLst/>
+            </a:prstTxWarp>
+          </a:bodyPr>
+          <a:lstStyle/>
+          <a:p>
+            <a:pPr algn="l">
+              <a:lnSpc>
+                <a:spcPct val="95000"/>
+              </a:lnSpc>
+            </a:pPr>
+            <a:r>
+              <a:rPr lang="de-DE" sz="3600" dirty="0">
+                <a:latin typeface="TheSansOffice" pitchFamily="34" charset="0"/>
+              </a:rPr>
+              <a:t>Weitere Links</a:t>
+            </a:r>
+          </a:p>
+        </p:txBody>
+      </p:sp>
+      <p:sp>
+        <p:nvSpPr>
+          <p:cNvPr id="4098" name="Rectangle 2"/>
+          <p:cNvSpPr>
+            <a:spLocks noGrp="1" noChangeArrowheads="1"/>
+          </p:cNvSpPr>
+          <p:nvPr>
+            <p:ph type="subTitle" idx="1"/>
+          </p:nvPr>
+        </p:nvSpPr>
+        <p:spPr>
+          <a:xfrm>
+            <a:off x="936640" y="1361735"/>
+            <a:ext cx="7190581" cy="5946899"/>
+          </a:xfrm>
+        </p:spPr>
+        <p:txBody>
+          <a:bodyPr vert="horz" wrap="square" lIns="0" tIns="0" rIns="0" bIns="0" numCol="1" anchor="t" anchorCtr="0" compatLnSpc="1">
+            <a:prstTxWarp prst="textNoShape">
+              <a:avLst/>
+            </a:prstTxWarp>
+          </a:bodyPr>
+          <a:lstStyle/>
+          <a:p>
+            <a:pPr marL="342878" indent="-342878" algn="l">
+              <a:lnSpc>
+                <a:spcPct val="150000"/>
+              </a:lnSpc>
+              <a:spcBef>
+                <a:spcPct val="0"/>
+              </a:spcBef>
+              <a:buFont typeface="Arial" pitchFamily="34" charset="0"/>
+              <a:buChar char="•"/>
+            </a:pPr>
+            <a:r>
+              <a:rPr lang="de-DE" sz="2000" dirty="0">
+                <a:solidFill>
+                  <a:srgbClr val="000000"/>
+                </a:solidFill>
+                <a:latin typeface="Arial" charset="0"/>
+              </a:rPr>
               <a:t>SQF Website</a:t>
             </a:r>
             <a:endParaRPr lang="de-DE" sz="1600" dirty="0">
@@ -31116,7 +33072,7 @@
 </p:sld>
 </file>
 
-<file path=ppt/slides/slide41.xml><?xml version="1.0" encoding="utf-8"?>
+<file path=ppt/slides/slide43.xml><?xml version="1.0" encoding="utf-8"?>
 <p:sld xmlns:a="http://schemas.openxmlformats.org/drawingml/2006/main" xmlns:r="http://schemas.openxmlformats.org/officeDocument/2006/relationships" xmlns:p="http://schemas.openxmlformats.org/presentationml/2006/main">
   <p:cSld>
     <p:spTree>
@@ -31379,10 +33335,10 @@
                 </a:solidFill>
                 <a:latin typeface="Arial" charset="0"/>
               </a:rPr>
-              <a:t>Prauge</a:t>
-            </a:r>
-            <a:r>
-              <a:rPr lang="de-DE" sz="1600" dirty="0">
+              <a:t>Prague</a:t>
+            </a:r>
+            <a:r>
+              <a:rPr lang="de-DE" sz="1600" dirty="0" smtClean="0">
                 <a:solidFill>
                   <a:srgbClr val="000000"/>
                 </a:solidFill>
@@ -31589,25 +33545,107 @@
               <a:buChar char="•"/>
             </a:pPr>
             <a:r>
+              <a:rPr lang="de-DE" sz="1600" dirty="0" err="1" smtClean="0">
+                <a:solidFill>
+                  <a:srgbClr val="000000"/>
+                </a:solidFill>
+                <a:latin typeface="Arial" charset="0"/>
+              </a:rPr>
+              <a:t>Escali</a:t>
+            </a:r>
+            <a:r>
+              <a:rPr lang="de-DE" sz="1600" dirty="0" smtClean="0">
+                <a:solidFill>
+                  <a:srgbClr val="000000"/>
+                </a:solidFill>
+                <a:latin typeface="Arial" charset="0"/>
+              </a:rPr>
+              <a:t> </a:t>
+            </a:r>
+            <a:r>
+              <a:rPr lang="de-DE" sz="1600" dirty="0" err="1" smtClean="0">
+                <a:solidFill>
+                  <a:srgbClr val="000000"/>
+                </a:solidFill>
+                <a:latin typeface="Arial" charset="0"/>
+              </a:rPr>
+              <a:t>WebImpl</a:t>
+            </a:r>
+            <a:r>
               <a:rPr lang="de-DE" sz="1600" dirty="0">
                 <a:solidFill>
                   <a:srgbClr val="000000"/>
                 </a:solidFill>
                 <a:latin typeface="Arial" charset="0"/>
               </a:rPr>
-              <a:t>Vorstellung des </a:t>
-            </a:r>
-            <a:r>
-              <a:rPr lang="de-DE" sz="1600" dirty="0" err="1">
-                <a:solidFill>
-                  <a:srgbClr val="000000"/>
-                </a:solidFill>
-                <a:latin typeface="Arial" charset="0"/>
-              </a:rPr>
-              <a:t>Escali</a:t>
-            </a:r>
-            <a:r>
-              <a:rPr lang="de-DE" sz="1600" dirty="0">
+              <a:t> geht auf </a:t>
+            </a:r>
+            <a:r>
+              <a:rPr lang="de-DE" sz="1600" dirty="0" smtClean="0">
+                <a:solidFill>
+                  <a:srgbClr val="000000"/>
+                </a:solidFill>
+                <a:latin typeface="Arial" charset="0"/>
+                <a:hlinkClick r:id="rId3"/>
+              </a:rPr>
+              <a:t>escali.schematron-quickfix.com</a:t>
+            </a:r>
+            <a:r>
+              <a:rPr lang="de-DE" sz="1600" dirty="0" smtClean="0">
+                <a:solidFill>
+                  <a:srgbClr val="000000"/>
+                </a:solidFill>
+                <a:latin typeface="Arial" charset="0"/>
+              </a:rPr>
+              <a:t> online</a:t>
+            </a:r>
+            <a:endParaRPr lang="de-DE" sz="1600" dirty="0">
+              <a:solidFill>
+                <a:srgbClr val="000000"/>
+              </a:solidFill>
+              <a:latin typeface="Arial" charset="0"/>
+            </a:endParaRPr>
+          </a:p>
+          <a:p>
+            <a:pPr marL="1257256" lvl="2" indent="-342878" algn="l">
+              <a:lnSpc>
+                <a:spcPct val="150000"/>
+              </a:lnSpc>
+              <a:spcBef>
+                <a:spcPct val="0"/>
+              </a:spcBef>
+              <a:buFont typeface="Arial" pitchFamily="34" charset="0"/>
+              <a:buChar char="•"/>
+            </a:pPr>
+            <a:r>
+              <a:rPr lang="de-DE" sz="1400" dirty="0" smtClean="0">
+                <a:solidFill>
+                  <a:srgbClr val="000000"/>
+                </a:solidFill>
+                <a:latin typeface="Arial" charset="0"/>
+              </a:rPr>
+              <a:t>Vorstellung auf </a:t>
+            </a:r>
+            <a:r>
+              <a:rPr lang="de-DE" sz="1400" dirty="0">
+                <a:solidFill>
+                  <a:srgbClr val="000000"/>
+                </a:solidFill>
+                <a:latin typeface="Arial" charset="0"/>
+              </a:rPr>
+              <a:t>dem </a:t>
+            </a:r>
+            <a:r>
+              <a:rPr lang="de-DE" sz="1400" dirty="0" err="1">
+                <a:solidFill>
+                  <a:srgbClr val="000000"/>
+                </a:solidFill>
+                <a:latin typeface="Arial" charset="0"/>
+              </a:rPr>
+              <a:t>Schematron</a:t>
+            </a:r>
+            <a:r>
+              <a:rPr lang="de-DE" sz="1400" dirty="0">
                 <a:solidFill>
                   <a:srgbClr val="000000"/>
                 </a:solidFill>
@@ -31616,43 +33654,7 @@
               <a:t> </a:t>
             </a:r>
             <a:r>
-              <a:rPr lang="de-DE" sz="1600" dirty="0" err="1">
-                <a:solidFill>
-                  <a:srgbClr val="000000"/>
-                </a:solidFill>
-                <a:latin typeface="Arial" charset="0"/>
-              </a:rPr>
-              <a:t>WebImpl</a:t>
-            </a:r>
-            <a:r>
-              <a:rPr lang="de-DE" sz="1600" dirty="0">
-                <a:solidFill>
-                  <a:srgbClr val="000000"/>
-                </a:solidFill>
-                <a:latin typeface="Arial" charset="0"/>
-              </a:rPr>
-              <a:t> auf dem </a:t>
-            </a:r>
-            <a:r>
-              <a:rPr lang="de-DE" sz="1600" dirty="0" err="1">
-                <a:solidFill>
-                  <a:srgbClr val="000000"/>
-                </a:solidFill>
-                <a:latin typeface="Arial" charset="0"/>
-              </a:rPr>
-              <a:t>Schematron</a:t>
-            </a:r>
-            <a:r>
-              <a:rPr lang="de-DE" sz="1600" dirty="0">
-                <a:solidFill>
-                  <a:srgbClr val="000000"/>
-                </a:solidFill>
-                <a:latin typeface="Arial" charset="0"/>
-              </a:rPr>
-              <a:t> </a:t>
-            </a:r>
-            <a:r>
-              <a:rPr lang="de-DE" sz="1600" dirty="0" err="1">
+              <a:rPr lang="de-DE" sz="1400" dirty="0" err="1">
                 <a:solidFill>
                   <a:srgbClr val="000000"/>
                 </a:solidFill>
@@ -31661,7 +33663,7 @@
               <a:t>UserMeetup</a:t>
             </a:r>
             <a:r>
-              <a:rPr lang="de-DE" sz="1600" dirty="0">
+              <a:rPr lang="de-DE" sz="1400" dirty="0">
                 <a:solidFill>
                   <a:srgbClr val="000000"/>
                 </a:solidFill>
@@ -31670,7 +33672,7 @@
               <a:t> am </a:t>
             </a:r>
             <a:r>
-              <a:rPr lang="de-DE" sz="1600" dirty="0" err="1">
+              <a:rPr lang="de-DE" sz="1400" dirty="0" err="1">
                 <a:solidFill>
                   <a:srgbClr val="000000"/>
                 </a:solidFill>
@@ -31679,7 +33681,7 @@
               <a:t>PreConfDay</a:t>
             </a:r>
             <a:r>
-              <a:rPr lang="de-DE" sz="1600" dirty="0">
+              <a:rPr lang="de-DE" sz="1400" dirty="0">
                 <a:solidFill>
                   <a:srgbClr val="000000"/>
                 </a:solidFill>
@@ -31688,7 +33690,7 @@
               <a:t> der XML </a:t>
             </a:r>
             <a:r>
-              <a:rPr lang="de-DE" sz="1600" dirty="0" err="1">
+              <a:rPr lang="de-DE" sz="1400" dirty="0" err="1">
                 <a:solidFill>
                   <a:srgbClr val="000000"/>
                 </a:solidFill>
@@ -31696,7 +33698,7 @@
               </a:rPr>
               <a:t>Prague</a:t>
             </a:r>
-            <a:endParaRPr lang="de-DE" sz="1600" dirty="0">
+            <a:endParaRPr lang="de-DE" sz="1400" dirty="0">
               <a:solidFill>
                 <a:srgbClr val="000000"/>
               </a:solidFill>
@@ -31758,6 +33760,69 @@
             </a:endParaRPr>
           </a:p>
           <a:p>
+            <a:pPr marL="1257256" lvl="2" indent="-342878" algn="l">
+              <a:lnSpc>
+                <a:spcPct val="150000"/>
+              </a:lnSpc>
+              <a:spcBef>
+                <a:spcPct val="0"/>
+              </a:spcBef>
+              <a:buFont typeface="Arial" pitchFamily="34" charset="0"/>
+              <a:buChar char="•"/>
+            </a:pPr>
+            <a:r>
+              <a:rPr lang="de-DE" sz="1400" dirty="0">
+                <a:solidFill>
+                  <a:srgbClr val="000000"/>
+                </a:solidFill>
+                <a:latin typeface="Arial" charset="0"/>
+              </a:rPr>
+              <a:t>Vorstellung auf dem </a:t>
+            </a:r>
+            <a:r>
+              <a:rPr lang="de-DE" sz="1400" dirty="0" smtClean="0">
+                <a:solidFill>
+                  <a:srgbClr val="000000"/>
+                </a:solidFill>
+                <a:latin typeface="Arial" charset="0"/>
+              </a:rPr>
+              <a:t>Markupforum 2018</a:t>
+            </a:r>
+            <a:endParaRPr lang="de-DE" sz="1200" dirty="0">
+              <a:solidFill>
+                <a:srgbClr val="000000"/>
+              </a:solidFill>
+              <a:latin typeface="Arial" charset="0"/>
+            </a:endParaRPr>
+          </a:p>
+          <a:p>
+            <a:pPr marL="342878" indent="-342878" algn="l">
+              <a:lnSpc>
+                <a:spcPct val="150000"/>
+              </a:lnSpc>
+              <a:spcBef>
+                <a:spcPct val="0"/>
+              </a:spcBef>
+              <a:buFont typeface="Arial" pitchFamily="34" charset="0"/>
+              <a:buChar char="•"/>
+            </a:pPr>
+            <a:r>
+              <a:rPr lang="de-DE" sz="2000" dirty="0" smtClean="0">
+                <a:solidFill>
+                  <a:srgbClr val="000000"/>
+                </a:solidFill>
+                <a:latin typeface="Arial" charset="0"/>
+              </a:rPr>
+              <a:t>2018 </a:t>
+            </a:r>
+            <a:endParaRPr lang="de-DE" sz="2000" dirty="0">
+              <a:solidFill>
+                <a:srgbClr val="000000"/>
+              </a:solidFill>
+              <a:latin typeface="Arial" charset="0"/>
+            </a:endParaRPr>
+          </a:p>
+          <a:p>
             <a:pPr marL="800067" lvl="1" indent="-342878" algn="l">
               <a:lnSpc>
                 <a:spcPct val="150000"/>
@@ -31769,53 +33834,38 @@
               <a:buChar char="•"/>
             </a:pPr>
             <a:r>
-              <a:rPr lang="de-DE" sz="1600" dirty="0">
-                <a:solidFill>
-                  <a:srgbClr val="000000"/>
-                </a:solidFill>
-                <a:latin typeface="Arial" charset="0"/>
-              </a:rPr>
-              <a:t>Vorstellung auf dem Markupforum</a:t>
-            </a:r>
-          </a:p>
-          <a:p>
-            <a:pPr marL="342878" indent="-342878" algn="l">
-              <a:lnSpc>
-                <a:spcPct val="150000"/>
-              </a:lnSpc>
-              <a:spcBef>
-                <a:spcPct val="0"/>
-              </a:spcBef>
-              <a:buFont typeface="Arial" pitchFamily="34" charset="0"/>
-              <a:buChar char="•"/>
-            </a:pPr>
-            <a:r>
-              <a:rPr lang="de-DE" sz="2000" dirty="0" smtClean="0">
-                <a:solidFill>
-                  <a:srgbClr val="000000"/>
-                </a:solidFill>
-                <a:latin typeface="Arial" charset="0"/>
-              </a:rPr>
-              <a:t>2018 – </a:t>
-            </a:r>
-            <a:r>
               <a:rPr lang="de-DE" sz="1600" dirty="0" smtClean="0">
                 <a:solidFill>
                   <a:srgbClr val="000000"/>
                 </a:solidFill>
                 <a:latin typeface="Arial" charset="0"/>
               </a:rPr>
-              <a:t>Standard </a:t>
-            </a:r>
-            <a:r>
-              <a:rPr lang="de-DE" sz="1600" dirty="0">
-                <a:solidFill>
-                  <a:srgbClr val="000000"/>
-                </a:solidFill>
-                <a:latin typeface="Arial" charset="0"/>
-              </a:rPr>
-              <a:t>abschließen?</a:t>
-            </a:r>
+              <a:t>Second </a:t>
+            </a:r>
+            <a:r>
+              <a:rPr lang="de-DE" sz="1600" dirty="0" err="1" smtClean="0">
+                <a:solidFill>
+                  <a:srgbClr val="000000"/>
+                </a:solidFill>
+                <a:latin typeface="Arial" charset="0"/>
+              </a:rPr>
+              <a:t>Draft</a:t>
+            </a:r>
+            <a:r>
+              <a:rPr lang="de-DE" sz="1600" dirty="0" smtClean="0">
+                <a:solidFill>
+                  <a:srgbClr val="000000"/>
+                </a:solidFill>
+                <a:latin typeface="Arial" charset="0"/>
+              </a:rPr>
+              <a:t> des Standards ist online</a:t>
+            </a:r>
+            <a:endParaRPr lang="de-DE" sz="1200" dirty="0">
+              <a:solidFill>
+                <a:srgbClr val="000000"/>
+              </a:solidFill>
+              <a:latin typeface="Arial" charset="0"/>
+            </a:endParaRPr>
           </a:p>
         </p:txBody>
       </p:sp>
@@ -32149,15 +34199,33 @@
                                   </p:childTnLst>
                                 </p:cTn>
                               </p:par>
+                            </p:childTnLst>
+                          </p:cTn>
+                        </p:par>
+                      </p:childTnLst>
+                    </p:cTn>
+                  </p:par>
+                  <p:par>
+                    <p:cTn id="27" fill="hold">
+                      <p:stCondLst>
+                        <p:cond delay="indefinite"/>
+                      </p:stCondLst>
+                      <p:childTnLst>
+                        <p:par>
+                          <p:cTn id="28" fill="hold">
+                            <p:stCondLst>
+                              <p:cond delay="0"/>
+                            </p:stCondLst>
+                            <p:childTnLst>
                               <p:par>
-                                <p:cTn id="27" presetID="1" presetClass="entr" presetSubtype="0" fill="hold" nodeType="withEffect">
+                                <p:cTn id="29" presetID="1" presetClass="entr" presetSubtype="0" fill="hold" nodeType="clickEffect">
                                   <p:stCondLst>
                                     <p:cond delay="0"/>
                                   </p:stCondLst>
                                   <p:childTnLst>
                                     <p:set>
                                       <p:cBhvr>
-                                        <p:cTn id="28" dur="1" fill="hold">
+                                        <p:cTn id="30" dur="1" fill="hold">
                                           <p:stCondLst>
                                             <p:cond delay="0"/>
                                           </p:stCondLst>
@@ -32180,26 +34248,8 @@
                                   </p:childTnLst>
                                 </p:cTn>
                               </p:par>
-                            </p:childTnLst>
-                          </p:cTn>
-                        </p:par>
-                      </p:childTnLst>
-                    </p:cTn>
-                  </p:par>
-                  <p:par>
-                    <p:cTn id="29" fill="hold">
-                      <p:stCondLst>
-                        <p:cond delay="indefinite"/>
-                      </p:stCondLst>
-                      <p:childTnLst>
-                        <p:par>
-                          <p:cTn id="30" fill="hold">
-                            <p:stCondLst>
-                              <p:cond delay="0"/>
-                            </p:stCondLst>
-                            <p:childTnLst>
                               <p:par>
-                                <p:cTn id="31" presetID="1" presetClass="entr" presetSubtype="0" fill="hold" nodeType="clickEffect">
+                                <p:cTn id="31" presetID="1" presetClass="entr" presetSubtype="0" fill="hold" nodeType="withEffect">
                                   <p:stCondLst>
                                     <p:cond delay="0"/>
                                   </p:stCondLst>
@@ -32313,6 +34363,104 @@
                                           <p:spTgt spid="4098">
                                             <p:txEl>
                                               <p:pRg st="10" end="10"/>
+                                            </p:txEl>
+                                          </p:spTgt>
+                                        </p:tgtEl>
+                                        <p:attrNameLst>
+                                          <p:attrName>style.visibility</p:attrName>
+                                        </p:attrNameLst>
+                                      </p:cBhvr>
+                                      <p:to>
+                                        <p:strVal val="visible"/>
+                                      </p:to>
+                                    </p:set>
+                                  </p:childTnLst>
+                                </p:cTn>
+                              </p:par>
+                            </p:childTnLst>
+                          </p:cTn>
+                        </p:par>
+                      </p:childTnLst>
+                    </p:cTn>
+                  </p:par>
+                  <p:par>
+                    <p:cTn id="41" fill="hold">
+                      <p:stCondLst>
+                        <p:cond delay="indefinite"/>
+                      </p:stCondLst>
+                      <p:childTnLst>
+                        <p:par>
+                          <p:cTn id="42" fill="hold">
+                            <p:stCondLst>
+                              <p:cond delay="0"/>
+                            </p:stCondLst>
+                            <p:childTnLst>
+                              <p:par>
+                                <p:cTn id="43" presetID="1" presetClass="entr" presetSubtype="0" fill="hold" nodeType="clickEffect">
+                                  <p:stCondLst>
+                                    <p:cond delay="0"/>
+                                  </p:stCondLst>
+                                  <p:childTnLst>
+                                    <p:set>
+                                      <p:cBhvr>
+                                        <p:cTn id="44" dur="1" fill="hold">
+                                          <p:stCondLst>
+                                            <p:cond delay="0"/>
+                                          </p:stCondLst>
+                                        </p:cTn>
+                                        <p:tgtEl>
+                                          <p:spTgt spid="4098">
+                                            <p:txEl>
+                                              <p:pRg st="11" end="11"/>
+                                            </p:txEl>
+                                          </p:spTgt>
+                                        </p:tgtEl>
+                                        <p:attrNameLst>
+                                          <p:attrName>style.visibility</p:attrName>
+                                        </p:attrNameLst>
+                                      </p:cBhvr>
+                                      <p:to>
+                                        <p:strVal val="visible"/>
+                                      </p:to>
+                                    </p:set>
+                                  </p:childTnLst>
+                                </p:cTn>
+                              </p:par>
+                            </p:childTnLst>
+                          </p:cTn>
+                        </p:par>
+                      </p:childTnLst>
+                    </p:cTn>
+                  </p:par>
+                  <p:par>
+                    <p:cTn id="45" fill="hold">
+                      <p:stCondLst>
+                        <p:cond delay="indefinite"/>
+                      </p:stCondLst>
+                      <p:childTnLst>
+                        <p:par>
+                          <p:cTn id="46" fill="hold">
+                            <p:stCondLst>
+                              <p:cond delay="0"/>
+                            </p:stCondLst>
+                            <p:childTnLst>
+                              <p:par>
+                                <p:cTn id="47" presetID="1" presetClass="entr" presetSubtype="0" fill="hold" nodeType="clickEffect">
+                                  <p:stCondLst>
+                                    <p:cond delay="0"/>
+                                  </p:stCondLst>
+                                  <p:childTnLst>
+                                    <p:set>
+                                      <p:cBhvr>
+                                        <p:cTn id="48" dur="1" fill="hold">
+                                          <p:stCondLst>
+                                            <p:cond delay="0"/>
+                                          </p:stCondLst>
+                                        </p:cTn>
+                                        <p:tgtEl>
+                                          <p:spTgt spid="4098">
+                                            <p:txEl>
+                                              <p:pRg st="12" end="12"/>
                                             </p:txEl>
                                           </p:spTgt>
                                         </p:tgtEl>
@@ -35424,11 +37572,11 @@
   <p:clrMapOvr>
     <a:masterClrMapping/>
   </p:clrMapOvr>
-  <mc:AlternateContent xmlns:mc="http://schemas.openxmlformats.org/markup-compatibility/2006">
-    <mc:Choice xmlns:p14="http://schemas.microsoft.com/office/powerpoint/2010/main" Requires="p14">
+  <mc:AlternateContent xmlns:mc="http://schemas.openxmlformats.org/markup-compatibility/2006" xmlns:p14="http://schemas.microsoft.com/office/powerpoint/2010/main">
+    <mc:Choice Requires="p14">
       <p:transition spd="slow" p14:dur="2000"/>
     </mc:Choice>
-    <mc:Fallback>
+    <mc:Fallback xmlns="">
       <p:transition spd="slow"/>
     </mc:Fallback>
   </mc:AlternateContent>

--- a/SQF-Escali.pptx
+++ b/SQF-Escali.pptx
@@ -300,7 +300,7 @@
           <a:p>
             <a:fld id="{D47D8A5B-AC4C-43B8-8900-F35950A2270E}" type="datetimeFigureOut">
               <a:rPr lang="de-DE" smtClean="0"/>
-              <a:t>04.03.2018</a:t>
+              <a:t>08.03.2018</a:t>
             </a:fld>
             <a:endParaRPr lang="de-DE"/>
           </a:p>
@@ -6830,7 +6830,7 @@
                 </a:solidFill>
                 <a:latin typeface="TheSansOffice" pitchFamily="34" charset="0"/>
               </a:rPr>
-              <a:t>Sonntag, 4. März 2018</a:t>
+              <a:t>Donnerstag, 8. März 2018</a:t>
             </a:fld>
             <a:endParaRPr lang="de-DE" sz="2000" b="1" i="1" dirty="0">
               <a:solidFill>
@@ -7311,16 +7311,34 @@
                 </a:solidFill>
                 <a:latin typeface="Arial" charset="0"/>
               </a:rPr>
-              <a:t>Ausgehend von einem „Anchor </a:t>
-            </a:r>
-            <a:r>
-              <a:rPr lang="de-DE" sz="2400" dirty="0" err="1">
-                <a:solidFill>
-                  <a:srgbClr val="000000"/>
-                </a:solidFill>
-                <a:latin typeface="Arial" charset="0"/>
-              </a:rPr>
-              <a:t>node</a:t>
+              <a:t>Ausgehend </a:t>
+            </a:r>
+            <a:r>
+              <a:rPr lang="de-DE" sz="2400" dirty="0" smtClean="0">
+                <a:solidFill>
+                  <a:srgbClr val="000000"/>
+                </a:solidFill>
+                <a:latin typeface="Arial" charset="0"/>
+              </a:rPr>
+              <a:t>von „Anchor </a:t>
+            </a:r>
+            <a:r>
+              <a:rPr lang="de-DE" sz="2400" dirty="0" err="1" smtClean="0">
+                <a:solidFill>
+                  <a:srgbClr val="000000"/>
+                </a:solidFill>
+                <a:latin typeface="Arial" charset="0"/>
+              </a:rPr>
+              <a:t>nodes</a:t>
+            </a:r>
+            <a:r>
+              <a:rPr lang="de-DE" sz="2400" dirty="0" smtClean="0">
+                <a:solidFill>
+                  <a:srgbClr val="000000"/>
+                </a:solidFill>
+                <a:latin typeface="Arial" charset="0"/>
+              </a:rPr>
+              <a:t>“ </a:t>
             </a:r>
             <a:r>
               <a:rPr lang="de-DE" sz="2400" dirty="0">
@@ -7329,7 +7347,7 @@
                 </a:solidFill>
                 <a:latin typeface="Arial" charset="0"/>
               </a:rPr>
-              <a:t>“ mit </a:t>
+              <a:t>mit </a:t>
             </a:r>
             <a:r>
               <a:rPr lang="de-DE" sz="2400" dirty="0">
@@ -8442,6 +8460,76 @@
           </a:p>
         </p:txBody>
       </p:sp>
+      <p:sp>
+        <p:nvSpPr>
+          <p:cNvPr id="11" name="Rectangle 2"/>
+          <p:cNvSpPr>
+            <a:spLocks noGrp="1" noChangeArrowheads="1"/>
+          </p:cNvSpPr>
+          <p:nvPr>
+            <p:ph type="subTitle" idx="1"/>
+          </p:nvPr>
+        </p:nvSpPr>
+        <p:spPr>
+          <a:xfrm>
+            <a:off x="936639" y="5379635"/>
+            <a:ext cx="8751879" cy="1928992"/>
+          </a:xfrm>
+        </p:spPr>
+        <p:txBody>
+          <a:bodyPr vert="horz" wrap="square" lIns="0" tIns="0" rIns="0" bIns="0" numCol="1" anchor="t" anchorCtr="0" compatLnSpc="1">
+            <a:prstTxWarp prst="textNoShape">
+              <a:avLst/>
+            </a:prstTxWarp>
+          </a:bodyPr>
+          <a:lstStyle/>
+          <a:p>
+            <a:pPr marL="342878" indent="-342878" algn="l">
+              <a:lnSpc>
+                <a:spcPct val="150000"/>
+              </a:lnSpc>
+              <a:spcBef>
+                <a:spcPct val="0"/>
+              </a:spcBef>
+              <a:buFont typeface="Arial" pitchFamily="34" charset="0"/>
+              <a:buChar char="•"/>
+            </a:pPr>
+            <a:r>
+              <a:rPr lang="de-DE" sz="2400" dirty="0" smtClean="0">
+                <a:solidFill>
+                  <a:srgbClr val="000000"/>
+                </a:solidFill>
+                <a:latin typeface="Arial" charset="0"/>
+              </a:rPr>
+              <a:t>Bis auf @</a:t>
+            </a:r>
+            <a:r>
+              <a:rPr lang="de-DE" sz="2400" dirty="0" err="1" smtClean="0">
+                <a:solidFill>
+                  <a:srgbClr val="000000"/>
+                </a:solidFill>
+                <a:latin typeface="Arial" charset="0"/>
+              </a:rPr>
+              <a:t>select</a:t>
+            </a:r>
+            <a:r>
+              <a:rPr lang="de-DE" sz="2400" dirty="0" smtClean="0">
+                <a:solidFill>
+                  <a:srgbClr val="000000"/>
+                </a:solidFill>
+                <a:latin typeface="Arial" charset="0"/>
+              </a:rPr>
+              <a:t> und „Template-Content“ kann hier beliebig kombiniert werden.</a:t>
+            </a:r>
+            <a:endParaRPr lang="de-DE" sz="2400" dirty="0">
+              <a:solidFill>
+                <a:srgbClr val="000000"/>
+              </a:solidFill>
+              <a:latin typeface="Arial" charset="0"/>
+            </a:endParaRPr>
+          </a:p>
+        </p:txBody>
+      </p:sp>
     </p:spTree>
     <p:extLst>
       <p:ext uri="{BB962C8B-B14F-4D97-AF65-F5344CB8AC3E}">
@@ -8763,6 +8851,55 @@
                                       </p:cBhvr>
                                       <p:to>
                                         <p:strVal val="hidden"/>
+                                      </p:to>
+                                    </p:set>
+                                  </p:childTnLst>
+                                </p:cTn>
+                              </p:par>
+                            </p:childTnLst>
+                          </p:cTn>
+                        </p:par>
+                      </p:childTnLst>
+                    </p:cTn>
+                  </p:par>
+                  <p:par>
+                    <p:cTn id="29" fill="hold">
+                      <p:stCondLst>
+                        <p:cond delay="indefinite"/>
+                      </p:stCondLst>
+                      <p:childTnLst>
+                        <p:par>
+                          <p:cTn id="30" fill="hold">
+                            <p:stCondLst>
+                              <p:cond delay="0"/>
+                            </p:stCondLst>
+                            <p:childTnLst>
+                              <p:par>
+                                <p:cTn id="31" presetID="1" presetClass="entr" presetSubtype="0" fill="hold" nodeType="clickEffect">
+                                  <p:stCondLst>
+                                    <p:cond delay="0"/>
+                                  </p:stCondLst>
+                                  <p:childTnLst>
+                                    <p:set>
+                                      <p:cBhvr>
+                                        <p:cTn id="32" dur="1" fill="hold">
+                                          <p:stCondLst>
+                                            <p:cond delay="0"/>
+                                          </p:stCondLst>
+                                        </p:cTn>
+                                        <p:tgtEl>
+                                          <p:spTgt spid="11">
+                                            <p:txEl>
+                                              <p:pRg st="0" end="0"/>
+                                            </p:txEl>
+                                          </p:spTgt>
+                                        </p:tgtEl>
+                                        <p:attrNameLst>
+                                          <p:attrName>style.visibility</p:attrName>
+                                        </p:attrNameLst>
+                                      </p:cBhvr>
+                                      <p:to>
+                                        <p:strVal val="visible"/>
                                       </p:to>
                                     </p:set>
                                   </p:childTnLst>
@@ -10981,17 +11118,7 @@
                 <a:latin typeface="Arial" panose="020B0604020202020204" pitchFamily="34" charset="0"/>
                 <a:cs typeface="Arial" panose="020B0604020202020204" pitchFamily="34" charset="0"/>
               </a:rPr>
-              <a:t>Entwede</a:t>
-            </a:r>
-            <a:r>
-              <a:rPr lang="de-DE" sz="1600" kern="1200" dirty="0" smtClean="0">
-                <a:solidFill>
-                  <a:prstClr val="black"/>
-                </a:solidFill>
-                <a:latin typeface="Arial" panose="020B0604020202020204" pitchFamily="34" charset="0"/>
-                <a:cs typeface="Arial" panose="020B0604020202020204" pitchFamily="34" charset="0"/>
-              </a:rPr>
-              <a:t>r QF-Aufruf oder Aktionen</a:t>
+              <a:t>Entweder QF-Aufruf oder Aktionen</a:t>
             </a:r>
           </a:p>
           <a:p>
@@ -11131,17 +11258,7 @@
                 <a:latin typeface="Arial" panose="020B0604020202020204" pitchFamily="34" charset="0"/>
                 <a:cs typeface="Arial" panose="020B0604020202020204" pitchFamily="34" charset="0"/>
               </a:rPr>
-              <a:t>Description is</a:t>
-            </a:r>
-            <a:r>
-              <a:rPr lang="de-DE" sz="1600" kern="1200" dirty="0" smtClean="0">
-                <a:solidFill>
-                  <a:prstClr val="black"/>
-                </a:solidFill>
-                <a:latin typeface="Arial" panose="020B0604020202020204" pitchFamily="34" charset="0"/>
-                <a:cs typeface="Arial" panose="020B0604020202020204" pitchFamily="34" charset="0"/>
-              </a:rPr>
-              <a:t>t nur obligatorisch, wenn</a:t>
+              <a:t>Description ist nur obligatorisch, wenn</a:t>
             </a:r>
           </a:p>
           <a:p>
@@ -11293,6 +11410,9 @@
                     <p:cTn id="3" fill="hold">
                       <p:stCondLst>
                         <p:cond delay="indefinite"/>
+                        <p:cond evt="onBegin" delay="0">
+                          <p:tn val="2"/>
+                        </p:cond>
                       </p:stCondLst>
                       <p:childTnLst>
                         <p:par>
@@ -11302,7 +11422,7 @@
                             </p:stCondLst>
                             <p:childTnLst>
                               <p:par>
-                                <p:cTn id="5" presetID="1" presetClass="entr" presetSubtype="0" fill="hold" nodeType="clickEffect">
+                                <p:cTn id="5" presetID="1" presetClass="entr" presetSubtype="0" fill="hold" nodeType="withEffect">
                                   <p:stCondLst>
                                     <p:cond delay="0"/>
                                   </p:stCondLst>
@@ -11425,39 +11545,26 @@
                                   </p:childTnLst>
                                 </p:cTn>
                               </p:par>
+                            </p:childTnLst>
+                          </p:cTn>
+                        </p:par>
+                      </p:childTnLst>
+                    </p:cTn>
+                  </p:par>
+                  <p:par>
+                    <p:cTn id="13" fill="hold">
+                      <p:stCondLst>
+                        <p:cond delay="indefinite"/>
+                      </p:stCondLst>
+                      <p:childTnLst>
+                        <p:par>
+                          <p:cTn id="14" fill="hold">
+                            <p:stCondLst>
+                              <p:cond delay="0"/>
+                            </p:stCondLst>
+                            <p:childTnLst>
                               <p:par>
-                                <p:cTn id="13" presetID="1" presetClass="entr" presetSubtype="0" fill="hold" nodeType="withEffect">
-                                  <p:stCondLst>
-                                    <p:cond delay="0"/>
-                                  </p:stCondLst>
-                                  <p:childTnLst>
-                                    <p:set>
-                                      <p:cBhvr>
-                                        <p:cTn id="14" dur="1" fill="hold">
-                                          <p:stCondLst>
-                                            <p:cond delay="0"/>
-                                          </p:stCondLst>
-                                        </p:cTn>
-                                        <p:tgtEl>
-                                          <p:spTgt spid="4098">
-                                            <p:txEl>
-                                              <p:pRg st="4" end="4"/>
-                                            </p:txEl>
-                                          </p:spTgt>
-                                        </p:tgtEl>
-                                        <p:attrNameLst>
-                                          <p:attrName>style.visibility</p:attrName>
-                                        </p:attrNameLst>
-                                      </p:cBhvr>
-                                      <p:to>
-                                        <p:strVal val="visible"/>
-                                      </p:to>
-                                    </p:set>
-                                  </p:childTnLst>
-                                </p:cTn>
-                              </p:par>
-                              <p:par>
-                                <p:cTn id="15" presetID="1" presetClass="entr" presetSubtype="0" fill="hold" nodeType="withEffect">
+                                <p:cTn id="15" presetID="1" presetClass="entr" presetSubtype="0" fill="hold" nodeType="clickEffect">
                                   <p:stCondLst>
                                     <p:cond delay="0"/>
                                   </p:stCondLst>
@@ -11472,7 +11579,7 @@
                                         <p:tgtEl>
                                           <p:spTgt spid="4098">
                                             <p:txEl>
-                                              <p:pRg st="5" end="5"/>
+                                              <p:pRg st="4" end="4"/>
                                             </p:txEl>
                                           </p:spTgt>
                                         </p:tgtEl>
@@ -11503,7 +11610,7 @@
                                         <p:tgtEl>
                                           <p:spTgt spid="4098">
                                             <p:txEl>
-                                              <p:pRg st="6" end="6"/>
+                                              <p:pRg st="5" end="5"/>
                                             </p:txEl>
                                           </p:spTgt>
                                         </p:tgtEl>
@@ -11534,7 +11641,7 @@
                                         <p:tgtEl>
                                           <p:spTgt spid="4098">
                                             <p:txEl>
-                                              <p:pRg st="7" end="7"/>
+                                              <p:pRg st="6" end="6"/>
                                             </p:txEl>
                                           </p:spTgt>
                                         </p:tgtEl>
@@ -11565,7 +11672,7 @@
                                         <p:tgtEl>
                                           <p:spTgt spid="4098">
                                             <p:txEl>
-                                              <p:pRg st="8" end="8"/>
+                                              <p:pRg st="7" end="7"/>
                                             </p:txEl>
                                           </p:spTgt>
                                         </p:tgtEl>
@@ -11580,39 +11687,26 @@
                                   </p:childTnLst>
                                 </p:cTn>
                               </p:par>
+                            </p:childTnLst>
+                          </p:cTn>
+                        </p:par>
+                      </p:childTnLst>
+                    </p:cTn>
+                  </p:par>
+                  <p:par>
+                    <p:cTn id="23" fill="hold">
+                      <p:stCondLst>
+                        <p:cond delay="indefinite"/>
+                      </p:stCondLst>
+                      <p:childTnLst>
+                        <p:par>
+                          <p:cTn id="24" fill="hold">
+                            <p:stCondLst>
+                              <p:cond delay="0"/>
+                            </p:stCondLst>
+                            <p:childTnLst>
                               <p:par>
-                                <p:cTn id="23" presetID="1" presetClass="entr" presetSubtype="0" fill="hold" nodeType="withEffect">
-                                  <p:stCondLst>
-                                    <p:cond delay="0"/>
-                                  </p:stCondLst>
-                                  <p:childTnLst>
-                                    <p:set>
-                                      <p:cBhvr>
-                                        <p:cTn id="24" dur="1" fill="hold">
-                                          <p:stCondLst>
-                                            <p:cond delay="0"/>
-                                          </p:stCondLst>
-                                        </p:cTn>
-                                        <p:tgtEl>
-                                          <p:spTgt spid="4098">
-                                            <p:txEl>
-                                              <p:pRg st="9" end="9"/>
-                                            </p:txEl>
-                                          </p:spTgt>
-                                        </p:tgtEl>
-                                        <p:attrNameLst>
-                                          <p:attrName>style.visibility</p:attrName>
-                                        </p:attrNameLst>
-                                      </p:cBhvr>
-                                      <p:to>
-                                        <p:strVal val="visible"/>
-                                      </p:to>
-                                    </p:set>
-                                  </p:childTnLst>
-                                </p:cTn>
-                              </p:par>
-                              <p:par>
-                                <p:cTn id="25" presetID="1" presetClass="entr" presetSubtype="0" fill="hold" nodeType="withEffect">
+                                <p:cTn id="25" presetID="1" presetClass="entr" presetSubtype="0" fill="hold" nodeType="clickEffect">
                                   <p:stCondLst>
                                     <p:cond delay="0"/>
                                   </p:stCondLst>
@@ -11627,7 +11721,7 @@
                                         <p:tgtEl>
                                           <p:spTgt spid="4098">
                                             <p:txEl>
-                                              <p:pRg st="10" end="10"/>
+                                              <p:pRg st="8" end="8"/>
                                             </p:txEl>
                                           </p:spTgt>
                                         </p:tgtEl>
@@ -11658,7 +11752,7 @@
                                         <p:tgtEl>
                                           <p:spTgt spid="4098">
                                             <p:txEl>
-                                              <p:pRg st="11" end="11"/>
+                                              <p:pRg st="9" end="9"/>
                                             </p:txEl>
                                           </p:spTgt>
                                         </p:tgtEl>
@@ -11682,6 +11776,104 @@
                                     <p:set>
                                       <p:cBhvr>
                                         <p:cTn id="30" dur="1" fill="hold">
+                                          <p:stCondLst>
+                                            <p:cond delay="0"/>
+                                          </p:stCondLst>
+                                        </p:cTn>
+                                        <p:tgtEl>
+                                          <p:spTgt spid="4098">
+                                            <p:txEl>
+                                              <p:pRg st="10" end="10"/>
+                                            </p:txEl>
+                                          </p:spTgt>
+                                        </p:tgtEl>
+                                        <p:attrNameLst>
+                                          <p:attrName>style.visibility</p:attrName>
+                                        </p:attrNameLst>
+                                      </p:cBhvr>
+                                      <p:to>
+                                        <p:strVal val="visible"/>
+                                      </p:to>
+                                    </p:set>
+                                  </p:childTnLst>
+                                </p:cTn>
+                              </p:par>
+                            </p:childTnLst>
+                          </p:cTn>
+                        </p:par>
+                      </p:childTnLst>
+                    </p:cTn>
+                  </p:par>
+                  <p:par>
+                    <p:cTn id="31" fill="hold">
+                      <p:stCondLst>
+                        <p:cond delay="indefinite"/>
+                      </p:stCondLst>
+                      <p:childTnLst>
+                        <p:par>
+                          <p:cTn id="32" fill="hold">
+                            <p:stCondLst>
+                              <p:cond delay="0"/>
+                            </p:stCondLst>
+                            <p:childTnLst>
+                              <p:par>
+                                <p:cTn id="33" presetID="1" presetClass="entr" presetSubtype="0" fill="hold" nodeType="clickEffect">
+                                  <p:stCondLst>
+                                    <p:cond delay="0"/>
+                                  </p:stCondLst>
+                                  <p:childTnLst>
+                                    <p:set>
+                                      <p:cBhvr>
+                                        <p:cTn id="34" dur="1" fill="hold">
+                                          <p:stCondLst>
+                                            <p:cond delay="0"/>
+                                          </p:stCondLst>
+                                        </p:cTn>
+                                        <p:tgtEl>
+                                          <p:spTgt spid="4098">
+                                            <p:txEl>
+                                              <p:pRg st="11" end="11"/>
+                                            </p:txEl>
+                                          </p:spTgt>
+                                        </p:tgtEl>
+                                        <p:attrNameLst>
+                                          <p:attrName>style.visibility</p:attrName>
+                                        </p:attrNameLst>
+                                      </p:cBhvr>
+                                      <p:to>
+                                        <p:strVal val="visible"/>
+                                      </p:to>
+                                    </p:set>
+                                  </p:childTnLst>
+                                </p:cTn>
+                              </p:par>
+                            </p:childTnLst>
+                          </p:cTn>
+                        </p:par>
+                      </p:childTnLst>
+                    </p:cTn>
+                  </p:par>
+                  <p:par>
+                    <p:cTn id="35" fill="hold">
+                      <p:stCondLst>
+                        <p:cond delay="indefinite"/>
+                      </p:stCondLst>
+                      <p:childTnLst>
+                        <p:par>
+                          <p:cTn id="36" fill="hold">
+                            <p:stCondLst>
+                              <p:cond delay="0"/>
+                            </p:stCondLst>
+                            <p:childTnLst>
+                              <p:par>
+                                <p:cTn id="37" presetID="1" presetClass="entr" presetSubtype="0" fill="hold" nodeType="clickEffect">
+                                  <p:stCondLst>
+                                    <p:cond delay="0"/>
+                                  </p:stCondLst>
+                                  <p:childTnLst>
+                                    <p:set>
+                                      <p:cBhvr>
+                                        <p:cTn id="38" dur="1" fill="hold">
                                           <p:stCondLst>
                                             <p:cond delay="0"/>
                                           </p:stCondLst>
@@ -11906,17 +12098,7 @@
                 <a:latin typeface="Arial" panose="020B0604020202020204" pitchFamily="34" charset="0"/>
                 <a:cs typeface="Arial" panose="020B0604020202020204" pitchFamily="34" charset="0"/>
               </a:rPr>
-              <a:t> </a:t>
-            </a:r>
-            <a:r>
-              <a:rPr lang="de-DE" sz="2000" kern="1200" dirty="0">
-                <a:solidFill>
-                  <a:prstClr val="black"/>
-                </a:solidFill>
-                <a:latin typeface="Arial" panose="020B0604020202020204" pitchFamily="34" charset="0"/>
-                <a:cs typeface="Arial" panose="020B0604020202020204" pitchFamily="34" charset="0"/>
-              </a:rPr>
-              <a:t>und </a:t>
+              <a:t> und </a:t>
             </a:r>
             <a:r>
               <a:rPr lang="de-DE" sz="2000" kern="1200" dirty="0" smtClean="0">
@@ -12150,6 +12332,9 @@
                     <p:cTn id="3" fill="hold">
                       <p:stCondLst>
                         <p:cond delay="indefinite"/>
+                        <p:cond evt="onBegin" delay="0">
+                          <p:tn val="2"/>
+                        </p:cond>
                       </p:stCondLst>
                       <p:childTnLst>
                         <p:par>
@@ -12159,7 +12344,7 @@
                             </p:stCondLst>
                             <p:childTnLst>
                               <p:par>
-                                <p:cTn id="5" presetID="1" presetClass="entr" presetSubtype="0" fill="hold" nodeType="clickEffect">
+                                <p:cTn id="5" presetID="1" presetClass="entr" presetSubtype="0" fill="hold" nodeType="withEffect">
                                   <p:stCondLst>
                                     <p:cond delay="0"/>
                                   </p:stCondLst>
@@ -12189,33 +12374,15 @@
                                   </p:childTnLst>
                                 </p:cTn>
                               </p:par>
-                            </p:childTnLst>
-                          </p:cTn>
-                        </p:par>
-                      </p:childTnLst>
-                    </p:cTn>
-                  </p:par>
-                  <p:par>
-                    <p:cTn id="7" fill="hold">
-                      <p:stCondLst>
-                        <p:cond delay="indefinite"/>
-                      </p:stCondLst>
-                      <p:childTnLst>
-                        <p:par>
-                          <p:cTn id="8" fill="hold">
-                            <p:stCondLst>
-                              <p:cond delay="0"/>
-                            </p:stCondLst>
-                            <p:childTnLst>
                               <p:par>
-                                <p:cTn id="9" presetID="1" presetClass="entr" presetSubtype="0" fill="hold" nodeType="clickEffect">
+                                <p:cTn id="7" presetID="1" presetClass="entr" presetSubtype="0" fill="hold" nodeType="withEffect">
                                   <p:stCondLst>
                                     <p:cond delay="0"/>
                                   </p:stCondLst>
                                   <p:childTnLst>
                                     <p:set>
                                       <p:cBhvr>
-                                        <p:cTn id="10" dur="1" fill="hold">
+                                        <p:cTn id="8" dur="1" fill="hold">
                                           <p:stCondLst>
                                             <p:cond delay="0"/>
                                           </p:stCondLst>
@@ -12245,26 +12412,26 @@
                     </p:cTn>
                   </p:par>
                   <p:par>
-                    <p:cTn id="11" fill="hold">
+                    <p:cTn id="9" fill="hold">
                       <p:stCondLst>
                         <p:cond delay="indefinite"/>
                       </p:stCondLst>
                       <p:childTnLst>
                         <p:par>
-                          <p:cTn id="12" fill="hold">
+                          <p:cTn id="10" fill="hold">
                             <p:stCondLst>
                               <p:cond delay="0"/>
                             </p:stCondLst>
                             <p:childTnLst>
                               <p:par>
-                                <p:cTn id="13" presetID="1" presetClass="entr" presetSubtype="0" fill="hold" nodeType="clickEffect">
+                                <p:cTn id="11" presetID="1" presetClass="entr" presetSubtype="0" fill="hold" nodeType="clickEffect">
                                   <p:stCondLst>
                                     <p:cond delay="0"/>
                                   </p:stCondLst>
                                   <p:childTnLst>
                                     <p:set>
                                       <p:cBhvr>
-                                        <p:cTn id="14" dur="1" fill="hold">
+                                        <p:cTn id="12" dur="1" fill="hold">
                                           <p:stCondLst>
                                             <p:cond delay="0"/>
                                           </p:stCondLst>
@@ -12294,26 +12461,26 @@
                     </p:cTn>
                   </p:par>
                   <p:par>
-                    <p:cTn id="15" fill="hold">
+                    <p:cTn id="13" fill="hold">
                       <p:stCondLst>
                         <p:cond delay="indefinite"/>
                       </p:stCondLst>
                       <p:childTnLst>
                         <p:par>
-                          <p:cTn id="16" fill="hold">
+                          <p:cTn id="14" fill="hold">
                             <p:stCondLst>
                               <p:cond delay="0"/>
                             </p:stCondLst>
                             <p:childTnLst>
                               <p:par>
-                                <p:cTn id="17" presetID="1" presetClass="entr" presetSubtype="0" fill="hold" nodeType="clickEffect">
+                                <p:cTn id="15" presetID="1" presetClass="entr" presetSubtype="0" fill="hold" nodeType="clickEffect">
                                   <p:stCondLst>
                                     <p:cond delay="0"/>
                                   </p:stCondLst>
                                   <p:childTnLst>
                                     <p:set>
                                       <p:cBhvr>
-                                        <p:cTn id="18" dur="1" fill="hold">
+                                        <p:cTn id="16" dur="1" fill="hold">
                                           <p:stCondLst>
                                             <p:cond delay="0"/>
                                           </p:stCondLst>
@@ -12343,26 +12510,26 @@
                     </p:cTn>
                   </p:par>
                   <p:par>
-                    <p:cTn id="19" fill="hold">
+                    <p:cTn id="17" fill="hold">
                       <p:stCondLst>
                         <p:cond delay="indefinite"/>
                       </p:stCondLst>
                       <p:childTnLst>
                         <p:par>
-                          <p:cTn id="20" fill="hold">
+                          <p:cTn id="18" fill="hold">
                             <p:stCondLst>
                               <p:cond delay="0"/>
                             </p:stCondLst>
                             <p:childTnLst>
                               <p:par>
-                                <p:cTn id="21" presetID="1" presetClass="entr" presetSubtype="0" fill="hold" nodeType="clickEffect">
+                                <p:cTn id="19" presetID="1" presetClass="entr" presetSubtype="0" fill="hold" nodeType="clickEffect">
                                   <p:stCondLst>
                                     <p:cond delay="0"/>
                                   </p:stCondLst>
                                   <p:childTnLst>
                                     <p:set>
                                       <p:cBhvr>
-                                        <p:cTn id="22" dur="1" fill="hold">
+                                        <p:cTn id="20" dur="1" fill="hold">
                                           <p:stCondLst>
                                             <p:cond delay="0"/>
                                           </p:stCondLst>
@@ -12736,7 +12903,7 @@
               <a:t> </a:t>
             </a:r>
             <a:r>
-              <a:rPr lang="de-DE" sz="1800" dirty="0" err="1">
+              <a:rPr lang="de-DE" sz="1800" dirty="0" err="1" smtClean="0">
                 <a:solidFill>
                   <a:srgbClr val="000000"/>
                 </a:solidFill>
@@ -12745,13 +12912,40 @@
               <a:t>QuickFix</a:t>
             </a:r>
             <a:r>
+              <a:rPr lang="de-DE" sz="1800" dirty="0" smtClean="0">
+                <a:solidFill>
+                  <a:srgbClr val="000000"/>
+                </a:solidFill>
+                <a:latin typeface="Arial" charset="0"/>
+              </a:rPr>
+              <a:t> (First </a:t>
+            </a:r>
+            <a:r>
+              <a:rPr lang="de-DE" sz="1800" dirty="0" err="1" smtClean="0">
+                <a:solidFill>
+                  <a:srgbClr val="000000"/>
+                </a:solidFill>
+                <a:latin typeface="Arial" charset="0"/>
+              </a:rPr>
+              <a:t>Draft</a:t>
+            </a:r>
+            <a:r>
+              <a:rPr lang="de-DE" sz="1800" dirty="0" smtClean="0">
+                <a:solidFill>
+                  <a:srgbClr val="000000"/>
+                </a:solidFill>
+                <a:latin typeface="Arial" charset="0"/>
+              </a:rPr>
+              <a:t>) </a:t>
+            </a:r>
+            <a:r>
               <a:rPr lang="de-DE" sz="1800" dirty="0">
                 <a:solidFill>
                   <a:srgbClr val="000000"/>
                 </a:solidFill>
                 <a:latin typeface="Arial" charset="0"/>
               </a:rPr>
-              <a:t> unterstützt</a:t>
+              <a:t>unterstützt</a:t>
             </a:r>
           </a:p>
           <a:p>
@@ -13300,7 +13494,7 @@
           <a:graphicData uri="http://schemas.openxmlformats.org/presentationml/2006/ole">
             <mc:AlternateContent xmlns:mc="http://schemas.openxmlformats.org/markup-compatibility/2006">
               <mc:Choice xmlns:v="urn:schemas-microsoft-com:vml" Requires="v">
-                <p:oleObj spid="_x0000_s2104" name="Image" r:id="rId3" imgW="6628320" imgH="1180800" progId="Photoshop.Image.13">
+                <p:oleObj spid="_x0000_s2116" name="Image" r:id="rId3" imgW="6628320" imgH="1180800" progId="Photoshop.Image.13">
                   <p:embed/>
                 </p:oleObj>
               </mc:Choice>
@@ -13357,7 +13551,7 @@
           <a:graphicData uri="http://schemas.openxmlformats.org/presentationml/2006/ole">
             <mc:AlternateContent xmlns:mc="http://schemas.openxmlformats.org/markup-compatibility/2006">
               <mc:Choice xmlns:v="urn:schemas-microsoft-com:vml" Requires="v">
-                <p:oleObj spid="_x0000_s2105" name="Image" r:id="rId5" imgW="6628320" imgH="1180800" progId="Photoshop.Image.13">
+                <p:oleObj spid="_x0000_s2117" name="Image" r:id="rId5" imgW="6628320" imgH="1180800" progId="Photoshop.Image.13">
                   <p:embed/>
                 </p:oleObj>
               </mc:Choice>
@@ -13756,7 +13950,7 @@
           <a:graphicData uri="http://schemas.openxmlformats.org/presentationml/2006/ole">
             <mc:AlternateContent xmlns:mc="http://schemas.openxmlformats.org/markup-compatibility/2006">
               <mc:Choice xmlns:v="urn:schemas-microsoft-com:vml" Requires="v">
-                <p:oleObj spid="_x0000_s2106" name="Image" r:id="rId7" imgW="3809520" imgH="1764720" progId="Photoshop.Image.13">
+                <p:oleObj spid="_x0000_s2118" name="Image" r:id="rId7" imgW="3809520" imgH="1764720" progId="Photoshop.Image.13">
                   <p:embed/>
                 </p:oleObj>
               </mc:Choice>
@@ -15103,7 +15297,7 @@
           <a:graphicData uri="http://schemas.openxmlformats.org/presentationml/2006/ole">
             <mc:AlternateContent xmlns:mc="http://schemas.openxmlformats.org/markup-compatibility/2006">
               <mc:Choice xmlns:v="urn:schemas-microsoft-com:vml" Requires="v">
-                <p:oleObj spid="_x0000_s3086" name="Image" r:id="rId3" imgW="6628320" imgH="1180800" progId="Photoshop.Image.13">
+                <p:oleObj spid="_x0000_s3094" name="Image" r:id="rId3" imgW="6628320" imgH="1180800" progId="Photoshop.Image.13">
                   <p:embed/>
                 </p:oleObj>
               </mc:Choice>
@@ -15160,7 +15354,7 @@
           <a:graphicData uri="http://schemas.openxmlformats.org/presentationml/2006/ole">
             <mc:AlternateContent xmlns:mc="http://schemas.openxmlformats.org/markup-compatibility/2006">
               <mc:Choice xmlns:v="urn:schemas-microsoft-com:vml" Requires="v">
-                <p:oleObj spid="_x0000_s3087" name="Image" r:id="rId5" imgW="6628320" imgH="1180800" progId="Photoshop.Image.13">
+                <p:oleObj spid="_x0000_s3095" name="Image" r:id="rId5" imgW="6628320" imgH="1180800" progId="Photoshop.Image.13">
                   <p:embed/>
                 </p:oleObj>
               </mc:Choice>
@@ -20204,7 +20398,7 @@
           <a:graphicData uri="http://schemas.openxmlformats.org/presentationml/2006/ole">
             <mc:AlternateContent xmlns:mc="http://schemas.openxmlformats.org/markup-compatibility/2006">
               <mc:Choice xmlns:v="urn:schemas-microsoft-com:vml" Requires="v">
-                <p:oleObj spid="_x0000_s1060" name="Image" r:id="rId3" imgW="5765040" imgH="1180800" progId="Photoshop.Image.13">
+                <p:oleObj spid="_x0000_s1068" name="Image" r:id="rId3" imgW="5765040" imgH="1180800" progId="Photoshop.Image.13">
                   <p:embed/>
                 </p:oleObj>
               </mc:Choice>
@@ -20261,7 +20455,7 @@
           <a:graphicData uri="http://schemas.openxmlformats.org/presentationml/2006/ole">
             <mc:AlternateContent xmlns:mc="http://schemas.openxmlformats.org/markup-compatibility/2006">
               <mc:Choice xmlns:v="urn:schemas-microsoft-com:vml" Requires="v">
-                <p:oleObj spid="_x0000_s1061" name="Image" r:id="rId5" imgW="5765040" imgH="1180800" progId="Photoshop.Image.13">
+                <p:oleObj spid="_x0000_s1069" name="Image" r:id="rId5" imgW="5765040" imgH="1180800" progId="Photoshop.Image.13">
                   <p:embed/>
                 </p:oleObj>
               </mc:Choice>
@@ -32676,7 +32870,7 @@
         <p:spPr>
           <a:xfrm>
             <a:off x="936640" y="1361735"/>
-            <a:ext cx="7190581" cy="5946899"/>
+            <a:ext cx="7743760" cy="5946899"/>
           </a:xfrm>
         </p:spPr>
         <p:txBody>
@@ -32858,9 +33052,158 @@
                 <a:latin typeface="Arial" charset="0"/>
                 <a:hlinkClick r:id="rId5"/>
               </a:rPr>
-              <a:t>https://github.com/nkutsche/SchematronQuickFix-2017-11-17</a:t>
+              <a:t>https://</a:t>
+            </a:r>
+            <a:r>
+              <a:rPr lang="de-DE" sz="1600" dirty="0" smtClean="0">
+                <a:solidFill>
+                  <a:srgbClr val="000000"/>
+                </a:solidFill>
+                <a:latin typeface="Arial" charset="0"/>
+                <a:hlinkClick r:id="rId5"/>
+              </a:rPr>
+              <a:t>github.com/nkutsche/SchematronQuickFix-2017-11-17/tree/variants/de/xugber-2018-03-08</a:t>
             </a:r>
             <a:endParaRPr lang="de-DE" sz="1600" dirty="0">
+              <a:solidFill>
+                <a:srgbClr val="000000"/>
+              </a:solidFill>
+              <a:latin typeface="Arial" charset="0"/>
+            </a:endParaRPr>
+          </a:p>
+          <a:p>
+            <a:pPr marL="342878" indent="-342878" algn="l">
+              <a:lnSpc>
+                <a:spcPct val="150000"/>
+              </a:lnSpc>
+              <a:spcBef>
+                <a:spcPct val="0"/>
+              </a:spcBef>
+              <a:buFont typeface="Arial" pitchFamily="34" charset="0"/>
+              <a:buChar char="•"/>
+            </a:pPr>
+            <a:r>
+              <a:rPr lang="de-DE" sz="2000" dirty="0" err="1" smtClean="0">
+                <a:solidFill>
+                  <a:srgbClr val="000000"/>
+                </a:solidFill>
+                <a:latin typeface="Arial" charset="0"/>
+              </a:rPr>
+              <a:t>Github</a:t>
+            </a:r>
+            <a:r>
+              <a:rPr lang="de-DE" sz="2000" dirty="0" smtClean="0">
+                <a:solidFill>
+                  <a:srgbClr val="000000"/>
+                </a:solidFill>
+                <a:latin typeface="Arial" charset="0"/>
+              </a:rPr>
+              <a:t>-Organisation: </a:t>
+            </a:r>
+            <a:r>
+              <a:rPr lang="de-DE" sz="1600" dirty="0" smtClean="0">
+                <a:solidFill>
+                  <a:srgbClr val="000000"/>
+                </a:solidFill>
+                <a:latin typeface="Arial" charset="0"/>
+                <a:hlinkClick r:id="rId6"/>
+              </a:rPr>
+              <a:t>https</a:t>
+            </a:r>
+            <a:r>
+              <a:rPr lang="de-DE" sz="1600" dirty="0">
+                <a:solidFill>
+                  <a:srgbClr val="000000"/>
+                </a:solidFill>
+                <a:latin typeface="Arial" charset="0"/>
+                <a:hlinkClick r:id="rId6"/>
+              </a:rPr>
+              <a:t>://github.com/schematron-quickfix/</a:t>
+            </a:r>
+            <a:endParaRPr lang="de-DE" sz="1600" dirty="0">
+              <a:solidFill>
+                <a:srgbClr val="000000"/>
+              </a:solidFill>
+              <a:latin typeface="Arial" charset="0"/>
+            </a:endParaRPr>
+          </a:p>
+          <a:p>
+            <a:pPr marL="342878" indent="-342878" algn="l">
+              <a:lnSpc>
+                <a:spcPct val="150000"/>
+              </a:lnSpc>
+              <a:spcBef>
+                <a:spcPct val="0"/>
+              </a:spcBef>
+              <a:buFont typeface="Arial" pitchFamily="34" charset="0"/>
+              <a:buChar char="•"/>
+            </a:pPr>
+            <a:r>
+              <a:rPr lang="de-DE" sz="2000" dirty="0" smtClean="0">
+                <a:solidFill>
+                  <a:srgbClr val="000000"/>
+                </a:solidFill>
+                <a:latin typeface="Arial" charset="0"/>
+              </a:rPr>
+              <a:t>W3C-Gruppe: </a:t>
+            </a:r>
+            <a:r>
+              <a:rPr lang="de-DE" sz="1600" dirty="0" smtClean="0">
+                <a:solidFill>
+                  <a:srgbClr val="000000"/>
+                </a:solidFill>
+                <a:latin typeface="Arial" charset="0"/>
+                <a:hlinkClick r:id="rId7"/>
+              </a:rPr>
+              <a:t>https</a:t>
+            </a:r>
+            <a:r>
+              <a:rPr lang="de-DE" sz="1600" dirty="0">
+                <a:solidFill>
+                  <a:srgbClr val="000000"/>
+                </a:solidFill>
+                <a:latin typeface="Arial" charset="0"/>
+                <a:hlinkClick r:id="rId7"/>
+              </a:rPr>
+              <a:t>://www.w3.org/community/quickfix/</a:t>
+            </a:r>
+            <a:endParaRPr lang="de-DE" sz="1600" dirty="0">
+              <a:solidFill>
+                <a:srgbClr val="000000"/>
+              </a:solidFill>
+              <a:latin typeface="Arial" charset="0"/>
+            </a:endParaRPr>
+          </a:p>
+          <a:p>
+            <a:pPr marL="342878" indent="-342878" algn="l">
+              <a:lnSpc>
+                <a:spcPct val="150000"/>
+              </a:lnSpc>
+              <a:spcBef>
+                <a:spcPct val="0"/>
+              </a:spcBef>
+              <a:buFont typeface="Arial" pitchFamily="34" charset="0"/>
+              <a:buChar char="•"/>
+            </a:pPr>
+            <a:r>
+              <a:rPr lang="de-DE" sz="2000" dirty="0" err="1" smtClean="0">
+                <a:solidFill>
+                  <a:srgbClr val="000000"/>
+                </a:solidFill>
+                <a:latin typeface="Arial" charset="0"/>
+              </a:rPr>
+              <a:t>Plugin</a:t>
+            </a:r>
+            <a:r>
+              <a:rPr lang="de-DE" sz="2000" dirty="0">
+                <a:solidFill>
+                  <a:srgbClr val="000000"/>
+                </a:solidFill>
+                <a:latin typeface="Arial" charset="0"/>
+              </a:rPr>
+              <a:t>-Dokumentation: </a:t>
+            </a:r>
+            <a:endParaRPr lang="de-DE" sz="2000" dirty="0" smtClean="0">
               <a:solidFill>
                 <a:srgbClr val="000000"/>
               </a:solidFill>
@@ -32878,7 +33221,27 @@
               <a:buFont typeface="Arial" pitchFamily="34" charset="0"/>
               <a:buChar char="•"/>
             </a:pPr>
-            <a:endParaRPr lang="de-DE" sz="1600" dirty="0">
+            <a:r>
+              <a:rPr lang="de-DE" sz="1600" dirty="0" smtClean="0">
+                <a:solidFill>
+                  <a:srgbClr val="000000"/>
+                </a:solidFill>
+                <a:latin typeface="Arial" charset="0"/>
+                <a:hlinkClick r:id="rId8"/>
+              </a:rPr>
+              <a:t>https</a:t>
+            </a:r>
+            <a:r>
+              <a:rPr lang="de-DE" sz="1600" dirty="0">
+                <a:solidFill>
+                  <a:srgbClr val="000000"/>
+                </a:solidFill>
+                <a:latin typeface="Arial" charset="0"/>
+                <a:hlinkClick r:id="rId8"/>
+              </a:rPr>
+              <a:t>://github.com/nkutsche/presentations-EscaliOxygenPlugin</a:t>
+            </a:r>
+            <a:endParaRPr lang="de-DE" sz="1600" dirty="0" smtClean="0">
               <a:solidFill>
                 <a:srgbClr val="000000"/>
               </a:solidFill>
@@ -32897,23 +33260,29 @@
               <a:buChar char="•"/>
             </a:pPr>
             <a:r>
-              <a:rPr lang="de-DE" sz="2000" dirty="0" err="1">
-                <a:solidFill>
-                  <a:srgbClr val="000000"/>
-                </a:solidFill>
-                <a:latin typeface="Arial" charset="0"/>
-              </a:rPr>
-              <a:t>Github</a:t>
-            </a:r>
-            <a:r>
-              <a:rPr lang="de-DE" sz="2000" dirty="0">
-                <a:solidFill>
-                  <a:srgbClr val="000000"/>
-                </a:solidFill>
-                <a:latin typeface="Arial" charset="0"/>
-              </a:rPr>
-              <a:t>-Organisation</a:t>
-            </a:r>
+              <a:rPr lang="de-DE" sz="2000" dirty="0" err="1" smtClean="0">
+                <a:solidFill>
+                  <a:srgbClr val="000000"/>
+                </a:solidFill>
+                <a:latin typeface="Arial" charset="0"/>
+              </a:rPr>
+              <a:t>oXygen</a:t>
+            </a:r>
+            <a:r>
+              <a:rPr lang="de-DE" sz="2000" dirty="0" smtClean="0">
+                <a:solidFill>
+                  <a:srgbClr val="000000"/>
+                </a:solidFill>
+                <a:latin typeface="Arial" charset="0"/>
+              </a:rPr>
+              <a:t>-Dokumentation</a:t>
+            </a:r>
+            <a:endParaRPr lang="de-DE" sz="2000" dirty="0">
+              <a:solidFill>
+                <a:srgbClr val="000000"/>
+              </a:solidFill>
+              <a:latin typeface="Arial" charset="0"/>
+            </a:endParaRPr>
           </a:p>
           <a:p>
             <a:pPr marL="800067" lvl="1" indent="-342878" algn="l">
@@ -32932,114 +33301,7 @@
                   <a:srgbClr val="000000"/>
                 </a:solidFill>
                 <a:latin typeface="Arial" charset="0"/>
-                <a:hlinkClick r:id="rId6"/>
-              </a:rPr>
-              <a:t>https://github.com/schematron-quickfix/</a:t>
-            </a:r>
-            <a:endParaRPr lang="de-DE" sz="1600" dirty="0">
-              <a:solidFill>
-                <a:srgbClr val="000000"/>
-              </a:solidFill>
-              <a:latin typeface="Arial" charset="0"/>
-            </a:endParaRPr>
-          </a:p>
-          <a:p>
-            <a:pPr marL="342878" indent="-342878" algn="l">
-              <a:lnSpc>
-                <a:spcPct val="150000"/>
-              </a:lnSpc>
-              <a:spcBef>
-                <a:spcPct val="0"/>
-              </a:spcBef>
-              <a:buFont typeface="Arial" pitchFamily="34" charset="0"/>
-              <a:buChar char="•"/>
-            </a:pPr>
-            <a:r>
-              <a:rPr lang="de-DE" sz="2000" dirty="0">
-                <a:solidFill>
-                  <a:srgbClr val="000000"/>
-                </a:solidFill>
-                <a:latin typeface="Arial" charset="0"/>
-              </a:rPr>
-              <a:t>W3C-Gruppe</a:t>
-            </a:r>
-          </a:p>
-          <a:p>
-            <a:pPr marL="800067" lvl="1" indent="-342878" algn="l">
-              <a:lnSpc>
-                <a:spcPct val="150000"/>
-              </a:lnSpc>
-              <a:spcBef>
-                <a:spcPct val="0"/>
-              </a:spcBef>
-              <a:buFont typeface="Arial" pitchFamily="34" charset="0"/>
-              <a:buChar char="•"/>
-            </a:pPr>
-            <a:r>
-              <a:rPr lang="de-DE" sz="1600" dirty="0">
-                <a:solidFill>
-                  <a:srgbClr val="000000"/>
-                </a:solidFill>
-                <a:latin typeface="Arial" charset="0"/>
-                <a:hlinkClick r:id="rId7"/>
-              </a:rPr>
-              <a:t>https://www.w3.org/community/quickfix/</a:t>
-            </a:r>
-            <a:endParaRPr lang="de-DE" sz="1600" dirty="0">
-              <a:solidFill>
-                <a:srgbClr val="000000"/>
-              </a:solidFill>
-              <a:latin typeface="Arial" charset="0"/>
-            </a:endParaRPr>
-          </a:p>
-          <a:p>
-            <a:pPr marL="342878" indent="-342878" algn="l">
-              <a:lnSpc>
-                <a:spcPct val="150000"/>
-              </a:lnSpc>
-              <a:spcBef>
-                <a:spcPct val="0"/>
-              </a:spcBef>
-              <a:buFont typeface="Arial" pitchFamily="34" charset="0"/>
-              <a:buChar char="•"/>
-            </a:pPr>
-            <a:r>
-              <a:rPr lang="de-DE" sz="2000" dirty="0" err="1">
-                <a:solidFill>
-                  <a:srgbClr val="000000"/>
-                </a:solidFill>
-                <a:latin typeface="Arial" charset="0"/>
-              </a:rPr>
-              <a:t>oXygen</a:t>
-            </a:r>
-            <a:r>
-              <a:rPr lang="de-DE" sz="2000" dirty="0">
-                <a:solidFill>
-                  <a:srgbClr val="000000"/>
-                </a:solidFill>
-                <a:latin typeface="Arial" charset="0"/>
-              </a:rPr>
-              <a:t>-Dokumentation</a:t>
-            </a:r>
-          </a:p>
-          <a:p>
-            <a:pPr marL="800067" lvl="1" indent="-342878" algn="l">
-              <a:lnSpc>
-                <a:spcPct val="150000"/>
-              </a:lnSpc>
-              <a:spcBef>
-                <a:spcPct val="0"/>
-              </a:spcBef>
-              <a:buFont typeface="Arial" pitchFamily="34" charset="0"/>
-              <a:buChar char="•"/>
-            </a:pPr>
-            <a:r>
-              <a:rPr lang="de-DE" sz="1600" dirty="0">
-                <a:solidFill>
-                  <a:srgbClr val="000000"/>
-                </a:solidFill>
-                <a:latin typeface="Arial" charset="0"/>
-                <a:hlinkClick r:id="rId8"/>
+                <a:hlinkClick r:id="rId9"/>
               </a:rPr>
               <a:t>https://www.oxygenxml.com/doc/versions/19.1/ug-editor/topics/schematron-quick-fixes.html</a:t>
             </a:r>
@@ -33344,16 +33606,7 @@
                 </a:solidFill>
                 <a:latin typeface="Arial" charset="0"/>
               </a:rPr>
-              <a:t> </a:t>
-            </a:r>
-            <a:r>
-              <a:rPr lang="de-DE" sz="1600" dirty="0" smtClean="0">
-                <a:solidFill>
-                  <a:srgbClr val="000000"/>
-                </a:solidFill>
-                <a:latin typeface="Arial" charset="0"/>
-              </a:rPr>
-              <a:t>zusammen mit Octavian </a:t>
+              <a:t> zusammen mit Octavian </a:t>
             </a:r>
             <a:r>
               <a:rPr lang="de-DE" sz="1600" dirty="0" err="1" smtClean="0">
@@ -33824,9 +34077,6 @@
           </a:p>
           <a:p>
             <a:pPr marL="800067" lvl="1" indent="-342878" algn="l">
-              <a:lnSpc>
-                <a:spcPct val="150000"/>
-              </a:lnSpc>
               <a:spcBef>
                 <a:spcPct val="0"/>
               </a:spcBef>
@@ -34199,33 +34449,15 @@
                                   </p:childTnLst>
                                 </p:cTn>
                               </p:par>
-                            </p:childTnLst>
-                          </p:cTn>
-                        </p:par>
-                      </p:childTnLst>
-                    </p:cTn>
-                  </p:par>
-                  <p:par>
-                    <p:cTn id="27" fill="hold">
-                      <p:stCondLst>
-                        <p:cond delay="indefinite"/>
-                      </p:stCondLst>
-                      <p:childTnLst>
-                        <p:par>
-                          <p:cTn id="28" fill="hold">
-                            <p:stCondLst>
-                              <p:cond delay="0"/>
-                            </p:stCondLst>
-                            <p:childTnLst>
                               <p:par>
-                                <p:cTn id="29" presetID="1" presetClass="entr" presetSubtype="0" fill="hold" nodeType="clickEffect">
+                                <p:cTn id="27" presetID="1" presetClass="entr" presetSubtype="0" fill="hold" nodeType="withEffect">
                                   <p:stCondLst>
                                     <p:cond delay="0"/>
                                   </p:stCondLst>
                                   <p:childTnLst>
                                     <p:set>
                                       <p:cBhvr>
-                                        <p:cTn id="30" dur="1" fill="hold">
+                                        <p:cTn id="28" dur="1" fill="hold">
                                           <p:stCondLst>
                                             <p:cond delay="0"/>
                                           </p:stCondLst>
@@ -34249,14 +34481,14 @@
                                 </p:cTn>
                               </p:par>
                               <p:par>
-                                <p:cTn id="31" presetID="1" presetClass="entr" presetSubtype="0" fill="hold" nodeType="withEffect">
+                                <p:cTn id="29" presetID="1" presetClass="entr" presetSubtype="0" fill="hold" nodeType="withEffect">
                                   <p:stCondLst>
                                     <p:cond delay="0"/>
                                   </p:stCondLst>
                                   <p:childTnLst>
                                     <p:set>
                                       <p:cBhvr>
-                                        <p:cTn id="32" dur="1" fill="hold">
+                                        <p:cTn id="30" dur="1" fill="hold">
                                           <p:stCondLst>
                                             <p:cond delay="0"/>
                                           </p:stCondLst>
@@ -34286,19 +34518,50 @@
                     </p:cTn>
                   </p:par>
                   <p:par>
-                    <p:cTn id="33" fill="hold">
+                    <p:cTn id="31" fill="hold">
                       <p:stCondLst>
                         <p:cond delay="indefinite"/>
                       </p:stCondLst>
                       <p:childTnLst>
                         <p:par>
-                          <p:cTn id="34" fill="hold">
+                          <p:cTn id="32" fill="hold">
                             <p:stCondLst>
                               <p:cond delay="0"/>
                             </p:stCondLst>
                             <p:childTnLst>
                               <p:par>
-                                <p:cTn id="35" presetID="1" presetClass="entr" presetSubtype="0" fill="hold" nodeType="clickEffect">
+                                <p:cTn id="33" presetID="1" presetClass="entr" presetSubtype="0" fill="hold" nodeType="clickEffect">
+                                  <p:stCondLst>
+                                    <p:cond delay="0"/>
+                                  </p:stCondLst>
+                                  <p:childTnLst>
+                                    <p:set>
+                                      <p:cBhvr>
+                                        <p:cTn id="34" dur="1" fill="hold">
+                                          <p:stCondLst>
+                                            <p:cond delay="0"/>
+                                          </p:stCondLst>
+                                        </p:cTn>
+                                        <p:tgtEl>
+                                          <p:spTgt spid="4098">
+                                            <p:txEl>
+                                              <p:pRg st="9" end="9"/>
+                                            </p:txEl>
+                                          </p:spTgt>
+                                        </p:tgtEl>
+                                        <p:attrNameLst>
+                                          <p:attrName>style.visibility</p:attrName>
+                                        </p:attrNameLst>
+                                      </p:cBhvr>
+                                      <p:to>
+                                        <p:strVal val="visible"/>
+                                      </p:to>
+                                    </p:set>
+                                  </p:childTnLst>
+                                </p:cTn>
+                              </p:par>
+                              <p:par>
+                                <p:cTn id="35" presetID="1" presetClass="entr" presetSubtype="0" fill="hold" nodeType="withEffect">
                                   <p:stCondLst>
                                     <p:cond delay="0"/>
                                   </p:stCondLst>
@@ -34313,7 +34576,7 @@
                                         <p:tgtEl>
                                           <p:spTgt spid="4098">
                                             <p:txEl>
-                                              <p:pRg st="9" end="9"/>
+                                              <p:pRg st="10" end="10"/>
                                             </p:txEl>
                                           </p:spTgt>
                                         </p:tgtEl>
@@ -34362,55 +34625,6 @@
                                         <p:tgtEl>
                                           <p:spTgt spid="4098">
                                             <p:txEl>
-                                              <p:pRg st="10" end="10"/>
-                                            </p:txEl>
-                                          </p:spTgt>
-                                        </p:tgtEl>
-                                        <p:attrNameLst>
-                                          <p:attrName>style.visibility</p:attrName>
-                                        </p:attrNameLst>
-                                      </p:cBhvr>
-                                      <p:to>
-                                        <p:strVal val="visible"/>
-                                      </p:to>
-                                    </p:set>
-                                  </p:childTnLst>
-                                </p:cTn>
-                              </p:par>
-                            </p:childTnLst>
-                          </p:cTn>
-                        </p:par>
-                      </p:childTnLst>
-                    </p:cTn>
-                  </p:par>
-                  <p:par>
-                    <p:cTn id="41" fill="hold">
-                      <p:stCondLst>
-                        <p:cond delay="indefinite"/>
-                      </p:stCondLst>
-                      <p:childTnLst>
-                        <p:par>
-                          <p:cTn id="42" fill="hold">
-                            <p:stCondLst>
-                              <p:cond delay="0"/>
-                            </p:stCondLst>
-                            <p:childTnLst>
-                              <p:par>
-                                <p:cTn id="43" presetID="1" presetClass="entr" presetSubtype="0" fill="hold" nodeType="clickEffect">
-                                  <p:stCondLst>
-                                    <p:cond delay="0"/>
-                                  </p:stCondLst>
-                                  <p:childTnLst>
-                                    <p:set>
-                                      <p:cBhvr>
-                                        <p:cTn id="44" dur="1" fill="hold">
-                                          <p:stCondLst>
-                                            <p:cond delay="0"/>
-                                          </p:stCondLst>
-                                        </p:cTn>
-                                        <p:tgtEl>
-                                          <p:spTgt spid="4098">
-                                            <p:txEl>
                                               <p:pRg st="11" end="11"/>
                                             </p:txEl>
                                           </p:spTgt>
@@ -34426,33 +34640,15 @@
                                   </p:childTnLst>
                                 </p:cTn>
                               </p:par>
-                            </p:childTnLst>
-                          </p:cTn>
-                        </p:par>
-                      </p:childTnLst>
-                    </p:cTn>
-                  </p:par>
-                  <p:par>
-                    <p:cTn id="45" fill="hold">
-                      <p:stCondLst>
-                        <p:cond delay="indefinite"/>
-                      </p:stCondLst>
-                      <p:childTnLst>
-                        <p:par>
-                          <p:cTn id="46" fill="hold">
-                            <p:stCondLst>
-                              <p:cond delay="0"/>
-                            </p:stCondLst>
-                            <p:childTnLst>
                               <p:par>
-                                <p:cTn id="47" presetID="1" presetClass="entr" presetSubtype="0" fill="hold" nodeType="clickEffect">
+                                <p:cTn id="41" presetID="1" presetClass="entr" presetSubtype="0" fill="hold" nodeType="withEffect">
                                   <p:stCondLst>
                                     <p:cond delay="0"/>
                                   </p:stCondLst>
                                   <p:childTnLst>
                                     <p:set>
                                       <p:cBhvr>
-                                        <p:cTn id="48" dur="1" fill="hold">
+                                        <p:cTn id="42" dur="1" fill="hold">
                                           <p:stCondLst>
                                             <p:cond delay="0"/>
                                           </p:stCondLst>

--- a/SQF-Escali.pptx
+++ b/SQF-Escali.pptx
@@ -9229,6 +9229,76 @@
           </a:p>
         </p:txBody>
       </p:sp>
+      <p:sp>
+        <p:nvSpPr>
+          <p:cNvPr id="12" name="Rectangle 2"/>
+          <p:cNvSpPr>
+            <a:spLocks noGrp="1" noChangeArrowheads="1"/>
+          </p:cNvSpPr>
+          <p:nvPr>
+            <p:ph type="subTitle" idx="1"/>
+          </p:nvPr>
+        </p:nvSpPr>
+        <p:spPr>
+          <a:xfrm>
+            <a:off x="936639" y="5379635"/>
+            <a:ext cx="8751879" cy="1928992"/>
+          </a:xfrm>
+        </p:spPr>
+        <p:txBody>
+          <a:bodyPr vert="horz" wrap="square" lIns="0" tIns="0" rIns="0" bIns="0" numCol="1" anchor="t" anchorCtr="0" compatLnSpc="1">
+            <a:prstTxWarp prst="textNoShape">
+              <a:avLst/>
+            </a:prstTxWarp>
+          </a:bodyPr>
+          <a:lstStyle/>
+          <a:p>
+            <a:pPr marL="342878" indent="-342878" algn="l">
+              <a:lnSpc>
+                <a:spcPct val="150000"/>
+              </a:lnSpc>
+              <a:spcBef>
+                <a:spcPct val="0"/>
+              </a:spcBef>
+              <a:buFont typeface="Arial" pitchFamily="34" charset="0"/>
+              <a:buChar char="•"/>
+            </a:pPr>
+            <a:r>
+              <a:rPr lang="de-DE" sz="2400" dirty="0" smtClean="0">
+                <a:solidFill>
+                  <a:srgbClr val="000000"/>
+                </a:solidFill>
+                <a:latin typeface="Arial" charset="0"/>
+              </a:rPr>
+              <a:t>Bis auf @</a:t>
+            </a:r>
+            <a:r>
+              <a:rPr lang="de-DE" sz="2400" dirty="0" err="1" smtClean="0">
+                <a:solidFill>
+                  <a:srgbClr val="000000"/>
+                </a:solidFill>
+                <a:latin typeface="Arial" charset="0"/>
+              </a:rPr>
+              <a:t>select</a:t>
+            </a:r>
+            <a:r>
+              <a:rPr lang="de-DE" sz="2400" dirty="0" smtClean="0">
+                <a:solidFill>
+                  <a:srgbClr val="000000"/>
+                </a:solidFill>
+                <a:latin typeface="Arial" charset="0"/>
+              </a:rPr>
+              <a:t> und „Template-Content“ kann hier beliebig kombiniert werden.</a:t>
+            </a:r>
+            <a:endParaRPr lang="de-DE" sz="2400" dirty="0">
+              <a:solidFill>
+                <a:srgbClr val="000000"/>
+              </a:solidFill>
+              <a:latin typeface="Arial" charset="0"/>
+            </a:endParaRPr>
+          </a:p>
+        </p:txBody>
+      </p:sp>
     </p:spTree>
     <p:extLst>
       <p:ext uri="{BB962C8B-B14F-4D97-AF65-F5344CB8AC3E}">
@@ -9483,6 +9553,37 @@
                                   </p:childTnLst>
                                 </p:cTn>
                               </p:par>
+                              <p:par>
+                                <p:cTn id="23" presetID="1" presetClass="entr" presetSubtype="0" fill="hold" nodeType="withEffect">
+                                  <p:stCondLst>
+                                    <p:cond delay="0"/>
+                                  </p:stCondLst>
+                                  <p:childTnLst>
+                                    <p:set>
+                                      <p:cBhvr>
+                                        <p:cTn id="24" dur="1" fill="hold">
+                                          <p:stCondLst>
+                                            <p:cond delay="0"/>
+                                          </p:stCondLst>
+                                        </p:cTn>
+                                        <p:tgtEl>
+                                          <p:spTgt spid="12">
+                                            <p:txEl>
+                                              <p:pRg st="0" end="0"/>
+                                            </p:txEl>
+                                          </p:spTgt>
+                                        </p:tgtEl>
+                                        <p:attrNameLst>
+                                          <p:attrName>style.visibility</p:attrName>
+                                        </p:attrNameLst>
+                                      </p:cBhvr>
+                                      <p:to>
+                                        <p:strVal val="visible"/>
+                                      </p:to>
+                                    </p:set>
+                                  </p:childTnLst>
+                                </p:cTn>
+                              </p:par>
                             </p:childTnLst>
                           </p:cTn>
                         </p:par>
@@ -9754,6 +9855,76 @@
               <a:solidFill>
                 <a:schemeClr val="tx1"/>
               </a:solidFill>
+            </a:endParaRPr>
+          </a:p>
+        </p:txBody>
+      </p:sp>
+      <p:sp>
+        <p:nvSpPr>
+          <p:cNvPr id="8" name="Rectangle 2"/>
+          <p:cNvSpPr>
+            <a:spLocks noGrp="1" noChangeArrowheads="1"/>
+          </p:cNvSpPr>
+          <p:nvPr>
+            <p:ph type="subTitle" idx="1"/>
+          </p:nvPr>
+        </p:nvSpPr>
+        <p:spPr>
+          <a:xfrm>
+            <a:off x="936639" y="5379635"/>
+            <a:ext cx="8751879" cy="1928992"/>
+          </a:xfrm>
+        </p:spPr>
+        <p:txBody>
+          <a:bodyPr vert="horz" wrap="square" lIns="0" tIns="0" rIns="0" bIns="0" numCol="1" anchor="t" anchorCtr="0" compatLnSpc="1">
+            <a:prstTxWarp prst="textNoShape">
+              <a:avLst/>
+            </a:prstTxWarp>
+          </a:bodyPr>
+          <a:lstStyle/>
+          <a:p>
+            <a:pPr marL="342878" indent="-342878" algn="l">
+              <a:lnSpc>
+                <a:spcPct val="150000"/>
+              </a:lnSpc>
+              <a:spcBef>
+                <a:spcPct val="0"/>
+              </a:spcBef>
+              <a:buFont typeface="Arial" pitchFamily="34" charset="0"/>
+              <a:buChar char="•"/>
+            </a:pPr>
+            <a:r>
+              <a:rPr lang="de-DE" sz="2400" dirty="0" smtClean="0">
+                <a:solidFill>
+                  <a:srgbClr val="000000"/>
+                </a:solidFill>
+                <a:latin typeface="Arial" charset="0"/>
+              </a:rPr>
+              <a:t>Bis auf @</a:t>
+            </a:r>
+            <a:r>
+              <a:rPr lang="de-DE" sz="2400" dirty="0" err="1" smtClean="0">
+                <a:solidFill>
+                  <a:srgbClr val="000000"/>
+                </a:solidFill>
+                <a:latin typeface="Arial" charset="0"/>
+              </a:rPr>
+              <a:t>select</a:t>
+            </a:r>
+            <a:r>
+              <a:rPr lang="de-DE" sz="2400" dirty="0" smtClean="0">
+                <a:solidFill>
+                  <a:srgbClr val="000000"/>
+                </a:solidFill>
+                <a:latin typeface="Arial" charset="0"/>
+              </a:rPr>
+              <a:t> und „Template-Content“ kann hier beliebig kombiniert werden.</a:t>
+            </a:r>
+            <a:endParaRPr lang="de-DE" sz="2400" dirty="0">
+              <a:solidFill>
+                <a:srgbClr val="000000"/>
+              </a:solidFill>
+              <a:latin typeface="Arial" charset="0"/>
             </a:endParaRPr>
           </a:p>
         </p:txBody>
@@ -9980,6 +10151,37 @@
                                       </p:cBhvr>
                                       <p:to>
                                         <p:strVal val="hidden"/>
+                                      </p:to>
+                                    </p:set>
+                                  </p:childTnLst>
+                                </p:cTn>
+                              </p:par>
+                              <p:par>
+                                <p:cTn id="21" presetID="1" presetClass="entr" presetSubtype="0" fill="hold" nodeType="withEffect">
+                                  <p:stCondLst>
+                                    <p:cond delay="0"/>
+                                  </p:stCondLst>
+                                  <p:childTnLst>
+                                    <p:set>
+                                      <p:cBhvr>
+                                        <p:cTn id="22" dur="1" fill="hold">
+                                          <p:stCondLst>
+                                            <p:cond delay="0"/>
+                                          </p:stCondLst>
+                                        </p:cTn>
+                                        <p:tgtEl>
+                                          <p:spTgt spid="8">
+                                            <p:txEl>
+                                              <p:pRg st="0" end="0"/>
+                                            </p:txEl>
+                                          </p:spTgt>
+                                        </p:tgtEl>
+                                        <p:attrNameLst>
+                                          <p:attrName>style.visibility</p:attrName>
+                                        </p:attrNameLst>
+                                      </p:cBhvr>
+                                      <p:to>
+                                        <p:strVal val="visible"/>
                                       </p:to>
                                     </p:set>
                                   </p:childTnLst>
@@ -13494,7 +13696,7 @@
           <a:graphicData uri="http://schemas.openxmlformats.org/presentationml/2006/ole">
             <mc:AlternateContent xmlns:mc="http://schemas.openxmlformats.org/markup-compatibility/2006">
               <mc:Choice xmlns:v="urn:schemas-microsoft-com:vml" Requires="v">
-                <p:oleObj spid="_x0000_s2116" name="Image" r:id="rId3" imgW="6628320" imgH="1180800" progId="Photoshop.Image.13">
+                <p:oleObj spid="_x0000_s2125" name="Image" r:id="rId3" imgW="6628320" imgH="1180800" progId="Photoshop.Image.13">
                   <p:embed/>
                 </p:oleObj>
               </mc:Choice>
@@ -13551,7 +13753,7 @@
           <a:graphicData uri="http://schemas.openxmlformats.org/presentationml/2006/ole">
             <mc:AlternateContent xmlns:mc="http://schemas.openxmlformats.org/markup-compatibility/2006">
               <mc:Choice xmlns:v="urn:schemas-microsoft-com:vml" Requires="v">
-                <p:oleObj spid="_x0000_s2117" name="Image" r:id="rId5" imgW="6628320" imgH="1180800" progId="Photoshop.Image.13">
+                <p:oleObj spid="_x0000_s2126" name="Image" r:id="rId5" imgW="6628320" imgH="1180800" progId="Photoshop.Image.13">
                   <p:embed/>
                 </p:oleObj>
               </mc:Choice>
@@ -13950,7 +14152,7 @@
           <a:graphicData uri="http://schemas.openxmlformats.org/presentationml/2006/ole">
             <mc:AlternateContent xmlns:mc="http://schemas.openxmlformats.org/markup-compatibility/2006">
               <mc:Choice xmlns:v="urn:schemas-microsoft-com:vml" Requires="v">
-                <p:oleObj spid="_x0000_s2118" name="Image" r:id="rId7" imgW="3809520" imgH="1764720" progId="Photoshop.Image.13">
+                <p:oleObj spid="_x0000_s2127" name="Image" r:id="rId7" imgW="3809520" imgH="1764720" progId="Photoshop.Image.13">
                   <p:embed/>
                 </p:oleObj>
               </mc:Choice>
@@ -15297,7 +15499,7 @@
           <a:graphicData uri="http://schemas.openxmlformats.org/presentationml/2006/ole">
             <mc:AlternateContent xmlns:mc="http://schemas.openxmlformats.org/markup-compatibility/2006">
               <mc:Choice xmlns:v="urn:schemas-microsoft-com:vml" Requires="v">
-                <p:oleObj spid="_x0000_s3094" name="Image" r:id="rId3" imgW="6628320" imgH="1180800" progId="Photoshop.Image.13">
+                <p:oleObj spid="_x0000_s3100" name="Image" r:id="rId3" imgW="6628320" imgH="1180800" progId="Photoshop.Image.13">
                   <p:embed/>
                 </p:oleObj>
               </mc:Choice>
@@ -15354,7 +15556,7 @@
           <a:graphicData uri="http://schemas.openxmlformats.org/presentationml/2006/ole">
             <mc:AlternateContent xmlns:mc="http://schemas.openxmlformats.org/markup-compatibility/2006">
               <mc:Choice xmlns:v="urn:schemas-microsoft-com:vml" Requires="v">
-                <p:oleObj spid="_x0000_s3095" name="Image" r:id="rId5" imgW="6628320" imgH="1180800" progId="Photoshop.Image.13">
+                <p:oleObj spid="_x0000_s3101" name="Image" r:id="rId5" imgW="6628320" imgH="1180800" progId="Photoshop.Image.13">
                   <p:embed/>
                 </p:oleObj>
               </mc:Choice>
@@ -20398,7 +20600,7 @@
           <a:graphicData uri="http://schemas.openxmlformats.org/presentationml/2006/ole">
             <mc:AlternateContent xmlns:mc="http://schemas.openxmlformats.org/markup-compatibility/2006">
               <mc:Choice xmlns:v="urn:schemas-microsoft-com:vml" Requires="v">
-                <p:oleObj spid="_x0000_s1068" name="Image" r:id="rId3" imgW="5765040" imgH="1180800" progId="Photoshop.Image.13">
+                <p:oleObj spid="_x0000_s1074" name="Image" r:id="rId3" imgW="5765040" imgH="1180800" progId="Photoshop.Image.13">
                   <p:embed/>
                 </p:oleObj>
               </mc:Choice>
@@ -20455,7 +20657,7 @@
           <a:graphicData uri="http://schemas.openxmlformats.org/presentationml/2006/ole">
             <mc:AlternateContent xmlns:mc="http://schemas.openxmlformats.org/markup-compatibility/2006">
               <mc:Choice xmlns:v="urn:schemas-microsoft-com:vml" Requires="v">
-                <p:oleObj spid="_x0000_s1069" name="Image" r:id="rId5" imgW="5765040" imgH="1180800" progId="Photoshop.Image.13">
+                <p:oleObj spid="_x0000_s1075" name="Image" r:id="rId5" imgW="5765040" imgH="1180800" progId="Photoshop.Image.13">
                   <p:embed/>
                 </p:oleObj>
               </mc:Choice>
